--- a/bigdata4 scraper.pptx
+++ b/bigdata4 scraper.pptx
@@ -5,7 +5,7 @@
     <p:sldMasterId id="2147483672" r:id="rId1"/>
   </p:sldMasterIdLst>
   <p:notesMasterIdLst>
-    <p:notesMasterId r:id="rId37"/>
+    <p:notesMasterId r:id="rId38"/>
   </p:notesMasterIdLst>
   <p:sldIdLst>
     <p:sldId id="277" r:id="rId2"/>
@@ -31,18 +31,19 @@
     <p:sldId id="453" r:id="rId22"/>
     <p:sldId id="454" r:id="rId23"/>
     <p:sldId id="455" r:id="rId24"/>
-    <p:sldId id="456" r:id="rId25"/>
-    <p:sldId id="439" r:id="rId26"/>
-    <p:sldId id="441" r:id="rId27"/>
-    <p:sldId id="442" r:id="rId28"/>
-    <p:sldId id="457" r:id="rId29"/>
-    <p:sldId id="458" r:id="rId30"/>
-    <p:sldId id="459" r:id="rId31"/>
-    <p:sldId id="430" r:id="rId32"/>
-    <p:sldId id="431" r:id="rId33"/>
-    <p:sldId id="460" r:id="rId34"/>
-    <p:sldId id="461" r:id="rId35"/>
-    <p:sldId id="443" r:id="rId36"/>
+    <p:sldId id="462" r:id="rId25"/>
+    <p:sldId id="456" r:id="rId26"/>
+    <p:sldId id="439" r:id="rId27"/>
+    <p:sldId id="441" r:id="rId28"/>
+    <p:sldId id="442" r:id="rId29"/>
+    <p:sldId id="457" r:id="rId30"/>
+    <p:sldId id="458" r:id="rId31"/>
+    <p:sldId id="459" r:id="rId32"/>
+    <p:sldId id="430" r:id="rId33"/>
+    <p:sldId id="431" r:id="rId34"/>
+    <p:sldId id="460" r:id="rId35"/>
+    <p:sldId id="461" r:id="rId36"/>
+    <p:sldId id="443" r:id="rId37"/>
   </p:sldIdLst>
   <p:sldSz cx="12192000" cy="6858000"/>
   <p:notesSz cx="6858000" cy="9144000"/>
@@ -10421,7 +10422,7 @@
           <a:p>
             <a:fld id="{17A01FF7-A935-40EB-819B-3B1FDE25395B}" type="datetimeFigureOut">
               <a:rPr kumimoji="1" lang="ja-JP" altLang="en-US" smtClean="0"/>
-              <a:t>2024/2/17</a:t>
+              <a:t>2024/6/4</a:t>
             </a:fld>
             <a:endParaRPr kumimoji="1" lang="ja-JP" altLang="en-US"/>
           </a:p>
@@ -10935,7 +10936,7 @@
           <a:p>
             <a:fld id="{2ABC02D7-CBD1-4D33-B166-78A898DF0F76}" type="datetimeFigureOut">
               <a:rPr kumimoji="1" lang="ja-JP" altLang="en-US" smtClean="0"/>
-              <a:t>2024/2/17</a:t>
+              <a:t>2024/6/4</a:t>
             </a:fld>
             <a:endParaRPr kumimoji="1" lang="ja-JP" altLang="en-US"/>
           </a:p>
@@ -11137,7 +11138,7 @@
           <a:p>
             <a:fld id="{2ABC02D7-CBD1-4D33-B166-78A898DF0F76}" type="datetimeFigureOut">
               <a:rPr kumimoji="1" lang="ja-JP" altLang="en-US" smtClean="0"/>
-              <a:t>2024/2/17</a:t>
+              <a:t>2024/6/4</a:t>
             </a:fld>
             <a:endParaRPr kumimoji="1" lang="ja-JP" altLang="en-US"/>
           </a:p>
@@ -11349,7 +11350,7 @@
           <a:p>
             <a:fld id="{2ABC02D7-CBD1-4D33-B166-78A898DF0F76}" type="datetimeFigureOut">
               <a:rPr kumimoji="1" lang="ja-JP" altLang="en-US" smtClean="0"/>
-              <a:t>2024/2/17</a:t>
+              <a:t>2024/6/4</a:t>
             </a:fld>
             <a:endParaRPr kumimoji="1" lang="ja-JP" altLang="en-US"/>
           </a:p>
@@ -11551,7 +11552,7 @@
           <a:p>
             <a:fld id="{2ABC02D7-CBD1-4D33-B166-78A898DF0F76}" type="datetimeFigureOut">
               <a:rPr kumimoji="1" lang="ja-JP" altLang="en-US" smtClean="0"/>
-              <a:t>2024/2/17</a:t>
+              <a:t>2024/6/4</a:t>
             </a:fld>
             <a:endParaRPr kumimoji="1" lang="ja-JP" altLang="en-US"/>
           </a:p>
@@ -11797,7 +11798,7 @@
           <a:p>
             <a:fld id="{2ABC02D7-CBD1-4D33-B166-78A898DF0F76}" type="datetimeFigureOut">
               <a:rPr kumimoji="1" lang="ja-JP" altLang="en-US" smtClean="0"/>
-              <a:t>2024/2/17</a:t>
+              <a:t>2024/6/4</a:t>
             </a:fld>
             <a:endParaRPr kumimoji="1" lang="ja-JP" altLang="en-US"/>
           </a:p>
@@ -12093,7 +12094,7 @@
           <a:p>
             <a:fld id="{2ABC02D7-CBD1-4D33-B166-78A898DF0F76}" type="datetimeFigureOut">
               <a:rPr kumimoji="1" lang="ja-JP" altLang="en-US" smtClean="0"/>
-              <a:t>2024/2/17</a:t>
+              <a:t>2024/6/4</a:t>
             </a:fld>
             <a:endParaRPr kumimoji="1" lang="ja-JP" altLang="en-US"/>
           </a:p>
@@ -12524,7 +12525,7 @@
           <a:p>
             <a:fld id="{2ABC02D7-CBD1-4D33-B166-78A898DF0F76}" type="datetimeFigureOut">
               <a:rPr kumimoji="1" lang="ja-JP" altLang="en-US" smtClean="0"/>
-              <a:t>2024/2/17</a:t>
+              <a:t>2024/6/4</a:t>
             </a:fld>
             <a:endParaRPr kumimoji="1" lang="ja-JP" altLang="en-US"/>
           </a:p>
@@ -12642,7 +12643,7 @@
           <a:p>
             <a:fld id="{2ABC02D7-CBD1-4D33-B166-78A898DF0F76}" type="datetimeFigureOut">
               <a:rPr kumimoji="1" lang="ja-JP" altLang="en-US" smtClean="0"/>
-              <a:t>2024/2/17</a:t>
+              <a:t>2024/6/4</a:t>
             </a:fld>
             <a:endParaRPr kumimoji="1" lang="ja-JP" altLang="en-US"/>
           </a:p>
@@ -12737,7 +12738,7 @@
           <a:p>
             <a:fld id="{2ABC02D7-CBD1-4D33-B166-78A898DF0F76}" type="datetimeFigureOut">
               <a:rPr kumimoji="1" lang="ja-JP" altLang="en-US" smtClean="0"/>
-              <a:t>2024/2/17</a:t>
+              <a:t>2024/6/4</a:t>
             </a:fld>
             <a:endParaRPr kumimoji="1" lang="ja-JP" altLang="en-US"/>
           </a:p>
@@ -13046,7 +13047,7 @@
           <a:p>
             <a:fld id="{2ABC02D7-CBD1-4D33-B166-78A898DF0F76}" type="datetimeFigureOut">
               <a:rPr kumimoji="1" lang="ja-JP" altLang="en-US" smtClean="0"/>
-              <a:t>2024/2/17</a:t>
+              <a:t>2024/6/4</a:t>
             </a:fld>
             <a:endParaRPr kumimoji="1" lang="ja-JP" altLang="en-US"/>
           </a:p>
@@ -13303,7 +13304,7 @@
           <a:p>
             <a:fld id="{2ABC02D7-CBD1-4D33-B166-78A898DF0F76}" type="datetimeFigureOut">
               <a:rPr kumimoji="1" lang="ja-JP" altLang="en-US" smtClean="0"/>
-              <a:t>2024/2/17</a:t>
+              <a:t>2024/6/4</a:t>
             </a:fld>
             <a:endParaRPr kumimoji="1" lang="ja-JP" altLang="en-US"/>
           </a:p>
@@ -13548,7 +13549,7 @@
           <a:p>
             <a:fld id="{2ABC02D7-CBD1-4D33-B166-78A898DF0F76}" type="datetimeFigureOut">
               <a:rPr kumimoji="1" lang="ja-JP" altLang="en-US" smtClean="0"/>
-              <a:t>2024/2/17</a:t>
+              <a:t>2024/6/4</a:t>
             </a:fld>
             <a:endParaRPr kumimoji="1" lang="ja-JP" altLang="en-US"/>
           </a:p>
@@ -16796,7 +16797,7 @@
         </p:nvSpPr>
         <p:spPr>
           <a:xfrm>
-            <a:off x="3766701" y="5822660"/>
+            <a:off x="3765778" y="5719938"/>
             <a:ext cx="2467342" cy="461665"/>
           </a:xfrm>
           <a:prstGeom prst="rect">
@@ -17151,6 +17152,48 @@
               <a:latin typeface="メイリオ" panose="020B0604030504040204" pitchFamily="50" charset="-128"/>
               <a:ea typeface="メイリオ" panose="020B0604030504040204" pitchFamily="50" charset="-128"/>
             </a:endParaRPr>
+          </a:p>
+        </p:txBody>
+      </p:sp>
+      <p:sp>
+        <p:nvSpPr>
+          <p:cNvPr id="10" name="テキスト ボックス 9">
+            <a:extLst>
+              <a:ext uri="{FF2B5EF4-FFF2-40B4-BE49-F238E27FC236}">
+                <a16:creationId xmlns:a16="http://schemas.microsoft.com/office/drawing/2014/main" id="{604FB951-10D3-C5B6-F1F9-F5574E0549F4}"/>
+              </a:ext>
+            </a:extLst>
+          </p:cNvPr>
+          <p:cNvSpPr txBox="1"/>
+          <p:nvPr/>
+        </p:nvSpPr>
+        <p:spPr>
+          <a:xfrm>
+            <a:off x="3794082" y="6096302"/>
+            <a:ext cx="3953850" cy="830997"/>
+          </a:xfrm>
+          <a:prstGeom prst="rect">
+            <a:avLst/>
+          </a:prstGeom>
+          <a:noFill/>
+        </p:spPr>
+        <p:txBody>
+          <a:bodyPr wrap="square" rtlCol="0">
+            <a:spAutoFit/>
+          </a:bodyPr>
+          <a:lstStyle/>
+          <a:p>
+            <a:pPr algn="l"/>
+            <a:r>
+              <a:rPr kumimoji="1" lang="ja-JP" altLang="en-US" sz="2400" b="1" dirty="0">
+                <a:solidFill>
+                  <a:srgbClr val="FF0000"/>
+                </a:solidFill>
+                <a:latin typeface="メイリオ" panose="020B0604030504040204" pitchFamily="50" charset="-128"/>
+                <a:ea typeface="メイリオ" panose="020B0604030504040204" pitchFamily="50" charset="-128"/>
+              </a:rPr>
+              <a:t>タグ中に囲まれたテキストデータを取り出す</a:t>
+            </a:r>
           </a:p>
         </p:txBody>
       </p:sp>
@@ -19992,7 +20035,7 @@
         </p:blipFill>
         <p:spPr>
           <a:xfrm>
-            <a:off x="1206624" y="2304383"/>
+            <a:off x="1068574" y="2378811"/>
             <a:ext cx="7375793" cy="4737253"/>
           </a:xfrm>
           <a:prstGeom prst="rect">
@@ -20531,6 +20574,165 @@
           <p:cNvPr id="2" name="テキスト ボックス 1">
             <a:extLst>
               <a:ext uri="{FF2B5EF4-FFF2-40B4-BE49-F238E27FC236}">
+                <a16:creationId xmlns:a16="http://schemas.microsoft.com/office/drawing/2014/main" id="{3E9DA220-35C1-5D69-631C-B370CF42802E}"/>
+              </a:ext>
+            </a:extLst>
+          </p:cNvPr>
+          <p:cNvSpPr txBox="1"/>
+          <p:nvPr/>
+        </p:nvSpPr>
+        <p:spPr>
+          <a:xfrm>
+            <a:off x="1020726" y="776176"/>
+            <a:ext cx="1005403" cy="584775"/>
+          </a:xfrm>
+          <a:prstGeom prst="rect">
+            <a:avLst/>
+          </a:prstGeom>
+          <a:noFill/>
+        </p:spPr>
+        <p:txBody>
+          <a:bodyPr wrap="none" rtlCol="0">
+            <a:spAutoFit/>
+          </a:bodyPr>
+          <a:lstStyle/>
+          <a:p>
+            <a:pPr algn="l"/>
+            <a:r>
+              <a:rPr kumimoji="1" lang="ja-JP" altLang="en-US" sz="3200" dirty="0">
+                <a:latin typeface="メイリオ" panose="020B0604030504040204" pitchFamily="50" charset="-128"/>
+                <a:ea typeface="メイリオ" panose="020B0604030504040204" pitchFamily="50" charset="-128"/>
+              </a:rPr>
+              <a:t>演習</a:t>
+            </a:r>
+          </a:p>
+        </p:txBody>
+      </p:sp>
+      <p:sp>
+        <p:nvSpPr>
+          <p:cNvPr id="3" name="テキスト ボックス 2">
+            <a:extLst>
+              <a:ext uri="{FF2B5EF4-FFF2-40B4-BE49-F238E27FC236}">
+                <a16:creationId xmlns:a16="http://schemas.microsoft.com/office/drawing/2014/main" id="{DFE94FE8-72D5-DCB0-1CE0-41ECB5203C2D}"/>
+              </a:ext>
+            </a:extLst>
+          </p:cNvPr>
+          <p:cNvSpPr txBox="1"/>
+          <p:nvPr/>
+        </p:nvSpPr>
+        <p:spPr>
+          <a:xfrm>
+            <a:off x="1020726" y="2222205"/>
+            <a:ext cx="9335386" cy="830997"/>
+          </a:xfrm>
+          <a:prstGeom prst="rect">
+            <a:avLst/>
+          </a:prstGeom>
+          <a:noFill/>
+        </p:spPr>
+        <p:txBody>
+          <a:bodyPr wrap="square" rtlCol="0">
+            <a:spAutoFit/>
+          </a:bodyPr>
+          <a:lstStyle/>
+          <a:p>
+            <a:pPr algn="l"/>
+            <a:r>
+              <a:rPr kumimoji="1" lang="ja-JP" altLang="en-US" sz="2400" dirty="0">
+                <a:latin typeface="メイリオ" panose="020B0604030504040204" pitchFamily="50" charset="-128"/>
+                <a:ea typeface="メイリオ" panose="020B0604030504040204" pitchFamily="50" charset="-128"/>
+              </a:rPr>
+              <a:t>検証モードを使って以下のリンク上のクチコミ本文周辺のタグを取り出してください。</a:t>
+            </a:r>
+          </a:p>
+        </p:txBody>
+      </p:sp>
+      <p:sp>
+        <p:nvSpPr>
+          <p:cNvPr id="4" name="テキスト ボックス 3">
+            <a:extLst>
+              <a:ext uri="{FF2B5EF4-FFF2-40B4-BE49-F238E27FC236}">
+                <a16:creationId xmlns:a16="http://schemas.microsoft.com/office/drawing/2014/main" id="{66EA65E1-9B14-8DFA-1071-E7D9BA08854D}"/>
+              </a:ext>
+            </a:extLst>
+          </p:cNvPr>
+          <p:cNvSpPr txBox="1"/>
+          <p:nvPr/>
+        </p:nvSpPr>
+        <p:spPr>
+          <a:xfrm>
+            <a:off x="1020726" y="3429000"/>
+            <a:ext cx="9824484" cy="1015663"/>
+          </a:xfrm>
+          <a:prstGeom prst="rect">
+            <a:avLst/>
+          </a:prstGeom>
+          <a:noFill/>
+        </p:spPr>
+        <p:txBody>
+          <a:bodyPr wrap="square" rtlCol="0">
+            <a:spAutoFit/>
+          </a:bodyPr>
+          <a:lstStyle/>
+          <a:p>
+            <a:pPr algn="l"/>
+            <a:r>
+              <a:rPr kumimoji="1" lang="en-US" altLang="ja-JP" sz="2000" dirty="0">
+                <a:latin typeface="メイリオ" panose="020B0604030504040204" pitchFamily="50" charset="-128"/>
+                <a:ea typeface="メイリオ" panose="020B0604030504040204" pitchFamily="50" charset="-128"/>
+                <a:hlinkClick r:id="rId2"/>
+              </a:rPr>
+              <a:t>https://tabelog.com/tokyo/A1304/A130402/13041176/dtlrvwlst/COND-0/smp1/?smp=1&amp;lc=0&amp;rvw_part=all&amp;PG=1</a:t>
+            </a:r>
+            <a:endParaRPr kumimoji="1" lang="en-US" altLang="ja-JP" sz="2000" dirty="0">
+              <a:latin typeface="メイリオ" panose="020B0604030504040204" pitchFamily="50" charset="-128"/>
+              <a:ea typeface="メイリオ" panose="020B0604030504040204" pitchFamily="50" charset="-128"/>
+            </a:endParaRPr>
+          </a:p>
+          <a:p>
+            <a:pPr algn="l"/>
+            <a:endParaRPr kumimoji="1" lang="ja-JP" altLang="en-US" sz="2000" dirty="0">
+              <a:latin typeface="メイリオ" panose="020B0604030504040204" pitchFamily="50" charset="-128"/>
+              <a:ea typeface="メイリオ" panose="020B0604030504040204" pitchFamily="50" charset="-128"/>
+            </a:endParaRPr>
+          </a:p>
+        </p:txBody>
+      </p:sp>
+    </p:spTree>
+    <p:extLst>
+      <p:ext uri="{BB962C8B-B14F-4D97-AF65-F5344CB8AC3E}">
+        <p14:creationId xmlns:p14="http://schemas.microsoft.com/office/powerpoint/2010/main" val="4200339043"/>
+      </p:ext>
+    </p:extLst>
+  </p:cSld>
+  <p:clrMapOvr>
+    <a:masterClrMapping/>
+  </p:clrMapOvr>
+</p:sld>
+</file>
+
+<file path=ppt/slides/slide25.xml><?xml version="1.0" encoding="utf-8"?>
+<p:sld xmlns:a="http://schemas.openxmlformats.org/drawingml/2006/main" xmlns:r="http://schemas.openxmlformats.org/officeDocument/2006/relationships" xmlns:p="http://schemas.openxmlformats.org/presentationml/2006/main">
+  <p:cSld>
+    <p:spTree>
+      <p:nvGrpSpPr>
+        <p:cNvPr id="1" name=""/>
+        <p:cNvGrpSpPr/>
+        <p:nvPr/>
+      </p:nvGrpSpPr>
+      <p:grpSpPr>
+        <a:xfrm>
+          <a:off x="0" y="0"/>
+          <a:ext cx="0" cy="0"/>
+          <a:chOff x="0" y="0"/>
+          <a:chExt cx="0" cy="0"/>
+        </a:xfrm>
+      </p:grpSpPr>
+      <p:sp>
+        <p:nvSpPr>
+          <p:cNvPr id="2" name="テキスト ボックス 1">
+            <a:extLst>
+              <a:ext uri="{FF2B5EF4-FFF2-40B4-BE49-F238E27FC236}">
                 <a16:creationId xmlns:a16="http://schemas.microsoft.com/office/drawing/2014/main" id="{8191CC35-1651-ED70-7092-DBB0BFF93514}"/>
               </a:ext>
             </a:extLst>
@@ -20909,7 +21111,7 @@
 </p:sld>
 </file>
 
-<file path=ppt/slides/slide25.xml><?xml version="1.0" encoding="utf-8"?>
+<file path=ppt/slides/slide26.xml><?xml version="1.0" encoding="utf-8"?>
 <p:sld xmlns:a="http://schemas.openxmlformats.org/drawingml/2006/main" xmlns:r="http://schemas.openxmlformats.org/officeDocument/2006/relationships" xmlns:p="http://schemas.openxmlformats.org/presentationml/2006/main">
   <p:cSld>
     <p:spTree>
@@ -21317,7 +21519,7 @@
 </p:sld>
 </file>
 
-<file path=ppt/slides/slide26.xml><?xml version="1.0" encoding="utf-8"?>
+<file path=ppt/slides/slide27.xml><?xml version="1.0" encoding="utf-8"?>
 <p:sld xmlns:a="http://schemas.openxmlformats.org/drawingml/2006/main" xmlns:r="http://schemas.openxmlformats.org/officeDocument/2006/relationships" xmlns:p="http://schemas.openxmlformats.org/presentationml/2006/main">
   <p:cSld>
     <p:spTree>
@@ -22280,7 +22482,7 @@
 </p:sld>
 </file>
 
-<file path=ppt/slides/slide27.xml><?xml version="1.0" encoding="utf-8"?>
+<file path=ppt/slides/slide28.xml><?xml version="1.0" encoding="utf-8"?>
 <p:sld xmlns:a="http://schemas.openxmlformats.org/drawingml/2006/main" xmlns:r="http://schemas.openxmlformats.org/officeDocument/2006/relationships" xmlns:p="http://schemas.openxmlformats.org/presentationml/2006/main">
   <p:cSld>
     <p:spTree>
@@ -22446,7 +22648,7 @@
 </p:sld>
 </file>
 
-<file path=ppt/slides/slide28.xml><?xml version="1.0" encoding="utf-8"?>
+<file path=ppt/slides/slide29.xml><?xml version="1.0" encoding="utf-8"?>
 <p:sld xmlns:a="http://schemas.openxmlformats.org/drawingml/2006/main" xmlns:r="http://schemas.openxmlformats.org/officeDocument/2006/relationships" xmlns:p="http://schemas.openxmlformats.org/presentationml/2006/main">
   <p:cSld>
     <p:spTree>
@@ -23098,353 +23300,6 @@
     <p:extLst>
       <p:ext uri="{BB962C8B-B14F-4D97-AF65-F5344CB8AC3E}">
         <p14:creationId xmlns:p14="http://schemas.microsoft.com/office/powerpoint/2010/main" val="3407999885"/>
-      </p:ext>
-    </p:extLst>
-  </p:cSld>
-  <p:clrMapOvr>
-    <a:masterClrMapping/>
-  </p:clrMapOvr>
-</p:sld>
-</file>
-
-<file path=ppt/slides/slide29.xml><?xml version="1.0" encoding="utf-8"?>
-<p:sld xmlns:a="http://schemas.openxmlformats.org/drawingml/2006/main" xmlns:r="http://schemas.openxmlformats.org/officeDocument/2006/relationships" xmlns:p="http://schemas.openxmlformats.org/presentationml/2006/main">
-  <p:cSld>
-    <p:spTree>
-      <p:nvGrpSpPr>
-        <p:cNvPr id="1" name=""/>
-        <p:cNvGrpSpPr/>
-        <p:nvPr/>
-      </p:nvGrpSpPr>
-      <p:grpSpPr>
-        <a:xfrm>
-          <a:off x="0" y="0"/>
-          <a:ext cx="0" cy="0"/>
-          <a:chOff x="0" y="0"/>
-          <a:chExt cx="0" cy="0"/>
-        </a:xfrm>
-      </p:grpSpPr>
-      <p:pic>
-        <p:nvPicPr>
-          <p:cNvPr id="10" name="図 9">
-            <a:extLst>
-              <a:ext uri="{FF2B5EF4-FFF2-40B4-BE49-F238E27FC236}">
-                <a16:creationId xmlns:a16="http://schemas.microsoft.com/office/drawing/2014/main" id="{102534D9-091E-5A02-1E53-7544D919C9C9}"/>
-              </a:ext>
-            </a:extLst>
-          </p:cNvPr>
-          <p:cNvPicPr>
-            <a:picLocks noChangeAspect="1"/>
-          </p:cNvPicPr>
-          <p:nvPr/>
-        </p:nvPicPr>
-        <p:blipFill>
-          <a:blip r:embed="rId2"/>
-          <a:stretch>
-            <a:fillRect/>
-          </a:stretch>
-        </p:blipFill>
-        <p:spPr>
-          <a:xfrm>
-            <a:off x="4648202" y="3667245"/>
-            <a:ext cx="6553200" cy="5546121"/>
-          </a:xfrm>
-          <a:prstGeom prst="rect">
-            <a:avLst/>
-          </a:prstGeom>
-        </p:spPr>
-      </p:pic>
-      <p:sp>
-        <p:nvSpPr>
-          <p:cNvPr id="2" name="テキスト ボックス 1">
-            <a:extLst>
-              <a:ext uri="{FF2B5EF4-FFF2-40B4-BE49-F238E27FC236}">
-                <a16:creationId xmlns:a16="http://schemas.microsoft.com/office/drawing/2014/main" id="{659C08A9-0611-8AA9-3B9C-6005B159ECAF}"/>
-              </a:ext>
-            </a:extLst>
-          </p:cNvPr>
-          <p:cNvSpPr txBox="1"/>
-          <p:nvPr/>
-        </p:nvSpPr>
-        <p:spPr>
-          <a:xfrm>
-            <a:off x="457201" y="70657"/>
-            <a:ext cx="6328977" cy="584775"/>
-          </a:xfrm>
-          <a:prstGeom prst="rect">
-            <a:avLst/>
-          </a:prstGeom>
-          <a:noFill/>
-        </p:spPr>
-        <p:txBody>
-          <a:bodyPr wrap="none" rtlCol="0">
-            <a:spAutoFit/>
-          </a:bodyPr>
-          <a:lstStyle/>
-          <a:p>
-            <a:pPr algn="l"/>
-            <a:r>
-              <a:rPr kumimoji="1" lang="ja-JP" altLang="en-US" sz="3200" dirty="0">
-                <a:latin typeface="メイリオ" panose="020B0604030504040204" pitchFamily="50" charset="-128"/>
-                <a:ea typeface="メイリオ" panose="020B0604030504040204" pitchFamily="50" charset="-128"/>
-              </a:rPr>
-              <a:t>クリックしたときの</a:t>
-            </a:r>
-            <a:r>
-              <a:rPr kumimoji="1" lang="en-US" altLang="ja-JP" sz="3200" dirty="0">
-                <a:latin typeface="メイリオ" panose="020B0604030504040204" pitchFamily="50" charset="-128"/>
-                <a:ea typeface="メイリオ" panose="020B0604030504040204" pitchFamily="50" charset="-128"/>
-              </a:rPr>
-              <a:t>URL</a:t>
-            </a:r>
-            <a:r>
-              <a:rPr kumimoji="1" lang="ja-JP" altLang="en-US" sz="3200" dirty="0">
-                <a:latin typeface="メイリオ" panose="020B0604030504040204" pitchFamily="50" charset="-128"/>
-                <a:ea typeface="メイリオ" panose="020B0604030504040204" pitchFamily="50" charset="-128"/>
-              </a:rPr>
-              <a:t>に注意！</a:t>
-            </a:r>
-          </a:p>
-        </p:txBody>
-      </p:sp>
-      <p:sp>
-        <p:nvSpPr>
-          <p:cNvPr id="3" name="テキスト ボックス 2">
-            <a:extLst>
-              <a:ext uri="{FF2B5EF4-FFF2-40B4-BE49-F238E27FC236}">
-                <a16:creationId xmlns:a16="http://schemas.microsoft.com/office/drawing/2014/main" id="{1FA06E42-2D60-E9E7-1B37-9FBFAC7B3F6D}"/>
-              </a:ext>
-            </a:extLst>
-          </p:cNvPr>
-          <p:cNvSpPr txBox="1"/>
-          <p:nvPr/>
-        </p:nvSpPr>
-        <p:spPr>
-          <a:xfrm>
-            <a:off x="805543" y="2612647"/>
-            <a:ext cx="10091058" cy="1200329"/>
-          </a:xfrm>
-          <a:prstGeom prst="rect">
-            <a:avLst/>
-          </a:prstGeom>
-          <a:noFill/>
-        </p:spPr>
-        <p:txBody>
-          <a:bodyPr wrap="square" rtlCol="0">
-            <a:spAutoFit/>
-          </a:bodyPr>
-          <a:lstStyle/>
-          <a:p>
-            <a:pPr algn="l"/>
-            <a:r>
-              <a:rPr kumimoji="1" lang="en-US" altLang="ja-JP" sz="2400" dirty="0">
-                <a:latin typeface="メイリオ" panose="020B0604030504040204" pitchFamily="50" charset="-128"/>
-                <a:ea typeface="メイリオ" panose="020B0604030504040204" pitchFamily="50" charset="-128"/>
-                <a:hlinkClick r:id="rId3"/>
-              </a:rPr>
-              <a:t>https://tabelog.com/tokyo/A1304/A130402/13041176/dtlrvwlst/B479566322/?use_type=0&amp;rvw_part=all&amp;lc=0&amp;smp=1</a:t>
-            </a:r>
-            <a:endParaRPr kumimoji="1" lang="en-US" altLang="ja-JP" sz="2400" dirty="0">
-              <a:latin typeface="メイリオ" panose="020B0604030504040204" pitchFamily="50" charset="-128"/>
-              <a:ea typeface="メイリオ" panose="020B0604030504040204" pitchFamily="50" charset="-128"/>
-            </a:endParaRPr>
-          </a:p>
-          <a:p>
-            <a:pPr algn="l"/>
-            <a:endParaRPr kumimoji="1" lang="ja-JP" altLang="en-US" sz="2400" dirty="0">
-              <a:latin typeface="メイリオ" panose="020B0604030504040204" pitchFamily="50" charset="-128"/>
-              <a:ea typeface="メイリオ" panose="020B0604030504040204" pitchFamily="50" charset="-128"/>
-            </a:endParaRPr>
-          </a:p>
-        </p:txBody>
-      </p:sp>
-      <p:sp>
-        <p:nvSpPr>
-          <p:cNvPr id="4" name="テキスト ボックス 3">
-            <a:extLst>
-              <a:ext uri="{FF2B5EF4-FFF2-40B4-BE49-F238E27FC236}">
-                <a16:creationId xmlns:a16="http://schemas.microsoft.com/office/drawing/2014/main" id="{A5802028-8871-DC05-5A00-0B474EF74CCB}"/>
-              </a:ext>
-            </a:extLst>
-          </p:cNvPr>
-          <p:cNvSpPr txBox="1"/>
-          <p:nvPr/>
-        </p:nvSpPr>
-        <p:spPr>
-          <a:xfrm>
-            <a:off x="533401" y="585881"/>
-            <a:ext cx="10417628" cy="1200329"/>
-          </a:xfrm>
-          <a:prstGeom prst="rect">
-            <a:avLst/>
-          </a:prstGeom>
-          <a:noFill/>
-        </p:spPr>
-        <p:txBody>
-          <a:bodyPr wrap="square" rtlCol="0">
-            <a:spAutoFit/>
-          </a:bodyPr>
-          <a:lstStyle/>
-          <a:p>
-            <a:pPr algn="l"/>
-            <a:r>
-              <a:rPr lang="en-US" altLang="ja-JP" sz="2400" dirty="0"/>
-              <a:t> &lt;a class="</a:t>
-            </a:r>
-            <a:r>
-              <a:rPr lang="en-US" altLang="ja-JP" sz="2400" dirty="0" err="1"/>
-              <a:t>rvw</a:t>
-            </a:r>
-            <a:r>
-              <a:rPr lang="en-US" altLang="ja-JP" sz="2400" dirty="0"/>
-              <a:t>-</a:t>
-            </a:r>
-            <a:r>
-              <a:rPr lang="en-US" altLang="ja-JP" sz="2400" dirty="0" err="1"/>
-              <a:t>item__title</a:t>
-            </a:r>
-            <a:r>
-              <a:rPr lang="en-US" altLang="ja-JP" sz="2400" dirty="0"/>
-              <a:t>-target" </a:t>
-            </a:r>
-            <a:r>
-              <a:rPr lang="en-US" altLang="ja-JP" sz="2400" dirty="0" err="1"/>
-              <a:t>href</a:t>
-            </a:r>
-            <a:r>
-              <a:rPr lang="en-US" altLang="ja-JP" sz="2400" b="1" dirty="0"/>
-              <a:t>="/</a:t>
-            </a:r>
-            <a:r>
-              <a:rPr lang="en-US" altLang="ja-JP" sz="2400" b="1" dirty="0" err="1"/>
-              <a:t>tokyo</a:t>
-            </a:r>
-            <a:r>
-              <a:rPr lang="en-US" altLang="ja-JP" sz="2400" b="1" dirty="0"/>
-              <a:t>/A1304/A130402/13041176/</a:t>
-            </a:r>
-            <a:r>
-              <a:rPr lang="en-US" altLang="ja-JP" sz="2400" b="1" dirty="0" err="1"/>
-              <a:t>dtlrvwlst</a:t>
-            </a:r>
-            <a:r>
-              <a:rPr lang="en-US" altLang="ja-JP" sz="2400" b="1" dirty="0"/>
-              <a:t>/B479566322/?</a:t>
-            </a:r>
-            <a:r>
-              <a:rPr lang="en-US" altLang="ja-JP" sz="2400" b="1" dirty="0" err="1"/>
-              <a:t>use_type</a:t>
-            </a:r>
-            <a:r>
-              <a:rPr lang="en-US" altLang="ja-JP" sz="2400" b="1" dirty="0"/>
-              <a:t>=0&amp;amp;rvw_part=</a:t>
-            </a:r>
-            <a:r>
-              <a:rPr lang="en-US" altLang="ja-JP" sz="2400" b="1" dirty="0" err="1"/>
-              <a:t>all&amp;amp;lc</a:t>
-            </a:r>
-            <a:r>
-              <a:rPr lang="en-US" altLang="ja-JP" sz="2400" b="1" dirty="0"/>
-              <a:t>=0&amp;amp;smp=1</a:t>
-            </a:r>
-            <a:r>
-              <a:rPr lang="en-US" altLang="ja-JP" sz="2400" dirty="0"/>
-              <a:t>"&gt;</a:t>
-            </a:r>
-            <a:endParaRPr kumimoji="1" lang="ja-JP" altLang="en-US" sz="2400" dirty="0">
-              <a:latin typeface="メイリオ" panose="020B0604030504040204" pitchFamily="50" charset="-128"/>
-              <a:ea typeface="メイリオ" panose="020B0604030504040204" pitchFamily="50" charset="-128"/>
-            </a:endParaRPr>
-          </a:p>
-        </p:txBody>
-      </p:sp>
-      <p:sp>
-        <p:nvSpPr>
-          <p:cNvPr id="5" name="左中かっこ 4">
-            <a:extLst>
-              <a:ext uri="{FF2B5EF4-FFF2-40B4-BE49-F238E27FC236}">
-                <a16:creationId xmlns:a16="http://schemas.microsoft.com/office/drawing/2014/main" id="{A383401A-5FFF-BACE-0675-41A7213C062A}"/>
-              </a:ext>
-            </a:extLst>
-          </p:cNvPr>
-          <p:cNvSpPr/>
-          <p:nvPr/>
-        </p:nvSpPr>
-        <p:spPr>
-          <a:xfrm rot="5400000">
-            <a:off x="2296886" y="925323"/>
-            <a:ext cx="337455" cy="3015341"/>
-          </a:xfrm>
-          <a:prstGeom prst="leftBrace">
-            <a:avLst/>
-          </a:prstGeom>
-        </p:spPr>
-        <p:style>
-          <a:lnRef idx="1">
-            <a:schemeClr val="accent1"/>
-          </a:lnRef>
-          <a:fillRef idx="0">
-            <a:schemeClr val="accent1"/>
-          </a:fillRef>
-          <a:effectRef idx="0">
-            <a:schemeClr val="accent1"/>
-          </a:effectRef>
-          <a:fontRef idx="minor">
-            <a:schemeClr val="tx1"/>
-          </a:fontRef>
-        </p:style>
-        <p:txBody>
-          <a:bodyPr rtlCol="0" anchor="ctr"/>
-          <a:lstStyle/>
-          <a:p>
-            <a:pPr algn="ctr"/>
-            <a:endParaRPr kumimoji="1" lang="ja-JP" altLang="en-US"/>
-          </a:p>
-        </p:txBody>
-      </p:sp>
-      <p:sp>
-        <p:nvSpPr>
-          <p:cNvPr id="6" name="テキスト ボックス 5">
-            <a:extLst>
-              <a:ext uri="{FF2B5EF4-FFF2-40B4-BE49-F238E27FC236}">
-                <a16:creationId xmlns:a16="http://schemas.microsoft.com/office/drawing/2014/main" id="{D5505AC0-0B1E-C54B-9626-406AE303E5CF}"/>
-              </a:ext>
-            </a:extLst>
-          </p:cNvPr>
-          <p:cNvSpPr txBox="1"/>
-          <p:nvPr/>
-        </p:nvSpPr>
-        <p:spPr>
-          <a:xfrm>
-            <a:off x="533401" y="1791674"/>
-            <a:ext cx="7263527" cy="461665"/>
-          </a:xfrm>
-          <a:prstGeom prst="rect">
-            <a:avLst/>
-          </a:prstGeom>
-          <a:noFill/>
-        </p:spPr>
-        <p:txBody>
-          <a:bodyPr wrap="none" rtlCol="0">
-            <a:spAutoFit/>
-          </a:bodyPr>
-          <a:lstStyle/>
-          <a:p>
-            <a:pPr algn="l"/>
-            <a:r>
-              <a:rPr kumimoji="1" lang="ja-JP" altLang="en-US" sz="2400" dirty="0">
-                <a:latin typeface="メイリオ" panose="020B0604030504040204" pitchFamily="50" charset="-128"/>
-                <a:ea typeface="メイリオ" panose="020B0604030504040204" pitchFamily="50" charset="-128"/>
-              </a:rPr>
-              <a:t>クリックすると自動的にこの部分が追加されている</a:t>
-            </a:r>
-          </a:p>
-        </p:txBody>
-      </p:sp>
-    </p:spTree>
-    <p:extLst>
-      <p:ext uri="{BB962C8B-B14F-4D97-AF65-F5344CB8AC3E}">
-        <p14:creationId xmlns:p14="http://schemas.microsoft.com/office/powerpoint/2010/main" val="2244951636"/>
       </p:ext>
     </p:extLst>
   </p:cSld>
@@ -23787,6 +23642,353 @@
           <a:chExt cx="0" cy="0"/>
         </a:xfrm>
       </p:grpSpPr>
+      <p:pic>
+        <p:nvPicPr>
+          <p:cNvPr id="10" name="図 9">
+            <a:extLst>
+              <a:ext uri="{FF2B5EF4-FFF2-40B4-BE49-F238E27FC236}">
+                <a16:creationId xmlns:a16="http://schemas.microsoft.com/office/drawing/2014/main" id="{102534D9-091E-5A02-1E53-7544D919C9C9}"/>
+              </a:ext>
+            </a:extLst>
+          </p:cNvPr>
+          <p:cNvPicPr>
+            <a:picLocks noChangeAspect="1"/>
+          </p:cNvPicPr>
+          <p:nvPr/>
+        </p:nvPicPr>
+        <p:blipFill>
+          <a:blip r:embed="rId2"/>
+          <a:stretch>
+            <a:fillRect/>
+          </a:stretch>
+        </p:blipFill>
+        <p:spPr>
+          <a:xfrm>
+            <a:off x="4648202" y="3667245"/>
+            <a:ext cx="6553200" cy="5546121"/>
+          </a:xfrm>
+          <a:prstGeom prst="rect">
+            <a:avLst/>
+          </a:prstGeom>
+        </p:spPr>
+      </p:pic>
+      <p:sp>
+        <p:nvSpPr>
+          <p:cNvPr id="2" name="テキスト ボックス 1">
+            <a:extLst>
+              <a:ext uri="{FF2B5EF4-FFF2-40B4-BE49-F238E27FC236}">
+                <a16:creationId xmlns:a16="http://schemas.microsoft.com/office/drawing/2014/main" id="{659C08A9-0611-8AA9-3B9C-6005B159ECAF}"/>
+              </a:ext>
+            </a:extLst>
+          </p:cNvPr>
+          <p:cNvSpPr txBox="1"/>
+          <p:nvPr/>
+        </p:nvSpPr>
+        <p:spPr>
+          <a:xfrm>
+            <a:off x="457201" y="70657"/>
+            <a:ext cx="6328977" cy="584775"/>
+          </a:xfrm>
+          <a:prstGeom prst="rect">
+            <a:avLst/>
+          </a:prstGeom>
+          <a:noFill/>
+        </p:spPr>
+        <p:txBody>
+          <a:bodyPr wrap="none" rtlCol="0">
+            <a:spAutoFit/>
+          </a:bodyPr>
+          <a:lstStyle/>
+          <a:p>
+            <a:pPr algn="l"/>
+            <a:r>
+              <a:rPr kumimoji="1" lang="ja-JP" altLang="en-US" sz="3200" dirty="0">
+                <a:latin typeface="メイリオ" panose="020B0604030504040204" pitchFamily="50" charset="-128"/>
+                <a:ea typeface="メイリオ" panose="020B0604030504040204" pitchFamily="50" charset="-128"/>
+              </a:rPr>
+              <a:t>クリックしたときの</a:t>
+            </a:r>
+            <a:r>
+              <a:rPr kumimoji="1" lang="en-US" altLang="ja-JP" sz="3200" dirty="0">
+                <a:latin typeface="メイリオ" panose="020B0604030504040204" pitchFamily="50" charset="-128"/>
+                <a:ea typeface="メイリオ" panose="020B0604030504040204" pitchFamily="50" charset="-128"/>
+              </a:rPr>
+              <a:t>URL</a:t>
+            </a:r>
+            <a:r>
+              <a:rPr kumimoji="1" lang="ja-JP" altLang="en-US" sz="3200" dirty="0">
+                <a:latin typeface="メイリオ" panose="020B0604030504040204" pitchFamily="50" charset="-128"/>
+                <a:ea typeface="メイリオ" panose="020B0604030504040204" pitchFamily="50" charset="-128"/>
+              </a:rPr>
+              <a:t>に注意！</a:t>
+            </a:r>
+          </a:p>
+        </p:txBody>
+      </p:sp>
+      <p:sp>
+        <p:nvSpPr>
+          <p:cNvPr id="3" name="テキスト ボックス 2">
+            <a:extLst>
+              <a:ext uri="{FF2B5EF4-FFF2-40B4-BE49-F238E27FC236}">
+                <a16:creationId xmlns:a16="http://schemas.microsoft.com/office/drawing/2014/main" id="{1FA06E42-2D60-E9E7-1B37-9FBFAC7B3F6D}"/>
+              </a:ext>
+            </a:extLst>
+          </p:cNvPr>
+          <p:cNvSpPr txBox="1"/>
+          <p:nvPr/>
+        </p:nvSpPr>
+        <p:spPr>
+          <a:xfrm>
+            <a:off x="805543" y="2612647"/>
+            <a:ext cx="10091058" cy="1200329"/>
+          </a:xfrm>
+          <a:prstGeom prst="rect">
+            <a:avLst/>
+          </a:prstGeom>
+          <a:noFill/>
+        </p:spPr>
+        <p:txBody>
+          <a:bodyPr wrap="square" rtlCol="0">
+            <a:spAutoFit/>
+          </a:bodyPr>
+          <a:lstStyle/>
+          <a:p>
+            <a:pPr algn="l"/>
+            <a:r>
+              <a:rPr kumimoji="1" lang="en-US" altLang="ja-JP" sz="2400" dirty="0">
+                <a:latin typeface="メイリオ" panose="020B0604030504040204" pitchFamily="50" charset="-128"/>
+                <a:ea typeface="メイリオ" panose="020B0604030504040204" pitchFamily="50" charset="-128"/>
+                <a:hlinkClick r:id="rId3"/>
+              </a:rPr>
+              <a:t>https://tabelog.com/tokyo/A1304/A130402/13041176/dtlrvwlst/B479566322/?use_type=0&amp;rvw_part=all&amp;lc=0&amp;smp=1</a:t>
+            </a:r>
+            <a:endParaRPr kumimoji="1" lang="en-US" altLang="ja-JP" sz="2400" dirty="0">
+              <a:latin typeface="メイリオ" panose="020B0604030504040204" pitchFamily="50" charset="-128"/>
+              <a:ea typeface="メイリオ" panose="020B0604030504040204" pitchFamily="50" charset="-128"/>
+            </a:endParaRPr>
+          </a:p>
+          <a:p>
+            <a:pPr algn="l"/>
+            <a:endParaRPr kumimoji="1" lang="ja-JP" altLang="en-US" sz="2400" dirty="0">
+              <a:latin typeface="メイリオ" panose="020B0604030504040204" pitchFamily="50" charset="-128"/>
+              <a:ea typeface="メイリオ" panose="020B0604030504040204" pitchFamily="50" charset="-128"/>
+            </a:endParaRPr>
+          </a:p>
+        </p:txBody>
+      </p:sp>
+      <p:sp>
+        <p:nvSpPr>
+          <p:cNvPr id="4" name="テキスト ボックス 3">
+            <a:extLst>
+              <a:ext uri="{FF2B5EF4-FFF2-40B4-BE49-F238E27FC236}">
+                <a16:creationId xmlns:a16="http://schemas.microsoft.com/office/drawing/2014/main" id="{A5802028-8871-DC05-5A00-0B474EF74CCB}"/>
+              </a:ext>
+            </a:extLst>
+          </p:cNvPr>
+          <p:cNvSpPr txBox="1"/>
+          <p:nvPr/>
+        </p:nvSpPr>
+        <p:spPr>
+          <a:xfrm>
+            <a:off x="533401" y="585881"/>
+            <a:ext cx="10417628" cy="1200329"/>
+          </a:xfrm>
+          <a:prstGeom prst="rect">
+            <a:avLst/>
+          </a:prstGeom>
+          <a:noFill/>
+        </p:spPr>
+        <p:txBody>
+          <a:bodyPr wrap="square" rtlCol="0">
+            <a:spAutoFit/>
+          </a:bodyPr>
+          <a:lstStyle/>
+          <a:p>
+            <a:pPr algn="l"/>
+            <a:r>
+              <a:rPr lang="en-US" altLang="ja-JP" sz="2400" dirty="0"/>
+              <a:t> &lt;a class="</a:t>
+            </a:r>
+            <a:r>
+              <a:rPr lang="en-US" altLang="ja-JP" sz="2400" dirty="0" err="1"/>
+              <a:t>rvw</a:t>
+            </a:r>
+            <a:r>
+              <a:rPr lang="en-US" altLang="ja-JP" sz="2400" dirty="0"/>
+              <a:t>-</a:t>
+            </a:r>
+            <a:r>
+              <a:rPr lang="en-US" altLang="ja-JP" sz="2400" dirty="0" err="1"/>
+              <a:t>item__title</a:t>
+            </a:r>
+            <a:r>
+              <a:rPr lang="en-US" altLang="ja-JP" sz="2400" dirty="0"/>
+              <a:t>-target" </a:t>
+            </a:r>
+            <a:r>
+              <a:rPr lang="en-US" altLang="ja-JP" sz="2400" dirty="0" err="1"/>
+              <a:t>href</a:t>
+            </a:r>
+            <a:r>
+              <a:rPr lang="en-US" altLang="ja-JP" sz="2400" b="1" dirty="0"/>
+              <a:t>="/</a:t>
+            </a:r>
+            <a:r>
+              <a:rPr lang="en-US" altLang="ja-JP" sz="2400" b="1" dirty="0" err="1"/>
+              <a:t>tokyo</a:t>
+            </a:r>
+            <a:r>
+              <a:rPr lang="en-US" altLang="ja-JP" sz="2400" b="1" dirty="0"/>
+              <a:t>/A1304/A130402/13041176/</a:t>
+            </a:r>
+            <a:r>
+              <a:rPr lang="en-US" altLang="ja-JP" sz="2400" b="1" dirty="0" err="1"/>
+              <a:t>dtlrvwlst</a:t>
+            </a:r>
+            <a:r>
+              <a:rPr lang="en-US" altLang="ja-JP" sz="2400" b="1" dirty="0"/>
+              <a:t>/B479566322/?</a:t>
+            </a:r>
+            <a:r>
+              <a:rPr lang="en-US" altLang="ja-JP" sz="2400" b="1" dirty="0" err="1"/>
+              <a:t>use_type</a:t>
+            </a:r>
+            <a:r>
+              <a:rPr lang="en-US" altLang="ja-JP" sz="2400" b="1" dirty="0"/>
+              <a:t>=0&amp;amp;rvw_part=</a:t>
+            </a:r>
+            <a:r>
+              <a:rPr lang="en-US" altLang="ja-JP" sz="2400" b="1" dirty="0" err="1"/>
+              <a:t>all&amp;amp;lc</a:t>
+            </a:r>
+            <a:r>
+              <a:rPr lang="en-US" altLang="ja-JP" sz="2400" b="1" dirty="0"/>
+              <a:t>=0&amp;amp;smp=1</a:t>
+            </a:r>
+            <a:r>
+              <a:rPr lang="en-US" altLang="ja-JP" sz="2400" dirty="0"/>
+              <a:t>"&gt;</a:t>
+            </a:r>
+            <a:endParaRPr kumimoji="1" lang="ja-JP" altLang="en-US" sz="2400" dirty="0">
+              <a:latin typeface="メイリオ" panose="020B0604030504040204" pitchFamily="50" charset="-128"/>
+              <a:ea typeface="メイリオ" panose="020B0604030504040204" pitchFamily="50" charset="-128"/>
+            </a:endParaRPr>
+          </a:p>
+        </p:txBody>
+      </p:sp>
+      <p:sp>
+        <p:nvSpPr>
+          <p:cNvPr id="5" name="左中かっこ 4">
+            <a:extLst>
+              <a:ext uri="{FF2B5EF4-FFF2-40B4-BE49-F238E27FC236}">
+                <a16:creationId xmlns:a16="http://schemas.microsoft.com/office/drawing/2014/main" id="{A383401A-5FFF-BACE-0675-41A7213C062A}"/>
+              </a:ext>
+            </a:extLst>
+          </p:cNvPr>
+          <p:cNvSpPr/>
+          <p:nvPr/>
+        </p:nvSpPr>
+        <p:spPr>
+          <a:xfrm rot="5400000">
+            <a:off x="2296886" y="925323"/>
+            <a:ext cx="337455" cy="3015341"/>
+          </a:xfrm>
+          <a:prstGeom prst="leftBrace">
+            <a:avLst/>
+          </a:prstGeom>
+        </p:spPr>
+        <p:style>
+          <a:lnRef idx="1">
+            <a:schemeClr val="accent1"/>
+          </a:lnRef>
+          <a:fillRef idx="0">
+            <a:schemeClr val="accent1"/>
+          </a:fillRef>
+          <a:effectRef idx="0">
+            <a:schemeClr val="accent1"/>
+          </a:effectRef>
+          <a:fontRef idx="minor">
+            <a:schemeClr val="tx1"/>
+          </a:fontRef>
+        </p:style>
+        <p:txBody>
+          <a:bodyPr rtlCol="0" anchor="ctr"/>
+          <a:lstStyle/>
+          <a:p>
+            <a:pPr algn="ctr"/>
+            <a:endParaRPr kumimoji="1" lang="ja-JP" altLang="en-US"/>
+          </a:p>
+        </p:txBody>
+      </p:sp>
+      <p:sp>
+        <p:nvSpPr>
+          <p:cNvPr id="6" name="テキスト ボックス 5">
+            <a:extLst>
+              <a:ext uri="{FF2B5EF4-FFF2-40B4-BE49-F238E27FC236}">
+                <a16:creationId xmlns:a16="http://schemas.microsoft.com/office/drawing/2014/main" id="{D5505AC0-0B1E-C54B-9626-406AE303E5CF}"/>
+              </a:ext>
+            </a:extLst>
+          </p:cNvPr>
+          <p:cNvSpPr txBox="1"/>
+          <p:nvPr/>
+        </p:nvSpPr>
+        <p:spPr>
+          <a:xfrm>
+            <a:off x="533401" y="1791674"/>
+            <a:ext cx="7263527" cy="461665"/>
+          </a:xfrm>
+          <a:prstGeom prst="rect">
+            <a:avLst/>
+          </a:prstGeom>
+          <a:noFill/>
+        </p:spPr>
+        <p:txBody>
+          <a:bodyPr wrap="none" rtlCol="0">
+            <a:spAutoFit/>
+          </a:bodyPr>
+          <a:lstStyle/>
+          <a:p>
+            <a:pPr algn="l"/>
+            <a:r>
+              <a:rPr kumimoji="1" lang="ja-JP" altLang="en-US" sz="2400" dirty="0">
+                <a:latin typeface="メイリオ" panose="020B0604030504040204" pitchFamily="50" charset="-128"/>
+                <a:ea typeface="メイリオ" panose="020B0604030504040204" pitchFamily="50" charset="-128"/>
+              </a:rPr>
+              <a:t>クリックすると自動的にこの部分が追加されている</a:t>
+            </a:r>
+          </a:p>
+        </p:txBody>
+      </p:sp>
+    </p:spTree>
+    <p:extLst>
+      <p:ext uri="{BB962C8B-B14F-4D97-AF65-F5344CB8AC3E}">
+        <p14:creationId xmlns:p14="http://schemas.microsoft.com/office/powerpoint/2010/main" val="2244951636"/>
+      </p:ext>
+    </p:extLst>
+  </p:cSld>
+  <p:clrMapOvr>
+    <a:masterClrMapping/>
+  </p:clrMapOvr>
+</p:sld>
+</file>
+
+<file path=ppt/slides/slide31.xml><?xml version="1.0" encoding="utf-8"?>
+<p:sld xmlns:a="http://schemas.openxmlformats.org/drawingml/2006/main" xmlns:r="http://schemas.openxmlformats.org/officeDocument/2006/relationships" xmlns:p="http://schemas.openxmlformats.org/presentationml/2006/main">
+  <p:cSld>
+    <p:spTree>
+      <p:nvGrpSpPr>
+        <p:cNvPr id="1" name=""/>
+        <p:cNvGrpSpPr/>
+        <p:nvPr/>
+      </p:nvGrpSpPr>
+      <p:grpSpPr>
+        <a:xfrm>
+          <a:off x="0" y="0"/>
+          <a:ext cx="0" cy="0"/>
+          <a:chOff x="0" y="0"/>
+          <a:chExt cx="0" cy="0"/>
+        </a:xfrm>
+      </p:grpSpPr>
       <p:sp>
         <p:nvSpPr>
           <p:cNvPr id="2" name="テキスト ボックス 1">
@@ -24156,7 +24358,7 @@
 </p:sld>
 </file>
 
-<file path=ppt/slides/slide31.xml><?xml version="1.0" encoding="utf-8"?>
+<file path=ppt/slides/slide32.xml><?xml version="1.0" encoding="utf-8"?>
 <p:sld xmlns:a="http://schemas.openxmlformats.org/drawingml/2006/main" xmlns:r="http://schemas.openxmlformats.org/officeDocument/2006/relationships" xmlns:p="http://schemas.openxmlformats.org/presentationml/2006/main">
   <p:cSld>
     <p:spTree>
@@ -24566,7 +24768,7 @@
 </p:sld>
 </file>
 
-<file path=ppt/slides/slide32.xml><?xml version="1.0" encoding="utf-8"?>
+<file path=ppt/slides/slide33.xml><?xml version="1.0" encoding="utf-8"?>
 <p:sld xmlns:a="http://schemas.openxmlformats.org/drawingml/2006/main" xmlns:r="http://schemas.openxmlformats.org/officeDocument/2006/relationships" xmlns:p="http://schemas.openxmlformats.org/presentationml/2006/main">
   <p:cSld>
     <p:spTree>
@@ -24950,7 +25152,7 @@
 </p:sld>
 </file>
 
-<file path=ppt/slides/slide33.xml><?xml version="1.0" encoding="utf-8"?>
+<file path=ppt/slides/slide34.xml><?xml version="1.0" encoding="utf-8"?>
 <p:sld xmlns:a="http://schemas.openxmlformats.org/drawingml/2006/main" xmlns:r="http://schemas.openxmlformats.org/officeDocument/2006/relationships" xmlns:p="http://schemas.openxmlformats.org/presentationml/2006/main">
   <p:cSld>
     <p:spTree>
@@ -25116,7 +25318,7 @@
 </p:sld>
 </file>
 
-<file path=ppt/slides/slide34.xml><?xml version="1.0" encoding="utf-8"?>
+<file path=ppt/slides/slide35.xml><?xml version="1.0" encoding="utf-8"?>
 <p:sld xmlns:a="http://schemas.openxmlformats.org/drawingml/2006/main" xmlns:r="http://schemas.openxmlformats.org/officeDocument/2006/relationships" xmlns:p="http://schemas.openxmlformats.org/presentationml/2006/main">
   <p:cSld>
     <p:spTree>
@@ -25611,7 +25813,7 @@
 </p:sld>
 </file>
 
-<file path=ppt/slides/slide35.xml><?xml version="1.0" encoding="utf-8"?>
+<file path=ppt/slides/slide36.xml><?xml version="1.0" encoding="utf-8"?>
 <p:sld xmlns:a="http://schemas.openxmlformats.org/drawingml/2006/main" xmlns:r="http://schemas.openxmlformats.org/officeDocument/2006/relationships" xmlns:p="http://schemas.openxmlformats.org/presentationml/2006/main">
   <p:cSld>
     <p:spTree>
@@ -26354,6 +26556,88 @@
               <a:t>(scraping)</a:t>
             </a:r>
             <a:endParaRPr kumimoji="1" lang="ja-JP" altLang="en-US" sz="3200" b="1" dirty="0">
+              <a:latin typeface="メイリオ" panose="020B0604030504040204" pitchFamily="50" charset="-128"/>
+              <a:ea typeface="メイリオ" panose="020B0604030504040204" pitchFamily="50" charset="-128"/>
+            </a:endParaRPr>
+          </a:p>
+        </p:txBody>
+      </p:sp>
+      <p:sp>
+        <p:nvSpPr>
+          <p:cNvPr id="3" name="テキスト ボックス 2">
+            <a:extLst>
+              <a:ext uri="{FF2B5EF4-FFF2-40B4-BE49-F238E27FC236}">
+                <a16:creationId xmlns:a16="http://schemas.microsoft.com/office/drawing/2014/main" id="{72FDA5A3-C6AA-8909-9D5A-DFA9E5D0B953}"/>
+              </a:ext>
+            </a:extLst>
+          </p:cNvPr>
+          <p:cNvSpPr txBox="1"/>
+          <p:nvPr/>
+        </p:nvSpPr>
+        <p:spPr>
+          <a:xfrm>
+            <a:off x="563526" y="3689498"/>
+            <a:ext cx="3262432" cy="461665"/>
+          </a:xfrm>
+          <a:prstGeom prst="rect">
+            <a:avLst/>
+          </a:prstGeom>
+          <a:noFill/>
+        </p:spPr>
+        <p:txBody>
+          <a:bodyPr wrap="none" rtlCol="0">
+            <a:spAutoFit/>
+          </a:bodyPr>
+          <a:lstStyle/>
+          <a:p>
+            <a:pPr algn="l"/>
+            <a:r>
+              <a:rPr kumimoji="1" lang="ja-JP" altLang="en-US" sz="2400" dirty="0">
+                <a:latin typeface="メイリオ" panose="020B0604030504040204" pitchFamily="50" charset="-128"/>
+                <a:ea typeface="メイリオ" panose="020B0604030504040204" pitchFamily="50" charset="-128"/>
+              </a:rPr>
+              <a:t>デモプログラムを実行</a:t>
+            </a:r>
+          </a:p>
+        </p:txBody>
+      </p:sp>
+      <p:sp>
+        <p:nvSpPr>
+          <p:cNvPr id="4" name="テキスト ボックス 3">
+            <a:extLst>
+              <a:ext uri="{FF2B5EF4-FFF2-40B4-BE49-F238E27FC236}">
+                <a16:creationId xmlns:a16="http://schemas.microsoft.com/office/drawing/2014/main" id="{3ACECAD6-F6A8-4F2F-6063-90906F99A817}"/>
+              </a:ext>
+            </a:extLst>
+          </p:cNvPr>
+          <p:cNvSpPr txBox="1"/>
+          <p:nvPr/>
+        </p:nvSpPr>
+        <p:spPr>
+          <a:xfrm>
+            <a:off x="563526" y="4151163"/>
+            <a:ext cx="3815340" cy="461665"/>
+          </a:xfrm>
+          <a:prstGeom prst="rect">
+            <a:avLst/>
+          </a:prstGeom>
+          <a:noFill/>
+        </p:spPr>
+        <p:txBody>
+          <a:bodyPr wrap="none" rtlCol="0">
+            <a:spAutoFit/>
+          </a:bodyPr>
+          <a:lstStyle/>
+          <a:p>
+            <a:pPr algn="l"/>
+            <a:r>
+              <a:rPr kumimoji="1" lang="en-US" altLang="ja-JP" sz="2400" dirty="0">
+                <a:latin typeface="メイリオ" panose="020B0604030504040204" pitchFamily="50" charset="-128"/>
+                <a:ea typeface="メイリオ" panose="020B0604030504040204" pitchFamily="50" charset="-128"/>
+              </a:rPr>
+              <a:t>tabelog_scraper_title.py</a:t>
+            </a:r>
+            <a:endParaRPr kumimoji="1" lang="ja-JP" altLang="en-US" sz="2400" dirty="0">
               <a:latin typeface="メイリオ" panose="020B0604030504040204" pitchFamily="50" charset="-128"/>
               <a:ea typeface="メイリオ" panose="020B0604030504040204" pitchFamily="50" charset="-128"/>
             </a:endParaRPr>

--- a/bigdata4 scraper.pptx
+++ b/bigdata4 scraper.pptx
@@ -5,45 +5,49 @@
     <p:sldMasterId id="2147483672" r:id="rId1"/>
   </p:sldMasterIdLst>
   <p:notesMasterIdLst>
-    <p:notesMasterId r:id="rId38"/>
+    <p:notesMasterId r:id="rId42"/>
   </p:notesMasterIdLst>
   <p:sldIdLst>
     <p:sldId id="277" r:id="rId2"/>
-    <p:sldId id="322" r:id="rId3"/>
-    <p:sldId id="323" r:id="rId4"/>
-    <p:sldId id="381" r:id="rId5"/>
-    <p:sldId id="383" r:id="rId6"/>
-    <p:sldId id="382" r:id="rId7"/>
-    <p:sldId id="320" r:id="rId8"/>
-    <p:sldId id="444" r:id="rId9"/>
-    <p:sldId id="447" r:id="rId10"/>
-    <p:sldId id="448" r:id="rId11"/>
-    <p:sldId id="449" r:id="rId12"/>
-    <p:sldId id="450" r:id="rId13"/>
-    <p:sldId id="412" r:id="rId14"/>
-    <p:sldId id="413" r:id="rId15"/>
-    <p:sldId id="263" r:id="rId16"/>
-    <p:sldId id="267" r:id="rId17"/>
-    <p:sldId id="429" r:id="rId18"/>
-    <p:sldId id="451" r:id="rId19"/>
-    <p:sldId id="452" r:id="rId20"/>
-    <p:sldId id="428" r:id="rId21"/>
-    <p:sldId id="453" r:id="rId22"/>
-    <p:sldId id="454" r:id="rId23"/>
-    <p:sldId id="455" r:id="rId24"/>
-    <p:sldId id="462" r:id="rId25"/>
-    <p:sldId id="456" r:id="rId26"/>
-    <p:sldId id="439" r:id="rId27"/>
-    <p:sldId id="441" r:id="rId28"/>
-    <p:sldId id="442" r:id="rId29"/>
-    <p:sldId id="457" r:id="rId30"/>
-    <p:sldId id="458" r:id="rId31"/>
-    <p:sldId id="459" r:id="rId32"/>
-    <p:sldId id="430" r:id="rId33"/>
-    <p:sldId id="431" r:id="rId34"/>
-    <p:sldId id="460" r:id="rId35"/>
-    <p:sldId id="461" r:id="rId36"/>
-    <p:sldId id="443" r:id="rId37"/>
+    <p:sldId id="464" r:id="rId3"/>
+    <p:sldId id="465" r:id="rId4"/>
+    <p:sldId id="466" r:id="rId5"/>
+    <p:sldId id="322" r:id="rId6"/>
+    <p:sldId id="323" r:id="rId7"/>
+    <p:sldId id="381" r:id="rId8"/>
+    <p:sldId id="383" r:id="rId9"/>
+    <p:sldId id="382" r:id="rId10"/>
+    <p:sldId id="320" r:id="rId11"/>
+    <p:sldId id="444" r:id="rId12"/>
+    <p:sldId id="447" r:id="rId13"/>
+    <p:sldId id="448" r:id="rId14"/>
+    <p:sldId id="449" r:id="rId15"/>
+    <p:sldId id="450" r:id="rId16"/>
+    <p:sldId id="412" r:id="rId17"/>
+    <p:sldId id="263" r:id="rId18"/>
+    <p:sldId id="413" r:id="rId19"/>
+    <p:sldId id="463" r:id="rId20"/>
+    <p:sldId id="267" r:id="rId21"/>
+    <p:sldId id="429" r:id="rId22"/>
+    <p:sldId id="451" r:id="rId23"/>
+    <p:sldId id="452" r:id="rId24"/>
+    <p:sldId id="428" r:id="rId25"/>
+    <p:sldId id="453" r:id="rId26"/>
+    <p:sldId id="454" r:id="rId27"/>
+    <p:sldId id="455" r:id="rId28"/>
+    <p:sldId id="462" r:id="rId29"/>
+    <p:sldId id="456" r:id="rId30"/>
+    <p:sldId id="439" r:id="rId31"/>
+    <p:sldId id="441" r:id="rId32"/>
+    <p:sldId id="442" r:id="rId33"/>
+    <p:sldId id="457" r:id="rId34"/>
+    <p:sldId id="458" r:id="rId35"/>
+    <p:sldId id="459" r:id="rId36"/>
+    <p:sldId id="430" r:id="rId37"/>
+    <p:sldId id="431" r:id="rId38"/>
+    <p:sldId id="460" r:id="rId39"/>
+    <p:sldId id="461" r:id="rId40"/>
+    <p:sldId id="443" r:id="rId41"/>
   </p:sldIdLst>
   <p:sldSz cx="12192000" cy="6858000"/>
   <p:notesSz cx="6858000" cy="9144000"/>
@@ -3840,10 +3844,10 @@
         <a:lstStyle/>
         <a:p>
           <a:r>
-            <a:rPr kumimoji="1" lang="ja-JP"/>
+            <a:rPr kumimoji="1" lang="ja-JP" dirty="0"/>
             <a:t>取得したいデータへのパスを記述</a:t>
           </a:r>
-          <a:endParaRPr lang="ja-JP"/>
+          <a:endParaRPr lang="ja-JP" dirty="0"/>
         </a:p>
       </dgm:t>
     </dgm:pt>
@@ -5442,10 +5446,10 @@
             <a:buNone/>
           </a:pPr>
           <a:r>
-            <a:rPr kumimoji="1" lang="ja-JP" sz="1800" kern="1200"/>
+            <a:rPr kumimoji="1" lang="ja-JP" sz="1800" kern="1200" dirty="0"/>
             <a:t>取得したいデータへのパスを記述</a:t>
           </a:r>
-          <a:endParaRPr lang="ja-JP" sz="1800" kern="1200"/>
+          <a:endParaRPr lang="ja-JP" sz="1800" kern="1200" dirty="0"/>
         </a:p>
       </dsp:txBody>
       <dsp:txXfrm>
@@ -10422,7 +10426,7 @@
           <a:p>
             <a:fld id="{17A01FF7-A935-40EB-819B-3B1FDE25395B}" type="datetimeFigureOut">
               <a:rPr kumimoji="1" lang="ja-JP" altLang="en-US" smtClean="0"/>
-              <a:t>2024/6/4</a:t>
+              <a:t>2025/5/22</a:t>
             </a:fld>
             <a:endParaRPr kumimoji="1" lang="ja-JP" altLang="en-US"/>
           </a:p>
@@ -10786,7 +10790,7 @@
           <a:p>
             <a:fld id="{501C8FFF-5B7B-421E-A006-56A5192EEFD0}" type="slidenum">
               <a:rPr kumimoji="1" lang="ja-JP" altLang="en-US" smtClean="0"/>
-              <a:t>3</a:t>
+              <a:t>6</a:t>
             </a:fld>
             <a:endParaRPr kumimoji="1" lang="ja-JP" altLang="en-US"/>
           </a:p>
@@ -10936,7 +10940,7 @@
           <a:p>
             <a:fld id="{2ABC02D7-CBD1-4D33-B166-78A898DF0F76}" type="datetimeFigureOut">
               <a:rPr kumimoji="1" lang="ja-JP" altLang="en-US" smtClean="0"/>
-              <a:t>2024/6/4</a:t>
+              <a:t>2025/5/22</a:t>
             </a:fld>
             <a:endParaRPr kumimoji="1" lang="ja-JP" altLang="en-US"/>
           </a:p>
@@ -11138,7 +11142,7 @@
           <a:p>
             <a:fld id="{2ABC02D7-CBD1-4D33-B166-78A898DF0F76}" type="datetimeFigureOut">
               <a:rPr kumimoji="1" lang="ja-JP" altLang="en-US" smtClean="0"/>
-              <a:t>2024/6/4</a:t>
+              <a:t>2025/5/22</a:t>
             </a:fld>
             <a:endParaRPr kumimoji="1" lang="ja-JP" altLang="en-US"/>
           </a:p>
@@ -11350,7 +11354,7 @@
           <a:p>
             <a:fld id="{2ABC02D7-CBD1-4D33-B166-78A898DF0F76}" type="datetimeFigureOut">
               <a:rPr kumimoji="1" lang="ja-JP" altLang="en-US" smtClean="0"/>
-              <a:t>2024/6/4</a:t>
+              <a:t>2025/5/22</a:t>
             </a:fld>
             <a:endParaRPr kumimoji="1" lang="ja-JP" altLang="en-US"/>
           </a:p>
@@ -11552,7 +11556,7 @@
           <a:p>
             <a:fld id="{2ABC02D7-CBD1-4D33-B166-78A898DF0F76}" type="datetimeFigureOut">
               <a:rPr kumimoji="1" lang="ja-JP" altLang="en-US" smtClean="0"/>
-              <a:t>2024/6/4</a:t>
+              <a:t>2025/5/22</a:t>
             </a:fld>
             <a:endParaRPr kumimoji="1" lang="ja-JP" altLang="en-US"/>
           </a:p>
@@ -11798,7 +11802,7 @@
           <a:p>
             <a:fld id="{2ABC02D7-CBD1-4D33-B166-78A898DF0F76}" type="datetimeFigureOut">
               <a:rPr kumimoji="1" lang="ja-JP" altLang="en-US" smtClean="0"/>
-              <a:t>2024/6/4</a:t>
+              <a:t>2025/5/22</a:t>
             </a:fld>
             <a:endParaRPr kumimoji="1" lang="ja-JP" altLang="en-US"/>
           </a:p>
@@ -12094,7 +12098,7 @@
           <a:p>
             <a:fld id="{2ABC02D7-CBD1-4D33-B166-78A898DF0F76}" type="datetimeFigureOut">
               <a:rPr kumimoji="1" lang="ja-JP" altLang="en-US" smtClean="0"/>
-              <a:t>2024/6/4</a:t>
+              <a:t>2025/5/22</a:t>
             </a:fld>
             <a:endParaRPr kumimoji="1" lang="ja-JP" altLang="en-US"/>
           </a:p>
@@ -12525,7 +12529,7 @@
           <a:p>
             <a:fld id="{2ABC02D7-CBD1-4D33-B166-78A898DF0F76}" type="datetimeFigureOut">
               <a:rPr kumimoji="1" lang="ja-JP" altLang="en-US" smtClean="0"/>
-              <a:t>2024/6/4</a:t>
+              <a:t>2025/5/22</a:t>
             </a:fld>
             <a:endParaRPr kumimoji="1" lang="ja-JP" altLang="en-US"/>
           </a:p>
@@ -12643,7 +12647,7 @@
           <a:p>
             <a:fld id="{2ABC02D7-CBD1-4D33-B166-78A898DF0F76}" type="datetimeFigureOut">
               <a:rPr kumimoji="1" lang="ja-JP" altLang="en-US" smtClean="0"/>
-              <a:t>2024/6/4</a:t>
+              <a:t>2025/5/22</a:t>
             </a:fld>
             <a:endParaRPr kumimoji="1" lang="ja-JP" altLang="en-US"/>
           </a:p>
@@ -12738,7 +12742,7 @@
           <a:p>
             <a:fld id="{2ABC02D7-CBD1-4D33-B166-78A898DF0F76}" type="datetimeFigureOut">
               <a:rPr kumimoji="1" lang="ja-JP" altLang="en-US" smtClean="0"/>
-              <a:t>2024/6/4</a:t>
+              <a:t>2025/5/22</a:t>
             </a:fld>
             <a:endParaRPr kumimoji="1" lang="ja-JP" altLang="en-US"/>
           </a:p>
@@ -13047,7 +13051,7 @@
           <a:p>
             <a:fld id="{2ABC02D7-CBD1-4D33-B166-78A898DF0F76}" type="datetimeFigureOut">
               <a:rPr kumimoji="1" lang="ja-JP" altLang="en-US" smtClean="0"/>
-              <a:t>2024/6/4</a:t>
+              <a:t>2025/5/22</a:t>
             </a:fld>
             <a:endParaRPr kumimoji="1" lang="ja-JP" altLang="en-US"/>
           </a:p>
@@ -13304,7 +13308,7 @@
           <a:p>
             <a:fld id="{2ABC02D7-CBD1-4D33-B166-78A898DF0F76}" type="datetimeFigureOut">
               <a:rPr kumimoji="1" lang="ja-JP" altLang="en-US" smtClean="0"/>
-              <a:t>2024/6/4</a:t>
+              <a:t>2025/5/22</a:t>
             </a:fld>
             <a:endParaRPr kumimoji="1" lang="ja-JP" altLang="en-US"/>
           </a:p>
@@ -13549,7 +13553,7 @@
           <a:p>
             <a:fld id="{2ABC02D7-CBD1-4D33-B166-78A898DF0F76}" type="datetimeFigureOut">
               <a:rPr kumimoji="1" lang="ja-JP" altLang="en-US" smtClean="0"/>
-              <a:t>2024/6/4</a:t>
+              <a:t>2025/5/22</a:t>
             </a:fld>
             <a:endParaRPr kumimoji="1" lang="ja-JP" altLang="en-US"/>
           </a:p>
@@ -14039,6 +14043,806 @@
           <p:cNvPr id="2" name="テキスト ボックス 1">
             <a:extLst>
               <a:ext uri="{FF2B5EF4-FFF2-40B4-BE49-F238E27FC236}">
+                <a16:creationId xmlns:a16="http://schemas.microsoft.com/office/drawing/2014/main" id="{9369F00C-77D1-4352-8D28-B5A54C051757}"/>
+              </a:ext>
+            </a:extLst>
+          </p:cNvPr>
+          <p:cNvSpPr txBox="1"/>
+          <p:nvPr/>
+        </p:nvSpPr>
+        <p:spPr>
+          <a:xfrm>
+            <a:off x="232763" y="458835"/>
+            <a:ext cx="8008867" cy="584775"/>
+          </a:xfrm>
+          <a:prstGeom prst="rect">
+            <a:avLst/>
+          </a:prstGeom>
+          <a:noFill/>
+        </p:spPr>
+        <p:txBody>
+          <a:bodyPr wrap="square" rtlCol="0">
+            <a:spAutoFit/>
+          </a:bodyPr>
+          <a:lstStyle/>
+          <a:p>
+            <a:r>
+              <a:rPr kumimoji="1" lang="ja-JP" altLang="en-US" sz="3200" b="1" dirty="0">
+                <a:latin typeface="メイリオ" panose="020B0604030504040204" pitchFamily="50" charset="-128"/>
+                <a:ea typeface="メイリオ" panose="020B0604030504040204" pitchFamily="50" charset="-128"/>
+              </a:rPr>
+              <a:t>余計なタグを簡単に取り除く</a:t>
+            </a:r>
+          </a:p>
+        </p:txBody>
+      </p:sp>
+      <p:sp>
+        <p:nvSpPr>
+          <p:cNvPr id="5" name="テキスト ボックス 4">
+            <a:extLst>
+              <a:ext uri="{FF2B5EF4-FFF2-40B4-BE49-F238E27FC236}">
+                <a16:creationId xmlns:a16="http://schemas.microsoft.com/office/drawing/2014/main" id="{1B682FDE-1777-415E-B5FB-CF1B5C19F6D7}"/>
+              </a:ext>
+            </a:extLst>
+          </p:cNvPr>
+          <p:cNvSpPr txBox="1"/>
+          <p:nvPr/>
+        </p:nvSpPr>
+        <p:spPr>
+          <a:xfrm>
+            <a:off x="459020" y="2218585"/>
+            <a:ext cx="8239126" cy="830997"/>
+          </a:xfrm>
+          <a:prstGeom prst="rect">
+            <a:avLst/>
+          </a:prstGeom>
+          <a:noFill/>
+        </p:spPr>
+        <p:txBody>
+          <a:bodyPr wrap="square" rtlCol="0">
+            <a:spAutoFit/>
+          </a:bodyPr>
+          <a:lstStyle/>
+          <a:p>
+            <a:pPr algn="l"/>
+            <a:r>
+              <a:rPr kumimoji="1" lang="ja-JP" altLang="en-US" sz="2400" dirty="0">
+                <a:latin typeface="メイリオ" panose="020B0604030504040204" pitchFamily="50" charset="-128"/>
+                <a:ea typeface="メイリオ" panose="020B0604030504040204" pitchFamily="50" charset="-128"/>
+              </a:rPr>
+              <a:t>収集した</a:t>
+            </a:r>
+            <a:r>
+              <a:rPr kumimoji="1" lang="en-US" altLang="ja-JP" sz="2400" dirty="0">
+                <a:latin typeface="メイリオ" panose="020B0604030504040204" pitchFamily="50" charset="-128"/>
+                <a:ea typeface="メイリオ" panose="020B0604030504040204" pitchFamily="50" charset="-128"/>
+              </a:rPr>
+              <a:t>web</a:t>
+            </a:r>
+            <a:r>
+              <a:rPr kumimoji="1" lang="ja-JP" altLang="en-US" sz="2400" dirty="0">
+                <a:latin typeface="メイリオ" panose="020B0604030504040204" pitchFamily="50" charset="-128"/>
+                <a:ea typeface="メイリオ" panose="020B0604030504040204" pitchFamily="50" charset="-128"/>
+              </a:rPr>
+              <a:t>ページから</a:t>
+            </a:r>
+            <a:r>
+              <a:rPr kumimoji="1" lang="en-US" altLang="ja-JP" sz="2400" dirty="0">
+                <a:latin typeface="メイリオ" panose="020B0604030504040204" pitchFamily="50" charset="-128"/>
+                <a:ea typeface="メイリオ" panose="020B0604030504040204" pitchFamily="50" charset="-128"/>
+              </a:rPr>
+              <a:t>html</a:t>
+            </a:r>
+            <a:r>
+              <a:rPr kumimoji="1" lang="ja-JP" altLang="en-US" sz="2400" dirty="0">
+                <a:latin typeface="メイリオ" panose="020B0604030504040204" pitchFamily="50" charset="-128"/>
+                <a:ea typeface="メイリオ" panose="020B0604030504040204" pitchFamily="50" charset="-128"/>
+              </a:rPr>
+              <a:t>タグなど不要なデータを取り除いて、本文など必要なデータだけを抽出すること</a:t>
+            </a:r>
+          </a:p>
+        </p:txBody>
+      </p:sp>
+      <p:sp>
+        <p:nvSpPr>
+          <p:cNvPr id="6" name="テキスト ボックス 5">
+            <a:extLst>
+              <a:ext uri="{FF2B5EF4-FFF2-40B4-BE49-F238E27FC236}">
+                <a16:creationId xmlns:a16="http://schemas.microsoft.com/office/drawing/2014/main" id="{A6E69E27-7D17-4270-952B-9C0501C200B5}"/>
+              </a:ext>
+            </a:extLst>
+          </p:cNvPr>
+          <p:cNvSpPr txBox="1"/>
+          <p:nvPr/>
+        </p:nvSpPr>
+        <p:spPr>
+          <a:xfrm>
+            <a:off x="459019" y="1761385"/>
+            <a:ext cx="6296026" cy="584775"/>
+          </a:xfrm>
+          <a:prstGeom prst="rect">
+            <a:avLst/>
+          </a:prstGeom>
+          <a:noFill/>
+        </p:spPr>
+        <p:txBody>
+          <a:bodyPr wrap="square" rtlCol="0">
+            <a:spAutoFit/>
+          </a:bodyPr>
+          <a:lstStyle/>
+          <a:p>
+            <a:pPr algn="l"/>
+            <a:r>
+              <a:rPr kumimoji="1" lang="ja-JP" altLang="en-US" sz="3200" b="1" dirty="0">
+                <a:latin typeface="メイリオ" panose="020B0604030504040204" pitchFamily="50" charset="-128"/>
+                <a:ea typeface="メイリオ" panose="020B0604030504040204" pitchFamily="50" charset="-128"/>
+              </a:rPr>
+              <a:t>スクレイピング</a:t>
+            </a:r>
+            <a:r>
+              <a:rPr kumimoji="1" lang="en-US" altLang="ja-JP" sz="3200" b="1" dirty="0">
+                <a:latin typeface="メイリオ" panose="020B0604030504040204" pitchFamily="50" charset="-128"/>
+                <a:ea typeface="メイリオ" panose="020B0604030504040204" pitchFamily="50" charset="-128"/>
+              </a:rPr>
+              <a:t>(scraping)</a:t>
+            </a:r>
+            <a:endParaRPr kumimoji="1" lang="ja-JP" altLang="en-US" sz="3200" b="1" dirty="0">
+              <a:latin typeface="メイリオ" panose="020B0604030504040204" pitchFamily="50" charset="-128"/>
+              <a:ea typeface="メイリオ" panose="020B0604030504040204" pitchFamily="50" charset="-128"/>
+            </a:endParaRPr>
+          </a:p>
+        </p:txBody>
+      </p:sp>
+      <p:sp>
+        <p:nvSpPr>
+          <p:cNvPr id="3" name="テキスト ボックス 2">
+            <a:extLst>
+              <a:ext uri="{FF2B5EF4-FFF2-40B4-BE49-F238E27FC236}">
+                <a16:creationId xmlns:a16="http://schemas.microsoft.com/office/drawing/2014/main" id="{72FDA5A3-C6AA-8909-9D5A-DFA9E5D0B953}"/>
+              </a:ext>
+            </a:extLst>
+          </p:cNvPr>
+          <p:cNvSpPr txBox="1"/>
+          <p:nvPr/>
+        </p:nvSpPr>
+        <p:spPr>
+          <a:xfrm>
+            <a:off x="563526" y="3689498"/>
+            <a:ext cx="3262432" cy="461665"/>
+          </a:xfrm>
+          <a:prstGeom prst="rect">
+            <a:avLst/>
+          </a:prstGeom>
+          <a:noFill/>
+        </p:spPr>
+        <p:txBody>
+          <a:bodyPr wrap="none" rtlCol="0">
+            <a:spAutoFit/>
+          </a:bodyPr>
+          <a:lstStyle/>
+          <a:p>
+            <a:pPr algn="l"/>
+            <a:r>
+              <a:rPr kumimoji="1" lang="ja-JP" altLang="en-US" sz="2400" dirty="0">
+                <a:latin typeface="メイリオ" panose="020B0604030504040204" pitchFamily="50" charset="-128"/>
+                <a:ea typeface="メイリオ" panose="020B0604030504040204" pitchFamily="50" charset="-128"/>
+              </a:rPr>
+              <a:t>デモプログラムを実行</a:t>
+            </a:r>
+          </a:p>
+        </p:txBody>
+      </p:sp>
+      <p:sp>
+        <p:nvSpPr>
+          <p:cNvPr id="4" name="テキスト ボックス 3">
+            <a:extLst>
+              <a:ext uri="{FF2B5EF4-FFF2-40B4-BE49-F238E27FC236}">
+                <a16:creationId xmlns:a16="http://schemas.microsoft.com/office/drawing/2014/main" id="{3ACECAD6-F6A8-4F2F-6063-90906F99A817}"/>
+              </a:ext>
+            </a:extLst>
+          </p:cNvPr>
+          <p:cNvSpPr txBox="1"/>
+          <p:nvPr/>
+        </p:nvSpPr>
+        <p:spPr>
+          <a:xfrm>
+            <a:off x="563526" y="4151163"/>
+            <a:ext cx="3815340" cy="461665"/>
+          </a:xfrm>
+          <a:prstGeom prst="rect">
+            <a:avLst/>
+          </a:prstGeom>
+          <a:noFill/>
+        </p:spPr>
+        <p:txBody>
+          <a:bodyPr wrap="none" rtlCol="0">
+            <a:spAutoFit/>
+          </a:bodyPr>
+          <a:lstStyle/>
+          <a:p>
+            <a:pPr algn="l"/>
+            <a:r>
+              <a:rPr kumimoji="1" lang="en-US" altLang="ja-JP" sz="2400" dirty="0">
+                <a:latin typeface="メイリオ" panose="020B0604030504040204" pitchFamily="50" charset="-128"/>
+                <a:ea typeface="メイリオ" panose="020B0604030504040204" pitchFamily="50" charset="-128"/>
+              </a:rPr>
+              <a:t>tabelog_scraper_title.py</a:t>
+            </a:r>
+            <a:endParaRPr kumimoji="1" lang="ja-JP" altLang="en-US" sz="2400" dirty="0">
+              <a:latin typeface="メイリオ" panose="020B0604030504040204" pitchFamily="50" charset="-128"/>
+              <a:ea typeface="メイリオ" panose="020B0604030504040204" pitchFamily="50" charset="-128"/>
+            </a:endParaRPr>
+          </a:p>
+        </p:txBody>
+      </p:sp>
+    </p:spTree>
+    <p:extLst>
+      <p:ext uri="{BB962C8B-B14F-4D97-AF65-F5344CB8AC3E}">
+        <p14:creationId xmlns:p14="http://schemas.microsoft.com/office/powerpoint/2010/main" val="2179496229"/>
+      </p:ext>
+    </p:extLst>
+  </p:cSld>
+  <p:clrMapOvr>
+    <a:masterClrMapping/>
+  </p:clrMapOvr>
+</p:sld>
+</file>
+
+<file path=ppt/slides/slide11.xml><?xml version="1.0" encoding="utf-8"?>
+<p:sld xmlns:a="http://schemas.openxmlformats.org/drawingml/2006/main" xmlns:r="http://schemas.openxmlformats.org/officeDocument/2006/relationships" xmlns:p="http://schemas.openxmlformats.org/presentationml/2006/main">
+  <p:cSld>
+    <p:spTree>
+      <p:nvGrpSpPr>
+        <p:cNvPr id="1" name="">
+          <a:extLst>
+            <a:ext uri="{FF2B5EF4-FFF2-40B4-BE49-F238E27FC236}">
+              <a16:creationId xmlns:a16="http://schemas.microsoft.com/office/drawing/2014/main" id="{D8BD80B6-9732-DB59-9641-D8F2D209EDF5}"/>
+            </a:ext>
+          </a:extLst>
+        </p:cNvPr>
+        <p:cNvGrpSpPr/>
+        <p:nvPr/>
+      </p:nvGrpSpPr>
+      <p:grpSpPr>
+        <a:xfrm>
+          <a:off x="0" y="0"/>
+          <a:ext cx="0" cy="0"/>
+          <a:chOff x="0" y="0"/>
+          <a:chExt cx="0" cy="0"/>
+        </a:xfrm>
+      </p:grpSpPr>
+      <p:sp>
+        <p:nvSpPr>
+          <p:cNvPr id="3" name="テキスト ボックス 2">
+            <a:extLst>
+              <a:ext uri="{FF2B5EF4-FFF2-40B4-BE49-F238E27FC236}">
+                <a16:creationId xmlns:a16="http://schemas.microsoft.com/office/drawing/2014/main" id="{7F4D0DAB-2E05-765E-D7A7-764FB4CBF0D5}"/>
+              </a:ext>
+            </a:extLst>
+          </p:cNvPr>
+          <p:cNvSpPr txBox="1"/>
+          <p:nvPr/>
+        </p:nvSpPr>
+        <p:spPr>
+          <a:xfrm>
+            <a:off x="255182" y="321101"/>
+            <a:ext cx="10033516" cy="584775"/>
+          </a:xfrm>
+          <a:prstGeom prst="rect">
+            <a:avLst/>
+          </a:prstGeom>
+          <a:noFill/>
+        </p:spPr>
+        <p:txBody>
+          <a:bodyPr wrap="none" rtlCol="0">
+            <a:spAutoFit/>
+          </a:bodyPr>
+          <a:lstStyle/>
+          <a:p>
+            <a:pPr algn="l"/>
+            <a:r>
+              <a:rPr kumimoji="1" lang="ja-JP" altLang="en-US" sz="3200" dirty="0">
+                <a:latin typeface="メイリオ" panose="020B0604030504040204" pitchFamily="50" charset="-128"/>
+                <a:ea typeface="メイリオ" panose="020B0604030504040204" pitchFamily="50" charset="-128"/>
+              </a:rPr>
+              <a:t>ページのソースにはタグに囲まれた口コミ情報がある</a:t>
+            </a:r>
+          </a:p>
+        </p:txBody>
+      </p:sp>
+      <p:sp>
+        <p:nvSpPr>
+          <p:cNvPr id="5" name="テキスト ボックス 4">
+            <a:extLst>
+              <a:ext uri="{FF2B5EF4-FFF2-40B4-BE49-F238E27FC236}">
+                <a16:creationId xmlns:a16="http://schemas.microsoft.com/office/drawing/2014/main" id="{A36D7D1B-D395-CA25-4848-86A652A4E687}"/>
+              </a:ext>
+            </a:extLst>
+          </p:cNvPr>
+          <p:cNvSpPr txBox="1"/>
+          <p:nvPr/>
+        </p:nvSpPr>
+        <p:spPr>
+          <a:xfrm>
+            <a:off x="310508" y="1906391"/>
+            <a:ext cx="11434281" cy="830997"/>
+          </a:xfrm>
+          <a:prstGeom prst="rect">
+            <a:avLst/>
+          </a:prstGeom>
+          <a:noFill/>
+        </p:spPr>
+        <p:txBody>
+          <a:bodyPr wrap="square" rtlCol="0">
+            <a:spAutoFit/>
+          </a:bodyPr>
+          <a:lstStyle/>
+          <a:p>
+            <a:r>
+              <a:rPr lang="en-US" altLang="ja-JP" sz="2400" b="0" dirty="0">
+                <a:solidFill>
+                  <a:srgbClr val="CE9178"/>
+                </a:solidFill>
+                <a:effectLst/>
+                <a:latin typeface="Consolas" panose="020B0609020204030204" pitchFamily="49" charset="0"/>
+                <a:hlinkClick r:id="rId2"/>
+              </a:rPr>
+              <a:t>https://tabelog.com/tokyo/A1304/A130402/13041176/dtlrvwlst/COND-0/smp1/?smp=1&amp;lc=0&amp;rvw_part=all&amp;PG=1</a:t>
+            </a:r>
+            <a:endParaRPr kumimoji="1" lang="ja-JP" altLang="en-US" sz="2400" dirty="0">
+              <a:latin typeface="メイリオ" panose="020B0604030504040204" pitchFamily="50" charset="-128"/>
+              <a:ea typeface="メイリオ" panose="020B0604030504040204" pitchFamily="50" charset="-128"/>
+            </a:endParaRPr>
+          </a:p>
+        </p:txBody>
+      </p:sp>
+      <p:sp>
+        <p:nvSpPr>
+          <p:cNvPr id="7" name="テキスト ボックス 6">
+            <a:extLst>
+              <a:ext uri="{FF2B5EF4-FFF2-40B4-BE49-F238E27FC236}">
+                <a16:creationId xmlns:a16="http://schemas.microsoft.com/office/drawing/2014/main" id="{81EB34D2-4FF9-3261-4FCA-8EFFA94329B4}"/>
+              </a:ext>
+            </a:extLst>
+          </p:cNvPr>
+          <p:cNvSpPr txBox="1"/>
+          <p:nvPr/>
+        </p:nvSpPr>
+        <p:spPr>
+          <a:xfrm>
+            <a:off x="255183" y="1157999"/>
+            <a:ext cx="11544932" cy="830997"/>
+          </a:xfrm>
+          <a:prstGeom prst="rect">
+            <a:avLst/>
+          </a:prstGeom>
+          <a:noFill/>
+        </p:spPr>
+        <p:txBody>
+          <a:bodyPr wrap="square" rtlCol="0">
+            <a:spAutoFit/>
+          </a:bodyPr>
+          <a:lstStyle/>
+          <a:p>
+            <a:pPr algn="l"/>
+            <a:r>
+              <a:rPr kumimoji="1" lang="ja-JP" altLang="en-US" sz="2400" dirty="0">
+                <a:latin typeface="メイリオ" panose="020B0604030504040204" pitchFamily="50" charset="-128"/>
+                <a:ea typeface="メイリオ" panose="020B0604030504040204" pitchFamily="50" charset="-128"/>
+              </a:rPr>
+              <a:t>以下のリンクからページソース</a:t>
+            </a:r>
+            <a:r>
+              <a:rPr kumimoji="1" lang="en-US" altLang="ja-JP" sz="2400" dirty="0">
+                <a:latin typeface="メイリオ" panose="020B0604030504040204" pitchFamily="50" charset="-128"/>
+                <a:ea typeface="メイリオ" panose="020B0604030504040204" pitchFamily="50" charset="-128"/>
+              </a:rPr>
+              <a:t>(HTML)</a:t>
+            </a:r>
+            <a:r>
+              <a:rPr kumimoji="1" lang="ja-JP" altLang="en-US" sz="2400" dirty="0">
+                <a:latin typeface="メイリオ" panose="020B0604030504040204" pitchFamily="50" charset="-128"/>
+                <a:ea typeface="メイリオ" panose="020B0604030504040204" pitchFamily="50" charset="-128"/>
+              </a:rPr>
+              <a:t>を表示してスクロールしてみると、口コミのタイトルや本文がタグに埋もれて現れることがわかる</a:t>
+            </a:r>
+          </a:p>
+        </p:txBody>
+      </p:sp>
+      <p:sp>
+        <p:nvSpPr>
+          <p:cNvPr id="10" name="テキスト ボックス 9">
+            <a:extLst>
+              <a:ext uri="{FF2B5EF4-FFF2-40B4-BE49-F238E27FC236}">
+                <a16:creationId xmlns:a16="http://schemas.microsoft.com/office/drawing/2014/main" id="{53716B78-19AA-0789-6E54-504D56D90E0A}"/>
+              </a:ext>
+            </a:extLst>
+          </p:cNvPr>
+          <p:cNvSpPr txBox="1"/>
+          <p:nvPr/>
+        </p:nvSpPr>
+        <p:spPr>
+          <a:xfrm>
+            <a:off x="562959" y="4173695"/>
+            <a:ext cx="9725739" cy="461665"/>
+          </a:xfrm>
+          <a:prstGeom prst="rect">
+            <a:avLst/>
+          </a:prstGeom>
+          <a:noFill/>
+        </p:spPr>
+        <p:txBody>
+          <a:bodyPr wrap="none" rtlCol="0">
+            <a:spAutoFit/>
+          </a:bodyPr>
+          <a:lstStyle/>
+          <a:p>
+            <a:pPr algn="l"/>
+            <a:r>
+              <a:rPr kumimoji="1" lang="ja-JP" altLang="en-US" sz="2400" u="sng" dirty="0">
+                <a:latin typeface="メイリオ" panose="020B0604030504040204" pitchFamily="50" charset="-128"/>
+                <a:ea typeface="メイリオ" panose="020B0604030504040204" pitchFamily="50" charset="-128"/>
+              </a:rPr>
+              <a:t>繰り返し表示されるタイトルの周辺タグに何か規則性はないだろうか</a:t>
+            </a:r>
+          </a:p>
+        </p:txBody>
+      </p:sp>
+      <p:sp>
+        <p:nvSpPr>
+          <p:cNvPr id="12" name="矢印: 下 11">
+            <a:extLst>
+              <a:ext uri="{FF2B5EF4-FFF2-40B4-BE49-F238E27FC236}">
+                <a16:creationId xmlns:a16="http://schemas.microsoft.com/office/drawing/2014/main" id="{7E2DD94F-082F-83D4-80C8-ADF83916719A}"/>
+              </a:ext>
+            </a:extLst>
+          </p:cNvPr>
+          <p:cNvSpPr/>
+          <p:nvPr/>
+        </p:nvSpPr>
+        <p:spPr>
+          <a:xfrm>
+            <a:off x="4441371" y="3124201"/>
+            <a:ext cx="1654629" cy="646650"/>
+          </a:xfrm>
+          <a:prstGeom prst="downArrow">
+            <a:avLst/>
+          </a:prstGeom>
+        </p:spPr>
+        <p:style>
+          <a:lnRef idx="2">
+            <a:schemeClr val="accent1">
+              <a:shade val="15000"/>
+            </a:schemeClr>
+          </a:lnRef>
+          <a:fillRef idx="1">
+            <a:schemeClr val="accent1"/>
+          </a:fillRef>
+          <a:effectRef idx="0">
+            <a:schemeClr val="accent1"/>
+          </a:effectRef>
+          <a:fontRef idx="minor">
+            <a:schemeClr val="lt1"/>
+          </a:fontRef>
+        </p:style>
+        <p:txBody>
+          <a:bodyPr rtlCol="0" anchor="ctr"/>
+          <a:lstStyle/>
+          <a:p>
+            <a:pPr algn="ctr"/>
+            <a:endParaRPr kumimoji="1" lang="ja-JP" altLang="en-US"/>
+          </a:p>
+        </p:txBody>
+      </p:sp>
+      <p:sp>
+        <p:nvSpPr>
+          <p:cNvPr id="16" name="テキスト ボックス 15">
+            <a:extLst>
+              <a:ext uri="{FF2B5EF4-FFF2-40B4-BE49-F238E27FC236}">
+                <a16:creationId xmlns:a16="http://schemas.microsoft.com/office/drawing/2014/main" id="{94C8864C-7AA7-2DC0-A183-FF48E3148B13}"/>
+              </a:ext>
+            </a:extLst>
+          </p:cNvPr>
+          <p:cNvSpPr txBox="1"/>
+          <p:nvPr/>
+        </p:nvSpPr>
+        <p:spPr>
+          <a:xfrm>
+            <a:off x="645355" y="4549676"/>
+            <a:ext cx="10983686" cy="2308324"/>
+          </a:xfrm>
+          <a:prstGeom prst="rect">
+            <a:avLst/>
+          </a:prstGeom>
+          <a:noFill/>
+        </p:spPr>
+        <p:txBody>
+          <a:bodyPr wrap="square">
+            <a:spAutoFit/>
+          </a:bodyPr>
+          <a:lstStyle/>
+          <a:p>
+            <a:r>
+              <a:rPr lang="en-US" altLang="ja-JP" sz="2400" dirty="0"/>
+              <a:t>&lt;p class="</a:t>
+            </a:r>
+            <a:r>
+              <a:rPr lang="en-US" altLang="ja-JP" sz="2400" dirty="0" err="1"/>
+              <a:t>rvw</a:t>
+            </a:r>
+            <a:r>
+              <a:rPr lang="en-US" altLang="ja-JP" sz="2400" dirty="0"/>
+              <a:t>-</a:t>
+            </a:r>
+            <a:r>
+              <a:rPr lang="en-US" altLang="ja-JP" sz="2400" dirty="0" err="1"/>
+              <a:t>item__title</a:t>
+            </a:r>
+            <a:r>
+              <a:rPr lang="en-US" altLang="ja-JP" sz="2400" dirty="0"/>
+              <a:t> </a:t>
+            </a:r>
+            <a:r>
+              <a:rPr lang="en-US" altLang="ja-JP" sz="2400" dirty="0" err="1"/>
+              <a:t>rvw</a:t>
+            </a:r>
+            <a:r>
+              <a:rPr lang="en-US" altLang="ja-JP" sz="2400" dirty="0"/>
+              <a:t>-</a:t>
+            </a:r>
+            <a:r>
+              <a:rPr lang="en-US" altLang="ja-JP" sz="2400" dirty="0" err="1"/>
+              <a:t>item__title</a:t>
+            </a:r>
+            <a:r>
+              <a:rPr lang="en-US" altLang="ja-JP" sz="2400" dirty="0"/>
+              <a:t>--</a:t>
+            </a:r>
+            <a:r>
+              <a:rPr lang="en-US" altLang="ja-JP" sz="2400" dirty="0" err="1"/>
+              <a:t>rvwlst</a:t>
+            </a:r>
+            <a:r>
+              <a:rPr lang="en-US" altLang="ja-JP" sz="2400" dirty="0"/>
+              <a:t>"&gt;</a:t>
+            </a:r>
+          </a:p>
+          <a:p>
+            <a:r>
+              <a:rPr lang="en-US" altLang="ja-JP" sz="2400" dirty="0"/>
+              <a:t>          &lt;a class="</a:t>
+            </a:r>
+            <a:r>
+              <a:rPr lang="en-US" altLang="ja-JP" sz="2400" dirty="0" err="1"/>
+              <a:t>rvw</a:t>
+            </a:r>
+            <a:r>
+              <a:rPr lang="en-US" altLang="ja-JP" sz="2400" dirty="0"/>
+              <a:t>-</a:t>
+            </a:r>
+            <a:r>
+              <a:rPr lang="en-US" altLang="ja-JP" sz="2400" dirty="0" err="1"/>
+              <a:t>item__title</a:t>
+            </a:r>
+            <a:r>
+              <a:rPr lang="en-US" altLang="ja-JP" sz="2400" dirty="0"/>
+              <a:t>-target" </a:t>
+            </a:r>
+            <a:r>
+              <a:rPr lang="en-US" altLang="ja-JP" sz="2400" dirty="0" err="1"/>
+              <a:t>href</a:t>
+            </a:r>
+            <a:r>
+              <a:rPr lang="en-US" altLang="ja-JP" sz="2400" dirty="0"/>
+              <a:t>="/</a:t>
+            </a:r>
+            <a:r>
+              <a:rPr lang="en-US" altLang="ja-JP" sz="2400" dirty="0" err="1"/>
+              <a:t>tokyo</a:t>
+            </a:r>
+            <a:r>
+              <a:rPr lang="en-US" altLang="ja-JP" sz="2400" dirty="0"/>
+              <a:t>/A1304/A130402/13041176/</a:t>
+            </a:r>
+            <a:r>
+              <a:rPr lang="en-US" altLang="ja-JP" sz="2400" dirty="0" err="1"/>
+              <a:t>dtlrvwlst</a:t>
+            </a:r>
+            <a:r>
+              <a:rPr lang="en-US" altLang="ja-JP" sz="2400" dirty="0"/>
+              <a:t>/B435282450/?</a:t>
+            </a:r>
+            <a:r>
+              <a:rPr lang="en-US" altLang="ja-JP" sz="2400" dirty="0" err="1"/>
+              <a:t>use_type</a:t>
+            </a:r>
+            <a:r>
+              <a:rPr lang="en-US" altLang="ja-JP" sz="2400" dirty="0"/>
+              <a:t>=0&amp;amp;rvw_part=</a:t>
+            </a:r>
+            <a:r>
+              <a:rPr lang="en-US" altLang="ja-JP" sz="2400" dirty="0" err="1"/>
+              <a:t>all&amp;amp;lc</a:t>
+            </a:r>
+            <a:r>
+              <a:rPr lang="en-US" altLang="ja-JP" sz="2400" dirty="0"/>
+              <a:t>=0&amp;amp;smp=1"&gt;&lt;strong&gt;</a:t>
+            </a:r>
+            <a:r>
+              <a:rPr lang="ja-JP" altLang="en-US" sz="2400" dirty="0"/>
+              <a:t>個人的に少ししょっぱく感じたかも？</a:t>
+            </a:r>
+            <a:r>
+              <a:rPr lang="en-US" altLang="ja-JP" sz="2400" dirty="0"/>
+              <a:t>&lt;/strong&gt;&lt;/a&gt;</a:t>
+            </a:r>
+          </a:p>
+          <a:p>
+            <a:r>
+              <a:rPr lang="en-US" altLang="ja-JP" sz="2400" dirty="0"/>
+              <a:t>        &lt;/p&gt;</a:t>
+            </a:r>
+            <a:endParaRPr lang="ja-JP" altLang="en-US" sz="2400" dirty="0"/>
+          </a:p>
+        </p:txBody>
+      </p:sp>
+    </p:spTree>
+    <p:extLst>
+      <p:ext uri="{BB962C8B-B14F-4D97-AF65-F5344CB8AC3E}">
+        <p14:creationId xmlns:p14="http://schemas.microsoft.com/office/powerpoint/2010/main" val="785579401"/>
+      </p:ext>
+    </p:extLst>
+  </p:cSld>
+  <p:clrMapOvr>
+    <a:masterClrMapping/>
+  </p:clrMapOvr>
+</p:sld>
+</file>
+
+<file path=ppt/slides/slide12.xml><?xml version="1.0" encoding="utf-8"?>
+<p:sld xmlns:a="http://schemas.openxmlformats.org/drawingml/2006/main" xmlns:r="http://schemas.openxmlformats.org/officeDocument/2006/relationships" xmlns:p="http://schemas.openxmlformats.org/presentationml/2006/main">
+  <p:cSld>
+    <p:spTree>
+      <p:nvGrpSpPr>
+        <p:cNvPr id="1" name=""/>
+        <p:cNvGrpSpPr/>
+        <p:nvPr/>
+      </p:nvGrpSpPr>
+      <p:grpSpPr>
+        <a:xfrm>
+          <a:off x="0" y="0"/>
+          <a:ext cx="0" cy="0"/>
+          <a:chOff x="0" y="0"/>
+          <a:chExt cx="0" cy="0"/>
+        </a:xfrm>
+      </p:grpSpPr>
+      <p:sp>
+        <p:nvSpPr>
+          <p:cNvPr id="2" name="テキスト ボックス 1">
+            <a:extLst>
+              <a:ext uri="{FF2B5EF4-FFF2-40B4-BE49-F238E27FC236}">
+                <a16:creationId xmlns:a16="http://schemas.microsoft.com/office/drawing/2014/main" id="{67D7DE94-0B0B-6FD6-211F-652894BCDF8E}"/>
+              </a:ext>
+            </a:extLst>
+          </p:cNvPr>
+          <p:cNvSpPr txBox="1"/>
+          <p:nvPr/>
+        </p:nvSpPr>
+        <p:spPr>
+          <a:xfrm>
+            <a:off x="740228" y="642257"/>
+            <a:ext cx="1005403" cy="584775"/>
+          </a:xfrm>
+          <a:prstGeom prst="rect">
+            <a:avLst/>
+          </a:prstGeom>
+          <a:noFill/>
+        </p:spPr>
+        <p:txBody>
+          <a:bodyPr wrap="none" rtlCol="0">
+            <a:spAutoFit/>
+          </a:bodyPr>
+          <a:lstStyle/>
+          <a:p>
+            <a:pPr algn="l"/>
+            <a:r>
+              <a:rPr kumimoji="1" lang="ja-JP" altLang="en-US" sz="3200" dirty="0">
+                <a:latin typeface="メイリオ" panose="020B0604030504040204" pitchFamily="50" charset="-128"/>
+                <a:ea typeface="メイリオ" panose="020B0604030504040204" pitchFamily="50" charset="-128"/>
+              </a:rPr>
+              <a:t>問題</a:t>
+            </a:r>
+          </a:p>
+        </p:txBody>
+      </p:sp>
+      <p:sp>
+        <p:nvSpPr>
+          <p:cNvPr id="3" name="テキスト ボックス 2">
+            <a:extLst>
+              <a:ext uri="{FF2B5EF4-FFF2-40B4-BE49-F238E27FC236}">
+                <a16:creationId xmlns:a16="http://schemas.microsoft.com/office/drawing/2014/main" id="{467C47A9-2EBC-61DF-F49C-5B048F8804E8}"/>
+              </a:ext>
+            </a:extLst>
+          </p:cNvPr>
+          <p:cNvSpPr txBox="1"/>
+          <p:nvPr/>
+        </p:nvSpPr>
+        <p:spPr>
+          <a:xfrm>
+            <a:off x="968828" y="2307772"/>
+            <a:ext cx="9725739" cy="830997"/>
+          </a:xfrm>
+          <a:prstGeom prst="rect">
+            <a:avLst/>
+          </a:prstGeom>
+          <a:noFill/>
+        </p:spPr>
+        <p:txBody>
+          <a:bodyPr wrap="none" rtlCol="0">
+            <a:spAutoFit/>
+          </a:bodyPr>
+          <a:lstStyle/>
+          <a:p>
+            <a:pPr algn="l"/>
+            <a:r>
+              <a:rPr kumimoji="1" lang="ja-JP" altLang="en-US" sz="2400" dirty="0">
+                <a:latin typeface="メイリオ" panose="020B0604030504040204" pitchFamily="50" charset="-128"/>
+                <a:ea typeface="メイリオ" panose="020B0604030504040204" pitchFamily="50" charset="-128"/>
+              </a:rPr>
+              <a:t>同様に口コミ本文、訪問日などの周辺のタグの規則性を観察してみる</a:t>
+            </a:r>
+            <a:endParaRPr kumimoji="1" lang="en-US" altLang="ja-JP" sz="2400" dirty="0">
+              <a:latin typeface="メイリオ" panose="020B0604030504040204" pitchFamily="50" charset="-128"/>
+              <a:ea typeface="メイリオ" panose="020B0604030504040204" pitchFamily="50" charset="-128"/>
+            </a:endParaRPr>
+          </a:p>
+          <a:p>
+            <a:pPr algn="l"/>
+            <a:r>
+              <a:rPr kumimoji="1" lang="ja-JP" altLang="en-US" sz="2400" dirty="0">
+                <a:latin typeface="メイリオ" panose="020B0604030504040204" pitchFamily="50" charset="-128"/>
+                <a:ea typeface="メイリオ" panose="020B0604030504040204" pitchFamily="50" charset="-128"/>
+              </a:rPr>
+              <a:t>どんな規則性があるか？</a:t>
+            </a:r>
+          </a:p>
+        </p:txBody>
+      </p:sp>
+    </p:spTree>
+    <p:extLst>
+      <p:ext uri="{BB962C8B-B14F-4D97-AF65-F5344CB8AC3E}">
+        <p14:creationId xmlns:p14="http://schemas.microsoft.com/office/powerpoint/2010/main" val="3268690808"/>
+      </p:ext>
+    </p:extLst>
+  </p:cSld>
+  <p:clrMapOvr>
+    <a:masterClrMapping/>
+  </p:clrMapOvr>
+</p:sld>
+</file>
+
+<file path=ppt/slides/slide13.xml><?xml version="1.0" encoding="utf-8"?>
+<p:sld xmlns:a="http://schemas.openxmlformats.org/drawingml/2006/main" xmlns:r="http://schemas.openxmlformats.org/officeDocument/2006/relationships" xmlns:p="http://schemas.openxmlformats.org/presentationml/2006/main">
+  <p:cSld>
+    <p:spTree>
+      <p:nvGrpSpPr>
+        <p:cNvPr id="1" name=""/>
+        <p:cNvGrpSpPr/>
+        <p:nvPr/>
+      </p:nvGrpSpPr>
+      <p:grpSpPr>
+        <a:xfrm>
+          <a:off x="0" y="0"/>
+          <a:ext cx="0" cy="0"/>
+          <a:chOff x="0" y="0"/>
+          <a:chExt cx="0" cy="0"/>
+        </a:xfrm>
+      </p:grpSpPr>
+      <p:sp>
+        <p:nvSpPr>
+          <p:cNvPr id="2" name="テキスト ボックス 1">
+            <a:extLst>
+              <a:ext uri="{FF2B5EF4-FFF2-40B4-BE49-F238E27FC236}">
                 <a16:creationId xmlns:a16="http://schemas.microsoft.com/office/drawing/2014/main" id="{9A52F244-1ED4-458E-6FFE-B552C333491E}"/>
               </a:ext>
             </a:extLst>
@@ -14101,13 +14905,16 @@
           </a:bodyPr>
           <a:lstStyle/>
           <a:p>
-            <a:pPr algn="l"/>
+            <a:pPr marL="457200" indent="-457200" algn="l">
+              <a:buFont typeface="+mj-lt"/>
+              <a:buAutoNum type="arabicPeriod"/>
+            </a:pPr>
             <a:r>
               <a:rPr kumimoji="1" lang="ja-JP" altLang="en-US" sz="2400" dirty="0">
                 <a:latin typeface="メイリオ" panose="020B0604030504040204" pitchFamily="50" charset="-128"/>
                 <a:ea typeface="メイリオ" panose="020B0604030504040204" pitchFamily="50" charset="-128"/>
               </a:rPr>
-              <a:t>ほしい情報を囲む</a:t>
+              <a:t>ほしいデータを囲む</a:t>
             </a:r>
             <a:r>
               <a:rPr kumimoji="1" lang="en-US" altLang="ja-JP" sz="2400" dirty="0">
@@ -14121,7 +14928,52 @@
                 <a:latin typeface="メイリオ" panose="020B0604030504040204" pitchFamily="50" charset="-128"/>
                 <a:ea typeface="メイリオ" panose="020B0604030504040204" pitchFamily="50" charset="-128"/>
               </a:rPr>
-              <a:t>タグの規則性を手がかりにして、その情報だけを狙い撃ちして取り出す</a:t>
+              <a:t>タグ属性</a:t>
+            </a:r>
+            <a:r>
+              <a:rPr kumimoji="1" lang="en-US" altLang="ja-JP" sz="2400" dirty="0">
+                <a:latin typeface="メイリオ" panose="020B0604030504040204" pitchFamily="50" charset="-128"/>
+                <a:ea typeface="メイリオ" panose="020B0604030504040204" pitchFamily="50" charset="-128"/>
+              </a:rPr>
+              <a:t>(class=</a:t>
+            </a:r>
+            <a:r>
+              <a:rPr kumimoji="1" lang="ja-JP" altLang="en-US" sz="2400" dirty="0">
+                <a:latin typeface="メイリオ" panose="020B0604030504040204" pitchFamily="50" charset="-128"/>
+                <a:ea typeface="メイリオ" panose="020B0604030504040204" pitchFamily="50" charset="-128"/>
+              </a:rPr>
+              <a:t>など</a:t>
+            </a:r>
+            <a:r>
+              <a:rPr kumimoji="1" lang="en-US" altLang="ja-JP" sz="2400" dirty="0">
+                <a:latin typeface="メイリオ" panose="020B0604030504040204" pitchFamily="50" charset="-128"/>
+                <a:ea typeface="メイリオ" panose="020B0604030504040204" pitchFamily="50" charset="-128"/>
+              </a:rPr>
+              <a:t>)</a:t>
+            </a:r>
+            <a:r>
+              <a:rPr kumimoji="1" lang="ja-JP" altLang="en-US" sz="2400" dirty="0">
+                <a:latin typeface="メイリオ" panose="020B0604030504040204" pitchFamily="50" charset="-128"/>
+                <a:ea typeface="メイリオ" panose="020B0604030504040204" pitchFamily="50" charset="-128"/>
+              </a:rPr>
+              <a:t>を手がかりにする</a:t>
+            </a:r>
+            <a:endParaRPr kumimoji="1" lang="en-US" altLang="ja-JP" sz="2400" dirty="0">
+              <a:latin typeface="メイリオ" panose="020B0604030504040204" pitchFamily="50" charset="-128"/>
+              <a:ea typeface="メイリオ" panose="020B0604030504040204" pitchFamily="50" charset="-128"/>
+            </a:endParaRPr>
+          </a:p>
+          <a:p>
+            <a:pPr marL="457200" indent="-457200" algn="l">
+              <a:buFont typeface="+mj-lt"/>
+              <a:buAutoNum type="arabicPeriod"/>
+            </a:pPr>
+            <a:r>
+              <a:rPr kumimoji="1" lang="ja-JP" altLang="en-US" sz="2400" dirty="0">
+                <a:latin typeface="メイリオ" panose="020B0604030504040204" pitchFamily="50" charset="-128"/>
+                <a:ea typeface="メイリオ" panose="020B0604030504040204" pitchFamily="50" charset="-128"/>
+              </a:rPr>
+              <a:t>タグ属性の位置をつきとめる</a:t>
             </a:r>
           </a:p>
         </p:txBody>
@@ -14496,7 +15348,7 @@
 </p:sld>
 </file>
 
-<file path=ppt/slides/slide11.xml><?xml version="1.0" encoding="utf-8"?>
+<file path=ppt/slides/slide14.xml><?xml version="1.0" encoding="utf-8"?>
 <p:sld xmlns:a="http://schemas.openxmlformats.org/drawingml/2006/main" xmlns:r="http://schemas.openxmlformats.org/officeDocument/2006/relationships" xmlns:p="http://schemas.openxmlformats.org/presentationml/2006/main">
   <p:cSld>
     <p:spTree>
@@ -14797,7 +15649,7 @@
 </p:sld>
 </file>
 
-<file path=ppt/slides/slide12.xml><?xml version="1.0" encoding="utf-8"?>
+<file path=ppt/slides/slide15.xml><?xml version="1.0" encoding="utf-8"?>
 <p:sld xmlns:a="http://schemas.openxmlformats.org/drawingml/2006/main" xmlns:r="http://schemas.openxmlformats.org/officeDocument/2006/relationships" xmlns:p="http://schemas.openxmlformats.org/presentationml/2006/main">
   <p:cSld>
     <p:spTree>
@@ -14988,7 +15840,7 @@
 </p:sld>
 </file>
 
-<file path=ppt/slides/slide13.xml><?xml version="1.0" encoding="utf-8"?>
+<file path=ppt/slides/slide16.xml><?xml version="1.0" encoding="utf-8"?>
 <p:sld xmlns:a="http://schemas.openxmlformats.org/drawingml/2006/main" xmlns:r="http://schemas.openxmlformats.org/officeDocument/2006/relationships" xmlns:p="http://schemas.openxmlformats.org/presentationml/2006/main">
   <p:cSld>
     <p:spTree>
@@ -15517,7 +16369,21 @@
                 <a:latin typeface="メイリオ" panose="020B0604030504040204" pitchFamily="50" charset="-128"/>
                 <a:ea typeface="メイリオ" panose="020B0604030504040204" pitchFamily="50" charset="-128"/>
               </a:rPr>
-              <a:t>タグの種類によって視覚的な演出効果をいろいろ変えられる</a:t>
+              <a:t>実際の</a:t>
+            </a:r>
+            <a:r>
+              <a:rPr kumimoji="1" lang="en-US" altLang="ja-JP" sz="2400" dirty="0">
+                <a:latin typeface="メイリオ" panose="020B0604030504040204" pitchFamily="50" charset="-128"/>
+                <a:ea typeface="メイリオ" panose="020B0604030504040204" pitchFamily="50" charset="-128"/>
+              </a:rPr>
+              <a:t>HTML</a:t>
+            </a:r>
+            <a:r>
+              <a:rPr kumimoji="1" lang="ja-JP" altLang="en-US" sz="2400" dirty="0">
+                <a:latin typeface="メイリオ" panose="020B0604030504040204" pitchFamily="50" charset="-128"/>
+                <a:ea typeface="メイリオ" panose="020B0604030504040204" pitchFamily="50" charset="-128"/>
+              </a:rPr>
+              <a:t>は非常に深い階層構造</a:t>
             </a:r>
           </a:p>
         </p:txBody>
@@ -15621,232 +16487,7 @@
 </p:sld>
 </file>
 
-<file path=ppt/slides/slide14.xml><?xml version="1.0" encoding="utf-8"?>
-<p:sld xmlns:a="http://schemas.openxmlformats.org/drawingml/2006/main" xmlns:r="http://schemas.openxmlformats.org/officeDocument/2006/relationships" xmlns:p="http://schemas.openxmlformats.org/presentationml/2006/main">
-  <p:cSld>
-    <p:spTree>
-      <p:nvGrpSpPr>
-        <p:cNvPr id="1" name=""/>
-        <p:cNvGrpSpPr/>
-        <p:nvPr/>
-      </p:nvGrpSpPr>
-      <p:grpSpPr>
-        <a:xfrm>
-          <a:off x="0" y="0"/>
-          <a:ext cx="0" cy="0"/>
-          <a:chOff x="0" y="0"/>
-          <a:chExt cx="0" cy="0"/>
-        </a:xfrm>
-      </p:grpSpPr>
-      <p:pic>
-        <p:nvPicPr>
-          <p:cNvPr id="2050" name="Picture 2" descr="html-doc-tree">
-            <a:extLst>
-              <a:ext uri="{FF2B5EF4-FFF2-40B4-BE49-F238E27FC236}">
-                <a16:creationId xmlns:a16="http://schemas.microsoft.com/office/drawing/2014/main" id="{143B1EDD-AC11-4536-97D5-453399DD1091}"/>
-              </a:ext>
-            </a:extLst>
-          </p:cNvPr>
-          <p:cNvPicPr>
-            <a:picLocks noChangeAspect="1" noChangeArrowheads="1"/>
-          </p:cNvPicPr>
-          <p:nvPr/>
-        </p:nvPicPr>
-        <p:blipFill>
-          <a:blip r:embed="rId2">
-            <a:extLst>
-              <a:ext uri="{28A0092B-C50C-407E-A947-70E740481C1C}">
-                <a14:useLocalDpi xmlns:a14="http://schemas.microsoft.com/office/drawing/2010/main" val="0"/>
-              </a:ext>
-            </a:extLst>
-          </a:blip>
-          <a:srcRect/>
-          <a:stretch>
-            <a:fillRect/>
-          </a:stretch>
-        </p:blipFill>
-        <p:spPr bwMode="auto">
-          <a:xfrm>
-            <a:off x="1037569" y="1838227"/>
-            <a:ext cx="10004404" cy="4326904"/>
-          </a:xfrm>
-          <a:prstGeom prst="rect">
-            <a:avLst/>
-          </a:prstGeom>
-          <a:noFill/>
-          <a:extLst>
-            <a:ext uri="{909E8E84-426E-40DD-AFC4-6F175D3DCCD1}">
-              <a14:hiddenFill xmlns:a14="http://schemas.microsoft.com/office/drawing/2010/main">
-                <a:solidFill>
-                  <a:srgbClr val="FFFFFF"/>
-                </a:solidFill>
-              </a14:hiddenFill>
-            </a:ext>
-          </a:extLst>
-        </p:spPr>
-      </p:pic>
-      <p:sp>
-        <p:nvSpPr>
-          <p:cNvPr id="3" name="テキスト ボックス 2">
-            <a:extLst>
-              <a:ext uri="{FF2B5EF4-FFF2-40B4-BE49-F238E27FC236}">
-                <a16:creationId xmlns:a16="http://schemas.microsoft.com/office/drawing/2014/main" id="{D84A5D2F-1B74-4C63-B7CB-4E0894DC0CCB}"/>
-              </a:ext>
-            </a:extLst>
-          </p:cNvPr>
-          <p:cNvSpPr txBox="1"/>
-          <p:nvPr/>
-        </p:nvSpPr>
-        <p:spPr>
-          <a:xfrm>
-            <a:off x="681135" y="414781"/>
-            <a:ext cx="8676539" cy="584775"/>
-          </a:xfrm>
-          <a:prstGeom prst="rect">
-            <a:avLst/>
-          </a:prstGeom>
-          <a:noFill/>
-        </p:spPr>
-        <p:txBody>
-          <a:bodyPr wrap="square" rtlCol="0">
-            <a:spAutoFit/>
-          </a:bodyPr>
-          <a:lstStyle/>
-          <a:p>
-            <a:pPr algn="l"/>
-            <a:r>
-              <a:rPr kumimoji="1" lang="ja-JP" altLang="en-US" sz="3200" b="1" dirty="0">
-                <a:latin typeface="メイリオ" panose="020B0604030504040204" pitchFamily="50" charset="-128"/>
-                <a:ea typeface="メイリオ" panose="020B0604030504040204" pitchFamily="50" charset="-128"/>
-              </a:rPr>
-              <a:t>階層構造は木構造に表現することもできる</a:t>
-            </a:r>
-            <a:endParaRPr kumimoji="1" lang="en-US" altLang="ja-JP" sz="3200" b="1" dirty="0">
-              <a:latin typeface="メイリオ" panose="020B0604030504040204" pitchFamily="50" charset="-128"/>
-              <a:ea typeface="メイリオ" panose="020B0604030504040204" pitchFamily="50" charset="-128"/>
-            </a:endParaRPr>
-          </a:p>
-        </p:txBody>
-      </p:sp>
-      <p:sp>
-        <p:nvSpPr>
-          <p:cNvPr id="2" name="テキスト ボックス 1">
-            <a:extLst>
-              <a:ext uri="{FF2B5EF4-FFF2-40B4-BE49-F238E27FC236}">
-                <a16:creationId xmlns:a16="http://schemas.microsoft.com/office/drawing/2014/main" id="{EC880DA0-87D0-8AB1-5072-4E4ADEA2DE00}"/>
-              </a:ext>
-            </a:extLst>
-          </p:cNvPr>
-          <p:cNvSpPr txBox="1"/>
-          <p:nvPr/>
-        </p:nvSpPr>
-        <p:spPr>
-          <a:xfrm>
-            <a:off x="1786618" y="1096347"/>
-            <a:ext cx="9626353" cy="461665"/>
-          </a:xfrm>
-          <a:prstGeom prst="rect">
-            <a:avLst/>
-          </a:prstGeom>
-          <a:noFill/>
-        </p:spPr>
-        <p:txBody>
-          <a:bodyPr wrap="none" rtlCol="0">
-            <a:spAutoFit/>
-          </a:bodyPr>
-          <a:lstStyle/>
-          <a:p>
-            <a:pPr algn="l"/>
-            <a:r>
-              <a:rPr kumimoji="1" lang="ja-JP" altLang="en-US" sz="2400" dirty="0">
-                <a:latin typeface="メイリオ" panose="020B0604030504040204" pitchFamily="50" charset="-128"/>
-                <a:ea typeface="メイリオ" panose="020B0604030504040204" pitchFamily="50" charset="-128"/>
-              </a:rPr>
-              <a:t>木構造にすると、目的のタグ（例えば</a:t>
-            </a:r>
-            <a:r>
-              <a:rPr kumimoji="1" lang="en-US" altLang="ja-JP" sz="2400" dirty="0">
-                <a:latin typeface="メイリオ" panose="020B0604030504040204" pitchFamily="50" charset="-128"/>
-                <a:ea typeface="メイリオ" panose="020B0604030504040204" pitchFamily="50" charset="-128"/>
-              </a:rPr>
-              <a:t>h1)</a:t>
-            </a:r>
-            <a:r>
-              <a:rPr kumimoji="1" lang="ja-JP" altLang="en-US" sz="2400" dirty="0">
-                <a:latin typeface="メイリオ" panose="020B0604030504040204" pitchFamily="50" charset="-128"/>
-                <a:ea typeface="メイリオ" panose="020B0604030504040204" pitchFamily="50" charset="-128"/>
-              </a:rPr>
-              <a:t>への到達経路が明確になる</a:t>
-            </a:r>
-          </a:p>
-        </p:txBody>
-      </p:sp>
-      <p:sp>
-        <p:nvSpPr>
-          <p:cNvPr id="4" name="四角形: 角を丸くする 3">
-            <a:extLst>
-              <a:ext uri="{FF2B5EF4-FFF2-40B4-BE49-F238E27FC236}">
-                <a16:creationId xmlns:a16="http://schemas.microsoft.com/office/drawing/2014/main" id="{2977B3EC-9930-CDCD-A1E4-E1E8D5CFBACD}"/>
-              </a:ext>
-            </a:extLst>
-          </p:cNvPr>
-          <p:cNvSpPr/>
-          <p:nvPr/>
-        </p:nvSpPr>
-        <p:spPr>
-          <a:xfrm>
-            <a:off x="8220075" y="4343400"/>
-            <a:ext cx="1209675" cy="419100"/>
-          </a:xfrm>
-          <a:prstGeom prst="roundRect">
-            <a:avLst/>
-          </a:prstGeom>
-          <a:noFill/>
-          <a:ln>
-            <a:solidFill>
-              <a:srgbClr val="FF0000"/>
-            </a:solidFill>
-          </a:ln>
-        </p:spPr>
-        <p:style>
-          <a:lnRef idx="2">
-            <a:schemeClr val="accent1">
-              <a:shade val="15000"/>
-            </a:schemeClr>
-          </a:lnRef>
-          <a:fillRef idx="1">
-            <a:schemeClr val="accent1"/>
-          </a:fillRef>
-          <a:effectRef idx="0">
-            <a:schemeClr val="accent1"/>
-          </a:effectRef>
-          <a:fontRef idx="minor">
-            <a:schemeClr val="lt1"/>
-          </a:fontRef>
-        </p:style>
-        <p:txBody>
-          <a:bodyPr rtlCol="0" anchor="ctr"/>
-          <a:lstStyle/>
-          <a:p>
-            <a:pPr algn="ctr"/>
-            <a:endParaRPr kumimoji="1" lang="ja-JP" altLang="en-US"/>
-          </a:p>
-        </p:txBody>
-      </p:sp>
-    </p:spTree>
-    <p:extLst>
-      <p:ext uri="{BB962C8B-B14F-4D97-AF65-F5344CB8AC3E}">
-        <p14:creationId xmlns:p14="http://schemas.microsoft.com/office/powerpoint/2010/main" val="1700509751"/>
-      </p:ext>
-    </p:extLst>
-  </p:cSld>
-  <p:clrMapOvr>
-    <a:masterClrMapping/>
-  </p:clrMapOvr>
-</p:sld>
-</file>
-
-<file path=ppt/slides/slide15.xml><?xml version="1.0" encoding="utf-8"?>
+<file path=ppt/slides/slide17.xml><?xml version="1.0" encoding="utf-8"?>
 <p:sld xmlns:a="http://schemas.openxmlformats.org/drawingml/2006/main" xmlns:r="http://schemas.openxmlformats.org/officeDocument/2006/relationships" xmlns:p="http://schemas.openxmlformats.org/presentationml/2006/main">
   <p:cSld>
     <p:spTree>
@@ -15941,11 +16582,25 @@
           <a:lstStyle/>
           <a:p>
             <a:r>
-              <a:rPr kumimoji="1" lang="en-US" altLang="ja-JP" sz="2400">
-                <a:latin typeface="メイリオ" panose="020B0604030504040204" pitchFamily="50" charset="-128"/>
-                <a:ea typeface="メイリオ" panose="020B0604030504040204" pitchFamily="50" charset="-128"/>
-              </a:rPr>
-              <a:t>&lt;p class="tips_txt"&gt;</a:t>
+              <a:rPr kumimoji="1" lang="en-US" altLang="ja-JP" sz="2400" dirty="0">
+                <a:latin typeface="メイリオ" panose="020B0604030504040204" pitchFamily="50" charset="-128"/>
+                <a:ea typeface="メイリオ" panose="020B0604030504040204" pitchFamily="50" charset="-128"/>
+              </a:rPr>
+              <a:t>&lt;p class="</a:t>
+            </a:r>
+            <a:r>
+              <a:rPr kumimoji="1" lang="en-US" altLang="ja-JP" sz="2400" dirty="0" err="1">
+                <a:latin typeface="メイリオ" panose="020B0604030504040204" pitchFamily="50" charset="-128"/>
+                <a:ea typeface="メイリオ" panose="020B0604030504040204" pitchFamily="50" charset="-128"/>
+              </a:rPr>
+              <a:t>tips_txt</a:t>
+            </a:r>
+            <a:r>
+              <a:rPr kumimoji="1" lang="en-US" altLang="ja-JP" sz="2400" dirty="0">
+                <a:latin typeface="メイリオ" panose="020B0604030504040204" pitchFamily="50" charset="-128"/>
+                <a:ea typeface="メイリオ" panose="020B0604030504040204" pitchFamily="50" charset="-128"/>
+              </a:rPr>
+              <a:t>"&gt;</a:t>
             </a:r>
             <a:endParaRPr kumimoji="1" lang="ja-JP" altLang="en-US" sz="2400" dirty="0">
               <a:latin typeface="メイリオ" panose="020B0604030504040204" pitchFamily="50" charset="-128"/>
@@ -16230,7 +16885,2040 @@
 </p:sld>
 </file>
 
-<file path=ppt/slides/slide16.xml><?xml version="1.0" encoding="utf-8"?>
+<file path=ppt/slides/slide18.xml><?xml version="1.0" encoding="utf-8"?>
+<p:sld xmlns:a="http://schemas.openxmlformats.org/drawingml/2006/main" xmlns:r="http://schemas.openxmlformats.org/officeDocument/2006/relationships" xmlns:p="http://schemas.openxmlformats.org/presentationml/2006/main">
+  <p:cSld>
+    <p:spTree>
+      <p:nvGrpSpPr>
+        <p:cNvPr id="1" name=""/>
+        <p:cNvGrpSpPr/>
+        <p:nvPr/>
+      </p:nvGrpSpPr>
+      <p:grpSpPr>
+        <a:xfrm>
+          <a:off x="0" y="0"/>
+          <a:ext cx="0" cy="0"/>
+          <a:chOff x="0" y="0"/>
+          <a:chExt cx="0" cy="0"/>
+        </a:xfrm>
+      </p:grpSpPr>
+      <p:pic>
+        <p:nvPicPr>
+          <p:cNvPr id="2050" name="Picture 2" descr="html-doc-tree">
+            <a:extLst>
+              <a:ext uri="{FF2B5EF4-FFF2-40B4-BE49-F238E27FC236}">
+                <a16:creationId xmlns:a16="http://schemas.microsoft.com/office/drawing/2014/main" id="{143B1EDD-AC11-4536-97D5-453399DD1091}"/>
+              </a:ext>
+            </a:extLst>
+          </p:cNvPr>
+          <p:cNvPicPr>
+            <a:picLocks noChangeAspect="1" noChangeArrowheads="1"/>
+          </p:cNvPicPr>
+          <p:nvPr/>
+        </p:nvPicPr>
+        <p:blipFill>
+          <a:blip r:embed="rId2">
+            <a:extLst>
+              <a:ext uri="{28A0092B-C50C-407E-A947-70E740481C1C}">
+                <a14:useLocalDpi xmlns:a14="http://schemas.microsoft.com/office/drawing/2010/main" val="0"/>
+              </a:ext>
+            </a:extLst>
+          </a:blip>
+          <a:srcRect/>
+          <a:stretch>
+            <a:fillRect/>
+          </a:stretch>
+        </p:blipFill>
+        <p:spPr bwMode="auto">
+          <a:xfrm>
+            <a:off x="912795" y="1927700"/>
+            <a:ext cx="10004404" cy="4326904"/>
+          </a:xfrm>
+          <a:prstGeom prst="rect">
+            <a:avLst/>
+          </a:prstGeom>
+          <a:noFill/>
+          <a:extLst>
+            <a:ext uri="{909E8E84-426E-40DD-AFC4-6F175D3DCCD1}">
+              <a14:hiddenFill xmlns:a14="http://schemas.microsoft.com/office/drawing/2010/main">
+                <a:solidFill>
+                  <a:srgbClr val="FFFFFF"/>
+                </a:solidFill>
+              </a14:hiddenFill>
+            </a:ext>
+          </a:extLst>
+        </p:spPr>
+      </p:pic>
+      <p:sp>
+        <p:nvSpPr>
+          <p:cNvPr id="3" name="テキスト ボックス 2">
+            <a:extLst>
+              <a:ext uri="{FF2B5EF4-FFF2-40B4-BE49-F238E27FC236}">
+                <a16:creationId xmlns:a16="http://schemas.microsoft.com/office/drawing/2014/main" id="{D84A5D2F-1B74-4C63-B7CB-4E0894DC0CCB}"/>
+              </a:ext>
+            </a:extLst>
+          </p:cNvPr>
+          <p:cNvSpPr txBox="1"/>
+          <p:nvPr/>
+        </p:nvSpPr>
+        <p:spPr>
+          <a:xfrm>
+            <a:off x="681135" y="414781"/>
+            <a:ext cx="8676539" cy="584775"/>
+          </a:xfrm>
+          <a:prstGeom prst="rect">
+            <a:avLst/>
+          </a:prstGeom>
+          <a:noFill/>
+        </p:spPr>
+        <p:txBody>
+          <a:bodyPr wrap="square" rtlCol="0">
+            <a:spAutoFit/>
+          </a:bodyPr>
+          <a:lstStyle/>
+          <a:p>
+            <a:pPr algn="l"/>
+            <a:r>
+              <a:rPr kumimoji="1" lang="ja-JP" altLang="en-US" sz="3200" b="1" dirty="0">
+                <a:latin typeface="メイリオ" panose="020B0604030504040204" pitchFamily="50" charset="-128"/>
+                <a:ea typeface="メイリオ" panose="020B0604030504040204" pitchFamily="50" charset="-128"/>
+              </a:rPr>
+              <a:t>階層構造は木構造に表現することもできる</a:t>
+            </a:r>
+            <a:endParaRPr kumimoji="1" lang="en-US" altLang="ja-JP" sz="3200" b="1" dirty="0">
+              <a:latin typeface="メイリオ" panose="020B0604030504040204" pitchFamily="50" charset="-128"/>
+              <a:ea typeface="メイリオ" panose="020B0604030504040204" pitchFamily="50" charset="-128"/>
+            </a:endParaRPr>
+          </a:p>
+        </p:txBody>
+      </p:sp>
+      <p:sp>
+        <p:nvSpPr>
+          <p:cNvPr id="2" name="テキスト ボックス 1">
+            <a:extLst>
+              <a:ext uri="{FF2B5EF4-FFF2-40B4-BE49-F238E27FC236}">
+                <a16:creationId xmlns:a16="http://schemas.microsoft.com/office/drawing/2014/main" id="{EC880DA0-87D0-8AB1-5072-4E4ADEA2DE00}"/>
+              </a:ext>
+            </a:extLst>
+          </p:cNvPr>
+          <p:cNvSpPr txBox="1"/>
+          <p:nvPr/>
+        </p:nvSpPr>
+        <p:spPr>
+          <a:xfrm>
+            <a:off x="753977" y="999556"/>
+            <a:ext cx="9764211" cy="707886"/>
+          </a:xfrm>
+          <a:prstGeom prst="rect">
+            <a:avLst/>
+          </a:prstGeom>
+          <a:noFill/>
+        </p:spPr>
+        <p:txBody>
+          <a:bodyPr wrap="none" rtlCol="0">
+            <a:spAutoFit/>
+          </a:bodyPr>
+          <a:lstStyle/>
+          <a:p>
+            <a:pPr marL="457200" indent="-457200" algn="l">
+              <a:buFont typeface="+mj-lt"/>
+              <a:buAutoNum type="arabicPeriod"/>
+            </a:pPr>
+            <a:r>
+              <a:rPr kumimoji="1" lang="ja-JP" altLang="en-US" sz="2000" dirty="0">
+                <a:latin typeface="メイリオ" panose="020B0604030504040204" pitchFamily="50" charset="-128"/>
+                <a:ea typeface="メイリオ" panose="020B0604030504040204" pitchFamily="50" charset="-128"/>
+              </a:rPr>
+              <a:t>木構造にすると、目的のタグ（例えば</a:t>
+            </a:r>
+            <a:r>
+              <a:rPr kumimoji="1" lang="en-US" altLang="ja-JP" sz="2000" dirty="0">
+                <a:latin typeface="メイリオ" panose="020B0604030504040204" pitchFamily="50" charset="-128"/>
+                <a:ea typeface="メイリオ" panose="020B0604030504040204" pitchFamily="50" charset="-128"/>
+              </a:rPr>
+              <a:t>h1)</a:t>
+            </a:r>
+            <a:r>
+              <a:rPr kumimoji="1" lang="ja-JP" altLang="en-US" sz="2000" dirty="0">
+                <a:latin typeface="メイリオ" panose="020B0604030504040204" pitchFamily="50" charset="-128"/>
+                <a:ea typeface="メイリオ" panose="020B0604030504040204" pitchFamily="50" charset="-128"/>
+              </a:rPr>
+              <a:t>への到達経路が明確になる</a:t>
+            </a:r>
+            <a:endParaRPr kumimoji="1" lang="en-US" altLang="ja-JP" sz="2000" dirty="0">
+              <a:latin typeface="メイリオ" panose="020B0604030504040204" pitchFamily="50" charset="-128"/>
+              <a:ea typeface="メイリオ" panose="020B0604030504040204" pitchFamily="50" charset="-128"/>
+            </a:endParaRPr>
+          </a:p>
+          <a:p>
+            <a:pPr marL="457200" indent="-457200" algn="l">
+              <a:buFont typeface="+mj-lt"/>
+              <a:buAutoNum type="arabicPeriod"/>
+            </a:pPr>
+            <a:r>
+              <a:rPr kumimoji="1" lang="ja-JP" altLang="en-US" sz="2000" dirty="0">
+                <a:latin typeface="メイリオ" panose="020B0604030504040204" pitchFamily="50" charset="-128"/>
+                <a:ea typeface="メイリオ" panose="020B0604030504040204" pitchFamily="50" charset="-128"/>
+              </a:rPr>
+              <a:t>構造を解析してデータ処理しやすい形式に変換することをパース</a:t>
+            </a:r>
+            <a:r>
+              <a:rPr kumimoji="1" lang="en-US" altLang="ja-JP" sz="2000" dirty="0">
+                <a:latin typeface="メイリオ" panose="020B0604030504040204" pitchFamily="50" charset="-128"/>
+                <a:ea typeface="メイリオ" panose="020B0604030504040204" pitchFamily="50" charset="-128"/>
+              </a:rPr>
+              <a:t>(parse)</a:t>
+            </a:r>
+            <a:r>
+              <a:rPr kumimoji="1" lang="ja-JP" altLang="en-US" sz="2000" dirty="0">
+                <a:latin typeface="メイリオ" panose="020B0604030504040204" pitchFamily="50" charset="-128"/>
+                <a:ea typeface="メイリオ" panose="020B0604030504040204" pitchFamily="50" charset="-128"/>
+              </a:rPr>
+              <a:t>と呼ぶ</a:t>
+            </a:r>
+          </a:p>
+        </p:txBody>
+      </p:sp>
+      <p:sp>
+        <p:nvSpPr>
+          <p:cNvPr id="4" name="四角形: 角を丸くする 3">
+            <a:extLst>
+              <a:ext uri="{FF2B5EF4-FFF2-40B4-BE49-F238E27FC236}">
+                <a16:creationId xmlns:a16="http://schemas.microsoft.com/office/drawing/2014/main" id="{2977B3EC-9930-CDCD-A1E4-E1E8D5CFBACD}"/>
+              </a:ext>
+            </a:extLst>
+          </p:cNvPr>
+          <p:cNvSpPr/>
+          <p:nvPr/>
+        </p:nvSpPr>
+        <p:spPr>
+          <a:xfrm>
+            <a:off x="8220075" y="4343400"/>
+            <a:ext cx="1209675" cy="419100"/>
+          </a:xfrm>
+          <a:prstGeom prst="roundRect">
+            <a:avLst/>
+          </a:prstGeom>
+          <a:noFill/>
+          <a:ln>
+            <a:solidFill>
+              <a:srgbClr val="FF0000"/>
+            </a:solidFill>
+          </a:ln>
+        </p:spPr>
+        <p:style>
+          <a:lnRef idx="2">
+            <a:schemeClr val="accent1">
+              <a:shade val="15000"/>
+            </a:schemeClr>
+          </a:lnRef>
+          <a:fillRef idx="1">
+            <a:schemeClr val="accent1"/>
+          </a:fillRef>
+          <a:effectRef idx="0">
+            <a:schemeClr val="accent1"/>
+          </a:effectRef>
+          <a:fontRef idx="minor">
+            <a:schemeClr val="lt1"/>
+          </a:fontRef>
+        </p:style>
+        <p:txBody>
+          <a:bodyPr rtlCol="0" anchor="ctr"/>
+          <a:lstStyle/>
+          <a:p>
+            <a:pPr algn="ctr"/>
+            <a:endParaRPr kumimoji="1" lang="ja-JP" altLang="en-US"/>
+          </a:p>
+        </p:txBody>
+      </p:sp>
+      <p:sp>
+        <p:nvSpPr>
+          <p:cNvPr id="5" name="矢印: 右 4">
+            <a:extLst>
+              <a:ext uri="{FF2B5EF4-FFF2-40B4-BE49-F238E27FC236}">
+                <a16:creationId xmlns:a16="http://schemas.microsoft.com/office/drawing/2014/main" id="{450C0A2F-17D8-8C11-31EE-7DBEE48C9581}"/>
+              </a:ext>
+            </a:extLst>
+          </p:cNvPr>
+          <p:cNvSpPr/>
+          <p:nvPr/>
+        </p:nvSpPr>
+        <p:spPr>
+          <a:xfrm>
+            <a:off x="6014545" y="3594538"/>
+            <a:ext cx="449317" cy="993228"/>
+          </a:xfrm>
+          <a:prstGeom prst="rightArrow">
+            <a:avLst>
+              <a:gd name="adj1" fmla="val 56349"/>
+              <a:gd name="adj2" fmla="val 50000"/>
+            </a:avLst>
+          </a:prstGeom>
+        </p:spPr>
+        <p:style>
+          <a:lnRef idx="2">
+            <a:schemeClr val="accent1">
+              <a:shade val="15000"/>
+            </a:schemeClr>
+          </a:lnRef>
+          <a:fillRef idx="1">
+            <a:schemeClr val="accent1"/>
+          </a:fillRef>
+          <a:effectRef idx="0">
+            <a:schemeClr val="accent1"/>
+          </a:effectRef>
+          <a:fontRef idx="minor">
+            <a:schemeClr val="lt1"/>
+          </a:fontRef>
+        </p:style>
+        <p:txBody>
+          <a:bodyPr rtlCol="0" anchor="ctr"/>
+          <a:lstStyle/>
+          <a:p>
+            <a:pPr algn="ctr"/>
+            <a:endParaRPr kumimoji="1" lang="ja-JP" altLang="en-US"/>
+          </a:p>
+        </p:txBody>
+      </p:sp>
+      <p:sp>
+        <p:nvSpPr>
+          <p:cNvPr id="6" name="テキスト ボックス 5">
+            <a:extLst>
+              <a:ext uri="{FF2B5EF4-FFF2-40B4-BE49-F238E27FC236}">
+                <a16:creationId xmlns:a16="http://schemas.microsoft.com/office/drawing/2014/main" id="{BF88AFF0-BAC8-EDA1-BC83-2A67E1F0E822}"/>
+              </a:ext>
+            </a:extLst>
+          </p:cNvPr>
+          <p:cNvSpPr txBox="1"/>
+          <p:nvPr/>
+        </p:nvSpPr>
+        <p:spPr>
+          <a:xfrm>
+            <a:off x="5843752" y="3198167"/>
+            <a:ext cx="1008609" cy="461665"/>
+          </a:xfrm>
+          <a:prstGeom prst="rect">
+            <a:avLst/>
+          </a:prstGeom>
+          <a:noFill/>
+        </p:spPr>
+        <p:txBody>
+          <a:bodyPr wrap="none" rtlCol="0">
+            <a:spAutoFit/>
+          </a:bodyPr>
+          <a:lstStyle/>
+          <a:p>
+            <a:pPr algn="l"/>
+            <a:r>
+              <a:rPr kumimoji="1" lang="en-US" altLang="ja-JP" sz="2400" dirty="0">
+                <a:latin typeface="メイリオ" panose="020B0604030504040204" pitchFamily="50" charset="-128"/>
+                <a:ea typeface="メイリオ" panose="020B0604030504040204" pitchFamily="50" charset="-128"/>
+              </a:rPr>
+              <a:t>parse</a:t>
+            </a:r>
+            <a:endParaRPr kumimoji="1" lang="ja-JP" altLang="en-US" sz="2400" dirty="0">
+              <a:latin typeface="メイリオ" panose="020B0604030504040204" pitchFamily="50" charset="-128"/>
+              <a:ea typeface="メイリオ" panose="020B0604030504040204" pitchFamily="50" charset="-128"/>
+            </a:endParaRPr>
+          </a:p>
+        </p:txBody>
+      </p:sp>
+    </p:spTree>
+    <p:extLst>
+      <p:ext uri="{BB962C8B-B14F-4D97-AF65-F5344CB8AC3E}">
+        <p14:creationId xmlns:p14="http://schemas.microsoft.com/office/powerpoint/2010/main" val="1700509751"/>
+      </p:ext>
+    </p:extLst>
+  </p:cSld>
+  <p:clrMapOvr>
+    <a:masterClrMapping/>
+  </p:clrMapOvr>
+</p:sld>
+</file>
+
+<file path=ppt/slides/slide19.xml><?xml version="1.0" encoding="utf-8"?>
+<p:sld xmlns:a="http://schemas.openxmlformats.org/drawingml/2006/main" xmlns:r="http://schemas.openxmlformats.org/officeDocument/2006/relationships" xmlns:p="http://schemas.openxmlformats.org/presentationml/2006/main">
+  <p:cSld>
+    <p:spTree>
+      <p:nvGrpSpPr>
+        <p:cNvPr id="1" name=""/>
+        <p:cNvGrpSpPr/>
+        <p:nvPr/>
+      </p:nvGrpSpPr>
+      <p:grpSpPr>
+        <a:xfrm>
+          <a:off x="0" y="0"/>
+          <a:ext cx="0" cy="0"/>
+          <a:chOff x="0" y="0"/>
+          <a:chExt cx="0" cy="0"/>
+        </a:xfrm>
+      </p:grpSpPr>
+      <p:sp>
+        <p:nvSpPr>
+          <p:cNvPr id="3" name="四角形: 角を丸くする 2">
+            <a:extLst>
+              <a:ext uri="{FF2B5EF4-FFF2-40B4-BE49-F238E27FC236}">
+                <a16:creationId xmlns:a16="http://schemas.microsoft.com/office/drawing/2014/main" id="{478CDA7E-ABFA-BEEA-573B-A4115EE6EB59}"/>
+              </a:ext>
+            </a:extLst>
+          </p:cNvPr>
+          <p:cNvSpPr/>
+          <p:nvPr/>
+        </p:nvSpPr>
+        <p:spPr>
+          <a:xfrm>
+            <a:off x="8744303" y="3760076"/>
+            <a:ext cx="1209675" cy="419100"/>
+          </a:xfrm>
+          <a:prstGeom prst="roundRect">
+            <a:avLst/>
+          </a:prstGeom>
+          <a:noFill/>
+          <a:ln>
+            <a:solidFill>
+              <a:srgbClr val="FF0000"/>
+            </a:solidFill>
+          </a:ln>
+        </p:spPr>
+        <p:style>
+          <a:lnRef idx="2">
+            <a:schemeClr val="accent1">
+              <a:shade val="15000"/>
+            </a:schemeClr>
+          </a:lnRef>
+          <a:fillRef idx="1">
+            <a:schemeClr val="accent1"/>
+          </a:fillRef>
+          <a:effectRef idx="0">
+            <a:schemeClr val="accent1"/>
+          </a:effectRef>
+          <a:fontRef idx="minor">
+            <a:schemeClr val="lt1"/>
+          </a:fontRef>
+        </p:style>
+        <p:txBody>
+          <a:bodyPr rtlCol="0" anchor="ctr"/>
+          <a:lstStyle/>
+          <a:p>
+            <a:pPr algn="ctr"/>
+            <a:endParaRPr kumimoji="1" lang="ja-JP" altLang="en-US"/>
+          </a:p>
+        </p:txBody>
+      </p:sp>
+      <p:sp>
+        <p:nvSpPr>
+          <p:cNvPr id="4" name="矢印: 右 3">
+            <a:extLst>
+              <a:ext uri="{FF2B5EF4-FFF2-40B4-BE49-F238E27FC236}">
+                <a16:creationId xmlns:a16="http://schemas.microsoft.com/office/drawing/2014/main" id="{6E5A3128-1DB2-12E2-9BF8-28F5745B6F46}"/>
+              </a:ext>
+            </a:extLst>
+          </p:cNvPr>
+          <p:cNvSpPr/>
+          <p:nvPr/>
+        </p:nvSpPr>
+        <p:spPr>
+          <a:xfrm>
+            <a:off x="5963952" y="3586655"/>
+            <a:ext cx="640380" cy="993228"/>
+          </a:xfrm>
+          <a:prstGeom prst="rightArrow">
+            <a:avLst>
+              <a:gd name="adj1" fmla="val 56349"/>
+              <a:gd name="adj2" fmla="val 50000"/>
+            </a:avLst>
+          </a:prstGeom>
+        </p:spPr>
+        <p:style>
+          <a:lnRef idx="2">
+            <a:schemeClr val="accent1">
+              <a:shade val="15000"/>
+            </a:schemeClr>
+          </a:lnRef>
+          <a:fillRef idx="1">
+            <a:schemeClr val="accent1"/>
+          </a:fillRef>
+          <a:effectRef idx="0">
+            <a:schemeClr val="accent1"/>
+          </a:effectRef>
+          <a:fontRef idx="minor">
+            <a:schemeClr val="lt1"/>
+          </a:fontRef>
+        </p:style>
+        <p:txBody>
+          <a:bodyPr rtlCol="0" anchor="ctr"/>
+          <a:lstStyle/>
+          <a:p>
+            <a:pPr algn="ctr"/>
+            <a:endParaRPr kumimoji="1" lang="ja-JP" altLang="en-US"/>
+          </a:p>
+        </p:txBody>
+      </p:sp>
+      <p:sp>
+        <p:nvSpPr>
+          <p:cNvPr id="5" name="テキスト ボックス 4">
+            <a:extLst>
+              <a:ext uri="{FF2B5EF4-FFF2-40B4-BE49-F238E27FC236}">
+                <a16:creationId xmlns:a16="http://schemas.microsoft.com/office/drawing/2014/main" id="{8877B9AF-375E-5B04-6A90-F3E416023B46}"/>
+              </a:ext>
+            </a:extLst>
+          </p:cNvPr>
+          <p:cNvSpPr txBox="1"/>
+          <p:nvPr/>
+        </p:nvSpPr>
+        <p:spPr>
+          <a:xfrm>
+            <a:off x="5843752" y="3198167"/>
+            <a:ext cx="1008609" cy="461665"/>
+          </a:xfrm>
+          <a:prstGeom prst="rect">
+            <a:avLst/>
+          </a:prstGeom>
+          <a:noFill/>
+        </p:spPr>
+        <p:txBody>
+          <a:bodyPr wrap="none" rtlCol="0">
+            <a:spAutoFit/>
+          </a:bodyPr>
+          <a:lstStyle/>
+          <a:p>
+            <a:pPr algn="l"/>
+            <a:r>
+              <a:rPr kumimoji="1" lang="en-US" altLang="ja-JP" sz="2400" dirty="0">
+                <a:latin typeface="メイリオ" panose="020B0604030504040204" pitchFamily="50" charset="-128"/>
+                <a:ea typeface="メイリオ" panose="020B0604030504040204" pitchFamily="50" charset="-128"/>
+              </a:rPr>
+              <a:t>parse</a:t>
+            </a:r>
+            <a:endParaRPr kumimoji="1" lang="ja-JP" altLang="en-US" sz="2400" dirty="0">
+              <a:latin typeface="メイリオ" panose="020B0604030504040204" pitchFamily="50" charset="-128"/>
+              <a:ea typeface="メイリオ" panose="020B0604030504040204" pitchFamily="50" charset="-128"/>
+            </a:endParaRPr>
+          </a:p>
+        </p:txBody>
+      </p:sp>
+      <p:pic>
+        <p:nvPicPr>
+          <p:cNvPr id="6" name="図 5">
+            <a:extLst>
+              <a:ext uri="{FF2B5EF4-FFF2-40B4-BE49-F238E27FC236}">
+                <a16:creationId xmlns:a16="http://schemas.microsoft.com/office/drawing/2014/main" id="{7A770005-2FA2-F33F-02C6-53A8E6A096D8}"/>
+              </a:ext>
+            </a:extLst>
+          </p:cNvPr>
+          <p:cNvPicPr>
+            <a:picLocks noChangeAspect="1"/>
+          </p:cNvPicPr>
+          <p:nvPr/>
+        </p:nvPicPr>
+        <p:blipFill>
+          <a:blip r:embed="rId2"/>
+          <a:stretch>
+            <a:fillRect/>
+          </a:stretch>
+        </p:blipFill>
+        <p:spPr>
+          <a:xfrm>
+            <a:off x="6888787" y="2458428"/>
+            <a:ext cx="3457575" cy="3657600"/>
+          </a:xfrm>
+          <a:prstGeom prst="rect">
+            <a:avLst/>
+          </a:prstGeom>
+        </p:spPr>
+      </p:pic>
+      <p:grpSp>
+        <p:nvGrpSpPr>
+          <p:cNvPr id="7" name="グループ化 6">
+            <a:extLst>
+              <a:ext uri="{FF2B5EF4-FFF2-40B4-BE49-F238E27FC236}">
+                <a16:creationId xmlns:a16="http://schemas.microsoft.com/office/drawing/2014/main" id="{E0008CCF-DFF7-77BC-881F-9E4BE2C61242}"/>
+              </a:ext>
+            </a:extLst>
+          </p:cNvPr>
+          <p:cNvGrpSpPr/>
+          <p:nvPr/>
+        </p:nvGrpSpPr>
+        <p:grpSpPr>
+          <a:xfrm>
+            <a:off x="9981640" y="4867453"/>
+            <a:ext cx="1210588" cy="824343"/>
+            <a:chOff x="7933412" y="5450776"/>
+            <a:chExt cx="1210588" cy="824343"/>
+          </a:xfrm>
+        </p:grpSpPr>
+        <p:sp>
+          <p:nvSpPr>
+            <p:cNvPr id="8" name="テキスト ボックス 7">
+              <a:extLst>
+                <a:ext uri="{FF2B5EF4-FFF2-40B4-BE49-F238E27FC236}">
+                  <a16:creationId xmlns:a16="http://schemas.microsoft.com/office/drawing/2014/main" id="{5FA32207-A141-7F44-57B3-FBC41066D08B}"/>
+                </a:ext>
+              </a:extLst>
+            </p:cNvPr>
+            <p:cNvSpPr txBox="1"/>
+            <p:nvPr/>
+          </p:nvSpPr>
+          <p:spPr>
+            <a:xfrm>
+              <a:off x="7969018" y="5450776"/>
+              <a:ext cx="697627" cy="400110"/>
+            </a:xfrm>
+            <a:prstGeom prst="rect">
+              <a:avLst/>
+            </a:prstGeom>
+            <a:noFill/>
+          </p:spPr>
+          <p:txBody>
+            <a:bodyPr wrap="none" rtlCol="0">
+              <a:spAutoFit/>
+            </a:bodyPr>
+            <a:lstStyle/>
+            <a:p>
+              <a:pPr algn="l"/>
+              <a:r>
+                <a:rPr kumimoji="1" lang="ja-JP" altLang="en-US" sz="2000" dirty="0">
+                  <a:latin typeface="メイリオ" panose="020B0604030504040204" pitchFamily="50" charset="-128"/>
+                  <a:ea typeface="メイリオ" panose="020B0604030504040204" pitchFamily="50" charset="-128"/>
+                </a:rPr>
+                <a:t>牛乳</a:t>
+              </a:r>
+            </a:p>
+          </p:txBody>
+        </p:sp>
+        <p:sp>
+          <p:nvSpPr>
+            <p:cNvPr id="9" name="テキスト ボックス 8">
+              <a:extLst>
+                <a:ext uri="{FF2B5EF4-FFF2-40B4-BE49-F238E27FC236}">
+                  <a16:creationId xmlns:a16="http://schemas.microsoft.com/office/drawing/2014/main" id="{185B3271-55EC-5D31-8CBD-CF4D6CD1235B}"/>
+                </a:ext>
+              </a:extLst>
+            </p:cNvPr>
+            <p:cNvSpPr txBox="1"/>
+            <p:nvPr/>
+          </p:nvSpPr>
+          <p:spPr>
+            <a:xfrm>
+              <a:off x="7933412" y="5875009"/>
+              <a:ext cx="1210588" cy="400110"/>
+            </a:xfrm>
+            <a:prstGeom prst="rect">
+              <a:avLst/>
+            </a:prstGeom>
+            <a:noFill/>
+          </p:spPr>
+          <p:txBody>
+            <a:bodyPr wrap="none" rtlCol="0">
+              <a:spAutoFit/>
+            </a:bodyPr>
+            <a:lstStyle/>
+            <a:p>
+              <a:pPr algn="l"/>
+              <a:r>
+                <a:rPr kumimoji="1" lang="ja-JP" altLang="en-US" sz="2000" dirty="0">
+                  <a:latin typeface="メイリオ" panose="020B0604030504040204" pitchFamily="50" charset="-128"/>
+                  <a:ea typeface="メイリオ" panose="020B0604030504040204" pitchFamily="50" charset="-128"/>
+                </a:rPr>
+                <a:t>ハチミツ</a:t>
+              </a:r>
+            </a:p>
+          </p:txBody>
+        </p:sp>
+      </p:grpSp>
+      <p:grpSp>
+        <p:nvGrpSpPr>
+          <p:cNvPr id="10" name="グループ化 9">
+            <a:extLst>
+              <a:ext uri="{FF2B5EF4-FFF2-40B4-BE49-F238E27FC236}">
+                <a16:creationId xmlns:a16="http://schemas.microsoft.com/office/drawing/2014/main" id="{87A800C7-1581-B256-8D60-694AFD522207}"/>
+              </a:ext>
+            </a:extLst>
+          </p:cNvPr>
+          <p:cNvGrpSpPr/>
+          <p:nvPr/>
+        </p:nvGrpSpPr>
+        <p:grpSpPr>
+          <a:xfrm>
+            <a:off x="7582508" y="2856088"/>
+            <a:ext cx="1509902" cy="2646065"/>
+            <a:chOff x="5517223" y="3428999"/>
+            <a:chExt cx="1509902" cy="2646065"/>
+          </a:xfrm>
+        </p:grpSpPr>
+        <p:grpSp>
+          <p:nvGrpSpPr>
+            <p:cNvPr id="11" name="グループ化 10">
+              <a:extLst>
+                <a:ext uri="{FF2B5EF4-FFF2-40B4-BE49-F238E27FC236}">
+                  <a16:creationId xmlns:a16="http://schemas.microsoft.com/office/drawing/2014/main" id="{89F88747-C60A-621D-76ED-1184D27DC098}"/>
+                </a:ext>
+              </a:extLst>
+            </p:cNvPr>
+            <p:cNvGrpSpPr/>
+            <p:nvPr/>
+          </p:nvGrpSpPr>
+          <p:grpSpPr>
+            <a:xfrm>
+              <a:off x="5517223" y="3428999"/>
+              <a:ext cx="1479083" cy="2252610"/>
+              <a:chOff x="5517223" y="3428999"/>
+              <a:chExt cx="1479083" cy="2252610"/>
+            </a:xfrm>
+          </p:grpSpPr>
+          <p:cxnSp>
+            <p:nvCxnSpPr>
+              <p:cNvPr id="13" name="コネクタ: カギ線 12">
+                <a:extLst>
+                  <a:ext uri="{FF2B5EF4-FFF2-40B4-BE49-F238E27FC236}">
+                    <a16:creationId xmlns:a16="http://schemas.microsoft.com/office/drawing/2014/main" id="{3365A7BB-32C3-B98A-FA18-DE0DE01C4160}"/>
+                  </a:ext>
+                </a:extLst>
+              </p:cNvPr>
+              <p:cNvCxnSpPr>
+                <a:cxnSpLocks/>
+              </p:cNvCxnSpPr>
+              <p:nvPr/>
+            </p:nvCxnSpPr>
+            <p:spPr>
+              <a:xfrm rot="16200000" flipH="1">
+                <a:off x="5222824" y="3723398"/>
+                <a:ext cx="1441556" cy="852758"/>
+              </a:xfrm>
+              <a:prstGeom prst="bentConnector3">
+                <a:avLst>
+                  <a:gd name="adj1" fmla="val 100603"/>
+                </a:avLst>
+              </a:prstGeom>
+              <a:ln w="38100">
+                <a:solidFill>
+                  <a:srgbClr val="FF0000"/>
+                </a:solidFill>
+              </a:ln>
+            </p:spPr>
+            <p:style>
+              <a:lnRef idx="1">
+                <a:schemeClr val="accent1"/>
+              </a:lnRef>
+              <a:fillRef idx="0">
+                <a:schemeClr val="accent1"/>
+              </a:fillRef>
+              <a:effectRef idx="0">
+                <a:schemeClr val="accent1"/>
+              </a:effectRef>
+              <a:fontRef idx="minor">
+                <a:schemeClr val="tx1"/>
+              </a:fontRef>
+            </p:style>
+          </p:cxnSp>
+          <p:cxnSp>
+            <p:nvCxnSpPr>
+              <p:cNvPr id="14" name="コネクタ: カギ線 13">
+                <a:extLst>
+                  <a:ext uri="{FF2B5EF4-FFF2-40B4-BE49-F238E27FC236}">
+                    <a16:creationId xmlns:a16="http://schemas.microsoft.com/office/drawing/2014/main" id="{29884B64-59B3-52E9-1975-8948F52705AD}"/>
+                  </a:ext>
+                </a:extLst>
+              </p:cNvPr>
+              <p:cNvCxnSpPr/>
+              <p:nvPr/>
+            </p:nvCxnSpPr>
+            <p:spPr>
+              <a:xfrm rot="16200000" flipH="1">
+                <a:off x="6293025" y="4978327"/>
+                <a:ext cx="811056" cy="595507"/>
+              </a:xfrm>
+              <a:prstGeom prst="bentConnector3">
+                <a:avLst>
+                  <a:gd name="adj1" fmla="val 95603"/>
+                </a:avLst>
+              </a:prstGeom>
+              <a:ln w="38100">
+                <a:solidFill>
+                  <a:srgbClr val="FF0000"/>
+                </a:solidFill>
+              </a:ln>
+            </p:spPr>
+            <p:style>
+              <a:lnRef idx="1">
+                <a:schemeClr val="accent1"/>
+              </a:lnRef>
+              <a:fillRef idx="0">
+                <a:schemeClr val="accent1"/>
+              </a:fillRef>
+              <a:effectRef idx="0">
+                <a:schemeClr val="accent1"/>
+              </a:effectRef>
+              <a:fontRef idx="minor">
+                <a:schemeClr val="tx1"/>
+              </a:fontRef>
+            </p:style>
+          </p:cxnSp>
+        </p:grpSp>
+        <p:cxnSp>
+          <p:nvCxnSpPr>
+            <p:cNvPr id="12" name="コネクタ: カギ線 11">
+              <a:extLst>
+                <a:ext uri="{FF2B5EF4-FFF2-40B4-BE49-F238E27FC236}">
+                  <a16:creationId xmlns:a16="http://schemas.microsoft.com/office/drawing/2014/main" id="{B31BC7FF-FA7F-945D-CA7C-A34719239182}"/>
+                </a:ext>
+              </a:extLst>
+            </p:cNvPr>
+            <p:cNvCxnSpPr>
+              <a:cxnSpLocks/>
+            </p:cNvCxnSpPr>
+            <p:nvPr/>
+          </p:nvCxnSpPr>
+          <p:spPr>
+            <a:xfrm>
+              <a:off x="5537771" y="4870553"/>
+              <a:ext cx="1489354" cy="1204511"/>
+            </a:xfrm>
+            <a:prstGeom prst="bentConnector3">
+              <a:avLst>
+                <a:gd name="adj1" fmla="val 58278"/>
+              </a:avLst>
+            </a:prstGeom>
+            <a:ln w="38100">
+              <a:solidFill>
+                <a:srgbClr val="FF0000"/>
+              </a:solidFill>
+            </a:ln>
+          </p:spPr>
+          <p:style>
+            <a:lnRef idx="1">
+              <a:schemeClr val="accent1"/>
+            </a:lnRef>
+            <a:fillRef idx="0">
+              <a:schemeClr val="accent1"/>
+            </a:fillRef>
+            <a:effectRef idx="0">
+              <a:schemeClr val="accent1"/>
+            </a:effectRef>
+            <a:fontRef idx="minor">
+              <a:schemeClr val="tx1"/>
+            </a:fontRef>
+          </p:style>
+        </p:cxnSp>
+      </p:grpSp>
+      <p:pic>
+        <p:nvPicPr>
+          <p:cNvPr id="16" name="図 15">
+            <a:extLst>
+              <a:ext uri="{FF2B5EF4-FFF2-40B4-BE49-F238E27FC236}">
+                <a16:creationId xmlns:a16="http://schemas.microsoft.com/office/drawing/2014/main" id="{89BEE28F-05FA-973A-55F9-E44DE80BC28F}"/>
+              </a:ext>
+            </a:extLst>
+          </p:cNvPr>
+          <p:cNvPicPr>
+            <a:picLocks noChangeAspect="1"/>
+          </p:cNvPicPr>
+          <p:nvPr/>
+        </p:nvPicPr>
+        <p:blipFill>
+          <a:blip r:embed="rId3"/>
+          <a:stretch>
+            <a:fillRect/>
+          </a:stretch>
+        </p:blipFill>
+        <p:spPr>
+          <a:xfrm>
+            <a:off x="1197525" y="2175641"/>
+            <a:ext cx="4473887" cy="4343400"/>
+          </a:xfrm>
+          <a:prstGeom prst="rect">
+            <a:avLst/>
+          </a:prstGeom>
+        </p:spPr>
+      </p:pic>
+      <p:sp>
+        <p:nvSpPr>
+          <p:cNvPr id="17" name="テキスト ボックス 16">
+            <a:extLst>
+              <a:ext uri="{FF2B5EF4-FFF2-40B4-BE49-F238E27FC236}">
+                <a16:creationId xmlns:a16="http://schemas.microsoft.com/office/drawing/2014/main" id="{E19D1847-6F6F-B8EC-7D08-1948F8332236}"/>
+              </a:ext>
+            </a:extLst>
+          </p:cNvPr>
+          <p:cNvSpPr txBox="1"/>
+          <p:nvPr/>
+        </p:nvSpPr>
+        <p:spPr>
+          <a:xfrm>
+            <a:off x="1016876" y="402021"/>
+            <a:ext cx="9652001" cy="584775"/>
+          </a:xfrm>
+          <a:prstGeom prst="rect">
+            <a:avLst/>
+          </a:prstGeom>
+          <a:noFill/>
+        </p:spPr>
+        <p:txBody>
+          <a:bodyPr wrap="none" rtlCol="0">
+            <a:spAutoFit/>
+          </a:bodyPr>
+          <a:lstStyle/>
+          <a:p>
+            <a:pPr algn="l"/>
+            <a:r>
+              <a:rPr kumimoji="1" lang="ja-JP" altLang="en-US" sz="3200" dirty="0">
+                <a:latin typeface="メイリオ" panose="020B0604030504040204" pitchFamily="50" charset="-128"/>
+                <a:ea typeface="メイリオ" panose="020B0604030504040204" pitchFamily="50" charset="-128"/>
+              </a:rPr>
+              <a:t>木構造は、欲しいデータへの経路</a:t>
+            </a:r>
+            <a:r>
+              <a:rPr kumimoji="1" lang="en-US" altLang="ja-JP" sz="3200" dirty="0">
+                <a:latin typeface="メイリオ" panose="020B0604030504040204" pitchFamily="50" charset="-128"/>
+                <a:ea typeface="メイリオ" panose="020B0604030504040204" pitchFamily="50" charset="-128"/>
+              </a:rPr>
+              <a:t>(path)</a:t>
+            </a:r>
+            <a:r>
+              <a:rPr kumimoji="1" lang="ja-JP" altLang="en-US" sz="3200" dirty="0">
+                <a:latin typeface="メイリオ" panose="020B0604030504040204" pitchFamily="50" charset="-128"/>
+                <a:ea typeface="メイリオ" panose="020B0604030504040204" pitchFamily="50" charset="-128"/>
+              </a:rPr>
+              <a:t>を表現する</a:t>
+            </a:r>
+          </a:p>
+        </p:txBody>
+      </p:sp>
+      <p:sp>
+        <p:nvSpPr>
+          <p:cNvPr id="18" name="テキスト ボックス 17">
+            <a:extLst>
+              <a:ext uri="{FF2B5EF4-FFF2-40B4-BE49-F238E27FC236}">
+                <a16:creationId xmlns:a16="http://schemas.microsoft.com/office/drawing/2014/main" id="{D5F1D59B-FE68-1982-19AC-A47AD254528B}"/>
+              </a:ext>
+            </a:extLst>
+          </p:cNvPr>
+          <p:cNvSpPr txBox="1"/>
+          <p:nvPr/>
+        </p:nvSpPr>
+        <p:spPr>
+          <a:xfrm>
+            <a:off x="1016876" y="1030114"/>
+            <a:ext cx="7749237" cy="830997"/>
+          </a:xfrm>
+          <a:prstGeom prst="rect">
+            <a:avLst/>
+          </a:prstGeom>
+          <a:noFill/>
+        </p:spPr>
+        <p:txBody>
+          <a:bodyPr wrap="none" rtlCol="0">
+            <a:spAutoFit/>
+          </a:bodyPr>
+          <a:lstStyle/>
+          <a:p>
+            <a:pPr marL="457200" indent="-457200" algn="l">
+              <a:buFont typeface="+mj-lt"/>
+              <a:buAutoNum type="arabicPeriod"/>
+            </a:pPr>
+            <a:r>
+              <a:rPr kumimoji="1" lang="en-US" altLang="ja-JP" sz="2400" dirty="0">
+                <a:latin typeface="メイリオ" panose="020B0604030504040204" pitchFamily="50" charset="-128"/>
+                <a:ea typeface="メイリオ" panose="020B0604030504040204" pitchFamily="50" charset="-128"/>
+              </a:rPr>
+              <a:t>html(XML)</a:t>
+            </a:r>
+            <a:r>
+              <a:rPr kumimoji="1" lang="ja-JP" altLang="en-US" sz="2400" dirty="0">
+                <a:latin typeface="メイリオ" panose="020B0604030504040204" pitchFamily="50" charset="-128"/>
+                <a:ea typeface="メイリオ" panose="020B0604030504040204" pitchFamily="50" charset="-128"/>
+              </a:rPr>
+              <a:t>を対象にした</a:t>
+            </a:r>
+            <a:r>
+              <a:rPr kumimoji="1" lang="en-US" altLang="ja-JP" sz="2400" dirty="0">
+                <a:latin typeface="メイリオ" panose="020B0604030504040204" pitchFamily="50" charset="-128"/>
+                <a:ea typeface="メイリオ" panose="020B0604030504040204" pitchFamily="50" charset="-128"/>
+              </a:rPr>
+              <a:t>path</a:t>
+            </a:r>
+            <a:r>
+              <a:rPr kumimoji="1" lang="ja-JP" altLang="en-US" sz="2400" dirty="0">
+                <a:latin typeface="メイリオ" panose="020B0604030504040204" pitchFamily="50" charset="-128"/>
+                <a:ea typeface="メイリオ" panose="020B0604030504040204" pitchFamily="50" charset="-128"/>
+              </a:rPr>
+              <a:t>の記述を</a:t>
+            </a:r>
+            <a:r>
+              <a:rPr kumimoji="1" lang="en-US" altLang="ja-JP" sz="2400" dirty="0" err="1">
+                <a:latin typeface="メイリオ" panose="020B0604030504040204" pitchFamily="50" charset="-128"/>
+                <a:ea typeface="メイリオ" panose="020B0604030504040204" pitchFamily="50" charset="-128"/>
+              </a:rPr>
+              <a:t>xpath</a:t>
+            </a:r>
+            <a:r>
+              <a:rPr kumimoji="1" lang="ja-JP" altLang="en-US" sz="2400" dirty="0">
+                <a:latin typeface="メイリオ" panose="020B0604030504040204" pitchFamily="50" charset="-128"/>
+                <a:ea typeface="メイリオ" panose="020B0604030504040204" pitchFamily="50" charset="-128"/>
+              </a:rPr>
+              <a:t>と呼ぶ</a:t>
+            </a:r>
+            <a:endParaRPr kumimoji="1" lang="en-US" altLang="ja-JP" sz="2400" dirty="0">
+              <a:latin typeface="メイリオ" panose="020B0604030504040204" pitchFamily="50" charset="-128"/>
+              <a:ea typeface="メイリオ" panose="020B0604030504040204" pitchFamily="50" charset="-128"/>
+            </a:endParaRPr>
+          </a:p>
+          <a:p>
+            <a:pPr marL="457200" indent="-457200" algn="l">
+              <a:buFont typeface="+mj-lt"/>
+              <a:buAutoNum type="arabicPeriod"/>
+            </a:pPr>
+            <a:r>
+              <a:rPr kumimoji="1" lang="ja-JP" altLang="en-US" sz="2400" dirty="0">
+                <a:latin typeface="メイリオ" panose="020B0604030504040204" pitchFamily="50" charset="-128"/>
+                <a:ea typeface="メイリオ" panose="020B0604030504040204" pitchFamily="50" charset="-128"/>
+              </a:rPr>
+              <a:t>パスがわかるとスクレイピングができる</a:t>
+            </a:r>
+          </a:p>
+        </p:txBody>
+      </p:sp>
+    </p:spTree>
+    <p:extLst>
+      <p:ext uri="{BB962C8B-B14F-4D97-AF65-F5344CB8AC3E}">
+        <p14:creationId xmlns:p14="http://schemas.microsoft.com/office/powerpoint/2010/main" val="4036885721"/>
+      </p:ext>
+    </p:extLst>
+  </p:cSld>
+  <p:clrMapOvr>
+    <a:masterClrMapping/>
+  </p:clrMapOvr>
+  <p:timing>
+    <p:tnLst>
+      <p:par>
+        <p:cTn id="1" dur="indefinite" restart="never" nodeType="tmRoot">
+          <p:childTnLst>
+            <p:seq concurrent="1" nextAc="seek">
+              <p:cTn id="2" dur="indefinite" nodeType="mainSeq">
+                <p:childTnLst>
+                  <p:par>
+                    <p:cTn id="3" fill="hold">
+                      <p:stCondLst>
+                        <p:cond delay="indefinite"/>
+                      </p:stCondLst>
+                      <p:childTnLst>
+                        <p:par>
+                          <p:cTn id="4" fill="hold">
+                            <p:stCondLst>
+                              <p:cond delay="0"/>
+                            </p:stCondLst>
+                            <p:childTnLst>
+                              <p:par>
+                                <p:cTn id="5" presetID="10" presetClass="entr" presetSubtype="0" fill="hold" nodeType="clickEffect">
+                                  <p:stCondLst>
+                                    <p:cond delay="0"/>
+                                  </p:stCondLst>
+                                  <p:childTnLst>
+                                    <p:set>
+                                      <p:cBhvr>
+                                        <p:cTn id="6" dur="1" fill="hold">
+                                          <p:stCondLst>
+                                            <p:cond delay="0"/>
+                                          </p:stCondLst>
+                                        </p:cTn>
+                                        <p:tgtEl>
+                                          <p:spTgt spid="10"/>
+                                        </p:tgtEl>
+                                        <p:attrNameLst>
+                                          <p:attrName>style.visibility</p:attrName>
+                                        </p:attrNameLst>
+                                      </p:cBhvr>
+                                      <p:to>
+                                        <p:strVal val="visible"/>
+                                      </p:to>
+                                    </p:set>
+                                    <p:animEffect transition="in" filter="fade">
+                                      <p:cBhvr>
+                                        <p:cTn id="7" dur="500"/>
+                                        <p:tgtEl>
+                                          <p:spTgt spid="10"/>
+                                        </p:tgtEl>
+                                      </p:cBhvr>
+                                    </p:animEffect>
+                                  </p:childTnLst>
+                                </p:cTn>
+                              </p:par>
+                            </p:childTnLst>
+                          </p:cTn>
+                        </p:par>
+                      </p:childTnLst>
+                    </p:cTn>
+                  </p:par>
+                  <p:par>
+                    <p:cTn id="8" fill="hold">
+                      <p:stCondLst>
+                        <p:cond delay="indefinite"/>
+                      </p:stCondLst>
+                      <p:childTnLst>
+                        <p:par>
+                          <p:cTn id="9" fill="hold">
+                            <p:stCondLst>
+                              <p:cond delay="0"/>
+                            </p:stCondLst>
+                            <p:childTnLst>
+                              <p:par>
+                                <p:cTn id="10" presetID="35" presetClass="path" presetSubtype="0" accel="50000" decel="50000" fill="hold" nodeType="clickEffect">
+                                  <p:stCondLst>
+                                    <p:cond delay="0"/>
+                                  </p:stCondLst>
+                                  <p:childTnLst>
+                                    <p:animMotion origin="layout" path="M -5.55556E-7 -1.11111E-6 L -0.34375 0.01088 " pathEditMode="relative" rAng="0" ptsTypes="AA">
+                                      <p:cBhvr>
+                                        <p:cTn id="11" dur="2000" fill="hold"/>
+                                        <p:tgtEl>
+                                          <p:spTgt spid="7"/>
+                                        </p:tgtEl>
+                                        <p:attrNameLst>
+                                          <p:attrName>ppt_x</p:attrName>
+                                          <p:attrName>ppt_y</p:attrName>
+                                        </p:attrNameLst>
+                                      </p:cBhvr>
+                                      <p:rCtr x="-17188" y="532"/>
+                                    </p:animMotion>
+                                  </p:childTnLst>
+                                </p:cTn>
+                              </p:par>
+                            </p:childTnLst>
+                          </p:cTn>
+                        </p:par>
+                      </p:childTnLst>
+                    </p:cTn>
+                  </p:par>
+                </p:childTnLst>
+              </p:cTn>
+              <p:prevCondLst>
+                <p:cond evt="onPrev" delay="0">
+                  <p:tgtEl>
+                    <p:sldTgt/>
+                  </p:tgtEl>
+                </p:cond>
+              </p:prevCondLst>
+              <p:nextCondLst>
+                <p:cond evt="onNext" delay="0">
+                  <p:tgtEl>
+                    <p:sldTgt/>
+                  </p:tgtEl>
+                </p:cond>
+              </p:nextCondLst>
+            </p:seq>
+          </p:childTnLst>
+        </p:cTn>
+      </p:par>
+    </p:tnLst>
+  </p:timing>
+</p:sld>
+</file>
+
+<file path=ppt/slides/slide2.xml><?xml version="1.0" encoding="utf-8"?>
+<p:sld xmlns:a="http://schemas.openxmlformats.org/drawingml/2006/main" xmlns:r="http://schemas.openxmlformats.org/officeDocument/2006/relationships" xmlns:p="http://schemas.openxmlformats.org/presentationml/2006/main">
+  <p:cSld>
+    <p:spTree>
+      <p:nvGrpSpPr>
+        <p:cNvPr id="1" name=""/>
+        <p:cNvGrpSpPr/>
+        <p:nvPr/>
+      </p:nvGrpSpPr>
+      <p:grpSpPr>
+        <a:xfrm>
+          <a:off x="0" y="0"/>
+          <a:ext cx="0" cy="0"/>
+          <a:chOff x="0" y="0"/>
+          <a:chExt cx="0" cy="0"/>
+        </a:xfrm>
+      </p:grpSpPr>
+      <p:sp>
+        <p:nvSpPr>
+          <p:cNvPr id="2" name="テキスト ボックス 1">
+            <a:extLst>
+              <a:ext uri="{FF2B5EF4-FFF2-40B4-BE49-F238E27FC236}">
+                <a16:creationId xmlns:a16="http://schemas.microsoft.com/office/drawing/2014/main" id="{CC4F3E2D-C70B-0A87-F06C-BF09CB08C964}"/>
+              </a:ext>
+            </a:extLst>
+          </p:cNvPr>
+          <p:cNvSpPr txBox="1"/>
+          <p:nvPr/>
+        </p:nvSpPr>
+        <p:spPr>
+          <a:xfrm>
+            <a:off x="296692" y="209017"/>
+            <a:ext cx="10493227" cy="584775"/>
+          </a:xfrm>
+          <a:prstGeom prst="rect">
+            <a:avLst/>
+          </a:prstGeom>
+          <a:noFill/>
+        </p:spPr>
+        <p:txBody>
+          <a:bodyPr wrap="square" rtlCol="0">
+            <a:spAutoFit/>
+          </a:bodyPr>
+          <a:lstStyle/>
+          <a:p>
+            <a:pPr algn="l"/>
+            <a:r>
+              <a:rPr kumimoji="1" lang="en-US" altLang="ja-JP" sz="3200" b="1" dirty="0">
+                <a:latin typeface="メイリオ" panose="020B0604030504040204" pitchFamily="50" charset="-128"/>
+                <a:ea typeface="メイリオ" panose="020B0604030504040204" pitchFamily="50" charset="-128"/>
+              </a:rPr>
+              <a:t>Common Gateway Interface(CGI)</a:t>
+            </a:r>
+            <a:endParaRPr kumimoji="1" lang="ja-JP" altLang="en-US" sz="3200" b="1" dirty="0">
+              <a:latin typeface="メイリオ" panose="020B0604030504040204" pitchFamily="50" charset="-128"/>
+              <a:ea typeface="メイリオ" panose="020B0604030504040204" pitchFamily="50" charset="-128"/>
+            </a:endParaRPr>
+          </a:p>
+        </p:txBody>
+      </p:sp>
+      <p:sp>
+        <p:nvSpPr>
+          <p:cNvPr id="3" name="テキスト ボックス 2">
+            <a:extLst>
+              <a:ext uri="{FF2B5EF4-FFF2-40B4-BE49-F238E27FC236}">
+                <a16:creationId xmlns:a16="http://schemas.microsoft.com/office/drawing/2014/main" id="{373CBE1D-1E35-BC71-E4B6-87BEEB286F8A}"/>
+              </a:ext>
+            </a:extLst>
+          </p:cNvPr>
+          <p:cNvSpPr txBox="1"/>
+          <p:nvPr/>
+        </p:nvSpPr>
+        <p:spPr>
+          <a:xfrm>
+            <a:off x="296692" y="823207"/>
+            <a:ext cx="11788916" cy="1569660"/>
+          </a:xfrm>
+          <a:prstGeom prst="rect">
+            <a:avLst/>
+          </a:prstGeom>
+          <a:noFill/>
+        </p:spPr>
+        <p:txBody>
+          <a:bodyPr wrap="square" rtlCol="0">
+            <a:spAutoFit/>
+          </a:bodyPr>
+          <a:lstStyle/>
+          <a:p>
+            <a:pPr marL="457200" indent="-457200" algn="l">
+              <a:buFont typeface="+mj-lt"/>
+              <a:buAutoNum type="arabicPeriod"/>
+            </a:pPr>
+            <a:r>
+              <a:rPr kumimoji="1" lang="ja-JP" altLang="en-US" sz="2400" dirty="0">
+                <a:latin typeface="メイリオ" panose="020B0604030504040204" pitchFamily="50" charset="-128"/>
+                <a:ea typeface="メイリオ" panose="020B0604030504040204" pitchFamily="50" charset="-128"/>
+              </a:rPr>
+              <a:t>絶え間なく投稿される口コミを自由検索して</a:t>
+            </a:r>
+            <a:r>
+              <a:rPr kumimoji="1" lang="en-US" altLang="ja-JP" sz="2400" dirty="0">
+                <a:latin typeface="メイリオ" panose="020B0604030504040204" pitchFamily="50" charset="-128"/>
+                <a:ea typeface="メイリオ" panose="020B0604030504040204" pitchFamily="50" charset="-128"/>
+              </a:rPr>
+              <a:t>web</a:t>
+            </a:r>
+            <a:r>
+              <a:rPr kumimoji="1" lang="ja-JP" altLang="en-US" sz="2400" dirty="0">
+                <a:latin typeface="メイリオ" panose="020B0604030504040204" pitchFamily="50" charset="-128"/>
+                <a:ea typeface="メイリオ" panose="020B0604030504040204" pitchFamily="50" charset="-128"/>
+              </a:rPr>
+              <a:t>ページとして表示する機能</a:t>
+            </a:r>
+            <a:endParaRPr kumimoji="1" lang="en-US" altLang="ja-JP" sz="2400" dirty="0">
+              <a:latin typeface="メイリオ" panose="020B0604030504040204" pitchFamily="50" charset="-128"/>
+              <a:ea typeface="メイリオ" panose="020B0604030504040204" pitchFamily="50" charset="-128"/>
+            </a:endParaRPr>
+          </a:p>
+          <a:p>
+            <a:pPr marL="457200" indent="-457200" algn="l">
+              <a:buFont typeface="+mj-lt"/>
+              <a:buAutoNum type="arabicPeriod"/>
+            </a:pPr>
+            <a:r>
+              <a:rPr kumimoji="1" lang="en-US" altLang="ja-JP" sz="2400" dirty="0">
+                <a:latin typeface="メイリオ" panose="020B0604030504040204" pitchFamily="50" charset="-128"/>
+                <a:ea typeface="メイリオ" panose="020B0604030504040204" pitchFamily="50" charset="-128"/>
+              </a:rPr>
+              <a:t>SNS</a:t>
+            </a:r>
+            <a:r>
+              <a:rPr kumimoji="1" lang="ja-JP" altLang="en-US" sz="2400" dirty="0">
+                <a:latin typeface="メイリオ" panose="020B0604030504040204" pitchFamily="50" charset="-128"/>
+                <a:ea typeface="メイリオ" panose="020B0604030504040204" pitchFamily="50" charset="-128"/>
+              </a:rPr>
+              <a:t>系サーバーは、複数のコンポーネントサーバーの連携で成り立っている</a:t>
+            </a:r>
+            <a:endParaRPr kumimoji="1" lang="en-US" altLang="ja-JP" sz="2400" dirty="0">
+              <a:latin typeface="メイリオ" panose="020B0604030504040204" pitchFamily="50" charset="-128"/>
+              <a:ea typeface="メイリオ" panose="020B0604030504040204" pitchFamily="50" charset="-128"/>
+            </a:endParaRPr>
+          </a:p>
+          <a:p>
+            <a:pPr marL="457200" indent="-457200" algn="l">
+              <a:buFont typeface="+mj-lt"/>
+              <a:buAutoNum type="arabicPeriod"/>
+            </a:pPr>
+            <a:r>
+              <a:rPr kumimoji="1" lang="ja-JP" altLang="en-US" sz="2400" dirty="0">
+                <a:latin typeface="メイリオ" panose="020B0604030504040204" pitchFamily="50" charset="-128"/>
+                <a:ea typeface="メイリオ" panose="020B0604030504040204" pitchFamily="50" charset="-128"/>
+              </a:rPr>
+              <a:t>フルスタック！：プログラミング、</a:t>
+            </a:r>
+            <a:r>
+              <a:rPr kumimoji="1" lang="en-US" altLang="ja-JP" sz="2400" dirty="0">
+                <a:latin typeface="メイリオ" panose="020B0604030504040204" pitchFamily="50" charset="-128"/>
+                <a:ea typeface="メイリオ" panose="020B0604030504040204" pitchFamily="50" charset="-128"/>
+              </a:rPr>
+              <a:t>web</a:t>
+            </a:r>
+            <a:r>
+              <a:rPr kumimoji="1" lang="ja-JP" altLang="en-US" sz="2400" dirty="0">
+                <a:latin typeface="メイリオ" panose="020B0604030504040204" pitchFamily="50" charset="-128"/>
+                <a:ea typeface="メイリオ" panose="020B0604030504040204" pitchFamily="50" charset="-128"/>
+              </a:rPr>
+              <a:t>サーバー、</a:t>
+            </a:r>
+            <a:r>
+              <a:rPr kumimoji="1" lang="en-US" altLang="ja-JP" sz="2400" dirty="0">
+                <a:latin typeface="メイリオ" panose="020B0604030504040204" pitchFamily="50" charset="-128"/>
+                <a:ea typeface="メイリオ" panose="020B0604030504040204" pitchFamily="50" charset="-128"/>
+              </a:rPr>
+              <a:t>html</a:t>
+            </a:r>
+            <a:r>
+              <a:rPr kumimoji="1" lang="ja-JP" altLang="en-US" sz="2400" dirty="0">
+                <a:latin typeface="メイリオ" panose="020B0604030504040204" pitchFamily="50" charset="-128"/>
+                <a:ea typeface="メイリオ" panose="020B0604030504040204" pitchFamily="50" charset="-128"/>
+              </a:rPr>
+              <a:t>、</a:t>
+            </a:r>
+            <a:r>
+              <a:rPr kumimoji="1" lang="en-US" altLang="ja-JP" sz="2400" dirty="0">
+                <a:latin typeface="メイリオ" panose="020B0604030504040204" pitchFamily="50" charset="-128"/>
+                <a:ea typeface="メイリオ" panose="020B0604030504040204" pitchFamily="50" charset="-128"/>
+              </a:rPr>
+              <a:t>SQL</a:t>
+            </a:r>
+            <a:r>
+              <a:rPr kumimoji="1" lang="ja-JP" altLang="en-US" sz="2400" dirty="0">
+                <a:latin typeface="メイリオ" panose="020B0604030504040204" pitchFamily="50" charset="-128"/>
+                <a:ea typeface="メイリオ" panose="020B0604030504040204" pitchFamily="50" charset="-128"/>
+              </a:rPr>
+              <a:t>データベースなど必要なすべての技術</a:t>
+            </a:r>
+          </a:p>
+        </p:txBody>
+      </p:sp>
+      <p:pic>
+        <p:nvPicPr>
+          <p:cNvPr id="4" name="図 3">
+            <a:extLst>
+              <a:ext uri="{FF2B5EF4-FFF2-40B4-BE49-F238E27FC236}">
+                <a16:creationId xmlns:a16="http://schemas.microsoft.com/office/drawing/2014/main" id="{7BC5445F-78CB-9C2A-A14E-A693574D819F}"/>
+              </a:ext>
+            </a:extLst>
+          </p:cNvPr>
+          <p:cNvPicPr>
+            <a:picLocks noChangeAspect="1"/>
+          </p:cNvPicPr>
+          <p:nvPr/>
+        </p:nvPicPr>
+        <p:blipFill>
+          <a:blip r:embed="rId2"/>
+          <a:stretch>
+            <a:fillRect/>
+          </a:stretch>
+        </p:blipFill>
+        <p:spPr>
+          <a:xfrm>
+            <a:off x="188101" y="3852525"/>
+            <a:ext cx="3887271" cy="612464"/>
+          </a:xfrm>
+          <a:prstGeom prst="rect">
+            <a:avLst/>
+          </a:prstGeom>
+        </p:spPr>
+      </p:pic>
+      <p:sp>
+        <p:nvSpPr>
+          <p:cNvPr id="5" name="フローチャート: 磁気ディスク 4">
+            <a:extLst>
+              <a:ext uri="{FF2B5EF4-FFF2-40B4-BE49-F238E27FC236}">
+                <a16:creationId xmlns:a16="http://schemas.microsoft.com/office/drawing/2014/main" id="{39E9E8BD-11EF-35C9-5BB2-68561801F66C}"/>
+              </a:ext>
+            </a:extLst>
+          </p:cNvPr>
+          <p:cNvSpPr/>
+          <p:nvPr/>
+        </p:nvSpPr>
+        <p:spPr>
+          <a:xfrm>
+            <a:off x="7612654" y="2688481"/>
+            <a:ext cx="3961356" cy="2452254"/>
+          </a:xfrm>
+          <a:prstGeom prst="flowChartMagneticDisk">
+            <a:avLst/>
+          </a:prstGeom>
+          <a:noFill/>
+        </p:spPr>
+        <p:style>
+          <a:lnRef idx="2">
+            <a:schemeClr val="accent1">
+              <a:shade val="15000"/>
+            </a:schemeClr>
+          </a:lnRef>
+          <a:fillRef idx="1">
+            <a:schemeClr val="accent1"/>
+          </a:fillRef>
+          <a:effectRef idx="0">
+            <a:schemeClr val="accent1"/>
+          </a:effectRef>
+          <a:fontRef idx="minor">
+            <a:schemeClr val="lt1"/>
+          </a:fontRef>
+        </p:style>
+        <p:txBody>
+          <a:bodyPr rtlCol="0" anchor="ctr"/>
+          <a:lstStyle/>
+          <a:p>
+            <a:pPr algn="ctr"/>
+            <a:endParaRPr kumimoji="1" lang="ja-JP" altLang="en-US"/>
+          </a:p>
+        </p:txBody>
+      </p:sp>
+      <p:sp>
+        <p:nvSpPr>
+          <p:cNvPr id="6" name="テキスト ボックス 5">
+            <a:extLst>
+              <a:ext uri="{FF2B5EF4-FFF2-40B4-BE49-F238E27FC236}">
+                <a16:creationId xmlns:a16="http://schemas.microsoft.com/office/drawing/2014/main" id="{6BA06A31-9BE6-D822-6C53-6DF54EB95061}"/>
+              </a:ext>
+            </a:extLst>
+          </p:cNvPr>
+          <p:cNvSpPr txBox="1"/>
+          <p:nvPr/>
+        </p:nvSpPr>
+        <p:spPr>
+          <a:xfrm>
+            <a:off x="8016251" y="2903341"/>
+            <a:ext cx="2954655" cy="461665"/>
+          </a:xfrm>
+          <a:prstGeom prst="rect">
+            <a:avLst/>
+          </a:prstGeom>
+          <a:noFill/>
+        </p:spPr>
+        <p:txBody>
+          <a:bodyPr wrap="none" rtlCol="0">
+            <a:spAutoFit/>
+          </a:bodyPr>
+          <a:lstStyle/>
+          <a:p>
+            <a:pPr algn="l"/>
+            <a:r>
+              <a:rPr kumimoji="1" lang="ja-JP" altLang="en-US" sz="2400" dirty="0">
+                <a:latin typeface="メイリオ" panose="020B0604030504040204" pitchFamily="50" charset="-128"/>
+                <a:ea typeface="メイリオ" panose="020B0604030504040204" pitchFamily="50" charset="-128"/>
+              </a:rPr>
+              <a:t>レシピデータベース</a:t>
+            </a:r>
+          </a:p>
+        </p:txBody>
+      </p:sp>
+      <p:sp>
+        <p:nvSpPr>
+          <p:cNvPr id="7" name="正方形/長方形 6">
+            <a:extLst>
+              <a:ext uri="{FF2B5EF4-FFF2-40B4-BE49-F238E27FC236}">
+                <a16:creationId xmlns:a16="http://schemas.microsoft.com/office/drawing/2014/main" id="{B323C2EF-DF96-46BC-FAE2-1102D3AEB81F}"/>
+              </a:ext>
+            </a:extLst>
+          </p:cNvPr>
+          <p:cNvSpPr/>
+          <p:nvPr/>
+        </p:nvSpPr>
+        <p:spPr>
+          <a:xfrm>
+            <a:off x="4618852" y="2964374"/>
+            <a:ext cx="2801759" cy="3733331"/>
+          </a:xfrm>
+          <a:prstGeom prst="rect">
+            <a:avLst/>
+          </a:prstGeom>
+          <a:noFill/>
+        </p:spPr>
+        <p:style>
+          <a:lnRef idx="2">
+            <a:schemeClr val="accent1">
+              <a:shade val="15000"/>
+            </a:schemeClr>
+          </a:lnRef>
+          <a:fillRef idx="1">
+            <a:schemeClr val="accent1"/>
+          </a:fillRef>
+          <a:effectRef idx="0">
+            <a:schemeClr val="accent1"/>
+          </a:effectRef>
+          <a:fontRef idx="minor">
+            <a:schemeClr val="lt1"/>
+          </a:fontRef>
+        </p:style>
+        <p:txBody>
+          <a:bodyPr rtlCol="0" anchor="ctr"/>
+          <a:lstStyle/>
+          <a:p>
+            <a:pPr algn="ctr"/>
+            <a:endParaRPr kumimoji="1" lang="ja-JP" altLang="en-US"/>
+          </a:p>
+        </p:txBody>
+      </p:sp>
+      <p:sp>
+        <p:nvSpPr>
+          <p:cNvPr id="8" name="テキスト ボックス 7">
+            <a:extLst>
+              <a:ext uri="{FF2B5EF4-FFF2-40B4-BE49-F238E27FC236}">
+                <a16:creationId xmlns:a16="http://schemas.microsoft.com/office/drawing/2014/main" id="{D4A1A869-6143-716D-8830-94383546AF60}"/>
+              </a:ext>
+            </a:extLst>
+          </p:cNvPr>
+          <p:cNvSpPr txBox="1"/>
+          <p:nvPr/>
+        </p:nvSpPr>
+        <p:spPr>
+          <a:xfrm>
+            <a:off x="4671052" y="3630666"/>
+            <a:ext cx="2521844" cy="338554"/>
+          </a:xfrm>
+          <a:prstGeom prst="rect">
+            <a:avLst/>
+          </a:prstGeom>
+          <a:noFill/>
+        </p:spPr>
+        <p:txBody>
+          <a:bodyPr wrap="none" rtlCol="0">
+            <a:spAutoFit/>
+          </a:bodyPr>
+          <a:lstStyle/>
+          <a:p>
+            <a:pPr algn="l"/>
+            <a:r>
+              <a:rPr kumimoji="1" lang="en-US" altLang="ja-JP" sz="1600" dirty="0">
+                <a:latin typeface="メイリオ" panose="020B0604030504040204" pitchFamily="50" charset="-128"/>
+                <a:ea typeface="メイリオ" panose="020B0604030504040204" pitchFamily="50" charset="-128"/>
+              </a:rPr>
+              <a:t>SQL: select ‘</a:t>
+            </a:r>
+            <a:r>
+              <a:rPr kumimoji="1" lang="ja-JP" altLang="en-US" sz="1600" dirty="0">
+                <a:latin typeface="メイリオ" panose="020B0604030504040204" pitchFamily="50" charset="-128"/>
+                <a:ea typeface="メイリオ" panose="020B0604030504040204" pitchFamily="50" charset="-128"/>
+              </a:rPr>
+              <a:t>ティラミス</a:t>
+            </a:r>
+            <a:r>
+              <a:rPr kumimoji="1" lang="en-US" altLang="ja-JP" sz="1600" dirty="0">
+                <a:latin typeface="メイリオ" panose="020B0604030504040204" pitchFamily="50" charset="-128"/>
+                <a:ea typeface="メイリオ" panose="020B0604030504040204" pitchFamily="50" charset="-128"/>
+              </a:rPr>
+              <a:t>’</a:t>
+            </a:r>
+            <a:endParaRPr kumimoji="1" lang="ja-JP" altLang="en-US" sz="1600" dirty="0">
+              <a:latin typeface="メイリオ" panose="020B0604030504040204" pitchFamily="50" charset="-128"/>
+              <a:ea typeface="メイリオ" panose="020B0604030504040204" pitchFamily="50" charset="-128"/>
+            </a:endParaRPr>
+          </a:p>
+        </p:txBody>
+      </p:sp>
+      <p:sp>
+        <p:nvSpPr>
+          <p:cNvPr id="9" name="テキスト ボックス 8">
+            <a:extLst>
+              <a:ext uri="{FF2B5EF4-FFF2-40B4-BE49-F238E27FC236}">
+                <a16:creationId xmlns:a16="http://schemas.microsoft.com/office/drawing/2014/main" id="{3110A2C6-A3E3-0C44-D3E8-1A76CB797065}"/>
+              </a:ext>
+            </a:extLst>
+          </p:cNvPr>
+          <p:cNvSpPr txBox="1"/>
+          <p:nvPr/>
+        </p:nvSpPr>
+        <p:spPr>
+          <a:xfrm>
+            <a:off x="7736798" y="3745039"/>
+            <a:ext cx="3713068" cy="1015663"/>
+          </a:xfrm>
+          <a:prstGeom prst="rect">
+            <a:avLst/>
+          </a:prstGeom>
+          <a:noFill/>
+        </p:spPr>
+        <p:txBody>
+          <a:bodyPr wrap="square" rtlCol="0">
+            <a:spAutoFit/>
+          </a:bodyPr>
+          <a:lstStyle/>
+          <a:p>
+            <a:pPr algn="l"/>
+            <a:r>
+              <a:rPr kumimoji="1" lang="ja-JP" altLang="en-US" sz="2000" dirty="0">
+                <a:latin typeface="メイリオ" panose="020B0604030504040204" pitchFamily="50" charset="-128"/>
+                <a:ea typeface="メイリオ" panose="020B0604030504040204" pitchFamily="50" charset="-128"/>
+              </a:rPr>
+              <a:t>ユーザーが投稿したレシピ（写真、テキスト）を保管する巨大な</a:t>
+            </a:r>
+            <a:r>
+              <a:rPr kumimoji="1" lang="en-US" altLang="ja-JP" sz="2000" dirty="0">
+                <a:latin typeface="メイリオ" panose="020B0604030504040204" pitchFamily="50" charset="-128"/>
+                <a:ea typeface="メイリオ" panose="020B0604030504040204" pitchFamily="50" charset="-128"/>
+              </a:rPr>
+              <a:t>DB</a:t>
+            </a:r>
+            <a:endParaRPr kumimoji="1" lang="ja-JP" altLang="en-US" sz="2000" dirty="0">
+              <a:latin typeface="メイリオ" panose="020B0604030504040204" pitchFamily="50" charset="-128"/>
+              <a:ea typeface="メイリオ" panose="020B0604030504040204" pitchFamily="50" charset="-128"/>
+            </a:endParaRPr>
+          </a:p>
+        </p:txBody>
+      </p:sp>
+      <p:sp>
+        <p:nvSpPr>
+          <p:cNvPr id="10" name="テキスト ボックス 9">
+            <a:extLst>
+              <a:ext uri="{FF2B5EF4-FFF2-40B4-BE49-F238E27FC236}">
+                <a16:creationId xmlns:a16="http://schemas.microsoft.com/office/drawing/2014/main" id="{22BC0F42-1C64-1B59-4EE2-5D9B185462BA}"/>
+              </a:ext>
+            </a:extLst>
+          </p:cNvPr>
+          <p:cNvSpPr txBox="1"/>
+          <p:nvPr/>
+        </p:nvSpPr>
+        <p:spPr>
+          <a:xfrm>
+            <a:off x="4703339" y="3058993"/>
+            <a:ext cx="2632784" cy="646331"/>
+          </a:xfrm>
+          <a:prstGeom prst="rect">
+            <a:avLst/>
+          </a:prstGeom>
+          <a:noFill/>
+        </p:spPr>
+        <p:txBody>
+          <a:bodyPr wrap="square" rtlCol="0">
+            <a:spAutoFit/>
+          </a:bodyPr>
+          <a:lstStyle/>
+          <a:p>
+            <a:pPr algn="l"/>
+            <a:r>
+              <a:rPr kumimoji="1" lang="ja-JP" altLang="en-US" dirty="0">
+                <a:latin typeface="メイリオ" panose="020B0604030504040204" pitchFamily="50" charset="-128"/>
+                <a:ea typeface="メイリオ" panose="020B0604030504040204" pitchFamily="50" charset="-128"/>
+              </a:rPr>
+              <a:t>リソース名から</a:t>
+            </a:r>
+            <a:r>
+              <a:rPr kumimoji="1" lang="en-US" altLang="ja-JP" dirty="0">
+                <a:latin typeface="メイリオ" panose="020B0604030504040204" pitchFamily="50" charset="-128"/>
+                <a:ea typeface="メイリオ" panose="020B0604030504040204" pitchFamily="50" charset="-128"/>
+              </a:rPr>
+              <a:t>SQL</a:t>
+            </a:r>
+            <a:r>
+              <a:rPr kumimoji="1" lang="ja-JP" altLang="en-US" dirty="0">
+                <a:latin typeface="メイリオ" panose="020B0604030504040204" pitchFamily="50" charset="-128"/>
+                <a:ea typeface="メイリオ" panose="020B0604030504040204" pitchFamily="50" charset="-128"/>
+              </a:rPr>
+              <a:t>文を生成</a:t>
+            </a:r>
+          </a:p>
+        </p:txBody>
+      </p:sp>
+      <p:sp>
+        <p:nvSpPr>
+          <p:cNvPr id="12" name="矢印: 右 11">
+            <a:extLst>
+              <a:ext uri="{FF2B5EF4-FFF2-40B4-BE49-F238E27FC236}">
+                <a16:creationId xmlns:a16="http://schemas.microsoft.com/office/drawing/2014/main" id="{632308ED-5DFA-983B-5591-D3C228AA7658}"/>
+              </a:ext>
+            </a:extLst>
+          </p:cNvPr>
+          <p:cNvSpPr/>
+          <p:nvPr/>
+        </p:nvSpPr>
+        <p:spPr>
+          <a:xfrm>
+            <a:off x="4785077" y="3834886"/>
+            <a:ext cx="2880887" cy="338554"/>
+          </a:xfrm>
+          <a:prstGeom prst="rightArrow">
+            <a:avLst>
+              <a:gd name="adj1" fmla="val 50000"/>
+              <a:gd name="adj2" fmla="val 139180"/>
+            </a:avLst>
+          </a:prstGeom>
+          <a:ln>
+            <a:solidFill>
+              <a:srgbClr val="4472C4"/>
+            </a:solidFill>
+          </a:ln>
+        </p:spPr>
+        <p:style>
+          <a:lnRef idx="2">
+            <a:schemeClr val="accent1">
+              <a:shade val="15000"/>
+            </a:schemeClr>
+          </a:lnRef>
+          <a:fillRef idx="1">
+            <a:schemeClr val="accent1"/>
+          </a:fillRef>
+          <a:effectRef idx="0">
+            <a:schemeClr val="accent1"/>
+          </a:effectRef>
+          <a:fontRef idx="minor">
+            <a:schemeClr val="lt1"/>
+          </a:fontRef>
+        </p:style>
+        <p:txBody>
+          <a:bodyPr rtlCol="0" anchor="ctr"/>
+          <a:lstStyle/>
+          <a:p>
+            <a:pPr algn="ctr"/>
+            <a:endParaRPr kumimoji="1" lang="ja-JP" altLang="en-US"/>
+          </a:p>
+        </p:txBody>
+      </p:sp>
+      <p:sp>
+        <p:nvSpPr>
+          <p:cNvPr id="13" name="矢印: 右 12">
+            <a:extLst>
+              <a:ext uri="{FF2B5EF4-FFF2-40B4-BE49-F238E27FC236}">
+                <a16:creationId xmlns:a16="http://schemas.microsoft.com/office/drawing/2014/main" id="{0306F39C-D028-9F01-27BA-818804560EF8}"/>
+              </a:ext>
+            </a:extLst>
+          </p:cNvPr>
+          <p:cNvSpPr/>
+          <p:nvPr/>
+        </p:nvSpPr>
+        <p:spPr>
+          <a:xfrm flipH="1">
+            <a:off x="4663868" y="4228344"/>
+            <a:ext cx="2880887" cy="338554"/>
+          </a:xfrm>
+          <a:prstGeom prst="rightArrow">
+            <a:avLst>
+              <a:gd name="adj1" fmla="val 50000"/>
+              <a:gd name="adj2" fmla="val 139180"/>
+            </a:avLst>
+          </a:prstGeom>
+          <a:ln>
+            <a:solidFill>
+              <a:srgbClr val="4472C4"/>
+            </a:solidFill>
+          </a:ln>
+        </p:spPr>
+        <p:style>
+          <a:lnRef idx="2">
+            <a:schemeClr val="accent1">
+              <a:shade val="15000"/>
+            </a:schemeClr>
+          </a:lnRef>
+          <a:fillRef idx="1">
+            <a:schemeClr val="accent1"/>
+          </a:fillRef>
+          <a:effectRef idx="0">
+            <a:schemeClr val="accent1"/>
+          </a:effectRef>
+          <a:fontRef idx="minor">
+            <a:schemeClr val="lt1"/>
+          </a:fontRef>
+        </p:style>
+        <p:txBody>
+          <a:bodyPr rtlCol="0" anchor="ctr"/>
+          <a:lstStyle/>
+          <a:p>
+            <a:pPr algn="ctr"/>
+            <a:endParaRPr kumimoji="1" lang="ja-JP" altLang="en-US"/>
+          </a:p>
+        </p:txBody>
+      </p:sp>
+      <p:pic>
+        <p:nvPicPr>
+          <p:cNvPr id="14" name="図 13">
+            <a:extLst>
+              <a:ext uri="{FF2B5EF4-FFF2-40B4-BE49-F238E27FC236}">
+                <a16:creationId xmlns:a16="http://schemas.microsoft.com/office/drawing/2014/main" id="{D1CCA0D6-AF79-4D13-F14F-1052D3060819}"/>
+              </a:ext>
+            </a:extLst>
+          </p:cNvPr>
+          <p:cNvPicPr>
+            <a:picLocks noChangeAspect="1"/>
+          </p:cNvPicPr>
+          <p:nvPr/>
+        </p:nvPicPr>
+        <p:blipFill>
+          <a:blip r:embed="rId3"/>
+          <a:stretch>
+            <a:fillRect/>
+          </a:stretch>
+        </p:blipFill>
+        <p:spPr>
+          <a:xfrm>
+            <a:off x="4742068" y="4713487"/>
+            <a:ext cx="2562583" cy="1886213"/>
+          </a:xfrm>
+          <a:prstGeom prst="rect">
+            <a:avLst/>
+          </a:prstGeom>
+        </p:spPr>
+      </p:pic>
+      <p:sp>
+        <p:nvSpPr>
+          <p:cNvPr id="15" name="テキスト ボックス 14">
+            <a:extLst>
+              <a:ext uri="{FF2B5EF4-FFF2-40B4-BE49-F238E27FC236}">
+                <a16:creationId xmlns:a16="http://schemas.microsoft.com/office/drawing/2014/main" id="{085E65A8-640C-85A6-3446-88F8953D7E2F}"/>
+              </a:ext>
+            </a:extLst>
+          </p:cNvPr>
+          <p:cNvSpPr txBox="1"/>
+          <p:nvPr/>
+        </p:nvSpPr>
+        <p:spPr>
+          <a:xfrm>
+            <a:off x="5174214" y="4464989"/>
+            <a:ext cx="2562584" cy="646331"/>
+          </a:xfrm>
+          <a:prstGeom prst="rect">
+            <a:avLst/>
+          </a:prstGeom>
+          <a:noFill/>
+        </p:spPr>
+        <p:txBody>
+          <a:bodyPr wrap="square" rtlCol="0">
+            <a:spAutoFit/>
+          </a:bodyPr>
+          <a:lstStyle/>
+          <a:p>
+            <a:pPr algn="l"/>
+            <a:r>
+              <a:rPr kumimoji="1" lang="en-US" altLang="ja-JP" b="1" dirty="0">
+                <a:solidFill>
+                  <a:srgbClr val="FF0000"/>
+                </a:solidFill>
+                <a:latin typeface="メイリオ" panose="020B0604030504040204" pitchFamily="50" charset="-128"/>
+                <a:ea typeface="メイリオ" panose="020B0604030504040204" pitchFamily="50" charset="-128"/>
+              </a:rPr>
+              <a:t>DB</a:t>
+            </a:r>
+            <a:r>
+              <a:rPr kumimoji="1" lang="ja-JP" altLang="en-US" b="1" dirty="0">
+                <a:solidFill>
+                  <a:srgbClr val="FF0000"/>
+                </a:solidFill>
+                <a:latin typeface="メイリオ" panose="020B0604030504040204" pitchFamily="50" charset="-128"/>
+                <a:ea typeface="メイリオ" panose="020B0604030504040204" pitchFamily="50" charset="-128"/>
+              </a:rPr>
+              <a:t>からのデータを</a:t>
+            </a:r>
+            <a:r>
+              <a:rPr kumimoji="1" lang="en-US" altLang="ja-JP" b="1" dirty="0">
+                <a:solidFill>
+                  <a:srgbClr val="FF0000"/>
+                </a:solidFill>
+                <a:latin typeface="メイリオ" panose="020B0604030504040204" pitchFamily="50" charset="-128"/>
+                <a:ea typeface="メイリオ" panose="020B0604030504040204" pitchFamily="50" charset="-128"/>
+              </a:rPr>
+              <a:t>html</a:t>
+            </a:r>
+            <a:r>
+              <a:rPr kumimoji="1" lang="ja-JP" altLang="en-US" b="1" dirty="0">
+                <a:solidFill>
+                  <a:srgbClr val="FF0000"/>
+                </a:solidFill>
+                <a:latin typeface="メイリオ" panose="020B0604030504040204" pitchFamily="50" charset="-128"/>
+                <a:ea typeface="メイリオ" panose="020B0604030504040204" pitchFamily="50" charset="-128"/>
+              </a:rPr>
+              <a:t>に自動編集</a:t>
+            </a:r>
+          </a:p>
+        </p:txBody>
+      </p:sp>
+      <p:sp>
+        <p:nvSpPr>
+          <p:cNvPr id="16" name="テキスト ボックス 15">
+            <a:extLst>
+              <a:ext uri="{FF2B5EF4-FFF2-40B4-BE49-F238E27FC236}">
+                <a16:creationId xmlns:a16="http://schemas.microsoft.com/office/drawing/2014/main" id="{A9E75346-0003-0DA3-5B28-13E653C45EC3}"/>
+              </a:ext>
+            </a:extLst>
+          </p:cNvPr>
+          <p:cNvSpPr txBox="1"/>
+          <p:nvPr/>
+        </p:nvSpPr>
+        <p:spPr>
+          <a:xfrm>
+            <a:off x="296692" y="3312672"/>
+            <a:ext cx="2335896" cy="461665"/>
+          </a:xfrm>
+          <a:prstGeom prst="rect">
+            <a:avLst/>
+          </a:prstGeom>
+          <a:noFill/>
+        </p:spPr>
+        <p:txBody>
+          <a:bodyPr wrap="none" rtlCol="0">
+            <a:spAutoFit/>
+          </a:bodyPr>
+          <a:lstStyle/>
+          <a:p>
+            <a:pPr algn="l"/>
+            <a:r>
+              <a:rPr kumimoji="1" lang="en-US" altLang="ja-JP" sz="2400" dirty="0">
+                <a:latin typeface="メイリオ" panose="020B0604030504040204" pitchFamily="50" charset="-128"/>
+                <a:ea typeface="メイリオ" panose="020B0604030504040204" pitchFamily="50" charset="-128"/>
+              </a:rPr>
+              <a:t>http</a:t>
+            </a:r>
+            <a:r>
+              <a:rPr kumimoji="1" lang="ja-JP" altLang="en-US" sz="2400" dirty="0">
+                <a:latin typeface="メイリオ" panose="020B0604030504040204" pitchFamily="50" charset="-128"/>
+                <a:ea typeface="メイリオ" panose="020B0604030504040204" pitchFamily="50" charset="-128"/>
+              </a:rPr>
+              <a:t>リクエスト</a:t>
+            </a:r>
+          </a:p>
+        </p:txBody>
+      </p:sp>
+      <p:sp>
+        <p:nvSpPr>
+          <p:cNvPr id="17" name="テキスト ボックス 16">
+            <a:extLst>
+              <a:ext uri="{FF2B5EF4-FFF2-40B4-BE49-F238E27FC236}">
+                <a16:creationId xmlns:a16="http://schemas.microsoft.com/office/drawing/2014/main" id="{31C8534F-E168-8BE6-C6CA-11778C775CB4}"/>
+              </a:ext>
+            </a:extLst>
+          </p:cNvPr>
+          <p:cNvSpPr txBox="1"/>
+          <p:nvPr/>
+        </p:nvSpPr>
+        <p:spPr>
+          <a:xfrm>
+            <a:off x="4671052" y="2208239"/>
+            <a:ext cx="2643672" cy="830997"/>
+          </a:xfrm>
+          <a:prstGeom prst="rect">
+            <a:avLst/>
+          </a:prstGeom>
+          <a:noFill/>
+        </p:spPr>
+        <p:txBody>
+          <a:bodyPr wrap="none" rtlCol="0">
+            <a:spAutoFit/>
+          </a:bodyPr>
+          <a:lstStyle/>
+          <a:p>
+            <a:pPr algn="l"/>
+            <a:r>
+              <a:rPr kumimoji="1" lang="en-US" altLang="ja-JP" sz="2400" dirty="0">
+                <a:latin typeface="メイリオ" panose="020B0604030504040204" pitchFamily="50" charset="-128"/>
+                <a:ea typeface="メイリオ" panose="020B0604030504040204" pitchFamily="50" charset="-128"/>
+              </a:rPr>
+              <a:t>Web</a:t>
+            </a:r>
+            <a:r>
+              <a:rPr kumimoji="1" lang="ja-JP" altLang="en-US" sz="2400" dirty="0">
+                <a:latin typeface="メイリオ" panose="020B0604030504040204" pitchFamily="50" charset="-128"/>
+                <a:ea typeface="メイリオ" panose="020B0604030504040204" pitchFamily="50" charset="-128"/>
+              </a:rPr>
+              <a:t>サーバー</a:t>
+            </a:r>
+            <a:endParaRPr kumimoji="1" lang="en-US" altLang="ja-JP" sz="2400" dirty="0">
+              <a:latin typeface="メイリオ" panose="020B0604030504040204" pitchFamily="50" charset="-128"/>
+              <a:ea typeface="メイリオ" panose="020B0604030504040204" pitchFamily="50" charset="-128"/>
+            </a:endParaRPr>
+          </a:p>
+          <a:p>
+            <a:pPr algn="l"/>
+            <a:r>
+              <a:rPr kumimoji="1" lang="ja-JP" altLang="en-US" sz="2400" dirty="0">
+                <a:latin typeface="メイリオ" panose="020B0604030504040204" pitchFamily="50" charset="-128"/>
+                <a:ea typeface="メイリオ" panose="020B0604030504040204" pitchFamily="50" charset="-128"/>
+              </a:rPr>
+              <a:t>（</a:t>
+            </a:r>
+            <a:r>
+              <a:rPr kumimoji="1" lang="en-US" altLang="ja-JP" sz="2400" dirty="0">
+                <a:latin typeface="メイリオ" panose="020B0604030504040204" pitchFamily="50" charset="-128"/>
+                <a:ea typeface="メイリオ" panose="020B0604030504040204" pitchFamily="50" charset="-128"/>
+              </a:rPr>
+              <a:t>http</a:t>
+            </a:r>
+            <a:r>
+              <a:rPr kumimoji="1" lang="ja-JP" altLang="en-US" sz="2400" dirty="0">
+                <a:latin typeface="メイリオ" panose="020B0604030504040204" pitchFamily="50" charset="-128"/>
+                <a:ea typeface="メイリオ" panose="020B0604030504040204" pitchFamily="50" charset="-128"/>
+              </a:rPr>
+              <a:t>サーバー）</a:t>
+            </a:r>
+          </a:p>
+        </p:txBody>
+      </p:sp>
+      <p:sp>
+        <p:nvSpPr>
+          <p:cNvPr id="18" name="テキスト ボックス 17">
+            <a:extLst>
+              <a:ext uri="{FF2B5EF4-FFF2-40B4-BE49-F238E27FC236}">
+                <a16:creationId xmlns:a16="http://schemas.microsoft.com/office/drawing/2014/main" id="{75EE7046-5151-29B7-B3F6-664FDA8CF9E2}"/>
+              </a:ext>
+            </a:extLst>
+          </p:cNvPr>
+          <p:cNvSpPr txBox="1"/>
+          <p:nvPr/>
+        </p:nvSpPr>
+        <p:spPr>
+          <a:xfrm>
+            <a:off x="7862362" y="2234747"/>
+            <a:ext cx="3262432" cy="461665"/>
+          </a:xfrm>
+          <a:prstGeom prst="rect">
+            <a:avLst/>
+          </a:prstGeom>
+          <a:noFill/>
+        </p:spPr>
+        <p:txBody>
+          <a:bodyPr wrap="none" rtlCol="0">
+            <a:spAutoFit/>
+          </a:bodyPr>
+          <a:lstStyle/>
+          <a:p>
+            <a:pPr algn="l"/>
+            <a:r>
+              <a:rPr kumimoji="1" lang="ja-JP" altLang="en-US" sz="2400" dirty="0">
+                <a:latin typeface="メイリオ" panose="020B0604030504040204" pitchFamily="50" charset="-128"/>
+                <a:ea typeface="メイリオ" panose="020B0604030504040204" pitchFamily="50" charset="-128"/>
+              </a:rPr>
+              <a:t>データベースサーバー</a:t>
+            </a:r>
+          </a:p>
+        </p:txBody>
+      </p:sp>
+    </p:spTree>
+    <p:extLst>
+      <p:ext uri="{BB962C8B-B14F-4D97-AF65-F5344CB8AC3E}">
+        <p14:creationId xmlns:p14="http://schemas.microsoft.com/office/powerpoint/2010/main" val="125724163"/>
+      </p:ext>
+    </p:extLst>
+  </p:cSld>
+  <p:clrMapOvr>
+    <a:masterClrMapping/>
+  </p:clrMapOvr>
+</p:sld>
+</file>
+
+<file path=ppt/slides/slide20.xml><?xml version="1.0" encoding="utf-8"?>
 <p:sld xmlns:a="http://schemas.openxmlformats.org/drawingml/2006/main" xmlns:r="http://schemas.openxmlformats.org/officeDocument/2006/relationships" xmlns:p="http://schemas.openxmlformats.org/presentationml/2006/main">
   <p:cSld>
     <p:spTree>
@@ -17333,7 +20021,7 @@
 </p:sld>
 </file>
 
-<file path=ppt/slides/slide17.xml><?xml version="1.0" encoding="utf-8"?>
+<file path=ppt/slides/slide21.xml><?xml version="1.0" encoding="utf-8"?>
 <p:sld xmlns:a="http://schemas.openxmlformats.org/drawingml/2006/main" xmlns:r="http://schemas.openxmlformats.org/officeDocument/2006/relationships" xmlns:p="http://schemas.openxmlformats.org/presentationml/2006/main">
   <p:cSld>
     <p:spTree>
@@ -17506,7 +20194,7 @@
         <p:spPr>
           <a:xfrm>
             <a:off x="6536003" y="4609925"/>
-            <a:ext cx="2417650" cy="400110"/>
+            <a:ext cx="2199641" cy="400110"/>
           </a:xfrm>
           <a:prstGeom prst="rect">
             <a:avLst/>
@@ -17530,7 +20218,7 @@
                 <a:latin typeface="メイリオ" panose="020B0604030504040204" pitchFamily="50" charset="-128"/>
                 <a:ea typeface="メイリオ" panose="020B0604030504040204" pitchFamily="50" charset="-128"/>
               </a:rPr>
-              <a:t>  div  class=</a:t>
+              <a:t>  a  class=</a:t>
             </a:r>
             <a:r>
               <a:rPr kumimoji="1" lang="en-US" altLang="ja-JP" sz="2000" dirty="0" err="1">
@@ -17568,7 +20256,7 @@
         <p:spPr>
           <a:xfrm>
             <a:off x="6536002" y="5146221"/>
-            <a:ext cx="2417650" cy="400110"/>
+            <a:ext cx="2199641" cy="400110"/>
           </a:xfrm>
           <a:prstGeom prst="rect">
             <a:avLst/>
@@ -17592,7 +20280,7 @@
                 <a:latin typeface="メイリオ" panose="020B0604030504040204" pitchFamily="50" charset="-128"/>
                 <a:ea typeface="メイリオ" panose="020B0604030504040204" pitchFamily="50" charset="-128"/>
               </a:rPr>
-              <a:t>  div  class=</a:t>
+              <a:t>  a  class=</a:t>
             </a:r>
             <a:r>
               <a:rPr kumimoji="1" lang="en-US" altLang="ja-JP" sz="2000" dirty="0" err="1">
@@ -17630,7 +20318,7 @@
         <p:spPr>
           <a:xfrm>
             <a:off x="6536004" y="5746385"/>
-            <a:ext cx="853119" cy="400110"/>
+            <a:ext cx="1071127" cy="400110"/>
           </a:xfrm>
           <a:prstGeom prst="rect">
             <a:avLst/>
@@ -17654,7 +20342,7 @@
                 <a:latin typeface="メイリオ" panose="020B0604030504040204" pitchFamily="50" charset="-128"/>
                 <a:ea typeface="メイリオ" panose="020B0604030504040204" pitchFamily="50" charset="-128"/>
               </a:rPr>
-              <a:t>   a   </a:t>
+              <a:t>   div   </a:t>
             </a:r>
             <a:endParaRPr kumimoji="1" lang="ja-JP" altLang="en-US" sz="2000" dirty="0">
               <a:latin typeface="メイリオ" panose="020B0604030504040204" pitchFamily="50" charset="-128"/>
@@ -17719,8 +20407,8 @@
         </p:nvCxnSpPr>
         <p:spPr>
           <a:xfrm rot="16200000" flipH="1">
-            <a:off x="5975179" y="5385616"/>
-            <a:ext cx="679860" cy="441788"/>
+            <a:off x="5975179" y="5385615"/>
+            <a:ext cx="679860" cy="441790"/>
           </a:xfrm>
           <a:prstGeom prst="bentConnector2">
             <a:avLst/>
@@ -18007,7 +20695,7 @@
         <p:spPr>
           <a:xfrm>
             <a:off x="4483627" y="1718019"/>
-            <a:ext cx="5635645" cy="461665"/>
+            <a:ext cx="5367431" cy="461665"/>
           </a:xfrm>
           <a:prstGeom prst="rect">
             <a:avLst/>
@@ -18032,21 +20720,7 @@
                 <a:latin typeface="メイリオ" panose="020B0604030504040204" pitchFamily="50" charset="-128"/>
                 <a:ea typeface="メイリオ" panose="020B0604030504040204" pitchFamily="50" charset="-128"/>
               </a:rPr>
-              <a:t>(“//div[@class=‘</a:t>
-            </a:r>
-            <a:r>
-              <a:rPr kumimoji="1" lang="en-US" altLang="ja-JP" sz="2400" dirty="0" err="1">
-                <a:latin typeface="メイリオ" panose="020B0604030504040204" pitchFamily="50" charset="-128"/>
-                <a:ea typeface="メイリオ" panose="020B0604030504040204" pitchFamily="50" charset="-128"/>
-              </a:rPr>
-              <a:t>sozai</a:t>
-            </a:r>
-            <a:r>
-              <a:rPr kumimoji="1" lang="en-US" altLang="ja-JP" sz="2400" dirty="0">
-                <a:latin typeface="メイリオ" panose="020B0604030504040204" pitchFamily="50" charset="-128"/>
-                <a:ea typeface="メイリオ" panose="020B0604030504040204" pitchFamily="50" charset="-128"/>
-              </a:rPr>
-              <a:t>']")</a:t>
+              <a:t>(“//a[@class=‘sozai']")</a:t>
             </a:r>
             <a:endParaRPr kumimoji="1" lang="ja-JP" altLang="en-US" sz="2400" dirty="0">
               <a:latin typeface="メイリオ" panose="020B0604030504040204" pitchFamily="50" charset="-128"/>
@@ -18269,7 +20943,7 @@
 </p:sld>
 </file>
 
-<file path=ppt/slides/slide18.xml><?xml version="1.0" encoding="utf-8"?>
+<file path=ppt/slides/slide22.xml><?xml version="1.0" encoding="utf-8"?>
 <p:sld xmlns:a="http://schemas.openxmlformats.org/drawingml/2006/main" xmlns:r="http://schemas.openxmlformats.org/officeDocument/2006/relationships" xmlns:p="http://schemas.openxmlformats.org/presentationml/2006/main">
   <p:cSld>
     <p:spTree>
@@ -18793,7 +21467,7 @@
 </p:sld>
 </file>
 
-<file path=ppt/slides/slide19.xml><?xml version="1.0" encoding="utf-8"?>
+<file path=ppt/slides/slide23.xml><?xml version="1.0" encoding="utf-8"?>
 <p:sld xmlns:a="http://schemas.openxmlformats.org/drawingml/2006/main" xmlns:r="http://schemas.openxmlformats.org/officeDocument/2006/relationships" xmlns:p="http://schemas.openxmlformats.org/presentationml/2006/main">
   <p:cSld>
     <p:spTree>
@@ -19080,7 +21754,7 @@
         </p:nvSpPr>
         <p:spPr>
           <a:xfrm>
-            <a:off x="871743" y="4367711"/>
+            <a:off x="849551" y="4003001"/>
             <a:ext cx="10983686" cy="2308324"/>
           </a:xfrm>
           <a:prstGeom prst="rect">
@@ -19235,311 +21909,7 @@
 </p:sld>
 </file>
 
-<file path=ppt/slides/slide2.xml><?xml version="1.0" encoding="utf-8"?>
-<p:sld xmlns:a="http://schemas.openxmlformats.org/drawingml/2006/main" xmlns:r="http://schemas.openxmlformats.org/officeDocument/2006/relationships" xmlns:p="http://schemas.openxmlformats.org/presentationml/2006/main">
-  <p:cSld>
-    <p:spTree>
-      <p:nvGrpSpPr>
-        <p:cNvPr id="1" name=""/>
-        <p:cNvGrpSpPr/>
-        <p:nvPr/>
-      </p:nvGrpSpPr>
-      <p:grpSpPr>
-        <a:xfrm>
-          <a:off x="0" y="0"/>
-          <a:ext cx="0" cy="0"/>
-          <a:chOff x="0" y="0"/>
-          <a:chExt cx="0" cy="0"/>
-        </a:xfrm>
-      </p:grpSpPr>
-      <p:sp>
-        <p:nvSpPr>
-          <p:cNvPr id="2" name="テキスト ボックス 1">
-            <a:extLst>
-              <a:ext uri="{FF2B5EF4-FFF2-40B4-BE49-F238E27FC236}">
-                <a16:creationId xmlns:a16="http://schemas.microsoft.com/office/drawing/2014/main" id="{861144B5-08DD-4C07-A34A-96B129658A0F}"/>
-              </a:ext>
-            </a:extLst>
-          </p:cNvPr>
-          <p:cNvSpPr txBox="1"/>
-          <p:nvPr/>
-        </p:nvSpPr>
-        <p:spPr>
-          <a:xfrm>
-            <a:off x="348218" y="279980"/>
-            <a:ext cx="3877985" cy="584775"/>
-          </a:xfrm>
-          <a:prstGeom prst="rect">
-            <a:avLst/>
-          </a:prstGeom>
-          <a:noFill/>
-        </p:spPr>
-        <p:txBody>
-          <a:bodyPr wrap="none" rtlCol="0">
-            <a:spAutoFit/>
-          </a:bodyPr>
-          <a:lstStyle/>
-          <a:p>
-            <a:pPr algn="l"/>
-            <a:r>
-              <a:rPr kumimoji="1" lang="ja-JP" altLang="en-US" sz="3200" b="1" dirty="0">
-                <a:latin typeface="メイリオ" panose="020B0604030504040204" pitchFamily="50" charset="-128"/>
-                <a:ea typeface="メイリオ" panose="020B0604030504040204" pitchFamily="50" charset="-128"/>
-              </a:rPr>
-              <a:t>本格的なクローラー</a:t>
-            </a:r>
-          </a:p>
-        </p:txBody>
-      </p:sp>
-      <p:sp>
-        <p:nvSpPr>
-          <p:cNvPr id="4" name="矢印: 下 3">
-            <a:extLst>
-              <a:ext uri="{FF2B5EF4-FFF2-40B4-BE49-F238E27FC236}">
-                <a16:creationId xmlns:a16="http://schemas.microsoft.com/office/drawing/2014/main" id="{D413F596-B2C9-4CB1-B9F1-9F3595D8A0BA}"/>
-              </a:ext>
-            </a:extLst>
-          </p:cNvPr>
-          <p:cNvSpPr/>
-          <p:nvPr/>
-        </p:nvSpPr>
-        <p:spPr>
-          <a:xfrm flipV="1">
-            <a:off x="4226203" y="5744853"/>
-            <a:ext cx="876300" cy="461665"/>
-          </a:xfrm>
-          <a:prstGeom prst="downArrow">
-            <a:avLst/>
-          </a:prstGeom>
-        </p:spPr>
-        <p:style>
-          <a:lnRef idx="2">
-            <a:schemeClr val="accent1">
-              <a:shade val="50000"/>
-            </a:schemeClr>
-          </a:lnRef>
-          <a:fillRef idx="1">
-            <a:schemeClr val="accent1"/>
-          </a:fillRef>
-          <a:effectRef idx="0">
-            <a:schemeClr val="accent1"/>
-          </a:effectRef>
-          <a:fontRef idx="minor">
-            <a:schemeClr val="lt1"/>
-          </a:fontRef>
-        </p:style>
-        <p:txBody>
-          <a:bodyPr rtlCol="0" anchor="ctr"/>
-          <a:lstStyle/>
-          <a:p>
-            <a:pPr algn="ctr"/>
-            <a:endParaRPr kumimoji="1" lang="ja-JP" altLang="en-US"/>
-          </a:p>
-        </p:txBody>
-      </p:sp>
-      <p:sp>
-        <p:nvSpPr>
-          <p:cNvPr id="5" name="テキスト ボックス 4">
-            <a:extLst>
-              <a:ext uri="{FF2B5EF4-FFF2-40B4-BE49-F238E27FC236}">
-                <a16:creationId xmlns:a16="http://schemas.microsoft.com/office/drawing/2014/main" id="{25C52796-3861-4021-B042-78699CD77AFD}"/>
-              </a:ext>
-            </a:extLst>
-          </p:cNvPr>
-          <p:cNvSpPr txBox="1"/>
-          <p:nvPr/>
-        </p:nvSpPr>
-        <p:spPr>
-          <a:xfrm>
-            <a:off x="3152776" y="6396336"/>
-            <a:ext cx="6842285" cy="461665"/>
-          </a:xfrm>
-          <a:prstGeom prst="rect">
-            <a:avLst/>
-          </a:prstGeom>
-          <a:noFill/>
-        </p:spPr>
-        <p:txBody>
-          <a:bodyPr wrap="square" rtlCol="0">
-            <a:spAutoFit/>
-          </a:bodyPr>
-          <a:lstStyle/>
-          <a:p>
-            <a:pPr algn="l"/>
-            <a:r>
-              <a:rPr kumimoji="1" lang="ja-JP" altLang="en-US" sz="2400" dirty="0">
-                <a:latin typeface="メイリオ" panose="020B0604030504040204" pitchFamily="50" charset="-128"/>
-                <a:ea typeface="メイリオ" panose="020B0604030504040204" pitchFamily="50" charset="-128"/>
-              </a:rPr>
-              <a:t>プログラムから自動的にクリックできたら</a:t>
-            </a:r>
-            <a:r>
-              <a:rPr kumimoji="1" lang="ja-JP" altLang="en-US" sz="2400" dirty="0" err="1">
-                <a:latin typeface="メイリオ" panose="020B0604030504040204" pitchFamily="50" charset="-128"/>
-                <a:ea typeface="メイリオ" panose="020B0604030504040204" pitchFamily="50" charset="-128"/>
-              </a:rPr>
-              <a:t>。。</a:t>
-            </a:r>
-            <a:endParaRPr kumimoji="1" lang="ja-JP" altLang="en-US" sz="2400" dirty="0">
-              <a:latin typeface="メイリオ" panose="020B0604030504040204" pitchFamily="50" charset="-128"/>
-              <a:ea typeface="メイリオ" panose="020B0604030504040204" pitchFamily="50" charset="-128"/>
-            </a:endParaRPr>
-          </a:p>
-        </p:txBody>
-      </p:sp>
-      <p:sp>
-        <p:nvSpPr>
-          <p:cNvPr id="8" name="テキスト ボックス 7">
-            <a:extLst>
-              <a:ext uri="{FF2B5EF4-FFF2-40B4-BE49-F238E27FC236}">
-                <a16:creationId xmlns:a16="http://schemas.microsoft.com/office/drawing/2014/main" id="{0FE851ED-F0D0-427B-CA50-A08DE8F3A9EA}"/>
-              </a:ext>
-            </a:extLst>
-          </p:cNvPr>
-          <p:cNvSpPr txBox="1"/>
-          <p:nvPr/>
-        </p:nvSpPr>
-        <p:spPr>
-          <a:xfrm>
-            <a:off x="3275045" y="762186"/>
-            <a:ext cx="5402248" cy="646331"/>
-          </a:xfrm>
-          <a:prstGeom prst="rect">
-            <a:avLst/>
-          </a:prstGeom>
-          <a:noFill/>
-        </p:spPr>
-        <p:txBody>
-          <a:bodyPr wrap="none" rtlCol="0">
-            <a:spAutoFit/>
-          </a:bodyPr>
-          <a:lstStyle/>
-          <a:p>
-            <a:r>
-              <a:rPr kumimoji="1" lang="en-US" altLang="ja-JP" dirty="0">
-                <a:hlinkClick r:id="rId2"/>
-              </a:rPr>
-              <a:t>https://tabelog.com/tokyo/A1304/A130402/13041176/</a:t>
-            </a:r>
-            <a:endParaRPr kumimoji="1" lang="en-US" altLang="ja-JP" dirty="0"/>
-          </a:p>
-          <a:p>
-            <a:endParaRPr kumimoji="1" lang="ja-JP" altLang="en-US" dirty="0"/>
-          </a:p>
-        </p:txBody>
-      </p:sp>
-      <p:pic>
-        <p:nvPicPr>
-          <p:cNvPr id="11" name="図 10">
-            <a:extLst>
-              <a:ext uri="{FF2B5EF4-FFF2-40B4-BE49-F238E27FC236}">
-                <a16:creationId xmlns:a16="http://schemas.microsoft.com/office/drawing/2014/main" id="{B5C7A383-2111-D266-7A0F-AF8EC5A32996}"/>
-              </a:ext>
-            </a:extLst>
-          </p:cNvPr>
-          <p:cNvPicPr>
-            <a:picLocks noChangeAspect="1"/>
-          </p:cNvPicPr>
-          <p:nvPr/>
-        </p:nvPicPr>
-        <p:blipFill>
-          <a:blip r:embed="rId3"/>
-          <a:stretch>
-            <a:fillRect/>
-          </a:stretch>
-        </p:blipFill>
-        <p:spPr>
-          <a:xfrm>
-            <a:off x="3275045" y="4060192"/>
-            <a:ext cx="5936366" cy="1712810"/>
-          </a:xfrm>
-          <a:prstGeom prst="rect">
-            <a:avLst/>
-          </a:prstGeom>
-        </p:spPr>
-      </p:pic>
-      <p:pic>
-        <p:nvPicPr>
-          <p:cNvPr id="7" name="図 6">
-            <a:extLst>
-              <a:ext uri="{FF2B5EF4-FFF2-40B4-BE49-F238E27FC236}">
-                <a16:creationId xmlns:a16="http://schemas.microsoft.com/office/drawing/2014/main" id="{D499ED3B-9E16-FA4B-D2A7-CA06105F4645}"/>
-              </a:ext>
-            </a:extLst>
-          </p:cNvPr>
-          <p:cNvPicPr>
-            <a:picLocks noChangeAspect="1"/>
-          </p:cNvPicPr>
-          <p:nvPr/>
-        </p:nvPicPr>
-        <p:blipFill>
-          <a:blip r:embed="rId4"/>
-          <a:stretch>
-            <a:fillRect/>
-          </a:stretch>
-        </p:blipFill>
-        <p:spPr>
-          <a:xfrm>
-            <a:off x="3032412" y="1084998"/>
-            <a:ext cx="5936365" cy="3736336"/>
-          </a:xfrm>
-          <a:prstGeom prst="rect">
-            <a:avLst/>
-          </a:prstGeom>
-        </p:spPr>
-      </p:pic>
-      <p:sp>
-        <p:nvSpPr>
-          <p:cNvPr id="12" name="テキスト ボックス 11">
-            <a:extLst>
-              <a:ext uri="{FF2B5EF4-FFF2-40B4-BE49-F238E27FC236}">
-                <a16:creationId xmlns:a16="http://schemas.microsoft.com/office/drawing/2014/main" id="{6676EF64-ECC4-EA03-F7D8-0A09722D6CD0}"/>
-              </a:ext>
-            </a:extLst>
-          </p:cNvPr>
-          <p:cNvSpPr txBox="1"/>
-          <p:nvPr/>
-        </p:nvSpPr>
-        <p:spPr>
-          <a:xfrm>
-            <a:off x="2498294" y="5392171"/>
-            <a:ext cx="6955750" cy="461665"/>
-          </a:xfrm>
-          <a:prstGeom prst="rect">
-            <a:avLst/>
-          </a:prstGeom>
-          <a:noFill/>
-        </p:spPr>
-        <p:txBody>
-          <a:bodyPr wrap="none" rtlCol="0">
-            <a:spAutoFit/>
-          </a:bodyPr>
-          <a:lstStyle/>
-          <a:p>
-            <a:r>
-              <a:rPr kumimoji="1" lang="ja-JP" altLang="en-US" sz="2400" dirty="0">
-                <a:latin typeface="メイリオ" panose="020B0604030504040204" pitchFamily="50" charset="-128"/>
-                <a:ea typeface="メイリオ" panose="020B0604030504040204" pitchFamily="50" charset="-128"/>
-              </a:rPr>
-              <a:t>口コミが多い店舗はページネーションが出てくる</a:t>
-            </a:r>
-          </a:p>
-        </p:txBody>
-      </p:sp>
-    </p:spTree>
-    <p:extLst>
-      <p:ext uri="{BB962C8B-B14F-4D97-AF65-F5344CB8AC3E}">
-        <p14:creationId xmlns:p14="http://schemas.microsoft.com/office/powerpoint/2010/main" val="1512255289"/>
-      </p:ext>
-    </p:extLst>
-  </p:cSld>
-  <p:clrMapOvr>
-    <a:masterClrMapping/>
-  </p:clrMapOvr>
-</p:sld>
-</file>
-
-<file path=ppt/slides/slide20.xml><?xml version="1.0" encoding="utf-8"?>
+<file path=ppt/slides/slide24.xml><?xml version="1.0" encoding="utf-8"?>
 <p:sld xmlns:a="http://schemas.openxmlformats.org/drawingml/2006/main" xmlns:r="http://schemas.openxmlformats.org/officeDocument/2006/relationships" xmlns:p="http://schemas.openxmlformats.org/presentationml/2006/main">
   <p:cSld>
     <p:spTree>
@@ -19847,7 +22217,7 @@
 </p:sld>
 </file>
 
-<file path=ppt/slides/slide21.xml><?xml version="1.0" encoding="utf-8"?>
+<file path=ppt/slides/slide25.xml><?xml version="1.0" encoding="utf-8"?>
 <p:sld xmlns:a="http://schemas.openxmlformats.org/drawingml/2006/main" xmlns:r="http://schemas.openxmlformats.org/officeDocument/2006/relationships" xmlns:p="http://schemas.openxmlformats.org/presentationml/2006/main">
   <p:cSld>
     <p:spTree>
@@ -20095,7 +22465,7 @@
 </p:sld>
 </file>
 
-<file path=ppt/slides/slide22.xml><?xml version="1.0" encoding="utf-8"?>
+<file path=ppt/slides/slide26.xml><?xml version="1.0" encoding="utf-8"?>
 <p:sld xmlns:a="http://schemas.openxmlformats.org/drawingml/2006/main" xmlns:r="http://schemas.openxmlformats.org/officeDocument/2006/relationships" xmlns:p="http://schemas.openxmlformats.org/presentationml/2006/main">
   <p:cSld>
     <p:spTree>
@@ -20233,7 +22603,7 @@
 </p:sld>
 </file>
 
-<file path=ppt/slides/slide23.xml><?xml version="1.0" encoding="utf-8"?>
+<file path=ppt/slides/slide27.xml><?xml version="1.0" encoding="utf-8"?>
 <p:sld xmlns:a="http://schemas.openxmlformats.org/drawingml/2006/main" xmlns:r="http://schemas.openxmlformats.org/officeDocument/2006/relationships" xmlns:p="http://schemas.openxmlformats.org/presentationml/2006/main">
   <p:cSld>
     <p:spTree>
@@ -20552,7 +22922,7 @@
 </p:sld>
 </file>
 
-<file path=ppt/slides/slide24.xml><?xml version="1.0" encoding="utf-8"?>
+<file path=ppt/slides/slide28.xml><?xml version="1.0" encoding="utf-8"?>
 <p:sld xmlns:a="http://schemas.openxmlformats.org/drawingml/2006/main" xmlns:r="http://schemas.openxmlformats.org/officeDocument/2006/relationships" xmlns:p="http://schemas.openxmlformats.org/presentationml/2006/main">
   <p:cSld>
     <p:spTree>
@@ -20711,7 +23081,7 @@
 </p:sld>
 </file>
 
-<file path=ppt/slides/slide25.xml><?xml version="1.0" encoding="utf-8"?>
+<file path=ppt/slides/slide29.xml><?xml version="1.0" encoding="utf-8"?>
 <p:sld xmlns:a="http://schemas.openxmlformats.org/drawingml/2006/main" xmlns:r="http://schemas.openxmlformats.org/officeDocument/2006/relationships" xmlns:p="http://schemas.openxmlformats.org/presentationml/2006/main">
   <p:cSld>
     <p:spTree>
@@ -21111,7 +23481,202 @@
 </p:sld>
 </file>
 
-<file path=ppt/slides/slide26.xml><?xml version="1.0" encoding="utf-8"?>
+<file path=ppt/slides/slide3.xml><?xml version="1.0" encoding="utf-8"?>
+<p:sld xmlns:a="http://schemas.openxmlformats.org/drawingml/2006/main" xmlns:r="http://schemas.openxmlformats.org/officeDocument/2006/relationships" xmlns:p="http://schemas.openxmlformats.org/presentationml/2006/main">
+  <p:cSld>
+    <p:spTree>
+      <p:nvGrpSpPr>
+        <p:cNvPr id="1" name=""/>
+        <p:cNvGrpSpPr/>
+        <p:nvPr/>
+      </p:nvGrpSpPr>
+      <p:grpSpPr>
+        <a:xfrm>
+          <a:off x="0" y="0"/>
+          <a:ext cx="0" cy="0"/>
+          <a:chOff x="0" y="0"/>
+          <a:chExt cx="0" cy="0"/>
+        </a:xfrm>
+      </p:grpSpPr>
+      <p:pic>
+        <p:nvPicPr>
+          <p:cNvPr id="1026" name="Picture 2" descr="世界上位-1000-万の-Web-サイトでのサーバーサイド言語のシェア">
+            <a:extLst>
+              <a:ext uri="{FF2B5EF4-FFF2-40B4-BE49-F238E27FC236}">
+                <a16:creationId xmlns:a16="http://schemas.microsoft.com/office/drawing/2014/main" id="{BBD68DA6-0503-23E7-869C-3A8792DA32D9}"/>
+              </a:ext>
+            </a:extLst>
+          </p:cNvPr>
+          <p:cNvPicPr>
+            <a:picLocks noChangeAspect="1" noChangeArrowheads="1"/>
+          </p:cNvPicPr>
+          <p:nvPr/>
+        </p:nvPicPr>
+        <p:blipFill>
+          <a:blip r:embed="rId2">
+            <a:extLst>
+              <a:ext uri="{28A0092B-C50C-407E-A947-70E740481C1C}">
+                <a14:useLocalDpi xmlns:a14="http://schemas.microsoft.com/office/drawing/2010/main" val="0"/>
+              </a:ext>
+            </a:extLst>
+          </a:blip>
+          <a:srcRect/>
+          <a:stretch>
+            <a:fillRect/>
+          </a:stretch>
+        </p:blipFill>
+        <p:spPr bwMode="auto">
+          <a:xfrm>
+            <a:off x="379562" y="1384630"/>
+            <a:ext cx="8458200" cy="5210175"/>
+          </a:xfrm>
+          <a:prstGeom prst="rect">
+            <a:avLst/>
+          </a:prstGeom>
+          <a:noFill/>
+          <a:extLst>
+            <a:ext uri="{909E8E84-426E-40DD-AFC4-6F175D3DCCD1}">
+              <a14:hiddenFill xmlns:a14="http://schemas.microsoft.com/office/drawing/2010/main">
+                <a:solidFill>
+                  <a:srgbClr val="FFFFFF"/>
+                </a:solidFill>
+              </a14:hiddenFill>
+            </a:ext>
+          </a:extLst>
+        </p:spPr>
+      </p:pic>
+      <p:sp>
+        <p:nvSpPr>
+          <p:cNvPr id="2" name="テキスト ボックス 1">
+            <a:extLst>
+              <a:ext uri="{FF2B5EF4-FFF2-40B4-BE49-F238E27FC236}">
+                <a16:creationId xmlns:a16="http://schemas.microsoft.com/office/drawing/2014/main" id="{8B626E47-A009-C0C2-B95F-10477759EE64}"/>
+              </a:ext>
+            </a:extLst>
+          </p:cNvPr>
+          <p:cNvSpPr txBox="1"/>
+          <p:nvPr/>
+        </p:nvSpPr>
+        <p:spPr>
+          <a:xfrm>
+            <a:off x="379562" y="288664"/>
+            <a:ext cx="11240219" cy="1077218"/>
+          </a:xfrm>
+          <a:prstGeom prst="rect">
+            <a:avLst/>
+          </a:prstGeom>
+          <a:noFill/>
+        </p:spPr>
+        <p:txBody>
+          <a:bodyPr wrap="square" rtlCol="0">
+            <a:spAutoFit/>
+          </a:bodyPr>
+          <a:lstStyle/>
+          <a:p>
+            <a:pPr algn="l"/>
+            <a:r>
+              <a:rPr kumimoji="1" lang="ja-JP" altLang="en-US" sz="3200" dirty="0">
+                <a:latin typeface="メイリオ" panose="020B0604030504040204" pitchFamily="50" charset="-128"/>
+                <a:ea typeface="メイリオ" panose="020B0604030504040204" pitchFamily="50" charset="-128"/>
+              </a:rPr>
+              <a:t>世界の</a:t>
+            </a:r>
+            <a:r>
+              <a:rPr kumimoji="1" lang="en-US" altLang="ja-JP" sz="3200" dirty="0">
+                <a:latin typeface="メイリオ" panose="020B0604030504040204" pitchFamily="50" charset="-128"/>
+                <a:ea typeface="メイリオ" panose="020B0604030504040204" pitchFamily="50" charset="-128"/>
+              </a:rPr>
+              <a:t>Web</a:t>
+            </a:r>
+            <a:r>
+              <a:rPr kumimoji="1" lang="ja-JP" altLang="en-US" sz="3200" dirty="0">
+                <a:latin typeface="メイリオ" panose="020B0604030504040204" pitchFamily="50" charset="-128"/>
+                <a:ea typeface="メイリオ" panose="020B0604030504040204" pitchFamily="50" charset="-128"/>
+              </a:rPr>
+              <a:t>サイト全体（上位</a:t>
+            </a:r>
+            <a:r>
+              <a:rPr kumimoji="1" lang="en-US" altLang="ja-JP" sz="3200" dirty="0">
+                <a:latin typeface="メイリオ" panose="020B0604030504040204" pitchFamily="50" charset="-128"/>
+                <a:ea typeface="メイリオ" panose="020B0604030504040204" pitchFamily="50" charset="-128"/>
+              </a:rPr>
+              <a:t>1000</a:t>
+            </a:r>
+            <a:r>
+              <a:rPr kumimoji="1" lang="ja-JP" altLang="en-US" sz="3200" dirty="0">
+                <a:latin typeface="メイリオ" panose="020B0604030504040204" pitchFamily="50" charset="-128"/>
+                <a:ea typeface="メイリオ" panose="020B0604030504040204" pitchFamily="50" charset="-128"/>
+              </a:rPr>
+              <a:t>万）でのサーバーサイド言語のシェア</a:t>
+            </a:r>
+          </a:p>
+        </p:txBody>
+      </p:sp>
+      <p:sp>
+        <p:nvSpPr>
+          <p:cNvPr id="3" name="テキスト ボックス 2">
+            <a:extLst>
+              <a:ext uri="{FF2B5EF4-FFF2-40B4-BE49-F238E27FC236}">
+                <a16:creationId xmlns:a16="http://schemas.microsoft.com/office/drawing/2014/main" id="{5861AF4C-0BFE-C9B8-5266-1459A5E9B5C2}"/>
+              </a:ext>
+            </a:extLst>
+          </p:cNvPr>
+          <p:cNvSpPr txBox="1"/>
+          <p:nvPr/>
+        </p:nvSpPr>
+        <p:spPr>
+          <a:xfrm>
+            <a:off x="925693" y="6353481"/>
+            <a:ext cx="9576724" cy="830997"/>
+          </a:xfrm>
+          <a:prstGeom prst="rect">
+            <a:avLst/>
+          </a:prstGeom>
+          <a:noFill/>
+        </p:spPr>
+        <p:txBody>
+          <a:bodyPr wrap="none" rtlCol="0">
+            <a:spAutoFit/>
+          </a:bodyPr>
+          <a:lstStyle/>
+          <a:p>
+            <a:pPr algn="l"/>
+            <a:r>
+              <a:rPr kumimoji="1" lang="en-US" altLang="ja-JP" sz="2400" dirty="0">
+                <a:latin typeface="メイリオ" panose="020B0604030504040204" pitchFamily="50" charset="-128"/>
+                <a:ea typeface="メイリオ" panose="020B0604030504040204" pitchFamily="50" charset="-128"/>
+                <a:hlinkClick r:id="rId3"/>
+              </a:rPr>
+              <a:t>https://runteq.jp/blog/programming-school/language/13807/</a:t>
+            </a:r>
+            <a:endParaRPr kumimoji="1" lang="en-US" altLang="ja-JP" sz="2400" dirty="0">
+              <a:latin typeface="メイリオ" panose="020B0604030504040204" pitchFamily="50" charset="-128"/>
+              <a:ea typeface="メイリオ" panose="020B0604030504040204" pitchFamily="50" charset="-128"/>
+            </a:endParaRPr>
+          </a:p>
+          <a:p>
+            <a:pPr algn="l"/>
+            <a:endParaRPr kumimoji="1" lang="ja-JP" altLang="en-US" sz="2400" dirty="0">
+              <a:latin typeface="メイリオ" panose="020B0604030504040204" pitchFamily="50" charset="-128"/>
+              <a:ea typeface="メイリオ" panose="020B0604030504040204" pitchFamily="50" charset="-128"/>
+            </a:endParaRPr>
+          </a:p>
+        </p:txBody>
+      </p:sp>
+    </p:spTree>
+    <p:extLst>
+      <p:ext uri="{BB962C8B-B14F-4D97-AF65-F5344CB8AC3E}">
+        <p14:creationId xmlns:p14="http://schemas.microsoft.com/office/powerpoint/2010/main" val="3090917058"/>
+      </p:ext>
+    </p:extLst>
+  </p:cSld>
+  <p:clrMapOvr>
+    <a:masterClrMapping/>
+  </p:clrMapOvr>
+</p:sld>
+</file>
+
+<file path=ppt/slides/slide30.xml><?xml version="1.0" encoding="utf-8"?>
 <p:sld xmlns:a="http://schemas.openxmlformats.org/drawingml/2006/main" xmlns:r="http://schemas.openxmlformats.org/officeDocument/2006/relationships" xmlns:p="http://schemas.openxmlformats.org/presentationml/2006/main">
   <p:cSld>
     <p:spTree>
@@ -21519,7 +24084,7 @@
 </p:sld>
 </file>
 
-<file path=ppt/slides/slide27.xml><?xml version="1.0" encoding="utf-8"?>
+<file path=ppt/slides/slide31.xml><?xml version="1.0" encoding="utf-8"?>
 <p:sld xmlns:a="http://schemas.openxmlformats.org/drawingml/2006/main" xmlns:r="http://schemas.openxmlformats.org/officeDocument/2006/relationships" xmlns:p="http://schemas.openxmlformats.org/presentationml/2006/main">
   <p:cSld>
     <p:spTree>
@@ -22395,7 +24960,7 @@
         <p:spPr>
           <a:xfrm>
             <a:off x="637592" y="640288"/>
-            <a:ext cx="11478208" cy="830997"/>
+            <a:ext cx="11478208" cy="461665"/>
           </a:xfrm>
           <a:prstGeom prst="rect">
             <a:avLst/>
@@ -22421,7 +24986,7 @@
                 <a:latin typeface="メイリオ" panose="020B0604030504040204" pitchFamily="50" charset="-128"/>
                 <a:ea typeface="メイリオ" panose="020B0604030504040204" pitchFamily="50" charset="-128"/>
               </a:rPr>
-              <a:t>階層上（親）のパスから子にパスを指定すれば、対応が崩れない。以下を実行してうまくいっていることを確認してください。</a:t>
+              <a:t>階層上（親）のパスから子にパスを指定すれば、対応が崩れない。</a:t>
             </a:r>
           </a:p>
         </p:txBody>
@@ -22482,7 +25047,7 @@
 </p:sld>
 </file>
 
-<file path=ppt/slides/slide28.xml><?xml version="1.0" encoding="utf-8"?>
+<file path=ppt/slides/slide32.xml><?xml version="1.0" encoding="utf-8"?>
 <p:sld xmlns:a="http://schemas.openxmlformats.org/drawingml/2006/main" xmlns:r="http://schemas.openxmlformats.org/officeDocument/2006/relationships" xmlns:p="http://schemas.openxmlformats.org/presentationml/2006/main">
   <p:cSld>
     <p:spTree>
@@ -22648,7 +25213,7 @@
 </p:sld>
 </file>
 
-<file path=ppt/slides/slide29.xml><?xml version="1.0" encoding="utf-8"?>
+<file path=ppt/slides/slide33.xml><?xml version="1.0" encoding="utf-8"?>
 <p:sld xmlns:a="http://schemas.openxmlformats.org/drawingml/2006/main" xmlns:r="http://schemas.openxmlformats.org/officeDocument/2006/relationships" xmlns:p="http://schemas.openxmlformats.org/presentationml/2006/main">
   <p:cSld>
     <p:spTree>
@@ -23309,323 +25874,7 @@
 </p:sld>
 </file>
 
-<file path=ppt/slides/slide3.xml><?xml version="1.0" encoding="utf-8"?>
-<p:sld xmlns:a="http://schemas.openxmlformats.org/drawingml/2006/main" xmlns:r="http://schemas.openxmlformats.org/officeDocument/2006/relationships" xmlns:p="http://schemas.openxmlformats.org/presentationml/2006/main">
-  <p:cSld>
-    <p:spTree>
-      <p:nvGrpSpPr>
-        <p:cNvPr id="1" name=""/>
-        <p:cNvGrpSpPr/>
-        <p:nvPr/>
-      </p:nvGrpSpPr>
-      <p:grpSpPr>
-        <a:xfrm>
-          <a:off x="0" y="0"/>
-          <a:ext cx="0" cy="0"/>
-          <a:chOff x="0" y="0"/>
-          <a:chExt cx="0" cy="0"/>
-        </a:xfrm>
-      </p:grpSpPr>
-      <p:pic>
-        <p:nvPicPr>
-          <p:cNvPr id="6" name="図 5">
-            <a:extLst>
-              <a:ext uri="{FF2B5EF4-FFF2-40B4-BE49-F238E27FC236}">
-                <a16:creationId xmlns:a16="http://schemas.microsoft.com/office/drawing/2014/main" id="{FDE5C5CD-2588-F7FD-65D0-795BA7B3DA13}"/>
-              </a:ext>
-            </a:extLst>
-          </p:cNvPr>
-          <p:cNvPicPr>
-            <a:picLocks noChangeAspect="1"/>
-          </p:cNvPicPr>
-          <p:nvPr/>
-        </p:nvPicPr>
-        <p:blipFill>
-          <a:blip r:embed="rId3"/>
-          <a:stretch>
-            <a:fillRect/>
-          </a:stretch>
-        </p:blipFill>
-        <p:spPr>
-          <a:xfrm>
-            <a:off x="1138237" y="2352675"/>
-            <a:ext cx="9915525" cy="4505325"/>
-          </a:xfrm>
-          <a:prstGeom prst="rect">
-            <a:avLst/>
-          </a:prstGeom>
-        </p:spPr>
-      </p:pic>
-      <p:sp>
-        <p:nvSpPr>
-          <p:cNvPr id="11" name="テキスト ボックス 10">
-            <a:extLst>
-              <a:ext uri="{FF2B5EF4-FFF2-40B4-BE49-F238E27FC236}">
-                <a16:creationId xmlns:a16="http://schemas.microsoft.com/office/drawing/2014/main" id="{034BE71F-295B-4A23-BB41-9599E1731E1C}"/>
-              </a:ext>
-            </a:extLst>
-          </p:cNvPr>
-          <p:cNvSpPr txBox="1"/>
-          <p:nvPr/>
-        </p:nvSpPr>
-        <p:spPr>
-          <a:xfrm>
-            <a:off x="160458" y="323693"/>
-            <a:ext cx="11290363" cy="523220"/>
-          </a:xfrm>
-          <a:prstGeom prst="rect">
-            <a:avLst/>
-          </a:prstGeom>
-          <a:noFill/>
-        </p:spPr>
-        <p:txBody>
-          <a:bodyPr wrap="square" rtlCol="0">
-            <a:spAutoFit/>
-          </a:bodyPr>
-          <a:lstStyle/>
-          <a:p>
-            <a:pPr algn="l"/>
-            <a:r>
-              <a:rPr kumimoji="1" lang="ja-JP" altLang="en-US" sz="2800" dirty="0">
-                <a:latin typeface="メイリオ" panose="020B0604030504040204" pitchFamily="50" charset="-128"/>
-                <a:ea typeface="メイリオ" panose="020B0604030504040204" pitchFamily="50" charset="-128"/>
-              </a:rPr>
-              <a:t>ページ番号をクリックしたときに</a:t>
-            </a:r>
-            <a:r>
-              <a:rPr kumimoji="1" lang="en-US" altLang="ja-JP" sz="2800" dirty="0">
-                <a:latin typeface="メイリオ" panose="020B0604030504040204" pitchFamily="50" charset="-128"/>
-                <a:ea typeface="メイリオ" panose="020B0604030504040204" pitchFamily="50" charset="-128"/>
-              </a:rPr>
-              <a:t>URL</a:t>
-            </a:r>
-            <a:r>
-              <a:rPr kumimoji="1" lang="ja-JP" altLang="en-US" sz="2800" dirty="0">
-                <a:latin typeface="メイリオ" panose="020B0604030504040204" pitchFamily="50" charset="-128"/>
-                <a:ea typeface="メイリオ" panose="020B0604030504040204" pitchFamily="50" charset="-128"/>
-              </a:rPr>
-              <a:t>ボックスで何が変化するか？</a:t>
-            </a:r>
-          </a:p>
-        </p:txBody>
-      </p:sp>
-      <p:sp>
-        <p:nvSpPr>
-          <p:cNvPr id="14" name="四角形: 角を丸くする 13">
-            <a:extLst>
-              <a:ext uri="{FF2B5EF4-FFF2-40B4-BE49-F238E27FC236}">
-                <a16:creationId xmlns:a16="http://schemas.microsoft.com/office/drawing/2014/main" id="{8351B3D1-940C-40E4-ABA7-907AE1BD2835}"/>
-              </a:ext>
-            </a:extLst>
-          </p:cNvPr>
-          <p:cNvSpPr/>
-          <p:nvPr/>
-        </p:nvSpPr>
-        <p:spPr>
-          <a:xfrm>
-            <a:off x="2323322" y="2697335"/>
-            <a:ext cx="8369559" cy="366953"/>
-          </a:xfrm>
-          <a:prstGeom prst="roundRect">
-            <a:avLst/>
-          </a:prstGeom>
-          <a:noFill/>
-          <a:ln w="19050">
-            <a:solidFill>
-              <a:srgbClr val="C00000"/>
-            </a:solidFill>
-          </a:ln>
-        </p:spPr>
-        <p:style>
-          <a:lnRef idx="2">
-            <a:schemeClr val="accent1">
-              <a:shade val="50000"/>
-            </a:schemeClr>
-          </a:lnRef>
-          <a:fillRef idx="1">
-            <a:schemeClr val="accent1"/>
-          </a:fillRef>
-          <a:effectRef idx="0">
-            <a:schemeClr val="accent1"/>
-          </a:effectRef>
-          <a:fontRef idx="minor">
-            <a:schemeClr val="lt1"/>
-          </a:fontRef>
-        </p:style>
-        <p:txBody>
-          <a:bodyPr rtlCol="0" anchor="ctr"/>
-          <a:lstStyle/>
-          <a:p>
-            <a:pPr algn="ctr"/>
-            <a:endParaRPr kumimoji="1" lang="ja-JP" altLang="en-US"/>
-          </a:p>
-        </p:txBody>
-      </p:sp>
-      <p:sp>
-        <p:nvSpPr>
-          <p:cNvPr id="2" name="テキスト ボックス 1">
-            <a:extLst>
-              <a:ext uri="{FF2B5EF4-FFF2-40B4-BE49-F238E27FC236}">
-                <a16:creationId xmlns:a16="http://schemas.microsoft.com/office/drawing/2014/main" id="{E97DD227-2571-D4A8-A9A3-CB100F8F1CC3}"/>
-              </a:ext>
-            </a:extLst>
-          </p:cNvPr>
-          <p:cNvSpPr txBox="1"/>
-          <p:nvPr/>
-        </p:nvSpPr>
-        <p:spPr>
-          <a:xfrm>
-            <a:off x="1558212" y="1521678"/>
-            <a:ext cx="9332556" cy="830997"/>
-          </a:xfrm>
-          <a:prstGeom prst="rect">
-            <a:avLst/>
-          </a:prstGeom>
-          <a:noFill/>
-        </p:spPr>
-        <p:txBody>
-          <a:bodyPr wrap="square" rtlCol="0">
-            <a:spAutoFit/>
-          </a:bodyPr>
-          <a:lstStyle/>
-          <a:p>
-            <a:pPr algn="l"/>
-            <a:r>
-              <a:rPr kumimoji="1" lang="en-US" altLang="ja-JP" sz="2400" dirty="0">
-                <a:latin typeface="メイリオ" panose="020B0604030504040204" pitchFamily="50" charset="-128"/>
-                <a:ea typeface="メイリオ" panose="020B0604030504040204" pitchFamily="50" charset="-128"/>
-              </a:rPr>
-              <a:t>https://tabelog.com/tokyo/A1304/A130402/13041176/dtlrvwlst/COND-0/smp1/?smp=1&amp;lc=0&amp;rvw_part=all&amp;PG=5</a:t>
-            </a:r>
-            <a:endParaRPr kumimoji="1" lang="ja-JP" altLang="en-US" sz="2400" dirty="0">
-              <a:latin typeface="メイリオ" panose="020B0604030504040204" pitchFamily="50" charset="-128"/>
-              <a:ea typeface="メイリオ" panose="020B0604030504040204" pitchFamily="50" charset="-128"/>
-            </a:endParaRPr>
-          </a:p>
-        </p:txBody>
-      </p:sp>
-      <p:sp>
-        <p:nvSpPr>
-          <p:cNvPr id="7" name="四角形: 角を丸くする 6">
-            <a:extLst>
-              <a:ext uri="{FF2B5EF4-FFF2-40B4-BE49-F238E27FC236}">
-                <a16:creationId xmlns:a16="http://schemas.microsoft.com/office/drawing/2014/main" id="{63C1932E-1FC5-2052-686F-EB6D832D6E22}"/>
-              </a:ext>
-            </a:extLst>
-          </p:cNvPr>
-          <p:cNvSpPr/>
-          <p:nvPr/>
-        </p:nvSpPr>
-        <p:spPr>
-          <a:xfrm>
-            <a:off x="9159648" y="1906023"/>
-            <a:ext cx="1060482" cy="366953"/>
-          </a:xfrm>
-          <a:prstGeom prst="roundRect">
-            <a:avLst/>
-          </a:prstGeom>
-          <a:noFill/>
-          <a:ln w="19050">
-            <a:solidFill>
-              <a:srgbClr val="C00000"/>
-            </a:solidFill>
-          </a:ln>
-        </p:spPr>
-        <p:style>
-          <a:lnRef idx="2">
-            <a:schemeClr val="accent1">
-              <a:shade val="50000"/>
-            </a:schemeClr>
-          </a:lnRef>
-          <a:fillRef idx="1">
-            <a:schemeClr val="accent1"/>
-          </a:fillRef>
-          <a:effectRef idx="0">
-            <a:schemeClr val="accent1"/>
-          </a:effectRef>
-          <a:fontRef idx="minor">
-            <a:schemeClr val="lt1"/>
-          </a:fontRef>
-        </p:style>
-        <p:txBody>
-          <a:bodyPr rtlCol="0" anchor="ctr"/>
-          <a:lstStyle/>
-          <a:p>
-            <a:pPr algn="ctr"/>
-            <a:endParaRPr kumimoji="1" lang="ja-JP" altLang="en-US"/>
-          </a:p>
-        </p:txBody>
-      </p:sp>
-      <p:sp>
-        <p:nvSpPr>
-          <p:cNvPr id="8" name="吹き出し: 四角形 7">
-            <a:extLst>
-              <a:ext uri="{FF2B5EF4-FFF2-40B4-BE49-F238E27FC236}">
-                <a16:creationId xmlns:a16="http://schemas.microsoft.com/office/drawing/2014/main" id="{1B929868-4A7B-EC43-9CE2-D7A432B22D45}"/>
-              </a:ext>
-            </a:extLst>
-          </p:cNvPr>
-          <p:cNvSpPr/>
-          <p:nvPr/>
-        </p:nvSpPr>
-        <p:spPr>
-          <a:xfrm>
-            <a:off x="9199983" y="793891"/>
-            <a:ext cx="1978090" cy="727788"/>
-          </a:xfrm>
-          <a:prstGeom prst="wedgeRectCallout">
-            <a:avLst>
-              <a:gd name="adj1" fmla="val -20833"/>
-              <a:gd name="adj2" fmla="val 77097"/>
-            </a:avLst>
-          </a:prstGeom>
-        </p:spPr>
-        <p:style>
-          <a:lnRef idx="2">
-            <a:schemeClr val="accent1">
-              <a:shade val="50000"/>
-            </a:schemeClr>
-          </a:lnRef>
-          <a:fillRef idx="1">
-            <a:schemeClr val="accent1"/>
-          </a:fillRef>
-          <a:effectRef idx="0">
-            <a:schemeClr val="accent1"/>
-          </a:effectRef>
-          <a:fontRef idx="minor">
-            <a:schemeClr val="lt1"/>
-          </a:fontRef>
-        </p:style>
-        <p:txBody>
-          <a:bodyPr rtlCol="0" anchor="ctr"/>
-          <a:lstStyle/>
-          <a:p>
-            <a:pPr algn="ctr"/>
-            <a:r>
-              <a:rPr kumimoji="1" lang="en-US" altLang="ja-JP" dirty="0"/>
-              <a:t>PG=</a:t>
-            </a:r>
-            <a:r>
-              <a:rPr kumimoji="1" lang="ja-JP" altLang="en-US" dirty="0"/>
-              <a:t>を直接変えると何が起きるか</a:t>
-            </a:r>
-          </a:p>
-        </p:txBody>
-      </p:sp>
-    </p:spTree>
-    <p:extLst>
-      <p:ext uri="{BB962C8B-B14F-4D97-AF65-F5344CB8AC3E}">
-        <p14:creationId xmlns:p14="http://schemas.microsoft.com/office/powerpoint/2010/main" val="712252930"/>
-      </p:ext>
-    </p:extLst>
-  </p:cSld>
-  <p:clrMapOvr>
-    <a:masterClrMapping/>
-  </p:clrMapOvr>
-</p:sld>
-</file>
-
-<file path=ppt/slides/slide30.xml><?xml version="1.0" encoding="utf-8"?>
+<file path=ppt/slides/slide34.xml><?xml version="1.0" encoding="utf-8"?>
 <p:sld xmlns:a="http://schemas.openxmlformats.org/drawingml/2006/main" xmlns:r="http://schemas.openxmlformats.org/officeDocument/2006/relationships" xmlns:p="http://schemas.openxmlformats.org/presentationml/2006/main">
   <p:cSld>
     <p:spTree>
@@ -23972,7 +26221,7 @@
 </p:sld>
 </file>
 
-<file path=ppt/slides/slide31.xml><?xml version="1.0" encoding="utf-8"?>
+<file path=ppt/slides/slide35.xml><?xml version="1.0" encoding="utf-8"?>
 <p:sld xmlns:a="http://schemas.openxmlformats.org/drawingml/2006/main" xmlns:r="http://schemas.openxmlformats.org/officeDocument/2006/relationships" xmlns:p="http://schemas.openxmlformats.org/presentationml/2006/main">
   <p:cSld>
     <p:spTree>
@@ -24358,7 +26607,7 @@
 </p:sld>
 </file>
 
-<file path=ppt/slides/slide32.xml><?xml version="1.0" encoding="utf-8"?>
+<file path=ppt/slides/slide36.xml><?xml version="1.0" encoding="utf-8"?>
 <p:sld xmlns:a="http://schemas.openxmlformats.org/drawingml/2006/main" xmlns:r="http://schemas.openxmlformats.org/officeDocument/2006/relationships" xmlns:p="http://schemas.openxmlformats.org/presentationml/2006/main">
   <p:cSld>
     <p:spTree>
@@ -24768,7 +27017,7 @@
 </p:sld>
 </file>
 
-<file path=ppt/slides/slide33.xml><?xml version="1.0" encoding="utf-8"?>
+<file path=ppt/slides/slide37.xml><?xml version="1.0" encoding="utf-8"?>
 <p:sld xmlns:a="http://schemas.openxmlformats.org/drawingml/2006/main" xmlns:r="http://schemas.openxmlformats.org/officeDocument/2006/relationships" xmlns:p="http://schemas.openxmlformats.org/presentationml/2006/main">
   <p:cSld>
     <p:spTree>
@@ -24934,7 +27183,7 @@
         <p:spPr>
           <a:xfrm>
             <a:off x="3689678" y="5304599"/>
-            <a:ext cx="1821461" cy="461665"/>
+            <a:ext cx="2467342" cy="830997"/>
           </a:xfrm>
           <a:prstGeom prst="rect">
             <a:avLst/>
@@ -24966,7 +27215,30 @@
                 <a:latin typeface="メイリオ" panose="020B0604030504040204" pitchFamily="50" charset="-128"/>
                 <a:ea typeface="メイリオ" panose="020B0604030504040204" pitchFamily="50" charset="-128"/>
               </a:rPr>
-              <a:t>')</a:t>
+              <a:t>’)</a:t>
+            </a:r>
+          </a:p>
+          <a:p>
+            <a:r>
+              <a:rPr kumimoji="1" lang="en-US" altLang="ja-JP" sz="2400" dirty="0">
+                <a:latin typeface="メイリオ" panose="020B0604030504040204" pitchFamily="50" charset="-128"/>
+                <a:ea typeface="メイリオ" panose="020B0604030504040204" pitchFamily="50" charset="-128"/>
+              </a:rPr>
+              <a:t>.</a:t>
+            </a:r>
+            <a:r>
+              <a:rPr kumimoji="1" lang="en-US" altLang="ja-JP" sz="2400" dirty="0" err="1">
+                <a:latin typeface="メイリオ" panose="020B0604030504040204" pitchFamily="50" charset="-128"/>
+                <a:ea typeface="メイリオ" panose="020B0604030504040204" pitchFamily="50" charset="-128"/>
+              </a:rPr>
+              <a:t>text_content</a:t>
+            </a:r>
+            <a:r>
+              <a:rPr kumimoji="1" lang="en-US" altLang="ja-JP" sz="2400" dirty="0">
+                <a:latin typeface="メイリオ" panose="020B0604030504040204" pitchFamily="50" charset="-128"/>
+                <a:ea typeface="メイリオ" panose="020B0604030504040204" pitchFamily="50" charset="-128"/>
+              </a:rPr>
+              <a:t>()</a:t>
             </a:r>
             <a:endParaRPr kumimoji="1" lang="ja-JP" altLang="en-US" sz="2400" dirty="0">
               <a:latin typeface="メイリオ" panose="020B0604030504040204" pitchFamily="50" charset="-128"/>
@@ -25152,7 +27424,7 @@
 </p:sld>
 </file>
 
-<file path=ppt/slides/slide34.xml><?xml version="1.0" encoding="utf-8"?>
+<file path=ppt/slides/slide38.xml><?xml version="1.0" encoding="utf-8"?>
 <p:sld xmlns:a="http://schemas.openxmlformats.org/drawingml/2006/main" xmlns:r="http://schemas.openxmlformats.org/officeDocument/2006/relationships" xmlns:p="http://schemas.openxmlformats.org/presentationml/2006/main">
   <p:cSld>
     <p:spTree>
@@ -25318,7 +27590,7 @@
 </p:sld>
 </file>
 
-<file path=ppt/slides/slide35.xml><?xml version="1.0" encoding="utf-8"?>
+<file path=ppt/slides/slide39.xml><?xml version="1.0" encoding="utf-8"?>
 <p:sld xmlns:a="http://schemas.openxmlformats.org/drawingml/2006/main" xmlns:r="http://schemas.openxmlformats.org/officeDocument/2006/relationships" xmlns:p="http://schemas.openxmlformats.org/presentationml/2006/main">
   <p:cSld>
     <p:spTree>
@@ -25800,6 +28072,55 @@
           </a:p>
         </p:txBody>
       </p:sp>
+      <p:sp>
+        <p:nvSpPr>
+          <p:cNvPr id="5" name="テキスト ボックス 4">
+            <a:extLst>
+              <a:ext uri="{FF2B5EF4-FFF2-40B4-BE49-F238E27FC236}">
+                <a16:creationId xmlns:a16="http://schemas.microsoft.com/office/drawing/2014/main" id="{0E90CD3F-081A-392B-15CA-8F3FA47D73C6}"/>
+              </a:ext>
+            </a:extLst>
+          </p:cNvPr>
+          <p:cNvSpPr txBox="1"/>
+          <p:nvPr/>
+        </p:nvSpPr>
+        <p:spPr>
+          <a:xfrm rot="16200000">
+            <a:off x="2346875" y="3444580"/>
+            <a:ext cx="4415504" cy="461665"/>
+          </a:xfrm>
+          <a:prstGeom prst="rect">
+            <a:avLst/>
+          </a:prstGeom>
+          <a:noFill/>
+        </p:spPr>
+        <p:txBody>
+          <a:bodyPr wrap="none" rtlCol="0">
+            <a:spAutoFit/>
+          </a:bodyPr>
+          <a:lstStyle/>
+          <a:p>
+            <a:r>
+              <a:rPr kumimoji="1" lang="en-US" altLang="ja-JP" sz="2400" dirty="0" err="1">
+                <a:latin typeface="メイリオ" panose="020B0604030504040204" pitchFamily="50" charset="-128"/>
+                <a:ea typeface="メイリオ" panose="020B0604030504040204" pitchFamily="50" charset="-128"/>
+              </a:rPr>
+              <a:t>urllib.request.urlopen</a:t>
+            </a:r>
+            <a:r>
+              <a:rPr kumimoji="1" lang="en-US" altLang="ja-JP" sz="2400" dirty="0">
+                <a:latin typeface="メイリオ" panose="020B0604030504040204" pitchFamily="50" charset="-128"/>
+                <a:ea typeface="メイリオ" panose="020B0604030504040204" pitchFamily="50" charset="-128"/>
+              </a:rPr>
+              <a:t>(‘URL’)</a:t>
+            </a:r>
+            <a:endParaRPr kumimoji="1" lang="ja-JP" altLang="en-US" sz="2400" dirty="0">
+              <a:latin typeface="メイリオ" panose="020B0604030504040204" pitchFamily="50" charset="-128"/>
+              <a:ea typeface="メイリオ" panose="020B0604030504040204" pitchFamily="50" charset="-128"/>
+            </a:endParaRPr>
+          </a:p>
+        </p:txBody>
+      </p:sp>
     </p:spTree>
     <p:extLst>
       <p:ext uri="{BB962C8B-B14F-4D97-AF65-F5344CB8AC3E}">
@@ -25813,7 +28134,298 @@
 </p:sld>
 </file>
 
-<file path=ppt/slides/slide36.xml><?xml version="1.0" encoding="utf-8"?>
+<file path=ppt/slides/slide4.xml><?xml version="1.0" encoding="utf-8"?>
+<p:sld xmlns:a="http://schemas.openxmlformats.org/drawingml/2006/main" xmlns:r="http://schemas.openxmlformats.org/officeDocument/2006/relationships" xmlns:p="http://schemas.openxmlformats.org/presentationml/2006/main">
+  <p:cSld>
+    <p:spTree>
+      <p:nvGrpSpPr>
+        <p:cNvPr id="1" name=""/>
+        <p:cNvGrpSpPr/>
+        <p:nvPr/>
+      </p:nvGrpSpPr>
+      <p:grpSpPr>
+        <a:xfrm>
+          <a:off x="0" y="0"/>
+          <a:ext cx="0" cy="0"/>
+          <a:chOff x="0" y="0"/>
+          <a:chExt cx="0" cy="0"/>
+        </a:xfrm>
+      </p:grpSpPr>
+      <p:sp>
+        <p:nvSpPr>
+          <p:cNvPr id="2" name="テキスト ボックス 1">
+            <a:extLst>
+              <a:ext uri="{FF2B5EF4-FFF2-40B4-BE49-F238E27FC236}">
+                <a16:creationId xmlns:a16="http://schemas.microsoft.com/office/drawing/2014/main" id="{BC636320-BCA5-2970-DE2E-1235B98155C7}"/>
+              </a:ext>
+            </a:extLst>
+          </p:cNvPr>
+          <p:cNvSpPr txBox="1"/>
+          <p:nvPr/>
+        </p:nvSpPr>
+        <p:spPr>
+          <a:xfrm>
+            <a:off x="577970" y="534838"/>
+            <a:ext cx="9779408" cy="584775"/>
+          </a:xfrm>
+          <a:prstGeom prst="rect">
+            <a:avLst/>
+          </a:prstGeom>
+          <a:noFill/>
+        </p:spPr>
+        <p:txBody>
+          <a:bodyPr wrap="none" rtlCol="0">
+            <a:spAutoFit/>
+          </a:bodyPr>
+          <a:lstStyle/>
+          <a:p>
+            <a:pPr algn="l"/>
+            <a:r>
+              <a:rPr kumimoji="1" lang="ja-JP" altLang="en-US" sz="3200" dirty="0">
+                <a:latin typeface="メイリオ" panose="020B0604030504040204" pitchFamily="50" charset="-128"/>
+                <a:ea typeface="メイリオ" panose="020B0604030504040204" pitchFamily="50" charset="-128"/>
+              </a:rPr>
+              <a:t>色々な言語を勉強するより</a:t>
+            </a:r>
+            <a:r>
+              <a:rPr kumimoji="1" lang="en-US" altLang="ja-JP" sz="3200" dirty="0">
+                <a:latin typeface="メイリオ" panose="020B0604030504040204" pitchFamily="50" charset="-128"/>
+                <a:ea typeface="メイリオ" panose="020B0604030504040204" pitchFamily="50" charset="-128"/>
+              </a:rPr>
+              <a:t>python</a:t>
+            </a:r>
+            <a:r>
+              <a:rPr kumimoji="1" lang="ja-JP" altLang="en-US" sz="3200" dirty="0">
+                <a:latin typeface="メイリオ" panose="020B0604030504040204" pitchFamily="50" charset="-128"/>
+                <a:ea typeface="メイリオ" panose="020B0604030504040204" pitchFamily="50" charset="-128"/>
+              </a:rPr>
+              <a:t>を極める方がよい</a:t>
+            </a:r>
+          </a:p>
+        </p:txBody>
+      </p:sp>
+      <p:sp>
+        <p:nvSpPr>
+          <p:cNvPr id="3" name="テキスト ボックス 2">
+            <a:extLst>
+              <a:ext uri="{FF2B5EF4-FFF2-40B4-BE49-F238E27FC236}">
+                <a16:creationId xmlns:a16="http://schemas.microsoft.com/office/drawing/2014/main" id="{DBCA3A33-D6AC-3993-7B62-58D7706B23C2}"/>
+              </a:ext>
+            </a:extLst>
+          </p:cNvPr>
+          <p:cNvSpPr txBox="1"/>
+          <p:nvPr/>
+        </p:nvSpPr>
+        <p:spPr>
+          <a:xfrm>
+            <a:off x="698740" y="1233578"/>
+            <a:ext cx="10103984" cy="1200329"/>
+          </a:xfrm>
+          <a:prstGeom prst="rect">
+            <a:avLst/>
+          </a:prstGeom>
+          <a:noFill/>
+        </p:spPr>
+        <p:txBody>
+          <a:bodyPr wrap="none" rtlCol="0">
+            <a:spAutoFit/>
+          </a:bodyPr>
+          <a:lstStyle/>
+          <a:p>
+            <a:pPr marL="457200" indent="-457200" algn="l">
+              <a:buFont typeface="+mj-lt"/>
+              <a:buAutoNum type="arabicPeriod"/>
+            </a:pPr>
+            <a:r>
+              <a:rPr kumimoji="1" lang="en-US" altLang="ja-JP" sz="2400" dirty="0" err="1">
+                <a:latin typeface="メイリオ" panose="020B0604030504040204" pitchFamily="50" charset="-128"/>
+                <a:ea typeface="メイリオ" panose="020B0604030504040204" pitchFamily="50" charset="-128"/>
+              </a:rPr>
+              <a:t>php</a:t>
+            </a:r>
+            <a:r>
+              <a:rPr kumimoji="1" lang="en-US" altLang="ja-JP" sz="2400" dirty="0">
+                <a:latin typeface="メイリオ" panose="020B0604030504040204" pitchFamily="50" charset="-128"/>
+                <a:ea typeface="メイリオ" panose="020B0604030504040204" pitchFamily="50" charset="-128"/>
+              </a:rPr>
+              <a:t>, Java, python</a:t>
+            </a:r>
+            <a:r>
+              <a:rPr kumimoji="1" lang="ja-JP" altLang="en-US" sz="2400" dirty="0">
+                <a:latin typeface="メイリオ" panose="020B0604030504040204" pitchFamily="50" charset="-128"/>
+                <a:ea typeface="メイリオ" panose="020B0604030504040204" pitchFamily="50" charset="-128"/>
+              </a:rPr>
+              <a:t>もオブジェクト指向言語という点でよく似ている</a:t>
+            </a:r>
+            <a:endParaRPr kumimoji="1" lang="en-US" altLang="ja-JP" sz="2400" dirty="0">
+              <a:latin typeface="メイリオ" panose="020B0604030504040204" pitchFamily="50" charset="-128"/>
+              <a:ea typeface="メイリオ" panose="020B0604030504040204" pitchFamily="50" charset="-128"/>
+            </a:endParaRPr>
+          </a:p>
+          <a:p>
+            <a:pPr marL="457200" indent="-457200" algn="l">
+              <a:buFont typeface="+mj-lt"/>
+              <a:buAutoNum type="arabicPeriod"/>
+            </a:pPr>
+            <a:r>
+              <a:rPr kumimoji="1" lang="en-US" altLang="ja-JP" sz="2400" dirty="0">
+                <a:latin typeface="メイリオ" panose="020B0604030504040204" pitchFamily="50" charset="-128"/>
+                <a:ea typeface="メイリオ" panose="020B0604030504040204" pitchFamily="50" charset="-128"/>
+              </a:rPr>
+              <a:t>Python</a:t>
+            </a:r>
+            <a:r>
+              <a:rPr kumimoji="1" lang="ja-JP" altLang="en-US" sz="2400" dirty="0">
+                <a:latin typeface="メイリオ" panose="020B0604030504040204" pitchFamily="50" charset="-128"/>
+                <a:ea typeface="メイリオ" panose="020B0604030504040204" pitchFamily="50" charset="-128"/>
+              </a:rPr>
+              <a:t>のオブジェクト指向の仕組みを理解しておくことは重要</a:t>
+            </a:r>
+            <a:endParaRPr kumimoji="1" lang="en-US" altLang="ja-JP" sz="2400" dirty="0">
+              <a:latin typeface="メイリオ" panose="020B0604030504040204" pitchFamily="50" charset="-128"/>
+              <a:ea typeface="メイリオ" panose="020B0604030504040204" pitchFamily="50" charset="-128"/>
+            </a:endParaRPr>
+          </a:p>
+          <a:p>
+            <a:pPr marL="457200" indent="-457200" algn="l">
+              <a:buFont typeface="+mj-lt"/>
+              <a:buAutoNum type="arabicPeriod"/>
+            </a:pPr>
+            <a:r>
+              <a:rPr kumimoji="1" lang="en-US" altLang="ja-JP" sz="2400" dirty="0">
+                <a:latin typeface="メイリオ" panose="020B0604030504040204" pitchFamily="50" charset="-128"/>
+                <a:ea typeface="メイリオ" panose="020B0604030504040204" pitchFamily="50" charset="-128"/>
+              </a:rPr>
+              <a:t>Python</a:t>
+            </a:r>
+            <a:r>
+              <a:rPr kumimoji="1" lang="ja-JP" altLang="en-US" sz="2400" dirty="0">
+                <a:latin typeface="メイリオ" panose="020B0604030504040204" pitchFamily="50" charset="-128"/>
+                <a:ea typeface="メイリオ" panose="020B0604030504040204" pitchFamily="50" charset="-128"/>
+              </a:rPr>
+              <a:t>でサーバーサイドプログラミングを試すなら</a:t>
+            </a:r>
+            <a:r>
+              <a:rPr kumimoji="1" lang="en-US" altLang="ja-JP" sz="2400" dirty="0">
+                <a:latin typeface="メイリオ" panose="020B0604030504040204" pitchFamily="50" charset="-128"/>
+                <a:ea typeface="メイリオ" panose="020B0604030504040204" pitchFamily="50" charset="-128"/>
+              </a:rPr>
+              <a:t>Flask</a:t>
+            </a:r>
+            <a:r>
+              <a:rPr kumimoji="1" lang="ja-JP" altLang="en-US" sz="2400" dirty="0">
+                <a:latin typeface="メイリオ" panose="020B0604030504040204" pitchFamily="50" charset="-128"/>
+                <a:ea typeface="メイリオ" panose="020B0604030504040204" pitchFamily="50" charset="-128"/>
+              </a:rPr>
+              <a:t>がお勧め</a:t>
+            </a:r>
+          </a:p>
+        </p:txBody>
+      </p:sp>
+      <p:pic>
+        <p:nvPicPr>
+          <p:cNvPr id="5" name="図 4">
+            <a:extLst>
+              <a:ext uri="{FF2B5EF4-FFF2-40B4-BE49-F238E27FC236}">
+                <a16:creationId xmlns:a16="http://schemas.microsoft.com/office/drawing/2014/main" id="{3F440CA3-EEFD-4A0A-CAEA-ED10AD2D3C76}"/>
+              </a:ext>
+            </a:extLst>
+          </p:cNvPr>
+          <p:cNvPicPr>
+            <a:picLocks noChangeAspect="1"/>
+          </p:cNvPicPr>
+          <p:nvPr/>
+        </p:nvPicPr>
+        <p:blipFill>
+          <a:blip r:embed="rId2"/>
+          <a:stretch>
+            <a:fillRect/>
+          </a:stretch>
+        </p:blipFill>
+        <p:spPr>
+          <a:xfrm>
+            <a:off x="698740" y="2907196"/>
+            <a:ext cx="2686012" cy="3632658"/>
+          </a:xfrm>
+          <a:prstGeom prst="rect">
+            <a:avLst/>
+          </a:prstGeom>
+        </p:spPr>
+      </p:pic>
+      <p:sp>
+        <p:nvSpPr>
+          <p:cNvPr id="6" name="テキスト ボックス 5">
+            <a:extLst>
+              <a:ext uri="{FF2B5EF4-FFF2-40B4-BE49-F238E27FC236}">
+                <a16:creationId xmlns:a16="http://schemas.microsoft.com/office/drawing/2014/main" id="{8BBA7AD4-A796-6E2F-9CDE-42CF7FA1314B}"/>
+              </a:ext>
+            </a:extLst>
+          </p:cNvPr>
+          <p:cNvSpPr txBox="1"/>
+          <p:nvPr/>
+        </p:nvSpPr>
+        <p:spPr>
+          <a:xfrm>
+            <a:off x="3856008" y="3075317"/>
+            <a:ext cx="7447552" cy="461665"/>
+          </a:xfrm>
+          <a:prstGeom prst="rect">
+            <a:avLst/>
+          </a:prstGeom>
+          <a:noFill/>
+        </p:spPr>
+        <p:txBody>
+          <a:bodyPr wrap="none" rtlCol="0">
+            <a:spAutoFit/>
+          </a:bodyPr>
+          <a:lstStyle/>
+          <a:p>
+            <a:pPr algn="l"/>
+            <a:r>
+              <a:rPr kumimoji="1" lang="en-US" altLang="ja-JP" sz="2400" dirty="0">
+                <a:latin typeface="メイリオ" panose="020B0604030504040204" pitchFamily="50" charset="-128"/>
+                <a:ea typeface="メイリオ" panose="020B0604030504040204" pitchFamily="50" charset="-128"/>
+              </a:rPr>
+              <a:t>Flask</a:t>
+            </a:r>
+            <a:r>
+              <a:rPr kumimoji="1" lang="ja-JP" altLang="en-US" sz="2400" dirty="0">
+                <a:latin typeface="メイリオ" panose="020B0604030504040204" pitchFamily="50" charset="-128"/>
+                <a:ea typeface="メイリオ" panose="020B0604030504040204" pitchFamily="50" charset="-128"/>
+              </a:rPr>
+              <a:t>本格入門　～やさしくわかる</a:t>
+            </a:r>
+            <a:r>
+              <a:rPr kumimoji="1" lang="en-US" altLang="ja-JP" sz="2400" dirty="0">
+                <a:latin typeface="メイリオ" panose="020B0604030504040204" pitchFamily="50" charset="-128"/>
+                <a:ea typeface="メイリオ" panose="020B0604030504040204" pitchFamily="50" charset="-128"/>
+              </a:rPr>
+              <a:t>Web</a:t>
+            </a:r>
+            <a:r>
+              <a:rPr kumimoji="1" lang="ja-JP" altLang="en-US" sz="2400" dirty="0">
+                <a:latin typeface="メイリオ" panose="020B0604030504040204" pitchFamily="50" charset="-128"/>
+                <a:ea typeface="メイリオ" panose="020B0604030504040204" pitchFamily="50" charset="-128"/>
+              </a:rPr>
+              <a:t>アプリ開発～</a:t>
+            </a:r>
+          </a:p>
+        </p:txBody>
+      </p:sp>
+    </p:spTree>
+    <p:extLst>
+      <p:ext uri="{BB962C8B-B14F-4D97-AF65-F5344CB8AC3E}">
+        <p14:creationId xmlns:p14="http://schemas.microsoft.com/office/powerpoint/2010/main" val="1098559092"/>
+      </p:ext>
+    </p:extLst>
+  </p:cSld>
+  <p:clrMapOvr>
+    <a:masterClrMapping/>
+  </p:clrMapOvr>
+</p:sld>
+</file>
+
+<file path=ppt/slides/slide40.xml><?xml version="1.0" encoding="utf-8"?>
 <p:sld xmlns:a="http://schemas.openxmlformats.org/drawingml/2006/main" xmlns:r="http://schemas.openxmlformats.org/officeDocument/2006/relationships" xmlns:p="http://schemas.openxmlformats.org/presentationml/2006/main">
   <p:cSld>
     <p:spTree>
@@ -26029,7 +28641,627 @@
 </p:sld>
 </file>
 
-<file path=ppt/slides/slide4.xml><?xml version="1.0" encoding="utf-8"?>
+<file path=ppt/slides/slide5.xml><?xml version="1.0" encoding="utf-8"?>
+<p:sld xmlns:a="http://schemas.openxmlformats.org/drawingml/2006/main" xmlns:r="http://schemas.openxmlformats.org/officeDocument/2006/relationships" xmlns:p="http://schemas.openxmlformats.org/presentationml/2006/main">
+  <p:cSld>
+    <p:spTree>
+      <p:nvGrpSpPr>
+        <p:cNvPr id="1" name=""/>
+        <p:cNvGrpSpPr/>
+        <p:nvPr/>
+      </p:nvGrpSpPr>
+      <p:grpSpPr>
+        <a:xfrm>
+          <a:off x="0" y="0"/>
+          <a:ext cx="0" cy="0"/>
+          <a:chOff x="0" y="0"/>
+          <a:chExt cx="0" cy="0"/>
+        </a:xfrm>
+      </p:grpSpPr>
+      <p:sp>
+        <p:nvSpPr>
+          <p:cNvPr id="2" name="テキスト ボックス 1">
+            <a:extLst>
+              <a:ext uri="{FF2B5EF4-FFF2-40B4-BE49-F238E27FC236}">
+                <a16:creationId xmlns:a16="http://schemas.microsoft.com/office/drawing/2014/main" id="{861144B5-08DD-4C07-A34A-96B129658A0F}"/>
+              </a:ext>
+            </a:extLst>
+          </p:cNvPr>
+          <p:cNvSpPr txBox="1"/>
+          <p:nvPr/>
+        </p:nvSpPr>
+        <p:spPr>
+          <a:xfrm>
+            <a:off x="348218" y="279980"/>
+            <a:ext cx="3877985" cy="584775"/>
+          </a:xfrm>
+          <a:prstGeom prst="rect">
+            <a:avLst/>
+          </a:prstGeom>
+          <a:noFill/>
+        </p:spPr>
+        <p:txBody>
+          <a:bodyPr wrap="none" rtlCol="0">
+            <a:spAutoFit/>
+          </a:bodyPr>
+          <a:lstStyle/>
+          <a:p>
+            <a:pPr algn="l"/>
+            <a:r>
+              <a:rPr kumimoji="1" lang="ja-JP" altLang="en-US" sz="3200" b="1" dirty="0">
+                <a:latin typeface="メイリオ" panose="020B0604030504040204" pitchFamily="50" charset="-128"/>
+                <a:ea typeface="メイリオ" panose="020B0604030504040204" pitchFamily="50" charset="-128"/>
+              </a:rPr>
+              <a:t>本格的なクローラー</a:t>
+            </a:r>
+          </a:p>
+        </p:txBody>
+      </p:sp>
+      <p:sp>
+        <p:nvSpPr>
+          <p:cNvPr id="4" name="矢印: 下 3">
+            <a:extLst>
+              <a:ext uri="{FF2B5EF4-FFF2-40B4-BE49-F238E27FC236}">
+                <a16:creationId xmlns:a16="http://schemas.microsoft.com/office/drawing/2014/main" id="{D413F596-B2C9-4CB1-B9F1-9F3595D8A0BA}"/>
+              </a:ext>
+            </a:extLst>
+          </p:cNvPr>
+          <p:cNvSpPr/>
+          <p:nvPr/>
+        </p:nvSpPr>
+        <p:spPr>
+          <a:xfrm flipV="1">
+            <a:off x="4226203" y="5744853"/>
+            <a:ext cx="876300" cy="461665"/>
+          </a:xfrm>
+          <a:prstGeom prst="downArrow">
+            <a:avLst/>
+          </a:prstGeom>
+        </p:spPr>
+        <p:style>
+          <a:lnRef idx="2">
+            <a:schemeClr val="accent1">
+              <a:shade val="50000"/>
+            </a:schemeClr>
+          </a:lnRef>
+          <a:fillRef idx="1">
+            <a:schemeClr val="accent1"/>
+          </a:fillRef>
+          <a:effectRef idx="0">
+            <a:schemeClr val="accent1"/>
+          </a:effectRef>
+          <a:fontRef idx="minor">
+            <a:schemeClr val="lt1"/>
+          </a:fontRef>
+        </p:style>
+        <p:txBody>
+          <a:bodyPr rtlCol="0" anchor="ctr"/>
+          <a:lstStyle/>
+          <a:p>
+            <a:pPr algn="ctr"/>
+            <a:endParaRPr kumimoji="1" lang="ja-JP" altLang="en-US"/>
+          </a:p>
+        </p:txBody>
+      </p:sp>
+      <p:sp>
+        <p:nvSpPr>
+          <p:cNvPr id="5" name="テキスト ボックス 4">
+            <a:extLst>
+              <a:ext uri="{FF2B5EF4-FFF2-40B4-BE49-F238E27FC236}">
+                <a16:creationId xmlns:a16="http://schemas.microsoft.com/office/drawing/2014/main" id="{25C52796-3861-4021-B042-78699CD77AFD}"/>
+              </a:ext>
+            </a:extLst>
+          </p:cNvPr>
+          <p:cNvSpPr txBox="1"/>
+          <p:nvPr/>
+        </p:nvSpPr>
+        <p:spPr>
+          <a:xfrm>
+            <a:off x="3152776" y="6396336"/>
+            <a:ext cx="6842285" cy="461665"/>
+          </a:xfrm>
+          <a:prstGeom prst="rect">
+            <a:avLst/>
+          </a:prstGeom>
+          <a:noFill/>
+        </p:spPr>
+        <p:txBody>
+          <a:bodyPr wrap="square" rtlCol="0">
+            <a:spAutoFit/>
+          </a:bodyPr>
+          <a:lstStyle/>
+          <a:p>
+            <a:pPr algn="l"/>
+            <a:r>
+              <a:rPr kumimoji="1" lang="ja-JP" altLang="en-US" sz="2400" dirty="0">
+                <a:latin typeface="メイリオ" panose="020B0604030504040204" pitchFamily="50" charset="-128"/>
+                <a:ea typeface="メイリオ" panose="020B0604030504040204" pitchFamily="50" charset="-128"/>
+              </a:rPr>
+              <a:t>プログラムから自動的にクリックできたら</a:t>
+            </a:r>
+            <a:r>
+              <a:rPr kumimoji="1" lang="ja-JP" altLang="en-US" sz="2400" dirty="0" err="1">
+                <a:latin typeface="メイリオ" panose="020B0604030504040204" pitchFamily="50" charset="-128"/>
+                <a:ea typeface="メイリオ" panose="020B0604030504040204" pitchFamily="50" charset="-128"/>
+              </a:rPr>
+              <a:t>。。</a:t>
+            </a:r>
+            <a:endParaRPr kumimoji="1" lang="ja-JP" altLang="en-US" sz="2400" dirty="0">
+              <a:latin typeface="メイリオ" panose="020B0604030504040204" pitchFamily="50" charset="-128"/>
+              <a:ea typeface="メイリオ" panose="020B0604030504040204" pitchFamily="50" charset="-128"/>
+            </a:endParaRPr>
+          </a:p>
+        </p:txBody>
+      </p:sp>
+      <p:sp>
+        <p:nvSpPr>
+          <p:cNvPr id="8" name="テキスト ボックス 7">
+            <a:extLst>
+              <a:ext uri="{FF2B5EF4-FFF2-40B4-BE49-F238E27FC236}">
+                <a16:creationId xmlns:a16="http://schemas.microsoft.com/office/drawing/2014/main" id="{0FE851ED-F0D0-427B-CA50-A08DE8F3A9EA}"/>
+              </a:ext>
+            </a:extLst>
+          </p:cNvPr>
+          <p:cNvSpPr txBox="1"/>
+          <p:nvPr/>
+        </p:nvSpPr>
+        <p:spPr>
+          <a:xfrm>
+            <a:off x="3275045" y="762186"/>
+            <a:ext cx="5402248" cy="646331"/>
+          </a:xfrm>
+          <a:prstGeom prst="rect">
+            <a:avLst/>
+          </a:prstGeom>
+          <a:noFill/>
+        </p:spPr>
+        <p:txBody>
+          <a:bodyPr wrap="none" rtlCol="0">
+            <a:spAutoFit/>
+          </a:bodyPr>
+          <a:lstStyle/>
+          <a:p>
+            <a:r>
+              <a:rPr kumimoji="1" lang="en-US" altLang="ja-JP" dirty="0">
+                <a:hlinkClick r:id="rId2"/>
+              </a:rPr>
+              <a:t>https://tabelog.com/tokyo/A1304/A130402/13041176/</a:t>
+            </a:r>
+            <a:endParaRPr kumimoji="1" lang="en-US" altLang="ja-JP" dirty="0"/>
+          </a:p>
+          <a:p>
+            <a:endParaRPr kumimoji="1" lang="ja-JP" altLang="en-US" dirty="0"/>
+          </a:p>
+        </p:txBody>
+      </p:sp>
+      <p:pic>
+        <p:nvPicPr>
+          <p:cNvPr id="11" name="図 10">
+            <a:extLst>
+              <a:ext uri="{FF2B5EF4-FFF2-40B4-BE49-F238E27FC236}">
+                <a16:creationId xmlns:a16="http://schemas.microsoft.com/office/drawing/2014/main" id="{B5C7A383-2111-D266-7A0F-AF8EC5A32996}"/>
+              </a:ext>
+            </a:extLst>
+          </p:cNvPr>
+          <p:cNvPicPr>
+            <a:picLocks noChangeAspect="1"/>
+          </p:cNvPicPr>
+          <p:nvPr/>
+        </p:nvPicPr>
+        <p:blipFill>
+          <a:blip r:embed="rId3"/>
+          <a:stretch>
+            <a:fillRect/>
+          </a:stretch>
+        </p:blipFill>
+        <p:spPr>
+          <a:xfrm>
+            <a:off x="3275045" y="4060192"/>
+            <a:ext cx="5936366" cy="1712810"/>
+          </a:xfrm>
+          <a:prstGeom prst="rect">
+            <a:avLst/>
+          </a:prstGeom>
+        </p:spPr>
+      </p:pic>
+      <p:pic>
+        <p:nvPicPr>
+          <p:cNvPr id="7" name="図 6">
+            <a:extLst>
+              <a:ext uri="{FF2B5EF4-FFF2-40B4-BE49-F238E27FC236}">
+                <a16:creationId xmlns:a16="http://schemas.microsoft.com/office/drawing/2014/main" id="{D499ED3B-9E16-FA4B-D2A7-CA06105F4645}"/>
+              </a:ext>
+            </a:extLst>
+          </p:cNvPr>
+          <p:cNvPicPr>
+            <a:picLocks noChangeAspect="1"/>
+          </p:cNvPicPr>
+          <p:nvPr/>
+        </p:nvPicPr>
+        <p:blipFill>
+          <a:blip r:embed="rId4"/>
+          <a:stretch>
+            <a:fillRect/>
+          </a:stretch>
+        </p:blipFill>
+        <p:spPr>
+          <a:xfrm>
+            <a:off x="3032412" y="1084998"/>
+            <a:ext cx="5936365" cy="3736336"/>
+          </a:xfrm>
+          <a:prstGeom prst="rect">
+            <a:avLst/>
+          </a:prstGeom>
+        </p:spPr>
+      </p:pic>
+      <p:sp>
+        <p:nvSpPr>
+          <p:cNvPr id="12" name="テキスト ボックス 11">
+            <a:extLst>
+              <a:ext uri="{FF2B5EF4-FFF2-40B4-BE49-F238E27FC236}">
+                <a16:creationId xmlns:a16="http://schemas.microsoft.com/office/drawing/2014/main" id="{6676EF64-ECC4-EA03-F7D8-0A09722D6CD0}"/>
+              </a:ext>
+            </a:extLst>
+          </p:cNvPr>
+          <p:cNvSpPr txBox="1"/>
+          <p:nvPr/>
+        </p:nvSpPr>
+        <p:spPr>
+          <a:xfrm>
+            <a:off x="2498294" y="5392171"/>
+            <a:ext cx="6955750" cy="461665"/>
+          </a:xfrm>
+          <a:prstGeom prst="rect">
+            <a:avLst/>
+          </a:prstGeom>
+          <a:noFill/>
+        </p:spPr>
+        <p:txBody>
+          <a:bodyPr wrap="none" rtlCol="0">
+            <a:spAutoFit/>
+          </a:bodyPr>
+          <a:lstStyle/>
+          <a:p>
+            <a:r>
+              <a:rPr kumimoji="1" lang="ja-JP" altLang="en-US" sz="2400" dirty="0">
+                <a:latin typeface="メイリオ" panose="020B0604030504040204" pitchFamily="50" charset="-128"/>
+                <a:ea typeface="メイリオ" panose="020B0604030504040204" pitchFamily="50" charset="-128"/>
+              </a:rPr>
+              <a:t>口コミが多い店舗はページネーションが出てくる</a:t>
+            </a:r>
+          </a:p>
+        </p:txBody>
+      </p:sp>
+    </p:spTree>
+    <p:extLst>
+      <p:ext uri="{BB962C8B-B14F-4D97-AF65-F5344CB8AC3E}">
+        <p14:creationId xmlns:p14="http://schemas.microsoft.com/office/powerpoint/2010/main" val="1512255289"/>
+      </p:ext>
+    </p:extLst>
+  </p:cSld>
+  <p:clrMapOvr>
+    <a:masterClrMapping/>
+  </p:clrMapOvr>
+</p:sld>
+</file>
+
+<file path=ppt/slides/slide6.xml><?xml version="1.0" encoding="utf-8"?>
+<p:sld xmlns:a="http://schemas.openxmlformats.org/drawingml/2006/main" xmlns:r="http://schemas.openxmlformats.org/officeDocument/2006/relationships" xmlns:p="http://schemas.openxmlformats.org/presentationml/2006/main">
+  <p:cSld>
+    <p:spTree>
+      <p:nvGrpSpPr>
+        <p:cNvPr id="1" name=""/>
+        <p:cNvGrpSpPr/>
+        <p:nvPr/>
+      </p:nvGrpSpPr>
+      <p:grpSpPr>
+        <a:xfrm>
+          <a:off x="0" y="0"/>
+          <a:ext cx="0" cy="0"/>
+          <a:chOff x="0" y="0"/>
+          <a:chExt cx="0" cy="0"/>
+        </a:xfrm>
+      </p:grpSpPr>
+      <p:pic>
+        <p:nvPicPr>
+          <p:cNvPr id="6" name="図 5">
+            <a:extLst>
+              <a:ext uri="{FF2B5EF4-FFF2-40B4-BE49-F238E27FC236}">
+                <a16:creationId xmlns:a16="http://schemas.microsoft.com/office/drawing/2014/main" id="{FDE5C5CD-2588-F7FD-65D0-795BA7B3DA13}"/>
+              </a:ext>
+            </a:extLst>
+          </p:cNvPr>
+          <p:cNvPicPr>
+            <a:picLocks noChangeAspect="1"/>
+          </p:cNvPicPr>
+          <p:nvPr/>
+        </p:nvPicPr>
+        <p:blipFill>
+          <a:blip r:embed="rId3"/>
+          <a:stretch>
+            <a:fillRect/>
+          </a:stretch>
+        </p:blipFill>
+        <p:spPr>
+          <a:xfrm>
+            <a:off x="1138237" y="2352675"/>
+            <a:ext cx="9915525" cy="4505325"/>
+          </a:xfrm>
+          <a:prstGeom prst="rect">
+            <a:avLst/>
+          </a:prstGeom>
+        </p:spPr>
+      </p:pic>
+      <p:sp>
+        <p:nvSpPr>
+          <p:cNvPr id="11" name="テキスト ボックス 10">
+            <a:extLst>
+              <a:ext uri="{FF2B5EF4-FFF2-40B4-BE49-F238E27FC236}">
+                <a16:creationId xmlns:a16="http://schemas.microsoft.com/office/drawing/2014/main" id="{034BE71F-295B-4A23-BB41-9599E1731E1C}"/>
+              </a:ext>
+            </a:extLst>
+          </p:cNvPr>
+          <p:cNvSpPr txBox="1"/>
+          <p:nvPr/>
+        </p:nvSpPr>
+        <p:spPr>
+          <a:xfrm>
+            <a:off x="160458" y="323693"/>
+            <a:ext cx="11290363" cy="523220"/>
+          </a:xfrm>
+          <a:prstGeom prst="rect">
+            <a:avLst/>
+          </a:prstGeom>
+          <a:noFill/>
+        </p:spPr>
+        <p:txBody>
+          <a:bodyPr wrap="square" rtlCol="0">
+            <a:spAutoFit/>
+          </a:bodyPr>
+          <a:lstStyle/>
+          <a:p>
+            <a:pPr algn="l"/>
+            <a:r>
+              <a:rPr kumimoji="1" lang="ja-JP" altLang="en-US" sz="2800" dirty="0">
+                <a:latin typeface="メイリオ" panose="020B0604030504040204" pitchFamily="50" charset="-128"/>
+                <a:ea typeface="メイリオ" panose="020B0604030504040204" pitchFamily="50" charset="-128"/>
+              </a:rPr>
+              <a:t>ページ番号をクリックしたときに</a:t>
+            </a:r>
+            <a:r>
+              <a:rPr kumimoji="1" lang="en-US" altLang="ja-JP" sz="2800" dirty="0">
+                <a:latin typeface="メイリオ" panose="020B0604030504040204" pitchFamily="50" charset="-128"/>
+                <a:ea typeface="メイリオ" panose="020B0604030504040204" pitchFamily="50" charset="-128"/>
+              </a:rPr>
+              <a:t>URL</a:t>
+            </a:r>
+            <a:r>
+              <a:rPr kumimoji="1" lang="ja-JP" altLang="en-US" sz="2800" dirty="0">
+                <a:latin typeface="メイリオ" panose="020B0604030504040204" pitchFamily="50" charset="-128"/>
+                <a:ea typeface="メイリオ" panose="020B0604030504040204" pitchFamily="50" charset="-128"/>
+              </a:rPr>
+              <a:t>ボックスで何が変化するか？</a:t>
+            </a:r>
+          </a:p>
+        </p:txBody>
+      </p:sp>
+      <p:sp>
+        <p:nvSpPr>
+          <p:cNvPr id="14" name="四角形: 角を丸くする 13">
+            <a:extLst>
+              <a:ext uri="{FF2B5EF4-FFF2-40B4-BE49-F238E27FC236}">
+                <a16:creationId xmlns:a16="http://schemas.microsoft.com/office/drawing/2014/main" id="{8351B3D1-940C-40E4-ABA7-907AE1BD2835}"/>
+              </a:ext>
+            </a:extLst>
+          </p:cNvPr>
+          <p:cNvSpPr/>
+          <p:nvPr/>
+        </p:nvSpPr>
+        <p:spPr>
+          <a:xfrm>
+            <a:off x="2323322" y="2697335"/>
+            <a:ext cx="8369559" cy="366953"/>
+          </a:xfrm>
+          <a:prstGeom prst="roundRect">
+            <a:avLst/>
+          </a:prstGeom>
+          <a:noFill/>
+          <a:ln w="19050">
+            <a:solidFill>
+              <a:srgbClr val="C00000"/>
+            </a:solidFill>
+          </a:ln>
+        </p:spPr>
+        <p:style>
+          <a:lnRef idx="2">
+            <a:schemeClr val="accent1">
+              <a:shade val="50000"/>
+            </a:schemeClr>
+          </a:lnRef>
+          <a:fillRef idx="1">
+            <a:schemeClr val="accent1"/>
+          </a:fillRef>
+          <a:effectRef idx="0">
+            <a:schemeClr val="accent1"/>
+          </a:effectRef>
+          <a:fontRef idx="minor">
+            <a:schemeClr val="lt1"/>
+          </a:fontRef>
+        </p:style>
+        <p:txBody>
+          <a:bodyPr rtlCol="0" anchor="ctr"/>
+          <a:lstStyle/>
+          <a:p>
+            <a:pPr algn="ctr"/>
+            <a:endParaRPr kumimoji="1" lang="ja-JP" altLang="en-US"/>
+          </a:p>
+        </p:txBody>
+      </p:sp>
+      <p:sp>
+        <p:nvSpPr>
+          <p:cNvPr id="2" name="テキスト ボックス 1">
+            <a:extLst>
+              <a:ext uri="{FF2B5EF4-FFF2-40B4-BE49-F238E27FC236}">
+                <a16:creationId xmlns:a16="http://schemas.microsoft.com/office/drawing/2014/main" id="{E97DD227-2571-D4A8-A9A3-CB100F8F1CC3}"/>
+              </a:ext>
+            </a:extLst>
+          </p:cNvPr>
+          <p:cNvSpPr txBox="1"/>
+          <p:nvPr/>
+        </p:nvSpPr>
+        <p:spPr>
+          <a:xfrm>
+            <a:off x="1558212" y="1521678"/>
+            <a:ext cx="9332556" cy="830997"/>
+          </a:xfrm>
+          <a:prstGeom prst="rect">
+            <a:avLst/>
+          </a:prstGeom>
+          <a:noFill/>
+        </p:spPr>
+        <p:txBody>
+          <a:bodyPr wrap="square" rtlCol="0">
+            <a:spAutoFit/>
+          </a:bodyPr>
+          <a:lstStyle/>
+          <a:p>
+            <a:pPr algn="l"/>
+            <a:r>
+              <a:rPr kumimoji="1" lang="en-US" altLang="ja-JP" sz="2400" dirty="0">
+                <a:latin typeface="メイリオ" panose="020B0604030504040204" pitchFamily="50" charset="-128"/>
+                <a:ea typeface="メイリオ" panose="020B0604030504040204" pitchFamily="50" charset="-128"/>
+              </a:rPr>
+              <a:t>https://tabelog.com/tokyo/A1304/A130402/13041176/dtlrvwlst/COND-0/smp1/?smp=1&amp;lc=0&amp;rvw_part=all&amp;PG=5</a:t>
+            </a:r>
+            <a:endParaRPr kumimoji="1" lang="ja-JP" altLang="en-US" sz="2400" dirty="0">
+              <a:latin typeface="メイリオ" panose="020B0604030504040204" pitchFamily="50" charset="-128"/>
+              <a:ea typeface="メイリオ" panose="020B0604030504040204" pitchFamily="50" charset="-128"/>
+            </a:endParaRPr>
+          </a:p>
+        </p:txBody>
+      </p:sp>
+      <p:sp>
+        <p:nvSpPr>
+          <p:cNvPr id="7" name="四角形: 角を丸くする 6">
+            <a:extLst>
+              <a:ext uri="{FF2B5EF4-FFF2-40B4-BE49-F238E27FC236}">
+                <a16:creationId xmlns:a16="http://schemas.microsoft.com/office/drawing/2014/main" id="{63C1932E-1FC5-2052-686F-EB6D832D6E22}"/>
+              </a:ext>
+            </a:extLst>
+          </p:cNvPr>
+          <p:cNvSpPr/>
+          <p:nvPr/>
+        </p:nvSpPr>
+        <p:spPr>
+          <a:xfrm>
+            <a:off x="9159648" y="1906023"/>
+            <a:ext cx="1060482" cy="366953"/>
+          </a:xfrm>
+          <a:prstGeom prst="roundRect">
+            <a:avLst/>
+          </a:prstGeom>
+          <a:noFill/>
+          <a:ln w="19050">
+            <a:solidFill>
+              <a:srgbClr val="C00000"/>
+            </a:solidFill>
+          </a:ln>
+        </p:spPr>
+        <p:style>
+          <a:lnRef idx="2">
+            <a:schemeClr val="accent1">
+              <a:shade val="50000"/>
+            </a:schemeClr>
+          </a:lnRef>
+          <a:fillRef idx="1">
+            <a:schemeClr val="accent1"/>
+          </a:fillRef>
+          <a:effectRef idx="0">
+            <a:schemeClr val="accent1"/>
+          </a:effectRef>
+          <a:fontRef idx="minor">
+            <a:schemeClr val="lt1"/>
+          </a:fontRef>
+        </p:style>
+        <p:txBody>
+          <a:bodyPr rtlCol="0" anchor="ctr"/>
+          <a:lstStyle/>
+          <a:p>
+            <a:pPr algn="ctr"/>
+            <a:endParaRPr kumimoji="1" lang="ja-JP" altLang="en-US"/>
+          </a:p>
+        </p:txBody>
+      </p:sp>
+      <p:sp>
+        <p:nvSpPr>
+          <p:cNvPr id="8" name="吹き出し: 四角形 7">
+            <a:extLst>
+              <a:ext uri="{FF2B5EF4-FFF2-40B4-BE49-F238E27FC236}">
+                <a16:creationId xmlns:a16="http://schemas.microsoft.com/office/drawing/2014/main" id="{1B929868-4A7B-EC43-9CE2-D7A432B22D45}"/>
+              </a:ext>
+            </a:extLst>
+          </p:cNvPr>
+          <p:cNvSpPr/>
+          <p:nvPr/>
+        </p:nvSpPr>
+        <p:spPr>
+          <a:xfrm>
+            <a:off x="9199983" y="793891"/>
+            <a:ext cx="1978090" cy="727788"/>
+          </a:xfrm>
+          <a:prstGeom prst="wedgeRectCallout">
+            <a:avLst>
+              <a:gd name="adj1" fmla="val -20833"/>
+              <a:gd name="adj2" fmla="val 77097"/>
+            </a:avLst>
+          </a:prstGeom>
+        </p:spPr>
+        <p:style>
+          <a:lnRef idx="2">
+            <a:schemeClr val="accent1">
+              <a:shade val="50000"/>
+            </a:schemeClr>
+          </a:lnRef>
+          <a:fillRef idx="1">
+            <a:schemeClr val="accent1"/>
+          </a:fillRef>
+          <a:effectRef idx="0">
+            <a:schemeClr val="accent1"/>
+          </a:effectRef>
+          <a:fontRef idx="minor">
+            <a:schemeClr val="lt1"/>
+          </a:fontRef>
+        </p:style>
+        <p:txBody>
+          <a:bodyPr rtlCol="0" anchor="ctr"/>
+          <a:lstStyle/>
+          <a:p>
+            <a:pPr algn="ctr"/>
+            <a:r>
+              <a:rPr kumimoji="1" lang="en-US" altLang="ja-JP" dirty="0"/>
+              <a:t>PG=</a:t>
+            </a:r>
+            <a:r>
+              <a:rPr kumimoji="1" lang="ja-JP" altLang="en-US" dirty="0"/>
+              <a:t>を直接変えると何が起きるか</a:t>
+            </a:r>
+          </a:p>
+        </p:txBody>
+      </p:sp>
+    </p:spTree>
+    <p:extLst>
+      <p:ext uri="{BB962C8B-B14F-4D97-AF65-F5344CB8AC3E}">
+        <p14:creationId xmlns:p14="http://schemas.microsoft.com/office/powerpoint/2010/main" val="712252930"/>
+      </p:ext>
+    </p:extLst>
+  </p:cSld>
+  <p:clrMapOvr>
+    <a:masterClrMapping/>
+  </p:clrMapOvr>
+</p:sld>
+</file>
+
+<file path=ppt/slides/slide7.xml><?xml version="1.0" encoding="utf-8"?>
 <p:sld xmlns:a="http://schemas.openxmlformats.org/drawingml/2006/main" xmlns:r="http://schemas.openxmlformats.org/officeDocument/2006/relationships" xmlns:p="http://schemas.openxmlformats.org/presentationml/2006/main">
   <p:cSld>
     <p:spTree>
@@ -26206,7 +29438,7 @@
 </p:sld>
 </file>
 
-<file path=ppt/slides/slide5.xml><?xml version="1.0" encoding="utf-8"?>
+<file path=ppt/slides/slide8.xml><?xml version="1.0" encoding="utf-8"?>
 <p:sld xmlns:a="http://schemas.openxmlformats.org/drawingml/2006/main" xmlns:r="http://schemas.openxmlformats.org/officeDocument/2006/relationships" xmlns:p="http://schemas.openxmlformats.org/presentationml/2006/main">
   <p:cSld>
     <p:spTree>
@@ -26321,7 +29553,7 @@
 </p:sld>
 </file>
 
-<file path=ppt/slides/slide6.xml><?xml version="1.0" encoding="utf-8"?>
+<file path=ppt/slides/slide9.xml><?xml version="1.0" encoding="utf-8"?>
 <p:sld xmlns:a="http://schemas.openxmlformats.org/drawingml/2006/main" xmlns:r="http://schemas.openxmlformats.org/officeDocument/2006/relationships" xmlns:p="http://schemas.openxmlformats.org/presentationml/2006/main">
   <p:cSld>
     <p:spTree>
@@ -26381,806 +29613,6 @@
     <p:extLst>
       <p:ext uri="{BB962C8B-B14F-4D97-AF65-F5344CB8AC3E}">
         <p14:creationId xmlns:p14="http://schemas.microsoft.com/office/powerpoint/2010/main" val="3685344697"/>
-      </p:ext>
-    </p:extLst>
-  </p:cSld>
-  <p:clrMapOvr>
-    <a:masterClrMapping/>
-  </p:clrMapOvr>
-</p:sld>
-</file>
-
-<file path=ppt/slides/slide7.xml><?xml version="1.0" encoding="utf-8"?>
-<p:sld xmlns:a="http://schemas.openxmlformats.org/drawingml/2006/main" xmlns:r="http://schemas.openxmlformats.org/officeDocument/2006/relationships" xmlns:p="http://schemas.openxmlformats.org/presentationml/2006/main">
-  <p:cSld>
-    <p:spTree>
-      <p:nvGrpSpPr>
-        <p:cNvPr id="1" name=""/>
-        <p:cNvGrpSpPr/>
-        <p:nvPr/>
-      </p:nvGrpSpPr>
-      <p:grpSpPr>
-        <a:xfrm>
-          <a:off x="0" y="0"/>
-          <a:ext cx="0" cy="0"/>
-          <a:chOff x="0" y="0"/>
-          <a:chExt cx="0" cy="0"/>
-        </a:xfrm>
-      </p:grpSpPr>
-      <p:sp>
-        <p:nvSpPr>
-          <p:cNvPr id="2" name="テキスト ボックス 1">
-            <a:extLst>
-              <a:ext uri="{FF2B5EF4-FFF2-40B4-BE49-F238E27FC236}">
-                <a16:creationId xmlns:a16="http://schemas.microsoft.com/office/drawing/2014/main" id="{9369F00C-77D1-4352-8D28-B5A54C051757}"/>
-              </a:ext>
-            </a:extLst>
-          </p:cNvPr>
-          <p:cNvSpPr txBox="1"/>
-          <p:nvPr/>
-        </p:nvSpPr>
-        <p:spPr>
-          <a:xfrm>
-            <a:off x="232763" y="458835"/>
-            <a:ext cx="8008867" cy="584775"/>
-          </a:xfrm>
-          <a:prstGeom prst="rect">
-            <a:avLst/>
-          </a:prstGeom>
-          <a:noFill/>
-        </p:spPr>
-        <p:txBody>
-          <a:bodyPr wrap="square" rtlCol="0">
-            <a:spAutoFit/>
-          </a:bodyPr>
-          <a:lstStyle/>
-          <a:p>
-            <a:r>
-              <a:rPr kumimoji="1" lang="ja-JP" altLang="en-US" sz="3200" b="1" dirty="0">
-                <a:latin typeface="メイリオ" panose="020B0604030504040204" pitchFamily="50" charset="-128"/>
-                <a:ea typeface="メイリオ" panose="020B0604030504040204" pitchFamily="50" charset="-128"/>
-              </a:rPr>
-              <a:t>余計なタグを簡単に取り除く</a:t>
-            </a:r>
-          </a:p>
-        </p:txBody>
-      </p:sp>
-      <p:sp>
-        <p:nvSpPr>
-          <p:cNvPr id="5" name="テキスト ボックス 4">
-            <a:extLst>
-              <a:ext uri="{FF2B5EF4-FFF2-40B4-BE49-F238E27FC236}">
-                <a16:creationId xmlns:a16="http://schemas.microsoft.com/office/drawing/2014/main" id="{1B682FDE-1777-415E-B5FB-CF1B5C19F6D7}"/>
-              </a:ext>
-            </a:extLst>
-          </p:cNvPr>
-          <p:cNvSpPr txBox="1"/>
-          <p:nvPr/>
-        </p:nvSpPr>
-        <p:spPr>
-          <a:xfrm>
-            <a:off x="459020" y="2218585"/>
-            <a:ext cx="8239126" cy="830997"/>
-          </a:xfrm>
-          <a:prstGeom prst="rect">
-            <a:avLst/>
-          </a:prstGeom>
-          <a:noFill/>
-        </p:spPr>
-        <p:txBody>
-          <a:bodyPr wrap="square" rtlCol="0">
-            <a:spAutoFit/>
-          </a:bodyPr>
-          <a:lstStyle/>
-          <a:p>
-            <a:pPr algn="l"/>
-            <a:r>
-              <a:rPr kumimoji="1" lang="ja-JP" altLang="en-US" sz="2400" dirty="0">
-                <a:latin typeface="メイリオ" panose="020B0604030504040204" pitchFamily="50" charset="-128"/>
-                <a:ea typeface="メイリオ" panose="020B0604030504040204" pitchFamily="50" charset="-128"/>
-              </a:rPr>
-              <a:t>収集した</a:t>
-            </a:r>
-            <a:r>
-              <a:rPr kumimoji="1" lang="en-US" altLang="ja-JP" sz="2400" dirty="0">
-                <a:latin typeface="メイリオ" panose="020B0604030504040204" pitchFamily="50" charset="-128"/>
-                <a:ea typeface="メイリオ" panose="020B0604030504040204" pitchFamily="50" charset="-128"/>
-              </a:rPr>
-              <a:t>web</a:t>
-            </a:r>
-            <a:r>
-              <a:rPr kumimoji="1" lang="ja-JP" altLang="en-US" sz="2400" dirty="0">
-                <a:latin typeface="メイリオ" panose="020B0604030504040204" pitchFamily="50" charset="-128"/>
-                <a:ea typeface="メイリオ" panose="020B0604030504040204" pitchFamily="50" charset="-128"/>
-              </a:rPr>
-              <a:t>ページから</a:t>
-            </a:r>
-            <a:r>
-              <a:rPr kumimoji="1" lang="en-US" altLang="ja-JP" sz="2400" dirty="0">
-                <a:latin typeface="メイリオ" panose="020B0604030504040204" pitchFamily="50" charset="-128"/>
-                <a:ea typeface="メイリオ" panose="020B0604030504040204" pitchFamily="50" charset="-128"/>
-              </a:rPr>
-              <a:t>html</a:t>
-            </a:r>
-            <a:r>
-              <a:rPr kumimoji="1" lang="ja-JP" altLang="en-US" sz="2400" dirty="0">
-                <a:latin typeface="メイリオ" panose="020B0604030504040204" pitchFamily="50" charset="-128"/>
-                <a:ea typeface="メイリオ" panose="020B0604030504040204" pitchFamily="50" charset="-128"/>
-              </a:rPr>
-              <a:t>タグなど不要なデータを取り除いて、本文など必要なデータだけを抽出すること</a:t>
-            </a:r>
-          </a:p>
-        </p:txBody>
-      </p:sp>
-      <p:sp>
-        <p:nvSpPr>
-          <p:cNvPr id="6" name="テキスト ボックス 5">
-            <a:extLst>
-              <a:ext uri="{FF2B5EF4-FFF2-40B4-BE49-F238E27FC236}">
-                <a16:creationId xmlns:a16="http://schemas.microsoft.com/office/drawing/2014/main" id="{A6E69E27-7D17-4270-952B-9C0501C200B5}"/>
-              </a:ext>
-            </a:extLst>
-          </p:cNvPr>
-          <p:cNvSpPr txBox="1"/>
-          <p:nvPr/>
-        </p:nvSpPr>
-        <p:spPr>
-          <a:xfrm>
-            <a:off x="459019" y="1761385"/>
-            <a:ext cx="6296026" cy="584775"/>
-          </a:xfrm>
-          <a:prstGeom prst="rect">
-            <a:avLst/>
-          </a:prstGeom>
-          <a:noFill/>
-        </p:spPr>
-        <p:txBody>
-          <a:bodyPr wrap="square" rtlCol="0">
-            <a:spAutoFit/>
-          </a:bodyPr>
-          <a:lstStyle/>
-          <a:p>
-            <a:pPr algn="l"/>
-            <a:r>
-              <a:rPr kumimoji="1" lang="ja-JP" altLang="en-US" sz="3200" b="1" dirty="0">
-                <a:latin typeface="メイリオ" panose="020B0604030504040204" pitchFamily="50" charset="-128"/>
-                <a:ea typeface="メイリオ" panose="020B0604030504040204" pitchFamily="50" charset="-128"/>
-              </a:rPr>
-              <a:t>スクレイピング</a:t>
-            </a:r>
-            <a:r>
-              <a:rPr kumimoji="1" lang="en-US" altLang="ja-JP" sz="3200" b="1" dirty="0">
-                <a:latin typeface="メイリオ" panose="020B0604030504040204" pitchFamily="50" charset="-128"/>
-                <a:ea typeface="メイリオ" panose="020B0604030504040204" pitchFamily="50" charset="-128"/>
-              </a:rPr>
-              <a:t>(scraping)</a:t>
-            </a:r>
-            <a:endParaRPr kumimoji="1" lang="ja-JP" altLang="en-US" sz="3200" b="1" dirty="0">
-              <a:latin typeface="メイリオ" panose="020B0604030504040204" pitchFamily="50" charset="-128"/>
-              <a:ea typeface="メイリオ" panose="020B0604030504040204" pitchFamily="50" charset="-128"/>
-            </a:endParaRPr>
-          </a:p>
-        </p:txBody>
-      </p:sp>
-      <p:sp>
-        <p:nvSpPr>
-          <p:cNvPr id="3" name="テキスト ボックス 2">
-            <a:extLst>
-              <a:ext uri="{FF2B5EF4-FFF2-40B4-BE49-F238E27FC236}">
-                <a16:creationId xmlns:a16="http://schemas.microsoft.com/office/drawing/2014/main" id="{72FDA5A3-C6AA-8909-9D5A-DFA9E5D0B953}"/>
-              </a:ext>
-            </a:extLst>
-          </p:cNvPr>
-          <p:cNvSpPr txBox="1"/>
-          <p:nvPr/>
-        </p:nvSpPr>
-        <p:spPr>
-          <a:xfrm>
-            <a:off x="563526" y="3689498"/>
-            <a:ext cx="3262432" cy="461665"/>
-          </a:xfrm>
-          <a:prstGeom prst="rect">
-            <a:avLst/>
-          </a:prstGeom>
-          <a:noFill/>
-        </p:spPr>
-        <p:txBody>
-          <a:bodyPr wrap="none" rtlCol="0">
-            <a:spAutoFit/>
-          </a:bodyPr>
-          <a:lstStyle/>
-          <a:p>
-            <a:pPr algn="l"/>
-            <a:r>
-              <a:rPr kumimoji="1" lang="ja-JP" altLang="en-US" sz="2400" dirty="0">
-                <a:latin typeface="メイリオ" panose="020B0604030504040204" pitchFamily="50" charset="-128"/>
-                <a:ea typeface="メイリオ" panose="020B0604030504040204" pitchFamily="50" charset="-128"/>
-              </a:rPr>
-              <a:t>デモプログラムを実行</a:t>
-            </a:r>
-          </a:p>
-        </p:txBody>
-      </p:sp>
-      <p:sp>
-        <p:nvSpPr>
-          <p:cNvPr id="4" name="テキスト ボックス 3">
-            <a:extLst>
-              <a:ext uri="{FF2B5EF4-FFF2-40B4-BE49-F238E27FC236}">
-                <a16:creationId xmlns:a16="http://schemas.microsoft.com/office/drawing/2014/main" id="{3ACECAD6-F6A8-4F2F-6063-90906F99A817}"/>
-              </a:ext>
-            </a:extLst>
-          </p:cNvPr>
-          <p:cNvSpPr txBox="1"/>
-          <p:nvPr/>
-        </p:nvSpPr>
-        <p:spPr>
-          <a:xfrm>
-            <a:off x="563526" y="4151163"/>
-            <a:ext cx="3815340" cy="461665"/>
-          </a:xfrm>
-          <a:prstGeom prst="rect">
-            <a:avLst/>
-          </a:prstGeom>
-          <a:noFill/>
-        </p:spPr>
-        <p:txBody>
-          <a:bodyPr wrap="none" rtlCol="0">
-            <a:spAutoFit/>
-          </a:bodyPr>
-          <a:lstStyle/>
-          <a:p>
-            <a:pPr algn="l"/>
-            <a:r>
-              <a:rPr kumimoji="1" lang="en-US" altLang="ja-JP" sz="2400" dirty="0">
-                <a:latin typeface="メイリオ" panose="020B0604030504040204" pitchFamily="50" charset="-128"/>
-                <a:ea typeface="メイリオ" panose="020B0604030504040204" pitchFamily="50" charset="-128"/>
-              </a:rPr>
-              <a:t>tabelog_scraper_title.py</a:t>
-            </a:r>
-            <a:endParaRPr kumimoji="1" lang="ja-JP" altLang="en-US" sz="2400" dirty="0">
-              <a:latin typeface="メイリオ" panose="020B0604030504040204" pitchFamily="50" charset="-128"/>
-              <a:ea typeface="メイリオ" panose="020B0604030504040204" pitchFamily="50" charset="-128"/>
-            </a:endParaRPr>
-          </a:p>
-        </p:txBody>
-      </p:sp>
-    </p:spTree>
-    <p:extLst>
-      <p:ext uri="{BB962C8B-B14F-4D97-AF65-F5344CB8AC3E}">
-        <p14:creationId xmlns:p14="http://schemas.microsoft.com/office/powerpoint/2010/main" val="2179496229"/>
-      </p:ext>
-    </p:extLst>
-  </p:cSld>
-  <p:clrMapOvr>
-    <a:masterClrMapping/>
-  </p:clrMapOvr>
-</p:sld>
-</file>
-
-<file path=ppt/slides/slide8.xml><?xml version="1.0" encoding="utf-8"?>
-<p:sld xmlns:a="http://schemas.openxmlformats.org/drawingml/2006/main" xmlns:r="http://schemas.openxmlformats.org/officeDocument/2006/relationships" xmlns:p="http://schemas.openxmlformats.org/presentationml/2006/main">
-  <p:cSld>
-    <p:spTree>
-      <p:nvGrpSpPr>
-        <p:cNvPr id="1" name="">
-          <a:extLst>
-            <a:ext uri="{FF2B5EF4-FFF2-40B4-BE49-F238E27FC236}">
-              <a16:creationId xmlns:a16="http://schemas.microsoft.com/office/drawing/2014/main" id="{D8BD80B6-9732-DB59-9641-D8F2D209EDF5}"/>
-            </a:ext>
-          </a:extLst>
-        </p:cNvPr>
-        <p:cNvGrpSpPr/>
-        <p:nvPr/>
-      </p:nvGrpSpPr>
-      <p:grpSpPr>
-        <a:xfrm>
-          <a:off x="0" y="0"/>
-          <a:ext cx="0" cy="0"/>
-          <a:chOff x="0" y="0"/>
-          <a:chExt cx="0" cy="0"/>
-        </a:xfrm>
-      </p:grpSpPr>
-      <p:sp>
-        <p:nvSpPr>
-          <p:cNvPr id="3" name="テキスト ボックス 2">
-            <a:extLst>
-              <a:ext uri="{FF2B5EF4-FFF2-40B4-BE49-F238E27FC236}">
-                <a16:creationId xmlns:a16="http://schemas.microsoft.com/office/drawing/2014/main" id="{7F4D0DAB-2E05-765E-D7A7-764FB4CBF0D5}"/>
-              </a:ext>
-            </a:extLst>
-          </p:cNvPr>
-          <p:cNvSpPr txBox="1"/>
-          <p:nvPr/>
-        </p:nvSpPr>
-        <p:spPr>
-          <a:xfrm>
-            <a:off x="255182" y="321101"/>
-            <a:ext cx="10033516" cy="584775"/>
-          </a:xfrm>
-          <a:prstGeom prst="rect">
-            <a:avLst/>
-          </a:prstGeom>
-          <a:noFill/>
-        </p:spPr>
-        <p:txBody>
-          <a:bodyPr wrap="none" rtlCol="0">
-            <a:spAutoFit/>
-          </a:bodyPr>
-          <a:lstStyle/>
-          <a:p>
-            <a:pPr algn="l"/>
-            <a:r>
-              <a:rPr kumimoji="1" lang="ja-JP" altLang="en-US" sz="3200" dirty="0">
-                <a:latin typeface="メイリオ" panose="020B0604030504040204" pitchFamily="50" charset="-128"/>
-                <a:ea typeface="メイリオ" panose="020B0604030504040204" pitchFamily="50" charset="-128"/>
-              </a:rPr>
-              <a:t>ページのソースにはタグに囲まれた口コミ情報がある</a:t>
-            </a:r>
-          </a:p>
-        </p:txBody>
-      </p:sp>
-      <p:sp>
-        <p:nvSpPr>
-          <p:cNvPr id="5" name="テキスト ボックス 4">
-            <a:extLst>
-              <a:ext uri="{FF2B5EF4-FFF2-40B4-BE49-F238E27FC236}">
-                <a16:creationId xmlns:a16="http://schemas.microsoft.com/office/drawing/2014/main" id="{A36D7D1B-D395-CA25-4848-86A652A4E687}"/>
-              </a:ext>
-            </a:extLst>
-          </p:cNvPr>
-          <p:cNvSpPr txBox="1"/>
-          <p:nvPr/>
-        </p:nvSpPr>
-        <p:spPr>
-          <a:xfrm>
-            <a:off x="310508" y="1906391"/>
-            <a:ext cx="11434281" cy="830997"/>
-          </a:xfrm>
-          <a:prstGeom prst="rect">
-            <a:avLst/>
-          </a:prstGeom>
-          <a:noFill/>
-        </p:spPr>
-        <p:txBody>
-          <a:bodyPr wrap="square" rtlCol="0">
-            <a:spAutoFit/>
-          </a:bodyPr>
-          <a:lstStyle/>
-          <a:p>
-            <a:r>
-              <a:rPr lang="en-US" altLang="ja-JP" sz="2400" b="0" dirty="0">
-                <a:solidFill>
-                  <a:srgbClr val="CE9178"/>
-                </a:solidFill>
-                <a:effectLst/>
-                <a:latin typeface="Consolas" panose="020B0609020204030204" pitchFamily="49" charset="0"/>
-                <a:hlinkClick r:id="rId2"/>
-              </a:rPr>
-              <a:t>https://tabelog.com/tokyo/A1304/A130402/13041176/dtlrvwlst/COND-0/smp1/?smp=1&amp;lc=0&amp;rvw_part=all&amp;PG=1</a:t>
-            </a:r>
-            <a:endParaRPr kumimoji="1" lang="ja-JP" altLang="en-US" sz="2400" dirty="0">
-              <a:latin typeface="メイリオ" panose="020B0604030504040204" pitchFamily="50" charset="-128"/>
-              <a:ea typeface="メイリオ" panose="020B0604030504040204" pitchFamily="50" charset="-128"/>
-            </a:endParaRPr>
-          </a:p>
-        </p:txBody>
-      </p:sp>
-      <p:sp>
-        <p:nvSpPr>
-          <p:cNvPr id="7" name="テキスト ボックス 6">
-            <a:extLst>
-              <a:ext uri="{FF2B5EF4-FFF2-40B4-BE49-F238E27FC236}">
-                <a16:creationId xmlns:a16="http://schemas.microsoft.com/office/drawing/2014/main" id="{81EB34D2-4FF9-3261-4FCA-8EFFA94329B4}"/>
-              </a:ext>
-            </a:extLst>
-          </p:cNvPr>
-          <p:cNvSpPr txBox="1"/>
-          <p:nvPr/>
-        </p:nvSpPr>
-        <p:spPr>
-          <a:xfrm>
-            <a:off x="255183" y="1157999"/>
-            <a:ext cx="11544932" cy="830997"/>
-          </a:xfrm>
-          <a:prstGeom prst="rect">
-            <a:avLst/>
-          </a:prstGeom>
-          <a:noFill/>
-        </p:spPr>
-        <p:txBody>
-          <a:bodyPr wrap="square" rtlCol="0">
-            <a:spAutoFit/>
-          </a:bodyPr>
-          <a:lstStyle/>
-          <a:p>
-            <a:pPr algn="l"/>
-            <a:r>
-              <a:rPr kumimoji="1" lang="ja-JP" altLang="en-US" sz="2400" dirty="0">
-                <a:latin typeface="メイリオ" panose="020B0604030504040204" pitchFamily="50" charset="-128"/>
-                <a:ea typeface="メイリオ" panose="020B0604030504040204" pitchFamily="50" charset="-128"/>
-              </a:rPr>
-              <a:t>以下のリンクからページソース</a:t>
-            </a:r>
-            <a:r>
-              <a:rPr kumimoji="1" lang="en-US" altLang="ja-JP" sz="2400" dirty="0">
-                <a:latin typeface="メイリオ" panose="020B0604030504040204" pitchFamily="50" charset="-128"/>
-                <a:ea typeface="メイリオ" panose="020B0604030504040204" pitchFamily="50" charset="-128"/>
-              </a:rPr>
-              <a:t>(HTML)</a:t>
-            </a:r>
-            <a:r>
-              <a:rPr kumimoji="1" lang="ja-JP" altLang="en-US" sz="2400" dirty="0">
-                <a:latin typeface="メイリオ" panose="020B0604030504040204" pitchFamily="50" charset="-128"/>
-                <a:ea typeface="メイリオ" panose="020B0604030504040204" pitchFamily="50" charset="-128"/>
-              </a:rPr>
-              <a:t>を表示してスクロールしてみると、口コミのタイトルや本文がタグに埋もれて現れることがわかる</a:t>
-            </a:r>
-          </a:p>
-        </p:txBody>
-      </p:sp>
-      <p:sp>
-        <p:nvSpPr>
-          <p:cNvPr id="10" name="テキスト ボックス 9">
-            <a:extLst>
-              <a:ext uri="{FF2B5EF4-FFF2-40B4-BE49-F238E27FC236}">
-                <a16:creationId xmlns:a16="http://schemas.microsoft.com/office/drawing/2014/main" id="{53716B78-19AA-0789-6E54-504D56D90E0A}"/>
-              </a:ext>
-            </a:extLst>
-          </p:cNvPr>
-          <p:cNvSpPr txBox="1"/>
-          <p:nvPr/>
-        </p:nvSpPr>
-        <p:spPr>
-          <a:xfrm>
-            <a:off x="562959" y="4173695"/>
-            <a:ext cx="9725739" cy="461665"/>
-          </a:xfrm>
-          <a:prstGeom prst="rect">
-            <a:avLst/>
-          </a:prstGeom>
-          <a:noFill/>
-        </p:spPr>
-        <p:txBody>
-          <a:bodyPr wrap="none" rtlCol="0">
-            <a:spAutoFit/>
-          </a:bodyPr>
-          <a:lstStyle/>
-          <a:p>
-            <a:pPr algn="l"/>
-            <a:r>
-              <a:rPr kumimoji="1" lang="ja-JP" altLang="en-US" sz="2400" u="sng" dirty="0">
-                <a:latin typeface="メイリオ" panose="020B0604030504040204" pitchFamily="50" charset="-128"/>
-                <a:ea typeface="メイリオ" panose="020B0604030504040204" pitchFamily="50" charset="-128"/>
-              </a:rPr>
-              <a:t>繰り返し表示されるタイトルの周辺タグに何か規則性はないだろうか</a:t>
-            </a:r>
-          </a:p>
-        </p:txBody>
-      </p:sp>
-      <p:sp>
-        <p:nvSpPr>
-          <p:cNvPr id="12" name="矢印: 下 11">
-            <a:extLst>
-              <a:ext uri="{FF2B5EF4-FFF2-40B4-BE49-F238E27FC236}">
-                <a16:creationId xmlns:a16="http://schemas.microsoft.com/office/drawing/2014/main" id="{7E2DD94F-082F-83D4-80C8-ADF83916719A}"/>
-              </a:ext>
-            </a:extLst>
-          </p:cNvPr>
-          <p:cNvSpPr/>
-          <p:nvPr/>
-        </p:nvSpPr>
-        <p:spPr>
-          <a:xfrm>
-            <a:off x="4441371" y="3124201"/>
-            <a:ext cx="1654629" cy="646650"/>
-          </a:xfrm>
-          <a:prstGeom prst="downArrow">
-            <a:avLst/>
-          </a:prstGeom>
-        </p:spPr>
-        <p:style>
-          <a:lnRef idx="2">
-            <a:schemeClr val="accent1">
-              <a:shade val="15000"/>
-            </a:schemeClr>
-          </a:lnRef>
-          <a:fillRef idx="1">
-            <a:schemeClr val="accent1"/>
-          </a:fillRef>
-          <a:effectRef idx="0">
-            <a:schemeClr val="accent1"/>
-          </a:effectRef>
-          <a:fontRef idx="minor">
-            <a:schemeClr val="lt1"/>
-          </a:fontRef>
-        </p:style>
-        <p:txBody>
-          <a:bodyPr rtlCol="0" anchor="ctr"/>
-          <a:lstStyle/>
-          <a:p>
-            <a:pPr algn="ctr"/>
-            <a:endParaRPr kumimoji="1" lang="ja-JP" altLang="en-US"/>
-          </a:p>
-        </p:txBody>
-      </p:sp>
-      <p:sp>
-        <p:nvSpPr>
-          <p:cNvPr id="16" name="テキスト ボックス 15">
-            <a:extLst>
-              <a:ext uri="{FF2B5EF4-FFF2-40B4-BE49-F238E27FC236}">
-                <a16:creationId xmlns:a16="http://schemas.microsoft.com/office/drawing/2014/main" id="{94C8864C-7AA7-2DC0-A183-FF48E3148B13}"/>
-              </a:ext>
-            </a:extLst>
-          </p:cNvPr>
-          <p:cNvSpPr txBox="1"/>
-          <p:nvPr/>
-        </p:nvSpPr>
-        <p:spPr>
-          <a:xfrm>
-            <a:off x="645355" y="4549676"/>
-            <a:ext cx="10983686" cy="2308324"/>
-          </a:xfrm>
-          <a:prstGeom prst="rect">
-            <a:avLst/>
-          </a:prstGeom>
-          <a:noFill/>
-        </p:spPr>
-        <p:txBody>
-          <a:bodyPr wrap="square">
-            <a:spAutoFit/>
-          </a:bodyPr>
-          <a:lstStyle/>
-          <a:p>
-            <a:r>
-              <a:rPr lang="en-US" altLang="ja-JP" sz="2400" dirty="0"/>
-              <a:t>&lt;p class="</a:t>
-            </a:r>
-            <a:r>
-              <a:rPr lang="en-US" altLang="ja-JP" sz="2400" dirty="0" err="1"/>
-              <a:t>rvw</a:t>
-            </a:r>
-            <a:r>
-              <a:rPr lang="en-US" altLang="ja-JP" sz="2400" dirty="0"/>
-              <a:t>-</a:t>
-            </a:r>
-            <a:r>
-              <a:rPr lang="en-US" altLang="ja-JP" sz="2400" dirty="0" err="1"/>
-              <a:t>item__title</a:t>
-            </a:r>
-            <a:r>
-              <a:rPr lang="en-US" altLang="ja-JP" sz="2400" dirty="0"/>
-              <a:t> </a:t>
-            </a:r>
-            <a:r>
-              <a:rPr lang="en-US" altLang="ja-JP" sz="2400" dirty="0" err="1"/>
-              <a:t>rvw</a:t>
-            </a:r>
-            <a:r>
-              <a:rPr lang="en-US" altLang="ja-JP" sz="2400" dirty="0"/>
-              <a:t>-</a:t>
-            </a:r>
-            <a:r>
-              <a:rPr lang="en-US" altLang="ja-JP" sz="2400" dirty="0" err="1"/>
-              <a:t>item__title</a:t>
-            </a:r>
-            <a:r>
-              <a:rPr lang="en-US" altLang="ja-JP" sz="2400" dirty="0"/>
-              <a:t>--</a:t>
-            </a:r>
-            <a:r>
-              <a:rPr lang="en-US" altLang="ja-JP" sz="2400" dirty="0" err="1"/>
-              <a:t>rvwlst</a:t>
-            </a:r>
-            <a:r>
-              <a:rPr lang="en-US" altLang="ja-JP" sz="2400" dirty="0"/>
-              <a:t>"&gt;</a:t>
-            </a:r>
-          </a:p>
-          <a:p>
-            <a:r>
-              <a:rPr lang="en-US" altLang="ja-JP" sz="2400" dirty="0"/>
-              <a:t>          &lt;a class="</a:t>
-            </a:r>
-            <a:r>
-              <a:rPr lang="en-US" altLang="ja-JP" sz="2400" dirty="0" err="1"/>
-              <a:t>rvw</a:t>
-            </a:r>
-            <a:r>
-              <a:rPr lang="en-US" altLang="ja-JP" sz="2400" dirty="0"/>
-              <a:t>-</a:t>
-            </a:r>
-            <a:r>
-              <a:rPr lang="en-US" altLang="ja-JP" sz="2400" dirty="0" err="1"/>
-              <a:t>item__title</a:t>
-            </a:r>
-            <a:r>
-              <a:rPr lang="en-US" altLang="ja-JP" sz="2400" dirty="0"/>
-              <a:t>-target" </a:t>
-            </a:r>
-            <a:r>
-              <a:rPr lang="en-US" altLang="ja-JP" sz="2400" dirty="0" err="1"/>
-              <a:t>href</a:t>
-            </a:r>
-            <a:r>
-              <a:rPr lang="en-US" altLang="ja-JP" sz="2400" dirty="0"/>
-              <a:t>="/</a:t>
-            </a:r>
-            <a:r>
-              <a:rPr lang="en-US" altLang="ja-JP" sz="2400" dirty="0" err="1"/>
-              <a:t>tokyo</a:t>
-            </a:r>
-            <a:r>
-              <a:rPr lang="en-US" altLang="ja-JP" sz="2400" dirty="0"/>
-              <a:t>/A1304/A130402/13041176/</a:t>
-            </a:r>
-            <a:r>
-              <a:rPr lang="en-US" altLang="ja-JP" sz="2400" dirty="0" err="1"/>
-              <a:t>dtlrvwlst</a:t>
-            </a:r>
-            <a:r>
-              <a:rPr lang="en-US" altLang="ja-JP" sz="2400" dirty="0"/>
-              <a:t>/B435282450/?</a:t>
-            </a:r>
-            <a:r>
-              <a:rPr lang="en-US" altLang="ja-JP" sz="2400" dirty="0" err="1"/>
-              <a:t>use_type</a:t>
-            </a:r>
-            <a:r>
-              <a:rPr lang="en-US" altLang="ja-JP" sz="2400" dirty="0"/>
-              <a:t>=0&amp;amp;rvw_part=</a:t>
-            </a:r>
-            <a:r>
-              <a:rPr lang="en-US" altLang="ja-JP" sz="2400" dirty="0" err="1"/>
-              <a:t>all&amp;amp;lc</a:t>
-            </a:r>
-            <a:r>
-              <a:rPr lang="en-US" altLang="ja-JP" sz="2400" dirty="0"/>
-              <a:t>=0&amp;amp;smp=1"&gt;&lt;strong&gt;</a:t>
-            </a:r>
-            <a:r>
-              <a:rPr lang="ja-JP" altLang="en-US" sz="2400" dirty="0"/>
-              <a:t>個人的に少ししょっぱく感じたかも？</a:t>
-            </a:r>
-            <a:r>
-              <a:rPr lang="en-US" altLang="ja-JP" sz="2400" dirty="0"/>
-              <a:t>&lt;/strong&gt;&lt;/a&gt;</a:t>
-            </a:r>
-          </a:p>
-          <a:p>
-            <a:r>
-              <a:rPr lang="en-US" altLang="ja-JP" sz="2400" dirty="0"/>
-              <a:t>        &lt;/p&gt;</a:t>
-            </a:r>
-            <a:endParaRPr lang="ja-JP" altLang="en-US" sz="2400" dirty="0"/>
-          </a:p>
-        </p:txBody>
-      </p:sp>
-    </p:spTree>
-    <p:extLst>
-      <p:ext uri="{BB962C8B-B14F-4D97-AF65-F5344CB8AC3E}">
-        <p14:creationId xmlns:p14="http://schemas.microsoft.com/office/powerpoint/2010/main" val="785579401"/>
-      </p:ext>
-    </p:extLst>
-  </p:cSld>
-  <p:clrMapOvr>
-    <a:masterClrMapping/>
-  </p:clrMapOvr>
-</p:sld>
-</file>
-
-<file path=ppt/slides/slide9.xml><?xml version="1.0" encoding="utf-8"?>
-<p:sld xmlns:a="http://schemas.openxmlformats.org/drawingml/2006/main" xmlns:r="http://schemas.openxmlformats.org/officeDocument/2006/relationships" xmlns:p="http://schemas.openxmlformats.org/presentationml/2006/main">
-  <p:cSld>
-    <p:spTree>
-      <p:nvGrpSpPr>
-        <p:cNvPr id="1" name=""/>
-        <p:cNvGrpSpPr/>
-        <p:nvPr/>
-      </p:nvGrpSpPr>
-      <p:grpSpPr>
-        <a:xfrm>
-          <a:off x="0" y="0"/>
-          <a:ext cx="0" cy="0"/>
-          <a:chOff x="0" y="0"/>
-          <a:chExt cx="0" cy="0"/>
-        </a:xfrm>
-      </p:grpSpPr>
-      <p:sp>
-        <p:nvSpPr>
-          <p:cNvPr id="2" name="テキスト ボックス 1">
-            <a:extLst>
-              <a:ext uri="{FF2B5EF4-FFF2-40B4-BE49-F238E27FC236}">
-                <a16:creationId xmlns:a16="http://schemas.microsoft.com/office/drawing/2014/main" id="{67D7DE94-0B0B-6FD6-211F-652894BCDF8E}"/>
-              </a:ext>
-            </a:extLst>
-          </p:cNvPr>
-          <p:cNvSpPr txBox="1"/>
-          <p:nvPr/>
-        </p:nvSpPr>
-        <p:spPr>
-          <a:xfrm>
-            <a:off x="740228" y="642257"/>
-            <a:ext cx="1005403" cy="584775"/>
-          </a:xfrm>
-          <a:prstGeom prst="rect">
-            <a:avLst/>
-          </a:prstGeom>
-          <a:noFill/>
-        </p:spPr>
-        <p:txBody>
-          <a:bodyPr wrap="none" rtlCol="0">
-            <a:spAutoFit/>
-          </a:bodyPr>
-          <a:lstStyle/>
-          <a:p>
-            <a:pPr algn="l"/>
-            <a:r>
-              <a:rPr kumimoji="1" lang="ja-JP" altLang="en-US" sz="3200" dirty="0">
-                <a:latin typeface="メイリオ" panose="020B0604030504040204" pitchFamily="50" charset="-128"/>
-                <a:ea typeface="メイリオ" panose="020B0604030504040204" pitchFamily="50" charset="-128"/>
-              </a:rPr>
-              <a:t>問題</a:t>
-            </a:r>
-          </a:p>
-        </p:txBody>
-      </p:sp>
-      <p:sp>
-        <p:nvSpPr>
-          <p:cNvPr id="3" name="テキスト ボックス 2">
-            <a:extLst>
-              <a:ext uri="{FF2B5EF4-FFF2-40B4-BE49-F238E27FC236}">
-                <a16:creationId xmlns:a16="http://schemas.microsoft.com/office/drawing/2014/main" id="{467C47A9-2EBC-61DF-F49C-5B048F8804E8}"/>
-              </a:ext>
-            </a:extLst>
-          </p:cNvPr>
-          <p:cNvSpPr txBox="1"/>
-          <p:nvPr/>
-        </p:nvSpPr>
-        <p:spPr>
-          <a:xfrm>
-            <a:off x="968828" y="2307772"/>
-            <a:ext cx="9725739" cy="830997"/>
-          </a:xfrm>
-          <a:prstGeom prst="rect">
-            <a:avLst/>
-          </a:prstGeom>
-          <a:noFill/>
-        </p:spPr>
-        <p:txBody>
-          <a:bodyPr wrap="none" rtlCol="0">
-            <a:spAutoFit/>
-          </a:bodyPr>
-          <a:lstStyle/>
-          <a:p>
-            <a:pPr algn="l"/>
-            <a:r>
-              <a:rPr kumimoji="1" lang="ja-JP" altLang="en-US" sz="2400" dirty="0">
-                <a:latin typeface="メイリオ" panose="020B0604030504040204" pitchFamily="50" charset="-128"/>
-                <a:ea typeface="メイリオ" panose="020B0604030504040204" pitchFamily="50" charset="-128"/>
-              </a:rPr>
-              <a:t>同様に口コミ本文、訪問日などの周辺のタグの規則性を観察してみる</a:t>
-            </a:r>
-            <a:endParaRPr kumimoji="1" lang="en-US" altLang="ja-JP" sz="2400" dirty="0">
-              <a:latin typeface="メイリオ" panose="020B0604030504040204" pitchFamily="50" charset="-128"/>
-              <a:ea typeface="メイリオ" panose="020B0604030504040204" pitchFamily="50" charset="-128"/>
-            </a:endParaRPr>
-          </a:p>
-          <a:p>
-            <a:pPr algn="l"/>
-            <a:r>
-              <a:rPr kumimoji="1" lang="ja-JP" altLang="en-US" sz="2400" dirty="0">
-                <a:latin typeface="メイリオ" panose="020B0604030504040204" pitchFamily="50" charset="-128"/>
-                <a:ea typeface="メイリオ" panose="020B0604030504040204" pitchFamily="50" charset="-128"/>
-              </a:rPr>
-              <a:t>どんな規則性があるか？</a:t>
-            </a:r>
-          </a:p>
-        </p:txBody>
-      </p:sp>
-    </p:spTree>
-    <p:extLst>
-      <p:ext uri="{BB962C8B-B14F-4D97-AF65-F5344CB8AC3E}">
-        <p14:creationId xmlns:p14="http://schemas.microsoft.com/office/powerpoint/2010/main" val="3268690808"/>
       </p:ext>
     </p:extLst>
   </p:cSld>

--- a/bigdata4 scraper.pptx
+++ b/bigdata4 scraper.pptx
@@ -5,49 +5,50 @@
     <p:sldMasterId id="2147483672" r:id="rId1"/>
   </p:sldMasterIdLst>
   <p:notesMasterIdLst>
-    <p:notesMasterId r:id="rId42"/>
+    <p:notesMasterId r:id="rId43"/>
   </p:notesMasterIdLst>
   <p:sldIdLst>
     <p:sldId id="277" r:id="rId2"/>
     <p:sldId id="464" r:id="rId3"/>
     <p:sldId id="465" r:id="rId4"/>
     <p:sldId id="466" r:id="rId5"/>
-    <p:sldId id="322" r:id="rId6"/>
-    <p:sldId id="323" r:id="rId7"/>
-    <p:sldId id="381" r:id="rId8"/>
-    <p:sldId id="383" r:id="rId9"/>
-    <p:sldId id="382" r:id="rId10"/>
-    <p:sldId id="320" r:id="rId11"/>
-    <p:sldId id="444" r:id="rId12"/>
-    <p:sldId id="447" r:id="rId13"/>
-    <p:sldId id="448" r:id="rId14"/>
-    <p:sldId id="449" r:id="rId15"/>
-    <p:sldId id="450" r:id="rId16"/>
-    <p:sldId id="412" r:id="rId17"/>
-    <p:sldId id="263" r:id="rId18"/>
-    <p:sldId id="413" r:id="rId19"/>
-    <p:sldId id="463" r:id="rId20"/>
-    <p:sldId id="267" r:id="rId21"/>
-    <p:sldId id="429" r:id="rId22"/>
-    <p:sldId id="451" r:id="rId23"/>
-    <p:sldId id="452" r:id="rId24"/>
-    <p:sldId id="428" r:id="rId25"/>
-    <p:sldId id="453" r:id="rId26"/>
-    <p:sldId id="454" r:id="rId27"/>
-    <p:sldId id="455" r:id="rId28"/>
-    <p:sldId id="462" r:id="rId29"/>
-    <p:sldId id="456" r:id="rId30"/>
-    <p:sldId id="439" r:id="rId31"/>
-    <p:sldId id="441" r:id="rId32"/>
-    <p:sldId id="442" r:id="rId33"/>
-    <p:sldId id="457" r:id="rId34"/>
-    <p:sldId id="458" r:id="rId35"/>
-    <p:sldId id="459" r:id="rId36"/>
-    <p:sldId id="430" r:id="rId37"/>
-    <p:sldId id="431" r:id="rId38"/>
-    <p:sldId id="460" r:id="rId39"/>
-    <p:sldId id="461" r:id="rId40"/>
-    <p:sldId id="443" r:id="rId41"/>
+    <p:sldId id="467" r:id="rId6"/>
+    <p:sldId id="322" r:id="rId7"/>
+    <p:sldId id="323" r:id="rId8"/>
+    <p:sldId id="381" r:id="rId9"/>
+    <p:sldId id="383" r:id="rId10"/>
+    <p:sldId id="382" r:id="rId11"/>
+    <p:sldId id="320" r:id="rId12"/>
+    <p:sldId id="444" r:id="rId13"/>
+    <p:sldId id="447" r:id="rId14"/>
+    <p:sldId id="448" r:id="rId15"/>
+    <p:sldId id="449" r:id="rId16"/>
+    <p:sldId id="450" r:id="rId17"/>
+    <p:sldId id="412" r:id="rId18"/>
+    <p:sldId id="263" r:id="rId19"/>
+    <p:sldId id="413" r:id="rId20"/>
+    <p:sldId id="463" r:id="rId21"/>
+    <p:sldId id="267" r:id="rId22"/>
+    <p:sldId id="429" r:id="rId23"/>
+    <p:sldId id="451" r:id="rId24"/>
+    <p:sldId id="452" r:id="rId25"/>
+    <p:sldId id="428" r:id="rId26"/>
+    <p:sldId id="453" r:id="rId27"/>
+    <p:sldId id="454" r:id="rId28"/>
+    <p:sldId id="455" r:id="rId29"/>
+    <p:sldId id="462" r:id="rId30"/>
+    <p:sldId id="456" r:id="rId31"/>
+    <p:sldId id="439" r:id="rId32"/>
+    <p:sldId id="441" r:id="rId33"/>
+    <p:sldId id="442" r:id="rId34"/>
+    <p:sldId id="457" r:id="rId35"/>
+    <p:sldId id="458" r:id="rId36"/>
+    <p:sldId id="459" r:id="rId37"/>
+    <p:sldId id="430" r:id="rId38"/>
+    <p:sldId id="431" r:id="rId39"/>
+    <p:sldId id="460" r:id="rId40"/>
+    <p:sldId id="461" r:id="rId41"/>
+    <p:sldId id="443" r:id="rId42"/>
   </p:sldIdLst>
   <p:sldSz cx="12192000" cy="6858000"/>
   <p:notesSz cx="6858000" cy="9144000"/>
@@ -10790,7 +10791,7 @@
           <a:p>
             <a:fld id="{501C8FFF-5B7B-421E-A006-56A5192EEFD0}" type="slidenum">
               <a:rPr kumimoji="1" lang="ja-JP" altLang="en-US" smtClean="0"/>
-              <a:t>6</a:t>
+              <a:t>7</a:t>
             </a:fld>
             <a:endParaRPr kumimoji="1" lang="ja-JP" altLang="en-US"/>
           </a:p>
@@ -14043,6 +14044,75 @@
           <p:cNvPr id="2" name="テキスト ボックス 1">
             <a:extLst>
               <a:ext uri="{FF2B5EF4-FFF2-40B4-BE49-F238E27FC236}">
+                <a16:creationId xmlns:a16="http://schemas.microsoft.com/office/drawing/2014/main" id="{D8DA7F4B-30B7-4A00-6D4C-47A6F7EEF806}"/>
+              </a:ext>
+            </a:extLst>
+          </p:cNvPr>
+          <p:cNvSpPr txBox="1"/>
+          <p:nvPr/>
+        </p:nvSpPr>
+        <p:spPr>
+          <a:xfrm>
+            <a:off x="457200" y="2509285"/>
+            <a:ext cx="3416320" cy="646331"/>
+          </a:xfrm>
+          <a:prstGeom prst="rect">
+            <a:avLst/>
+          </a:prstGeom>
+          <a:noFill/>
+        </p:spPr>
+        <p:txBody>
+          <a:bodyPr wrap="none" rtlCol="0">
+            <a:spAutoFit/>
+          </a:bodyPr>
+          <a:lstStyle/>
+          <a:p>
+            <a:pPr algn="l"/>
+            <a:r>
+              <a:rPr kumimoji="1" lang="ja-JP" altLang="en-US" sz="3600" dirty="0">
+                <a:latin typeface="メイリオ" panose="020B0604030504040204" pitchFamily="50" charset="-128"/>
+                <a:ea typeface="メイリオ" panose="020B0604030504040204" pitchFamily="50" charset="-128"/>
+              </a:rPr>
+              <a:t>スクレイピング</a:t>
+            </a:r>
+          </a:p>
+        </p:txBody>
+      </p:sp>
+    </p:spTree>
+    <p:extLst>
+      <p:ext uri="{BB962C8B-B14F-4D97-AF65-F5344CB8AC3E}">
+        <p14:creationId xmlns:p14="http://schemas.microsoft.com/office/powerpoint/2010/main" val="3685344697"/>
+      </p:ext>
+    </p:extLst>
+  </p:cSld>
+  <p:clrMapOvr>
+    <a:masterClrMapping/>
+  </p:clrMapOvr>
+</p:sld>
+</file>
+
+<file path=ppt/slides/slide11.xml><?xml version="1.0" encoding="utf-8"?>
+<p:sld xmlns:a="http://schemas.openxmlformats.org/drawingml/2006/main" xmlns:r="http://schemas.openxmlformats.org/officeDocument/2006/relationships" xmlns:p="http://schemas.openxmlformats.org/presentationml/2006/main">
+  <p:cSld>
+    <p:spTree>
+      <p:nvGrpSpPr>
+        <p:cNvPr id="1" name=""/>
+        <p:cNvGrpSpPr/>
+        <p:nvPr/>
+      </p:nvGrpSpPr>
+      <p:grpSpPr>
+        <a:xfrm>
+          <a:off x="0" y="0"/>
+          <a:ext cx="0" cy="0"/>
+          <a:chOff x="0" y="0"/>
+          <a:chExt cx="0" cy="0"/>
+        </a:xfrm>
+      </p:grpSpPr>
+      <p:sp>
+        <p:nvSpPr>
+          <p:cNvPr id="2" name="テキスト ボックス 1">
+            <a:extLst>
+              <a:ext uri="{FF2B5EF4-FFF2-40B4-BE49-F238E27FC236}">
                 <a16:creationId xmlns:a16="http://schemas.microsoft.com/office/drawing/2014/main" id="{9369F00C-77D1-4352-8D28-B5A54C051757}"/>
               </a:ext>
             </a:extLst>
@@ -14288,7 +14358,7 @@
 </p:sld>
 </file>
 
-<file path=ppt/slides/slide11.xml><?xml version="1.0" encoding="utf-8"?>
+<file path=ppt/slides/slide12.xml><?xml version="1.0" encoding="utf-8"?>
 <p:sld xmlns:a="http://schemas.openxmlformats.org/drawingml/2006/main" xmlns:r="http://schemas.openxmlformats.org/officeDocument/2006/relationships" xmlns:p="http://schemas.openxmlformats.org/presentationml/2006/main">
   <p:cSld>
     <p:spTree>
@@ -14699,7 +14769,7 @@
 </p:sld>
 </file>
 
-<file path=ppt/slides/slide12.xml><?xml version="1.0" encoding="utf-8"?>
+<file path=ppt/slides/slide13.xml><?xml version="1.0" encoding="utf-8"?>
 <p:sld xmlns:a="http://schemas.openxmlformats.org/drawingml/2006/main" xmlns:r="http://schemas.openxmlformats.org/officeDocument/2006/relationships" xmlns:p="http://schemas.openxmlformats.org/presentationml/2006/main">
   <p:cSld>
     <p:spTree>
@@ -14821,7 +14891,7 @@
 </p:sld>
 </file>
 
-<file path=ppt/slides/slide13.xml><?xml version="1.0" encoding="utf-8"?>
+<file path=ppt/slides/slide14.xml><?xml version="1.0" encoding="utf-8"?>
 <p:sld xmlns:a="http://schemas.openxmlformats.org/drawingml/2006/main" xmlns:r="http://schemas.openxmlformats.org/officeDocument/2006/relationships" xmlns:p="http://schemas.openxmlformats.org/presentationml/2006/main">
   <p:cSld>
     <p:spTree>
@@ -15348,7 +15418,7 @@
 </p:sld>
 </file>
 
-<file path=ppt/slides/slide14.xml><?xml version="1.0" encoding="utf-8"?>
+<file path=ppt/slides/slide15.xml><?xml version="1.0" encoding="utf-8"?>
 <p:sld xmlns:a="http://schemas.openxmlformats.org/drawingml/2006/main" xmlns:r="http://schemas.openxmlformats.org/officeDocument/2006/relationships" xmlns:p="http://schemas.openxmlformats.org/presentationml/2006/main">
   <p:cSld>
     <p:spTree>
@@ -15649,7 +15719,7 @@
 </p:sld>
 </file>
 
-<file path=ppt/slides/slide15.xml><?xml version="1.0" encoding="utf-8"?>
+<file path=ppt/slides/slide16.xml><?xml version="1.0" encoding="utf-8"?>
 <p:sld xmlns:a="http://schemas.openxmlformats.org/drawingml/2006/main" xmlns:r="http://schemas.openxmlformats.org/officeDocument/2006/relationships" xmlns:p="http://schemas.openxmlformats.org/presentationml/2006/main">
   <p:cSld>
     <p:spTree>
@@ -15840,7 +15910,7 @@
 </p:sld>
 </file>
 
-<file path=ppt/slides/slide16.xml><?xml version="1.0" encoding="utf-8"?>
+<file path=ppt/slides/slide17.xml><?xml version="1.0" encoding="utf-8"?>
 <p:sld xmlns:a="http://schemas.openxmlformats.org/drawingml/2006/main" xmlns:r="http://schemas.openxmlformats.org/officeDocument/2006/relationships" xmlns:p="http://schemas.openxmlformats.org/presentationml/2006/main">
   <p:cSld>
     <p:spTree>
@@ -16487,7 +16557,7 @@
 </p:sld>
 </file>
 
-<file path=ppt/slides/slide17.xml><?xml version="1.0" encoding="utf-8"?>
+<file path=ppt/slides/slide18.xml><?xml version="1.0" encoding="utf-8"?>
 <p:sld xmlns:a="http://schemas.openxmlformats.org/drawingml/2006/main" xmlns:r="http://schemas.openxmlformats.org/officeDocument/2006/relationships" xmlns:p="http://schemas.openxmlformats.org/presentationml/2006/main">
   <p:cSld>
     <p:spTree>
@@ -16885,7 +16955,7 @@
 </p:sld>
 </file>
 
-<file path=ppt/slides/slide18.xml><?xml version="1.0" encoding="utf-8"?>
+<file path=ppt/slides/slide19.xml><?xml version="1.0" encoding="utf-8"?>
 <p:sld xmlns:a="http://schemas.openxmlformats.org/drawingml/2006/main" xmlns:r="http://schemas.openxmlformats.org/officeDocument/2006/relationships" xmlns:p="http://schemas.openxmlformats.org/presentationml/2006/main">
   <p:cSld>
     <p:spTree>
@@ -17236,7 +17306,911 @@
 </p:sld>
 </file>
 
-<file path=ppt/slides/slide19.xml><?xml version="1.0" encoding="utf-8"?>
+<file path=ppt/slides/slide2.xml><?xml version="1.0" encoding="utf-8"?>
+<p:sld xmlns:a="http://schemas.openxmlformats.org/drawingml/2006/main" xmlns:r="http://schemas.openxmlformats.org/officeDocument/2006/relationships" xmlns:p="http://schemas.openxmlformats.org/presentationml/2006/main">
+  <p:cSld>
+    <p:spTree>
+      <p:nvGrpSpPr>
+        <p:cNvPr id="1" name=""/>
+        <p:cNvGrpSpPr/>
+        <p:nvPr/>
+      </p:nvGrpSpPr>
+      <p:grpSpPr>
+        <a:xfrm>
+          <a:off x="0" y="0"/>
+          <a:ext cx="0" cy="0"/>
+          <a:chOff x="0" y="0"/>
+          <a:chExt cx="0" cy="0"/>
+        </a:xfrm>
+      </p:grpSpPr>
+      <p:sp>
+        <p:nvSpPr>
+          <p:cNvPr id="2" name="テキスト ボックス 1">
+            <a:extLst>
+              <a:ext uri="{FF2B5EF4-FFF2-40B4-BE49-F238E27FC236}">
+                <a16:creationId xmlns:a16="http://schemas.microsoft.com/office/drawing/2014/main" id="{CC4F3E2D-C70B-0A87-F06C-BF09CB08C964}"/>
+              </a:ext>
+            </a:extLst>
+          </p:cNvPr>
+          <p:cNvSpPr txBox="1"/>
+          <p:nvPr/>
+        </p:nvSpPr>
+        <p:spPr>
+          <a:xfrm>
+            <a:off x="296692" y="209017"/>
+            <a:ext cx="10493227" cy="584775"/>
+          </a:xfrm>
+          <a:prstGeom prst="rect">
+            <a:avLst/>
+          </a:prstGeom>
+          <a:noFill/>
+        </p:spPr>
+        <p:txBody>
+          <a:bodyPr wrap="square" rtlCol="0">
+            <a:spAutoFit/>
+          </a:bodyPr>
+          <a:lstStyle/>
+          <a:p>
+            <a:pPr algn="l"/>
+            <a:r>
+              <a:rPr kumimoji="1" lang="en-US" altLang="ja-JP" sz="3200" b="1" dirty="0">
+                <a:latin typeface="メイリオ" panose="020B0604030504040204" pitchFamily="50" charset="-128"/>
+                <a:ea typeface="メイリオ" panose="020B0604030504040204" pitchFamily="50" charset="-128"/>
+              </a:rPr>
+              <a:t>Common Gateway Interface(CGI)</a:t>
+            </a:r>
+            <a:endParaRPr kumimoji="1" lang="ja-JP" altLang="en-US" sz="3200" b="1" dirty="0">
+              <a:latin typeface="メイリオ" panose="020B0604030504040204" pitchFamily="50" charset="-128"/>
+              <a:ea typeface="メイリオ" panose="020B0604030504040204" pitchFamily="50" charset="-128"/>
+            </a:endParaRPr>
+          </a:p>
+        </p:txBody>
+      </p:sp>
+      <p:sp>
+        <p:nvSpPr>
+          <p:cNvPr id="3" name="テキスト ボックス 2">
+            <a:extLst>
+              <a:ext uri="{FF2B5EF4-FFF2-40B4-BE49-F238E27FC236}">
+                <a16:creationId xmlns:a16="http://schemas.microsoft.com/office/drawing/2014/main" id="{373CBE1D-1E35-BC71-E4B6-87BEEB286F8A}"/>
+              </a:ext>
+            </a:extLst>
+          </p:cNvPr>
+          <p:cNvSpPr txBox="1"/>
+          <p:nvPr/>
+        </p:nvSpPr>
+        <p:spPr>
+          <a:xfrm>
+            <a:off x="296692" y="823207"/>
+            <a:ext cx="11788916" cy="1569660"/>
+          </a:xfrm>
+          <a:prstGeom prst="rect">
+            <a:avLst/>
+          </a:prstGeom>
+          <a:noFill/>
+        </p:spPr>
+        <p:txBody>
+          <a:bodyPr wrap="square" rtlCol="0">
+            <a:spAutoFit/>
+          </a:bodyPr>
+          <a:lstStyle/>
+          <a:p>
+            <a:pPr marL="457200" indent="-457200" algn="l">
+              <a:buFont typeface="+mj-lt"/>
+              <a:buAutoNum type="arabicPeriod"/>
+            </a:pPr>
+            <a:r>
+              <a:rPr kumimoji="1" lang="ja-JP" altLang="en-US" sz="2400" dirty="0">
+                <a:latin typeface="メイリオ" panose="020B0604030504040204" pitchFamily="50" charset="-128"/>
+                <a:ea typeface="メイリオ" panose="020B0604030504040204" pitchFamily="50" charset="-128"/>
+              </a:rPr>
+              <a:t>絶え間なく投稿される口コミを自由検索して</a:t>
+            </a:r>
+            <a:r>
+              <a:rPr kumimoji="1" lang="en-US" altLang="ja-JP" sz="2400" dirty="0">
+                <a:latin typeface="メイリオ" panose="020B0604030504040204" pitchFamily="50" charset="-128"/>
+                <a:ea typeface="メイリオ" panose="020B0604030504040204" pitchFamily="50" charset="-128"/>
+              </a:rPr>
+              <a:t>web</a:t>
+            </a:r>
+            <a:r>
+              <a:rPr kumimoji="1" lang="ja-JP" altLang="en-US" sz="2400" dirty="0">
+                <a:latin typeface="メイリオ" panose="020B0604030504040204" pitchFamily="50" charset="-128"/>
+                <a:ea typeface="メイリオ" panose="020B0604030504040204" pitchFamily="50" charset="-128"/>
+              </a:rPr>
+              <a:t>ページとして表示する機能</a:t>
+            </a:r>
+            <a:endParaRPr kumimoji="1" lang="en-US" altLang="ja-JP" sz="2400" dirty="0">
+              <a:latin typeface="メイリオ" panose="020B0604030504040204" pitchFamily="50" charset="-128"/>
+              <a:ea typeface="メイリオ" panose="020B0604030504040204" pitchFamily="50" charset="-128"/>
+            </a:endParaRPr>
+          </a:p>
+          <a:p>
+            <a:pPr marL="457200" indent="-457200" algn="l">
+              <a:buFont typeface="+mj-lt"/>
+              <a:buAutoNum type="arabicPeriod"/>
+            </a:pPr>
+            <a:r>
+              <a:rPr kumimoji="1" lang="en-US" altLang="ja-JP" sz="2400" dirty="0">
+                <a:latin typeface="メイリオ" panose="020B0604030504040204" pitchFamily="50" charset="-128"/>
+                <a:ea typeface="メイリオ" panose="020B0604030504040204" pitchFamily="50" charset="-128"/>
+              </a:rPr>
+              <a:t>SNS</a:t>
+            </a:r>
+            <a:r>
+              <a:rPr kumimoji="1" lang="ja-JP" altLang="en-US" sz="2400" dirty="0">
+                <a:latin typeface="メイリオ" panose="020B0604030504040204" pitchFamily="50" charset="-128"/>
+                <a:ea typeface="メイリオ" panose="020B0604030504040204" pitchFamily="50" charset="-128"/>
+              </a:rPr>
+              <a:t>系サーバーは、複数のコンポーネントサーバーの連携で成り立っている</a:t>
+            </a:r>
+            <a:endParaRPr kumimoji="1" lang="en-US" altLang="ja-JP" sz="2400" dirty="0">
+              <a:latin typeface="メイリオ" panose="020B0604030504040204" pitchFamily="50" charset="-128"/>
+              <a:ea typeface="メイリオ" panose="020B0604030504040204" pitchFamily="50" charset="-128"/>
+            </a:endParaRPr>
+          </a:p>
+          <a:p>
+            <a:pPr marL="457200" indent="-457200" algn="l">
+              <a:buFont typeface="+mj-lt"/>
+              <a:buAutoNum type="arabicPeriod"/>
+            </a:pPr>
+            <a:r>
+              <a:rPr kumimoji="1" lang="ja-JP" altLang="en-US" sz="2400" dirty="0">
+                <a:latin typeface="メイリオ" panose="020B0604030504040204" pitchFamily="50" charset="-128"/>
+                <a:ea typeface="メイリオ" panose="020B0604030504040204" pitchFamily="50" charset="-128"/>
+              </a:rPr>
+              <a:t>フルスタック！：プログラミング、</a:t>
+            </a:r>
+            <a:r>
+              <a:rPr kumimoji="1" lang="en-US" altLang="ja-JP" sz="2400" dirty="0">
+                <a:latin typeface="メイリオ" panose="020B0604030504040204" pitchFamily="50" charset="-128"/>
+                <a:ea typeface="メイリオ" panose="020B0604030504040204" pitchFamily="50" charset="-128"/>
+              </a:rPr>
+              <a:t>web</a:t>
+            </a:r>
+            <a:r>
+              <a:rPr kumimoji="1" lang="ja-JP" altLang="en-US" sz="2400" dirty="0">
+                <a:latin typeface="メイリオ" panose="020B0604030504040204" pitchFamily="50" charset="-128"/>
+                <a:ea typeface="メイリオ" panose="020B0604030504040204" pitchFamily="50" charset="-128"/>
+              </a:rPr>
+              <a:t>サーバー、</a:t>
+            </a:r>
+            <a:r>
+              <a:rPr kumimoji="1" lang="en-US" altLang="ja-JP" sz="2400" dirty="0">
+                <a:latin typeface="メイリオ" panose="020B0604030504040204" pitchFamily="50" charset="-128"/>
+                <a:ea typeface="メイリオ" panose="020B0604030504040204" pitchFamily="50" charset="-128"/>
+              </a:rPr>
+              <a:t>html</a:t>
+            </a:r>
+            <a:r>
+              <a:rPr kumimoji="1" lang="ja-JP" altLang="en-US" sz="2400" dirty="0">
+                <a:latin typeface="メイリオ" panose="020B0604030504040204" pitchFamily="50" charset="-128"/>
+                <a:ea typeface="メイリオ" panose="020B0604030504040204" pitchFamily="50" charset="-128"/>
+              </a:rPr>
+              <a:t>、</a:t>
+            </a:r>
+            <a:r>
+              <a:rPr kumimoji="1" lang="en-US" altLang="ja-JP" sz="2400" dirty="0">
+                <a:latin typeface="メイリオ" panose="020B0604030504040204" pitchFamily="50" charset="-128"/>
+                <a:ea typeface="メイリオ" panose="020B0604030504040204" pitchFamily="50" charset="-128"/>
+              </a:rPr>
+              <a:t>SQL</a:t>
+            </a:r>
+            <a:r>
+              <a:rPr kumimoji="1" lang="ja-JP" altLang="en-US" sz="2400" dirty="0">
+                <a:latin typeface="メイリオ" panose="020B0604030504040204" pitchFamily="50" charset="-128"/>
+                <a:ea typeface="メイリオ" panose="020B0604030504040204" pitchFamily="50" charset="-128"/>
+              </a:rPr>
+              <a:t>データベースなど必要なすべての技術</a:t>
+            </a:r>
+          </a:p>
+        </p:txBody>
+      </p:sp>
+      <p:pic>
+        <p:nvPicPr>
+          <p:cNvPr id="4" name="図 3">
+            <a:extLst>
+              <a:ext uri="{FF2B5EF4-FFF2-40B4-BE49-F238E27FC236}">
+                <a16:creationId xmlns:a16="http://schemas.microsoft.com/office/drawing/2014/main" id="{7BC5445F-78CB-9C2A-A14E-A693574D819F}"/>
+              </a:ext>
+            </a:extLst>
+          </p:cNvPr>
+          <p:cNvPicPr>
+            <a:picLocks noChangeAspect="1"/>
+          </p:cNvPicPr>
+          <p:nvPr/>
+        </p:nvPicPr>
+        <p:blipFill>
+          <a:blip r:embed="rId2"/>
+          <a:stretch>
+            <a:fillRect/>
+          </a:stretch>
+        </p:blipFill>
+        <p:spPr>
+          <a:xfrm>
+            <a:off x="188101" y="3852525"/>
+            <a:ext cx="3887271" cy="612464"/>
+          </a:xfrm>
+          <a:prstGeom prst="rect">
+            <a:avLst/>
+          </a:prstGeom>
+        </p:spPr>
+      </p:pic>
+      <p:sp>
+        <p:nvSpPr>
+          <p:cNvPr id="5" name="フローチャート: 磁気ディスク 4">
+            <a:extLst>
+              <a:ext uri="{FF2B5EF4-FFF2-40B4-BE49-F238E27FC236}">
+                <a16:creationId xmlns:a16="http://schemas.microsoft.com/office/drawing/2014/main" id="{39E9E8BD-11EF-35C9-5BB2-68561801F66C}"/>
+              </a:ext>
+            </a:extLst>
+          </p:cNvPr>
+          <p:cNvSpPr/>
+          <p:nvPr/>
+        </p:nvSpPr>
+        <p:spPr>
+          <a:xfrm>
+            <a:off x="7612654" y="2688481"/>
+            <a:ext cx="3961356" cy="2452254"/>
+          </a:xfrm>
+          <a:prstGeom prst="flowChartMagneticDisk">
+            <a:avLst/>
+          </a:prstGeom>
+          <a:noFill/>
+        </p:spPr>
+        <p:style>
+          <a:lnRef idx="2">
+            <a:schemeClr val="accent1">
+              <a:shade val="15000"/>
+            </a:schemeClr>
+          </a:lnRef>
+          <a:fillRef idx="1">
+            <a:schemeClr val="accent1"/>
+          </a:fillRef>
+          <a:effectRef idx="0">
+            <a:schemeClr val="accent1"/>
+          </a:effectRef>
+          <a:fontRef idx="minor">
+            <a:schemeClr val="lt1"/>
+          </a:fontRef>
+        </p:style>
+        <p:txBody>
+          <a:bodyPr rtlCol="0" anchor="ctr"/>
+          <a:lstStyle/>
+          <a:p>
+            <a:pPr algn="ctr"/>
+            <a:endParaRPr kumimoji="1" lang="ja-JP" altLang="en-US"/>
+          </a:p>
+        </p:txBody>
+      </p:sp>
+      <p:sp>
+        <p:nvSpPr>
+          <p:cNvPr id="6" name="テキスト ボックス 5">
+            <a:extLst>
+              <a:ext uri="{FF2B5EF4-FFF2-40B4-BE49-F238E27FC236}">
+                <a16:creationId xmlns:a16="http://schemas.microsoft.com/office/drawing/2014/main" id="{6BA06A31-9BE6-D822-6C53-6DF54EB95061}"/>
+              </a:ext>
+            </a:extLst>
+          </p:cNvPr>
+          <p:cNvSpPr txBox="1"/>
+          <p:nvPr/>
+        </p:nvSpPr>
+        <p:spPr>
+          <a:xfrm>
+            <a:off x="8016251" y="2903341"/>
+            <a:ext cx="2954655" cy="461665"/>
+          </a:xfrm>
+          <a:prstGeom prst="rect">
+            <a:avLst/>
+          </a:prstGeom>
+          <a:noFill/>
+        </p:spPr>
+        <p:txBody>
+          <a:bodyPr wrap="none" rtlCol="0">
+            <a:spAutoFit/>
+          </a:bodyPr>
+          <a:lstStyle/>
+          <a:p>
+            <a:pPr algn="l"/>
+            <a:r>
+              <a:rPr kumimoji="1" lang="ja-JP" altLang="en-US" sz="2400" dirty="0">
+                <a:latin typeface="メイリオ" panose="020B0604030504040204" pitchFamily="50" charset="-128"/>
+                <a:ea typeface="メイリオ" panose="020B0604030504040204" pitchFamily="50" charset="-128"/>
+              </a:rPr>
+              <a:t>レシピデータベース</a:t>
+            </a:r>
+          </a:p>
+        </p:txBody>
+      </p:sp>
+      <p:sp>
+        <p:nvSpPr>
+          <p:cNvPr id="7" name="正方形/長方形 6">
+            <a:extLst>
+              <a:ext uri="{FF2B5EF4-FFF2-40B4-BE49-F238E27FC236}">
+                <a16:creationId xmlns:a16="http://schemas.microsoft.com/office/drawing/2014/main" id="{B323C2EF-DF96-46BC-FAE2-1102D3AEB81F}"/>
+              </a:ext>
+            </a:extLst>
+          </p:cNvPr>
+          <p:cNvSpPr/>
+          <p:nvPr/>
+        </p:nvSpPr>
+        <p:spPr>
+          <a:xfrm>
+            <a:off x="4618852" y="2964374"/>
+            <a:ext cx="2801759" cy="3733331"/>
+          </a:xfrm>
+          <a:prstGeom prst="rect">
+            <a:avLst/>
+          </a:prstGeom>
+          <a:noFill/>
+        </p:spPr>
+        <p:style>
+          <a:lnRef idx="2">
+            <a:schemeClr val="accent1">
+              <a:shade val="15000"/>
+            </a:schemeClr>
+          </a:lnRef>
+          <a:fillRef idx="1">
+            <a:schemeClr val="accent1"/>
+          </a:fillRef>
+          <a:effectRef idx="0">
+            <a:schemeClr val="accent1"/>
+          </a:effectRef>
+          <a:fontRef idx="minor">
+            <a:schemeClr val="lt1"/>
+          </a:fontRef>
+        </p:style>
+        <p:txBody>
+          <a:bodyPr rtlCol="0" anchor="ctr"/>
+          <a:lstStyle/>
+          <a:p>
+            <a:pPr algn="ctr"/>
+            <a:endParaRPr kumimoji="1" lang="ja-JP" altLang="en-US"/>
+          </a:p>
+        </p:txBody>
+      </p:sp>
+      <p:sp>
+        <p:nvSpPr>
+          <p:cNvPr id="8" name="テキスト ボックス 7">
+            <a:extLst>
+              <a:ext uri="{FF2B5EF4-FFF2-40B4-BE49-F238E27FC236}">
+                <a16:creationId xmlns:a16="http://schemas.microsoft.com/office/drawing/2014/main" id="{D4A1A869-6143-716D-8830-94383546AF60}"/>
+              </a:ext>
+            </a:extLst>
+          </p:cNvPr>
+          <p:cNvSpPr txBox="1"/>
+          <p:nvPr/>
+        </p:nvSpPr>
+        <p:spPr>
+          <a:xfrm>
+            <a:off x="4671052" y="3630666"/>
+            <a:ext cx="2521844" cy="338554"/>
+          </a:xfrm>
+          <a:prstGeom prst="rect">
+            <a:avLst/>
+          </a:prstGeom>
+          <a:noFill/>
+        </p:spPr>
+        <p:txBody>
+          <a:bodyPr wrap="none" rtlCol="0">
+            <a:spAutoFit/>
+          </a:bodyPr>
+          <a:lstStyle/>
+          <a:p>
+            <a:pPr algn="l"/>
+            <a:r>
+              <a:rPr kumimoji="1" lang="en-US" altLang="ja-JP" sz="1600" dirty="0">
+                <a:latin typeface="メイリオ" panose="020B0604030504040204" pitchFamily="50" charset="-128"/>
+                <a:ea typeface="メイリオ" panose="020B0604030504040204" pitchFamily="50" charset="-128"/>
+              </a:rPr>
+              <a:t>SQL: select ‘</a:t>
+            </a:r>
+            <a:r>
+              <a:rPr kumimoji="1" lang="ja-JP" altLang="en-US" sz="1600" dirty="0">
+                <a:latin typeface="メイリオ" panose="020B0604030504040204" pitchFamily="50" charset="-128"/>
+                <a:ea typeface="メイリオ" panose="020B0604030504040204" pitchFamily="50" charset="-128"/>
+              </a:rPr>
+              <a:t>ティラミス</a:t>
+            </a:r>
+            <a:r>
+              <a:rPr kumimoji="1" lang="en-US" altLang="ja-JP" sz="1600" dirty="0">
+                <a:latin typeface="メイリオ" panose="020B0604030504040204" pitchFamily="50" charset="-128"/>
+                <a:ea typeface="メイリオ" panose="020B0604030504040204" pitchFamily="50" charset="-128"/>
+              </a:rPr>
+              <a:t>’</a:t>
+            </a:r>
+            <a:endParaRPr kumimoji="1" lang="ja-JP" altLang="en-US" sz="1600" dirty="0">
+              <a:latin typeface="メイリオ" panose="020B0604030504040204" pitchFamily="50" charset="-128"/>
+              <a:ea typeface="メイリオ" panose="020B0604030504040204" pitchFamily="50" charset="-128"/>
+            </a:endParaRPr>
+          </a:p>
+        </p:txBody>
+      </p:sp>
+      <p:sp>
+        <p:nvSpPr>
+          <p:cNvPr id="9" name="テキスト ボックス 8">
+            <a:extLst>
+              <a:ext uri="{FF2B5EF4-FFF2-40B4-BE49-F238E27FC236}">
+                <a16:creationId xmlns:a16="http://schemas.microsoft.com/office/drawing/2014/main" id="{3110A2C6-A3E3-0C44-D3E8-1A76CB797065}"/>
+              </a:ext>
+            </a:extLst>
+          </p:cNvPr>
+          <p:cNvSpPr txBox="1"/>
+          <p:nvPr/>
+        </p:nvSpPr>
+        <p:spPr>
+          <a:xfrm>
+            <a:off x="7736798" y="3745039"/>
+            <a:ext cx="3713068" cy="1015663"/>
+          </a:xfrm>
+          <a:prstGeom prst="rect">
+            <a:avLst/>
+          </a:prstGeom>
+          <a:noFill/>
+        </p:spPr>
+        <p:txBody>
+          <a:bodyPr wrap="square" rtlCol="0">
+            <a:spAutoFit/>
+          </a:bodyPr>
+          <a:lstStyle/>
+          <a:p>
+            <a:pPr algn="l"/>
+            <a:r>
+              <a:rPr kumimoji="1" lang="ja-JP" altLang="en-US" sz="2000" dirty="0">
+                <a:latin typeface="メイリオ" panose="020B0604030504040204" pitchFamily="50" charset="-128"/>
+                <a:ea typeface="メイリオ" panose="020B0604030504040204" pitchFamily="50" charset="-128"/>
+              </a:rPr>
+              <a:t>ユーザーが投稿したレシピ（写真、テキスト）を保管する巨大な</a:t>
+            </a:r>
+            <a:r>
+              <a:rPr kumimoji="1" lang="en-US" altLang="ja-JP" sz="2000" dirty="0">
+                <a:latin typeface="メイリオ" panose="020B0604030504040204" pitchFamily="50" charset="-128"/>
+                <a:ea typeface="メイリオ" panose="020B0604030504040204" pitchFamily="50" charset="-128"/>
+              </a:rPr>
+              <a:t>DB</a:t>
+            </a:r>
+            <a:endParaRPr kumimoji="1" lang="ja-JP" altLang="en-US" sz="2000" dirty="0">
+              <a:latin typeface="メイリオ" panose="020B0604030504040204" pitchFamily="50" charset="-128"/>
+              <a:ea typeface="メイリオ" panose="020B0604030504040204" pitchFamily="50" charset="-128"/>
+            </a:endParaRPr>
+          </a:p>
+        </p:txBody>
+      </p:sp>
+      <p:sp>
+        <p:nvSpPr>
+          <p:cNvPr id="10" name="テキスト ボックス 9">
+            <a:extLst>
+              <a:ext uri="{FF2B5EF4-FFF2-40B4-BE49-F238E27FC236}">
+                <a16:creationId xmlns:a16="http://schemas.microsoft.com/office/drawing/2014/main" id="{22BC0F42-1C64-1B59-4EE2-5D9B185462BA}"/>
+              </a:ext>
+            </a:extLst>
+          </p:cNvPr>
+          <p:cNvSpPr txBox="1"/>
+          <p:nvPr/>
+        </p:nvSpPr>
+        <p:spPr>
+          <a:xfrm>
+            <a:off x="4703339" y="3058993"/>
+            <a:ext cx="2632784" cy="646331"/>
+          </a:xfrm>
+          <a:prstGeom prst="rect">
+            <a:avLst/>
+          </a:prstGeom>
+          <a:noFill/>
+        </p:spPr>
+        <p:txBody>
+          <a:bodyPr wrap="square" rtlCol="0">
+            <a:spAutoFit/>
+          </a:bodyPr>
+          <a:lstStyle/>
+          <a:p>
+            <a:pPr algn="l"/>
+            <a:r>
+              <a:rPr kumimoji="1" lang="ja-JP" altLang="en-US" dirty="0">
+                <a:latin typeface="メイリオ" panose="020B0604030504040204" pitchFamily="50" charset="-128"/>
+                <a:ea typeface="メイリオ" panose="020B0604030504040204" pitchFamily="50" charset="-128"/>
+              </a:rPr>
+              <a:t>リソース名から</a:t>
+            </a:r>
+            <a:r>
+              <a:rPr kumimoji="1" lang="en-US" altLang="ja-JP" dirty="0">
+                <a:latin typeface="メイリオ" panose="020B0604030504040204" pitchFamily="50" charset="-128"/>
+                <a:ea typeface="メイリオ" panose="020B0604030504040204" pitchFamily="50" charset="-128"/>
+              </a:rPr>
+              <a:t>SQL</a:t>
+            </a:r>
+            <a:r>
+              <a:rPr kumimoji="1" lang="ja-JP" altLang="en-US" dirty="0">
+                <a:latin typeface="メイリオ" panose="020B0604030504040204" pitchFamily="50" charset="-128"/>
+                <a:ea typeface="メイリオ" panose="020B0604030504040204" pitchFamily="50" charset="-128"/>
+              </a:rPr>
+              <a:t>文を生成</a:t>
+            </a:r>
+          </a:p>
+        </p:txBody>
+      </p:sp>
+      <p:sp>
+        <p:nvSpPr>
+          <p:cNvPr id="12" name="矢印: 右 11">
+            <a:extLst>
+              <a:ext uri="{FF2B5EF4-FFF2-40B4-BE49-F238E27FC236}">
+                <a16:creationId xmlns:a16="http://schemas.microsoft.com/office/drawing/2014/main" id="{632308ED-5DFA-983B-5591-D3C228AA7658}"/>
+              </a:ext>
+            </a:extLst>
+          </p:cNvPr>
+          <p:cNvSpPr/>
+          <p:nvPr/>
+        </p:nvSpPr>
+        <p:spPr>
+          <a:xfrm>
+            <a:off x="4785077" y="3834886"/>
+            <a:ext cx="2880887" cy="338554"/>
+          </a:xfrm>
+          <a:prstGeom prst="rightArrow">
+            <a:avLst>
+              <a:gd name="adj1" fmla="val 50000"/>
+              <a:gd name="adj2" fmla="val 139180"/>
+            </a:avLst>
+          </a:prstGeom>
+          <a:ln>
+            <a:solidFill>
+              <a:srgbClr val="4472C4"/>
+            </a:solidFill>
+          </a:ln>
+        </p:spPr>
+        <p:style>
+          <a:lnRef idx="2">
+            <a:schemeClr val="accent1">
+              <a:shade val="15000"/>
+            </a:schemeClr>
+          </a:lnRef>
+          <a:fillRef idx="1">
+            <a:schemeClr val="accent1"/>
+          </a:fillRef>
+          <a:effectRef idx="0">
+            <a:schemeClr val="accent1"/>
+          </a:effectRef>
+          <a:fontRef idx="minor">
+            <a:schemeClr val="lt1"/>
+          </a:fontRef>
+        </p:style>
+        <p:txBody>
+          <a:bodyPr rtlCol="0" anchor="ctr"/>
+          <a:lstStyle/>
+          <a:p>
+            <a:pPr algn="ctr"/>
+            <a:endParaRPr kumimoji="1" lang="ja-JP" altLang="en-US"/>
+          </a:p>
+        </p:txBody>
+      </p:sp>
+      <p:sp>
+        <p:nvSpPr>
+          <p:cNvPr id="13" name="矢印: 右 12">
+            <a:extLst>
+              <a:ext uri="{FF2B5EF4-FFF2-40B4-BE49-F238E27FC236}">
+                <a16:creationId xmlns:a16="http://schemas.microsoft.com/office/drawing/2014/main" id="{0306F39C-D028-9F01-27BA-818804560EF8}"/>
+              </a:ext>
+            </a:extLst>
+          </p:cNvPr>
+          <p:cNvSpPr/>
+          <p:nvPr/>
+        </p:nvSpPr>
+        <p:spPr>
+          <a:xfrm flipH="1">
+            <a:off x="4663868" y="4228344"/>
+            <a:ext cx="2880887" cy="338554"/>
+          </a:xfrm>
+          <a:prstGeom prst="rightArrow">
+            <a:avLst>
+              <a:gd name="adj1" fmla="val 50000"/>
+              <a:gd name="adj2" fmla="val 139180"/>
+            </a:avLst>
+          </a:prstGeom>
+          <a:ln>
+            <a:solidFill>
+              <a:srgbClr val="4472C4"/>
+            </a:solidFill>
+          </a:ln>
+        </p:spPr>
+        <p:style>
+          <a:lnRef idx="2">
+            <a:schemeClr val="accent1">
+              <a:shade val="15000"/>
+            </a:schemeClr>
+          </a:lnRef>
+          <a:fillRef idx="1">
+            <a:schemeClr val="accent1"/>
+          </a:fillRef>
+          <a:effectRef idx="0">
+            <a:schemeClr val="accent1"/>
+          </a:effectRef>
+          <a:fontRef idx="minor">
+            <a:schemeClr val="lt1"/>
+          </a:fontRef>
+        </p:style>
+        <p:txBody>
+          <a:bodyPr rtlCol="0" anchor="ctr"/>
+          <a:lstStyle/>
+          <a:p>
+            <a:pPr algn="ctr"/>
+            <a:endParaRPr kumimoji="1" lang="ja-JP" altLang="en-US"/>
+          </a:p>
+        </p:txBody>
+      </p:sp>
+      <p:pic>
+        <p:nvPicPr>
+          <p:cNvPr id="14" name="図 13">
+            <a:extLst>
+              <a:ext uri="{FF2B5EF4-FFF2-40B4-BE49-F238E27FC236}">
+                <a16:creationId xmlns:a16="http://schemas.microsoft.com/office/drawing/2014/main" id="{D1CCA0D6-AF79-4D13-F14F-1052D3060819}"/>
+              </a:ext>
+            </a:extLst>
+          </p:cNvPr>
+          <p:cNvPicPr>
+            <a:picLocks noChangeAspect="1"/>
+          </p:cNvPicPr>
+          <p:nvPr/>
+        </p:nvPicPr>
+        <p:blipFill>
+          <a:blip r:embed="rId3"/>
+          <a:stretch>
+            <a:fillRect/>
+          </a:stretch>
+        </p:blipFill>
+        <p:spPr>
+          <a:xfrm>
+            <a:off x="4742068" y="4713487"/>
+            <a:ext cx="2562583" cy="1886213"/>
+          </a:xfrm>
+          <a:prstGeom prst="rect">
+            <a:avLst/>
+          </a:prstGeom>
+        </p:spPr>
+      </p:pic>
+      <p:sp>
+        <p:nvSpPr>
+          <p:cNvPr id="15" name="テキスト ボックス 14">
+            <a:extLst>
+              <a:ext uri="{FF2B5EF4-FFF2-40B4-BE49-F238E27FC236}">
+                <a16:creationId xmlns:a16="http://schemas.microsoft.com/office/drawing/2014/main" id="{085E65A8-640C-85A6-3446-88F8953D7E2F}"/>
+              </a:ext>
+            </a:extLst>
+          </p:cNvPr>
+          <p:cNvSpPr txBox="1"/>
+          <p:nvPr/>
+        </p:nvSpPr>
+        <p:spPr>
+          <a:xfrm>
+            <a:off x="5174214" y="4464989"/>
+            <a:ext cx="2562584" cy="646331"/>
+          </a:xfrm>
+          <a:prstGeom prst="rect">
+            <a:avLst/>
+          </a:prstGeom>
+          <a:noFill/>
+        </p:spPr>
+        <p:txBody>
+          <a:bodyPr wrap="square" rtlCol="0">
+            <a:spAutoFit/>
+          </a:bodyPr>
+          <a:lstStyle/>
+          <a:p>
+            <a:pPr algn="l"/>
+            <a:r>
+              <a:rPr kumimoji="1" lang="en-US" altLang="ja-JP" b="1" dirty="0">
+                <a:solidFill>
+                  <a:srgbClr val="FF0000"/>
+                </a:solidFill>
+                <a:latin typeface="メイリオ" panose="020B0604030504040204" pitchFamily="50" charset="-128"/>
+                <a:ea typeface="メイリオ" panose="020B0604030504040204" pitchFamily="50" charset="-128"/>
+              </a:rPr>
+              <a:t>DB</a:t>
+            </a:r>
+            <a:r>
+              <a:rPr kumimoji="1" lang="ja-JP" altLang="en-US" b="1" dirty="0">
+                <a:solidFill>
+                  <a:srgbClr val="FF0000"/>
+                </a:solidFill>
+                <a:latin typeface="メイリオ" panose="020B0604030504040204" pitchFamily="50" charset="-128"/>
+                <a:ea typeface="メイリオ" panose="020B0604030504040204" pitchFamily="50" charset="-128"/>
+              </a:rPr>
+              <a:t>からのデータを</a:t>
+            </a:r>
+            <a:r>
+              <a:rPr kumimoji="1" lang="en-US" altLang="ja-JP" b="1" dirty="0">
+                <a:solidFill>
+                  <a:srgbClr val="FF0000"/>
+                </a:solidFill>
+                <a:latin typeface="メイリオ" panose="020B0604030504040204" pitchFamily="50" charset="-128"/>
+                <a:ea typeface="メイリオ" panose="020B0604030504040204" pitchFamily="50" charset="-128"/>
+              </a:rPr>
+              <a:t>html</a:t>
+            </a:r>
+            <a:r>
+              <a:rPr kumimoji="1" lang="ja-JP" altLang="en-US" b="1" dirty="0">
+                <a:solidFill>
+                  <a:srgbClr val="FF0000"/>
+                </a:solidFill>
+                <a:latin typeface="メイリオ" panose="020B0604030504040204" pitchFamily="50" charset="-128"/>
+                <a:ea typeface="メイリオ" panose="020B0604030504040204" pitchFamily="50" charset="-128"/>
+              </a:rPr>
+              <a:t>に自動編集</a:t>
+            </a:r>
+          </a:p>
+        </p:txBody>
+      </p:sp>
+      <p:sp>
+        <p:nvSpPr>
+          <p:cNvPr id="16" name="テキスト ボックス 15">
+            <a:extLst>
+              <a:ext uri="{FF2B5EF4-FFF2-40B4-BE49-F238E27FC236}">
+                <a16:creationId xmlns:a16="http://schemas.microsoft.com/office/drawing/2014/main" id="{A9E75346-0003-0DA3-5B28-13E653C45EC3}"/>
+              </a:ext>
+            </a:extLst>
+          </p:cNvPr>
+          <p:cNvSpPr txBox="1"/>
+          <p:nvPr/>
+        </p:nvSpPr>
+        <p:spPr>
+          <a:xfrm>
+            <a:off x="296692" y="3312672"/>
+            <a:ext cx="2335896" cy="461665"/>
+          </a:xfrm>
+          <a:prstGeom prst="rect">
+            <a:avLst/>
+          </a:prstGeom>
+          <a:noFill/>
+        </p:spPr>
+        <p:txBody>
+          <a:bodyPr wrap="none" rtlCol="0">
+            <a:spAutoFit/>
+          </a:bodyPr>
+          <a:lstStyle/>
+          <a:p>
+            <a:pPr algn="l"/>
+            <a:r>
+              <a:rPr kumimoji="1" lang="en-US" altLang="ja-JP" sz="2400" dirty="0">
+                <a:latin typeface="メイリオ" panose="020B0604030504040204" pitchFamily="50" charset="-128"/>
+                <a:ea typeface="メイリオ" panose="020B0604030504040204" pitchFamily="50" charset="-128"/>
+              </a:rPr>
+              <a:t>http</a:t>
+            </a:r>
+            <a:r>
+              <a:rPr kumimoji="1" lang="ja-JP" altLang="en-US" sz="2400" dirty="0">
+                <a:latin typeface="メイリオ" panose="020B0604030504040204" pitchFamily="50" charset="-128"/>
+                <a:ea typeface="メイリオ" panose="020B0604030504040204" pitchFamily="50" charset="-128"/>
+              </a:rPr>
+              <a:t>リクエスト</a:t>
+            </a:r>
+          </a:p>
+        </p:txBody>
+      </p:sp>
+      <p:sp>
+        <p:nvSpPr>
+          <p:cNvPr id="17" name="テキスト ボックス 16">
+            <a:extLst>
+              <a:ext uri="{FF2B5EF4-FFF2-40B4-BE49-F238E27FC236}">
+                <a16:creationId xmlns:a16="http://schemas.microsoft.com/office/drawing/2014/main" id="{31C8534F-E168-8BE6-C6CA-11778C775CB4}"/>
+              </a:ext>
+            </a:extLst>
+          </p:cNvPr>
+          <p:cNvSpPr txBox="1"/>
+          <p:nvPr/>
+        </p:nvSpPr>
+        <p:spPr>
+          <a:xfrm>
+            <a:off x="4671052" y="2208239"/>
+            <a:ext cx="2643672" cy="830997"/>
+          </a:xfrm>
+          <a:prstGeom prst="rect">
+            <a:avLst/>
+          </a:prstGeom>
+          <a:noFill/>
+        </p:spPr>
+        <p:txBody>
+          <a:bodyPr wrap="none" rtlCol="0">
+            <a:spAutoFit/>
+          </a:bodyPr>
+          <a:lstStyle/>
+          <a:p>
+            <a:pPr algn="l"/>
+            <a:r>
+              <a:rPr kumimoji="1" lang="en-US" altLang="ja-JP" sz="2400" dirty="0">
+                <a:latin typeface="メイリオ" panose="020B0604030504040204" pitchFamily="50" charset="-128"/>
+                <a:ea typeface="メイリオ" panose="020B0604030504040204" pitchFamily="50" charset="-128"/>
+              </a:rPr>
+              <a:t>Web</a:t>
+            </a:r>
+            <a:r>
+              <a:rPr kumimoji="1" lang="ja-JP" altLang="en-US" sz="2400" dirty="0">
+                <a:latin typeface="メイリオ" panose="020B0604030504040204" pitchFamily="50" charset="-128"/>
+                <a:ea typeface="メイリオ" panose="020B0604030504040204" pitchFamily="50" charset="-128"/>
+              </a:rPr>
+              <a:t>サーバー</a:t>
+            </a:r>
+            <a:endParaRPr kumimoji="1" lang="en-US" altLang="ja-JP" sz="2400" dirty="0">
+              <a:latin typeface="メイリオ" panose="020B0604030504040204" pitchFamily="50" charset="-128"/>
+              <a:ea typeface="メイリオ" panose="020B0604030504040204" pitchFamily="50" charset="-128"/>
+            </a:endParaRPr>
+          </a:p>
+          <a:p>
+            <a:pPr algn="l"/>
+            <a:r>
+              <a:rPr kumimoji="1" lang="ja-JP" altLang="en-US" sz="2400" dirty="0">
+                <a:latin typeface="メイリオ" panose="020B0604030504040204" pitchFamily="50" charset="-128"/>
+                <a:ea typeface="メイリオ" panose="020B0604030504040204" pitchFamily="50" charset="-128"/>
+              </a:rPr>
+              <a:t>（</a:t>
+            </a:r>
+            <a:r>
+              <a:rPr kumimoji="1" lang="en-US" altLang="ja-JP" sz="2400" dirty="0">
+                <a:latin typeface="メイリオ" panose="020B0604030504040204" pitchFamily="50" charset="-128"/>
+                <a:ea typeface="メイリオ" panose="020B0604030504040204" pitchFamily="50" charset="-128"/>
+              </a:rPr>
+              <a:t>http</a:t>
+            </a:r>
+            <a:r>
+              <a:rPr kumimoji="1" lang="ja-JP" altLang="en-US" sz="2400" dirty="0">
+                <a:latin typeface="メイリオ" panose="020B0604030504040204" pitchFamily="50" charset="-128"/>
+                <a:ea typeface="メイリオ" panose="020B0604030504040204" pitchFamily="50" charset="-128"/>
+              </a:rPr>
+              <a:t>サーバー）</a:t>
+            </a:r>
+          </a:p>
+        </p:txBody>
+      </p:sp>
+      <p:sp>
+        <p:nvSpPr>
+          <p:cNvPr id="18" name="テキスト ボックス 17">
+            <a:extLst>
+              <a:ext uri="{FF2B5EF4-FFF2-40B4-BE49-F238E27FC236}">
+                <a16:creationId xmlns:a16="http://schemas.microsoft.com/office/drawing/2014/main" id="{75EE7046-5151-29B7-B3F6-664FDA8CF9E2}"/>
+              </a:ext>
+            </a:extLst>
+          </p:cNvPr>
+          <p:cNvSpPr txBox="1"/>
+          <p:nvPr/>
+        </p:nvSpPr>
+        <p:spPr>
+          <a:xfrm>
+            <a:off x="7862362" y="2234747"/>
+            <a:ext cx="3262432" cy="461665"/>
+          </a:xfrm>
+          <a:prstGeom prst="rect">
+            <a:avLst/>
+          </a:prstGeom>
+          <a:noFill/>
+        </p:spPr>
+        <p:txBody>
+          <a:bodyPr wrap="none" rtlCol="0">
+            <a:spAutoFit/>
+          </a:bodyPr>
+          <a:lstStyle/>
+          <a:p>
+            <a:pPr algn="l"/>
+            <a:r>
+              <a:rPr kumimoji="1" lang="ja-JP" altLang="en-US" sz="2400" dirty="0">
+                <a:latin typeface="メイリオ" panose="020B0604030504040204" pitchFamily="50" charset="-128"/>
+                <a:ea typeface="メイリオ" panose="020B0604030504040204" pitchFamily="50" charset="-128"/>
+              </a:rPr>
+              <a:t>データベースサーバー</a:t>
+            </a:r>
+          </a:p>
+        </p:txBody>
+      </p:sp>
+    </p:spTree>
+    <p:extLst>
+      <p:ext uri="{BB962C8B-B14F-4D97-AF65-F5344CB8AC3E}">
+        <p14:creationId xmlns:p14="http://schemas.microsoft.com/office/powerpoint/2010/main" val="125724163"/>
+      </p:ext>
+    </p:extLst>
+  </p:cSld>
+  <p:clrMapOvr>
+    <a:masterClrMapping/>
+  </p:clrMapOvr>
+</p:sld>
+</file>
+
+<file path=ppt/slides/slide20.xml><?xml version="1.0" encoding="utf-8"?>
 <p:sld xmlns:a="http://schemas.openxmlformats.org/drawingml/2006/main" xmlns:r="http://schemas.openxmlformats.org/officeDocument/2006/relationships" xmlns:p="http://schemas.openxmlformats.org/presentationml/2006/main">
   <p:cSld>
     <p:spTree>
@@ -18014,911 +18988,7 @@
 </p:sld>
 </file>
 
-<file path=ppt/slides/slide2.xml><?xml version="1.0" encoding="utf-8"?>
-<p:sld xmlns:a="http://schemas.openxmlformats.org/drawingml/2006/main" xmlns:r="http://schemas.openxmlformats.org/officeDocument/2006/relationships" xmlns:p="http://schemas.openxmlformats.org/presentationml/2006/main">
-  <p:cSld>
-    <p:spTree>
-      <p:nvGrpSpPr>
-        <p:cNvPr id="1" name=""/>
-        <p:cNvGrpSpPr/>
-        <p:nvPr/>
-      </p:nvGrpSpPr>
-      <p:grpSpPr>
-        <a:xfrm>
-          <a:off x="0" y="0"/>
-          <a:ext cx="0" cy="0"/>
-          <a:chOff x="0" y="0"/>
-          <a:chExt cx="0" cy="0"/>
-        </a:xfrm>
-      </p:grpSpPr>
-      <p:sp>
-        <p:nvSpPr>
-          <p:cNvPr id="2" name="テキスト ボックス 1">
-            <a:extLst>
-              <a:ext uri="{FF2B5EF4-FFF2-40B4-BE49-F238E27FC236}">
-                <a16:creationId xmlns:a16="http://schemas.microsoft.com/office/drawing/2014/main" id="{CC4F3E2D-C70B-0A87-F06C-BF09CB08C964}"/>
-              </a:ext>
-            </a:extLst>
-          </p:cNvPr>
-          <p:cNvSpPr txBox="1"/>
-          <p:nvPr/>
-        </p:nvSpPr>
-        <p:spPr>
-          <a:xfrm>
-            <a:off x="296692" y="209017"/>
-            <a:ext cx="10493227" cy="584775"/>
-          </a:xfrm>
-          <a:prstGeom prst="rect">
-            <a:avLst/>
-          </a:prstGeom>
-          <a:noFill/>
-        </p:spPr>
-        <p:txBody>
-          <a:bodyPr wrap="square" rtlCol="0">
-            <a:spAutoFit/>
-          </a:bodyPr>
-          <a:lstStyle/>
-          <a:p>
-            <a:pPr algn="l"/>
-            <a:r>
-              <a:rPr kumimoji="1" lang="en-US" altLang="ja-JP" sz="3200" b="1" dirty="0">
-                <a:latin typeface="メイリオ" panose="020B0604030504040204" pitchFamily="50" charset="-128"/>
-                <a:ea typeface="メイリオ" panose="020B0604030504040204" pitchFamily="50" charset="-128"/>
-              </a:rPr>
-              <a:t>Common Gateway Interface(CGI)</a:t>
-            </a:r>
-            <a:endParaRPr kumimoji="1" lang="ja-JP" altLang="en-US" sz="3200" b="1" dirty="0">
-              <a:latin typeface="メイリオ" panose="020B0604030504040204" pitchFamily="50" charset="-128"/>
-              <a:ea typeface="メイリオ" panose="020B0604030504040204" pitchFamily="50" charset="-128"/>
-            </a:endParaRPr>
-          </a:p>
-        </p:txBody>
-      </p:sp>
-      <p:sp>
-        <p:nvSpPr>
-          <p:cNvPr id="3" name="テキスト ボックス 2">
-            <a:extLst>
-              <a:ext uri="{FF2B5EF4-FFF2-40B4-BE49-F238E27FC236}">
-                <a16:creationId xmlns:a16="http://schemas.microsoft.com/office/drawing/2014/main" id="{373CBE1D-1E35-BC71-E4B6-87BEEB286F8A}"/>
-              </a:ext>
-            </a:extLst>
-          </p:cNvPr>
-          <p:cNvSpPr txBox="1"/>
-          <p:nvPr/>
-        </p:nvSpPr>
-        <p:spPr>
-          <a:xfrm>
-            <a:off x="296692" y="823207"/>
-            <a:ext cx="11788916" cy="1569660"/>
-          </a:xfrm>
-          <a:prstGeom prst="rect">
-            <a:avLst/>
-          </a:prstGeom>
-          <a:noFill/>
-        </p:spPr>
-        <p:txBody>
-          <a:bodyPr wrap="square" rtlCol="0">
-            <a:spAutoFit/>
-          </a:bodyPr>
-          <a:lstStyle/>
-          <a:p>
-            <a:pPr marL="457200" indent="-457200" algn="l">
-              <a:buFont typeface="+mj-lt"/>
-              <a:buAutoNum type="arabicPeriod"/>
-            </a:pPr>
-            <a:r>
-              <a:rPr kumimoji="1" lang="ja-JP" altLang="en-US" sz="2400" dirty="0">
-                <a:latin typeface="メイリオ" panose="020B0604030504040204" pitchFamily="50" charset="-128"/>
-                <a:ea typeface="メイリオ" panose="020B0604030504040204" pitchFamily="50" charset="-128"/>
-              </a:rPr>
-              <a:t>絶え間なく投稿される口コミを自由検索して</a:t>
-            </a:r>
-            <a:r>
-              <a:rPr kumimoji="1" lang="en-US" altLang="ja-JP" sz="2400" dirty="0">
-                <a:latin typeface="メイリオ" panose="020B0604030504040204" pitchFamily="50" charset="-128"/>
-                <a:ea typeface="メイリオ" panose="020B0604030504040204" pitchFamily="50" charset="-128"/>
-              </a:rPr>
-              <a:t>web</a:t>
-            </a:r>
-            <a:r>
-              <a:rPr kumimoji="1" lang="ja-JP" altLang="en-US" sz="2400" dirty="0">
-                <a:latin typeface="メイリオ" panose="020B0604030504040204" pitchFamily="50" charset="-128"/>
-                <a:ea typeface="メイリオ" panose="020B0604030504040204" pitchFamily="50" charset="-128"/>
-              </a:rPr>
-              <a:t>ページとして表示する機能</a:t>
-            </a:r>
-            <a:endParaRPr kumimoji="1" lang="en-US" altLang="ja-JP" sz="2400" dirty="0">
-              <a:latin typeface="メイリオ" panose="020B0604030504040204" pitchFamily="50" charset="-128"/>
-              <a:ea typeface="メイリオ" panose="020B0604030504040204" pitchFamily="50" charset="-128"/>
-            </a:endParaRPr>
-          </a:p>
-          <a:p>
-            <a:pPr marL="457200" indent="-457200" algn="l">
-              <a:buFont typeface="+mj-lt"/>
-              <a:buAutoNum type="arabicPeriod"/>
-            </a:pPr>
-            <a:r>
-              <a:rPr kumimoji="1" lang="en-US" altLang="ja-JP" sz="2400" dirty="0">
-                <a:latin typeface="メイリオ" panose="020B0604030504040204" pitchFamily="50" charset="-128"/>
-                <a:ea typeface="メイリオ" panose="020B0604030504040204" pitchFamily="50" charset="-128"/>
-              </a:rPr>
-              <a:t>SNS</a:t>
-            </a:r>
-            <a:r>
-              <a:rPr kumimoji="1" lang="ja-JP" altLang="en-US" sz="2400" dirty="0">
-                <a:latin typeface="メイリオ" panose="020B0604030504040204" pitchFamily="50" charset="-128"/>
-                <a:ea typeface="メイリオ" panose="020B0604030504040204" pitchFamily="50" charset="-128"/>
-              </a:rPr>
-              <a:t>系サーバーは、複数のコンポーネントサーバーの連携で成り立っている</a:t>
-            </a:r>
-            <a:endParaRPr kumimoji="1" lang="en-US" altLang="ja-JP" sz="2400" dirty="0">
-              <a:latin typeface="メイリオ" panose="020B0604030504040204" pitchFamily="50" charset="-128"/>
-              <a:ea typeface="メイリオ" panose="020B0604030504040204" pitchFamily="50" charset="-128"/>
-            </a:endParaRPr>
-          </a:p>
-          <a:p>
-            <a:pPr marL="457200" indent="-457200" algn="l">
-              <a:buFont typeface="+mj-lt"/>
-              <a:buAutoNum type="arabicPeriod"/>
-            </a:pPr>
-            <a:r>
-              <a:rPr kumimoji="1" lang="ja-JP" altLang="en-US" sz="2400" dirty="0">
-                <a:latin typeface="メイリオ" panose="020B0604030504040204" pitchFamily="50" charset="-128"/>
-                <a:ea typeface="メイリオ" panose="020B0604030504040204" pitchFamily="50" charset="-128"/>
-              </a:rPr>
-              <a:t>フルスタック！：プログラミング、</a:t>
-            </a:r>
-            <a:r>
-              <a:rPr kumimoji="1" lang="en-US" altLang="ja-JP" sz="2400" dirty="0">
-                <a:latin typeface="メイリオ" panose="020B0604030504040204" pitchFamily="50" charset="-128"/>
-                <a:ea typeface="メイリオ" panose="020B0604030504040204" pitchFamily="50" charset="-128"/>
-              </a:rPr>
-              <a:t>web</a:t>
-            </a:r>
-            <a:r>
-              <a:rPr kumimoji="1" lang="ja-JP" altLang="en-US" sz="2400" dirty="0">
-                <a:latin typeface="メイリオ" panose="020B0604030504040204" pitchFamily="50" charset="-128"/>
-                <a:ea typeface="メイリオ" panose="020B0604030504040204" pitchFamily="50" charset="-128"/>
-              </a:rPr>
-              <a:t>サーバー、</a:t>
-            </a:r>
-            <a:r>
-              <a:rPr kumimoji="1" lang="en-US" altLang="ja-JP" sz="2400" dirty="0">
-                <a:latin typeface="メイリオ" panose="020B0604030504040204" pitchFamily="50" charset="-128"/>
-                <a:ea typeface="メイリオ" panose="020B0604030504040204" pitchFamily="50" charset="-128"/>
-              </a:rPr>
-              <a:t>html</a:t>
-            </a:r>
-            <a:r>
-              <a:rPr kumimoji="1" lang="ja-JP" altLang="en-US" sz="2400" dirty="0">
-                <a:latin typeface="メイリオ" panose="020B0604030504040204" pitchFamily="50" charset="-128"/>
-                <a:ea typeface="メイリオ" panose="020B0604030504040204" pitchFamily="50" charset="-128"/>
-              </a:rPr>
-              <a:t>、</a:t>
-            </a:r>
-            <a:r>
-              <a:rPr kumimoji="1" lang="en-US" altLang="ja-JP" sz="2400" dirty="0">
-                <a:latin typeface="メイリオ" panose="020B0604030504040204" pitchFamily="50" charset="-128"/>
-                <a:ea typeface="メイリオ" panose="020B0604030504040204" pitchFamily="50" charset="-128"/>
-              </a:rPr>
-              <a:t>SQL</a:t>
-            </a:r>
-            <a:r>
-              <a:rPr kumimoji="1" lang="ja-JP" altLang="en-US" sz="2400" dirty="0">
-                <a:latin typeface="メイリオ" panose="020B0604030504040204" pitchFamily="50" charset="-128"/>
-                <a:ea typeface="メイリオ" panose="020B0604030504040204" pitchFamily="50" charset="-128"/>
-              </a:rPr>
-              <a:t>データベースなど必要なすべての技術</a:t>
-            </a:r>
-          </a:p>
-        </p:txBody>
-      </p:sp>
-      <p:pic>
-        <p:nvPicPr>
-          <p:cNvPr id="4" name="図 3">
-            <a:extLst>
-              <a:ext uri="{FF2B5EF4-FFF2-40B4-BE49-F238E27FC236}">
-                <a16:creationId xmlns:a16="http://schemas.microsoft.com/office/drawing/2014/main" id="{7BC5445F-78CB-9C2A-A14E-A693574D819F}"/>
-              </a:ext>
-            </a:extLst>
-          </p:cNvPr>
-          <p:cNvPicPr>
-            <a:picLocks noChangeAspect="1"/>
-          </p:cNvPicPr>
-          <p:nvPr/>
-        </p:nvPicPr>
-        <p:blipFill>
-          <a:blip r:embed="rId2"/>
-          <a:stretch>
-            <a:fillRect/>
-          </a:stretch>
-        </p:blipFill>
-        <p:spPr>
-          <a:xfrm>
-            <a:off x="188101" y="3852525"/>
-            <a:ext cx="3887271" cy="612464"/>
-          </a:xfrm>
-          <a:prstGeom prst="rect">
-            <a:avLst/>
-          </a:prstGeom>
-        </p:spPr>
-      </p:pic>
-      <p:sp>
-        <p:nvSpPr>
-          <p:cNvPr id="5" name="フローチャート: 磁気ディスク 4">
-            <a:extLst>
-              <a:ext uri="{FF2B5EF4-FFF2-40B4-BE49-F238E27FC236}">
-                <a16:creationId xmlns:a16="http://schemas.microsoft.com/office/drawing/2014/main" id="{39E9E8BD-11EF-35C9-5BB2-68561801F66C}"/>
-              </a:ext>
-            </a:extLst>
-          </p:cNvPr>
-          <p:cNvSpPr/>
-          <p:nvPr/>
-        </p:nvSpPr>
-        <p:spPr>
-          <a:xfrm>
-            <a:off x="7612654" y="2688481"/>
-            <a:ext cx="3961356" cy="2452254"/>
-          </a:xfrm>
-          <a:prstGeom prst="flowChartMagneticDisk">
-            <a:avLst/>
-          </a:prstGeom>
-          <a:noFill/>
-        </p:spPr>
-        <p:style>
-          <a:lnRef idx="2">
-            <a:schemeClr val="accent1">
-              <a:shade val="15000"/>
-            </a:schemeClr>
-          </a:lnRef>
-          <a:fillRef idx="1">
-            <a:schemeClr val="accent1"/>
-          </a:fillRef>
-          <a:effectRef idx="0">
-            <a:schemeClr val="accent1"/>
-          </a:effectRef>
-          <a:fontRef idx="minor">
-            <a:schemeClr val="lt1"/>
-          </a:fontRef>
-        </p:style>
-        <p:txBody>
-          <a:bodyPr rtlCol="0" anchor="ctr"/>
-          <a:lstStyle/>
-          <a:p>
-            <a:pPr algn="ctr"/>
-            <a:endParaRPr kumimoji="1" lang="ja-JP" altLang="en-US"/>
-          </a:p>
-        </p:txBody>
-      </p:sp>
-      <p:sp>
-        <p:nvSpPr>
-          <p:cNvPr id="6" name="テキスト ボックス 5">
-            <a:extLst>
-              <a:ext uri="{FF2B5EF4-FFF2-40B4-BE49-F238E27FC236}">
-                <a16:creationId xmlns:a16="http://schemas.microsoft.com/office/drawing/2014/main" id="{6BA06A31-9BE6-D822-6C53-6DF54EB95061}"/>
-              </a:ext>
-            </a:extLst>
-          </p:cNvPr>
-          <p:cNvSpPr txBox="1"/>
-          <p:nvPr/>
-        </p:nvSpPr>
-        <p:spPr>
-          <a:xfrm>
-            <a:off x="8016251" y="2903341"/>
-            <a:ext cx="2954655" cy="461665"/>
-          </a:xfrm>
-          <a:prstGeom prst="rect">
-            <a:avLst/>
-          </a:prstGeom>
-          <a:noFill/>
-        </p:spPr>
-        <p:txBody>
-          <a:bodyPr wrap="none" rtlCol="0">
-            <a:spAutoFit/>
-          </a:bodyPr>
-          <a:lstStyle/>
-          <a:p>
-            <a:pPr algn="l"/>
-            <a:r>
-              <a:rPr kumimoji="1" lang="ja-JP" altLang="en-US" sz="2400" dirty="0">
-                <a:latin typeface="メイリオ" panose="020B0604030504040204" pitchFamily="50" charset="-128"/>
-                <a:ea typeface="メイリオ" panose="020B0604030504040204" pitchFamily="50" charset="-128"/>
-              </a:rPr>
-              <a:t>レシピデータベース</a:t>
-            </a:r>
-          </a:p>
-        </p:txBody>
-      </p:sp>
-      <p:sp>
-        <p:nvSpPr>
-          <p:cNvPr id="7" name="正方形/長方形 6">
-            <a:extLst>
-              <a:ext uri="{FF2B5EF4-FFF2-40B4-BE49-F238E27FC236}">
-                <a16:creationId xmlns:a16="http://schemas.microsoft.com/office/drawing/2014/main" id="{B323C2EF-DF96-46BC-FAE2-1102D3AEB81F}"/>
-              </a:ext>
-            </a:extLst>
-          </p:cNvPr>
-          <p:cNvSpPr/>
-          <p:nvPr/>
-        </p:nvSpPr>
-        <p:spPr>
-          <a:xfrm>
-            <a:off x="4618852" y="2964374"/>
-            <a:ext cx="2801759" cy="3733331"/>
-          </a:xfrm>
-          <a:prstGeom prst="rect">
-            <a:avLst/>
-          </a:prstGeom>
-          <a:noFill/>
-        </p:spPr>
-        <p:style>
-          <a:lnRef idx="2">
-            <a:schemeClr val="accent1">
-              <a:shade val="15000"/>
-            </a:schemeClr>
-          </a:lnRef>
-          <a:fillRef idx="1">
-            <a:schemeClr val="accent1"/>
-          </a:fillRef>
-          <a:effectRef idx="0">
-            <a:schemeClr val="accent1"/>
-          </a:effectRef>
-          <a:fontRef idx="minor">
-            <a:schemeClr val="lt1"/>
-          </a:fontRef>
-        </p:style>
-        <p:txBody>
-          <a:bodyPr rtlCol="0" anchor="ctr"/>
-          <a:lstStyle/>
-          <a:p>
-            <a:pPr algn="ctr"/>
-            <a:endParaRPr kumimoji="1" lang="ja-JP" altLang="en-US"/>
-          </a:p>
-        </p:txBody>
-      </p:sp>
-      <p:sp>
-        <p:nvSpPr>
-          <p:cNvPr id="8" name="テキスト ボックス 7">
-            <a:extLst>
-              <a:ext uri="{FF2B5EF4-FFF2-40B4-BE49-F238E27FC236}">
-                <a16:creationId xmlns:a16="http://schemas.microsoft.com/office/drawing/2014/main" id="{D4A1A869-6143-716D-8830-94383546AF60}"/>
-              </a:ext>
-            </a:extLst>
-          </p:cNvPr>
-          <p:cNvSpPr txBox="1"/>
-          <p:nvPr/>
-        </p:nvSpPr>
-        <p:spPr>
-          <a:xfrm>
-            <a:off x="4671052" y="3630666"/>
-            <a:ext cx="2521844" cy="338554"/>
-          </a:xfrm>
-          <a:prstGeom prst="rect">
-            <a:avLst/>
-          </a:prstGeom>
-          <a:noFill/>
-        </p:spPr>
-        <p:txBody>
-          <a:bodyPr wrap="none" rtlCol="0">
-            <a:spAutoFit/>
-          </a:bodyPr>
-          <a:lstStyle/>
-          <a:p>
-            <a:pPr algn="l"/>
-            <a:r>
-              <a:rPr kumimoji="1" lang="en-US" altLang="ja-JP" sz="1600" dirty="0">
-                <a:latin typeface="メイリオ" panose="020B0604030504040204" pitchFamily="50" charset="-128"/>
-                <a:ea typeface="メイリオ" panose="020B0604030504040204" pitchFamily="50" charset="-128"/>
-              </a:rPr>
-              <a:t>SQL: select ‘</a:t>
-            </a:r>
-            <a:r>
-              <a:rPr kumimoji="1" lang="ja-JP" altLang="en-US" sz="1600" dirty="0">
-                <a:latin typeface="メイリオ" panose="020B0604030504040204" pitchFamily="50" charset="-128"/>
-                <a:ea typeface="メイリオ" panose="020B0604030504040204" pitchFamily="50" charset="-128"/>
-              </a:rPr>
-              <a:t>ティラミス</a:t>
-            </a:r>
-            <a:r>
-              <a:rPr kumimoji="1" lang="en-US" altLang="ja-JP" sz="1600" dirty="0">
-                <a:latin typeface="メイリオ" panose="020B0604030504040204" pitchFamily="50" charset="-128"/>
-                <a:ea typeface="メイリオ" panose="020B0604030504040204" pitchFamily="50" charset="-128"/>
-              </a:rPr>
-              <a:t>’</a:t>
-            </a:r>
-            <a:endParaRPr kumimoji="1" lang="ja-JP" altLang="en-US" sz="1600" dirty="0">
-              <a:latin typeface="メイリオ" panose="020B0604030504040204" pitchFamily="50" charset="-128"/>
-              <a:ea typeface="メイリオ" panose="020B0604030504040204" pitchFamily="50" charset="-128"/>
-            </a:endParaRPr>
-          </a:p>
-        </p:txBody>
-      </p:sp>
-      <p:sp>
-        <p:nvSpPr>
-          <p:cNvPr id="9" name="テキスト ボックス 8">
-            <a:extLst>
-              <a:ext uri="{FF2B5EF4-FFF2-40B4-BE49-F238E27FC236}">
-                <a16:creationId xmlns:a16="http://schemas.microsoft.com/office/drawing/2014/main" id="{3110A2C6-A3E3-0C44-D3E8-1A76CB797065}"/>
-              </a:ext>
-            </a:extLst>
-          </p:cNvPr>
-          <p:cNvSpPr txBox="1"/>
-          <p:nvPr/>
-        </p:nvSpPr>
-        <p:spPr>
-          <a:xfrm>
-            <a:off x="7736798" y="3745039"/>
-            <a:ext cx="3713068" cy="1015663"/>
-          </a:xfrm>
-          <a:prstGeom prst="rect">
-            <a:avLst/>
-          </a:prstGeom>
-          <a:noFill/>
-        </p:spPr>
-        <p:txBody>
-          <a:bodyPr wrap="square" rtlCol="0">
-            <a:spAutoFit/>
-          </a:bodyPr>
-          <a:lstStyle/>
-          <a:p>
-            <a:pPr algn="l"/>
-            <a:r>
-              <a:rPr kumimoji="1" lang="ja-JP" altLang="en-US" sz="2000" dirty="0">
-                <a:latin typeface="メイリオ" panose="020B0604030504040204" pitchFamily="50" charset="-128"/>
-                <a:ea typeface="メイリオ" panose="020B0604030504040204" pitchFamily="50" charset="-128"/>
-              </a:rPr>
-              <a:t>ユーザーが投稿したレシピ（写真、テキスト）を保管する巨大な</a:t>
-            </a:r>
-            <a:r>
-              <a:rPr kumimoji="1" lang="en-US" altLang="ja-JP" sz="2000" dirty="0">
-                <a:latin typeface="メイリオ" panose="020B0604030504040204" pitchFamily="50" charset="-128"/>
-                <a:ea typeface="メイリオ" panose="020B0604030504040204" pitchFamily="50" charset="-128"/>
-              </a:rPr>
-              <a:t>DB</a:t>
-            </a:r>
-            <a:endParaRPr kumimoji="1" lang="ja-JP" altLang="en-US" sz="2000" dirty="0">
-              <a:latin typeface="メイリオ" panose="020B0604030504040204" pitchFamily="50" charset="-128"/>
-              <a:ea typeface="メイリオ" panose="020B0604030504040204" pitchFamily="50" charset="-128"/>
-            </a:endParaRPr>
-          </a:p>
-        </p:txBody>
-      </p:sp>
-      <p:sp>
-        <p:nvSpPr>
-          <p:cNvPr id="10" name="テキスト ボックス 9">
-            <a:extLst>
-              <a:ext uri="{FF2B5EF4-FFF2-40B4-BE49-F238E27FC236}">
-                <a16:creationId xmlns:a16="http://schemas.microsoft.com/office/drawing/2014/main" id="{22BC0F42-1C64-1B59-4EE2-5D9B185462BA}"/>
-              </a:ext>
-            </a:extLst>
-          </p:cNvPr>
-          <p:cNvSpPr txBox="1"/>
-          <p:nvPr/>
-        </p:nvSpPr>
-        <p:spPr>
-          <a:xfrm>
-            <a:off x="4703339" y="3058993"/>
-            <a:ext cx="2632784" cy="646331"/>
-          </a:xfrm>
-          <a:prstGeom prst="rect">
-            <a:avLst/>
-          </a:prstGeom>
-          <a:noFill/>
-        </p:spPr>
-        <p:txBody>
-          <a:bodyPr wrap="square" rtlCol="0">
-            <a:spAutoFit/>
-          </a:bodyPr>
-          <a:lstStyle/>
-          <a:p>
-            <a:pPr algn="l"/>
-            <a:r>
-              <a:rPr kumimoji="1" lang="ja-JP" altLang="en-US" dirty="0">
-                <a:latin typeface="メイリオ" panose="020B0604030504040204" pitchFamily="50" charset="-128"/>
-                <a:ea typeface="メイリオ" panose="020B0604030504040204" pitchFamily="50" charset="-128"/>
-              </a:rPr>
-              <a:t>リソース名から</a:t>
-            </a:r>
-            <a:r>
-              <a:rPr kumimoji="1" lang="en-US" altLang="ja-JP" dirty="0">
-                <a:latin typeface="メイリオ" panose="020B0604030504040204" pitchFamily="50" charset="-128"/>
-                <a:ea typeface="メイリオ" panose="020B0604030504040204" pitchFamily="50" charset="-128"/>
-              </a:rPr>
-              <a:t>SQL</a:t>
-            </a:r>
-            <a:r>
-              <a:rPr kumimoji="1" lang="ja-JP" altLang="en-US" dirty="0">
-                <a:latin typeface="メイリオ" panose="020B0604030504040204" pitchFamily="50" charset="-128"/>
-                <a:ea typeface="メイリオ" panose="020B0604030504040204" pitchFamily="50" charset="-128"/>
-              </a:rPr>
-              <a:t>文を生成</a:t>
-            </a:r>
-          </a:p>
-        </p:txBody>
-      </p:sp>
-      <p:sp>
-        <p:nvSpPr>
-          <p:cNvPr id="12" name="矢印: 右 11">
-            <a:extLst>
-              <a:ext uri="{FF2B5EF4-FFF2-40B4-BE49-F238E27FC236}">
-                <a16:creationId xmlns:a16="http://schemas.microsoft.com/office/drawing/2014/main" id="{632308ED-5DFA-983B-5591-D3C228AA7658}"/>
-              </a:ext>
-            </a:extLst>
-          </p:cNvPr>
-          <p:cNvSpPr/>
-          <p:nvPr/>
-        </p:nvSpPr>
-        <p:spPr>
-          <a:xfrm>
-            <a:off x="4785077" y="3834886"/>
-            <a:ext cx="2880887" cy="338554"/>
-          </a:xfrm>
-          <a:prstGeom prst="rightArrow">
-            <a:avLst>
-              <a:gd name="adj1" fmla="val 50000"/>
-              <a:gd name="adj2" fmla="val 139180"/>
-            </a:avLst>
-          </a:prstGeom>
-          <a:ln>
-            <a:solidFill>
-              <a:srgbClr val="4472C4"/>
-            </a:solidFill>
-          </a:ln>
-        </p:spPr>
-        <p:style>
-          <a:lnRef idx="2">
-            <a:schemeClr val="accent1">
-              <a:shade val="15000"/>
-            </a:schemeClr>
-          </a:lnRef>
-          <a:fillRef idx="1">
-            <a:schemeClr val="accent1"/>
-          </a:fillRef>
-          <a:effectRef idx="0">
-            <a:schemeClr val="accent1"/>
-          </a:effectRef>
-          <a:fontRef idx="minor">
-            <a:schemeClr val="lt1"/>
-          </a:fontRef>
-        </p:style>
-        <p:txBody>
-          <a:bodyPr rtlCol="0" anchor="ctr"/>
-          <a:lstStyle/>
-          <a:p>
-            <a:pPr algn="ctr"/>
-            <a:endParaRPr kumimoji="1" lang="ja-JP" altLang="en-US"/>
-          </a:p>
-        </p:txBody>
-      </p:sp>
-      <p:sp>
-        <p:nvSpPr>
-          <p:cNvPr id="13" name="矢印: 右 12">
-            <a:extLst>
-              <a:ext uri="{FF2B5EF4-FFF2-40B4-BE49-F238E27FC236}">
-                <a16:creationId xmlns:a16="http://schemas.microsoft.com/office/drawing/2014/main" id="{0306F39C-D028-9F01-27BA-818804560EF8}"/>
-              </a:ext>
-            </a:extLst>
-          </p:cNvPr>
-          <p:cNvSpPr/>
-          <p:nvPr/>
-        </p:nvSpPr>
-        <p:spPr>
-          <a:xfrm flipH="1">
-            <a:off x="4663868" y="4228344"/>
-            <a:ext cx="2880887" cy="338554"/>
-          </a:xfrm>
-          <a:prstGeom prst="rightArrow">
-            <a:avLst>
-              <a:gd name="adj1" fmla="val 50000"/>
-              <a:gd name="adj2" fmla="val 139180"/>
-            </a:avLst>
-          </a:prstGeom>
-          <a:ln>
-            <a:solidFill>
-              <a:srgbClr val="4472C4"/>
-            </a:solidFill>
-          </a:ln>
-        </p:spPr>
-        <p:style>
-          <a:lnRef idx="2">
-            <a:schemeClr val="accent1">
-              <a:shade val="15000"/>
-            </a:schemeClr>
-          </a:lnRef>
-          <a:fillRef idx="1">
-            <a:schemeClr val="accent1"/>
-          </a:fillRef>
-          <a:effectRef idx="0">
-            <a:schemeClr val="accent1"/>
-          </a:effectRef>
-          <a:fontRef idx="minor">
-            <a:schemeClr val="lt1"/>
-          </a:fontRef>
-        </p:style>
-        <p:txBody>
-          <a:bodyPr rtlCol="0" anchor="ctr"/>
-          <a:lstStyle/>
-          <a:p>
-            <a:pPr algn="ctr"/>
-            <a:endParaRPr kumimoji="1" lang="ja-JP" altLang="en-US"/>
-          </a:p>
-        </p:txBody>
-      </p:sp>
-      <p:pic>
-        <p:nvPicPr>
-          <p:cNvPr id="14" name="図 13">
-            <a:extLst>
-              <a:ext uri="{FF2B5EF4-FFF2-40B4-BE49-F238E27FC236}">
-                <a16:creationId xmlns:a16="http://schemas.microsoft.com/office/drawing/2014/main" id="{D1CCA0D6-AF79-4D13-F14F-1052D3060819}"/>
-              </a:ext>
-            </a:extLst>
-          </p:cNvPr>
-          <p:cNvPicPr>
-            <a:picLocks noChangeAspect="1"/>
-          </p:cNvPicPr>
-          <p:nvPr/>
-        </p:nvPicPr>
-        <p:blipFill>
-          <a:blip r:embed="rId3"/>
-          <a:stretch>
-            <a:fillRect/>
-          </a:stretch>
-        </p:blipFill>
-        <p:spPr>
-          <a:xfrm>
-            <a:off x="4742068" y="4713487"/>
-            <a:ext cx="2562583" cy="1886213"/>
-          </a:xfrm>
-          <a:prstGeom prst="rect">
-            <a:avLst/>
-          </a:prstGeom>
-        </p:spPr>
-      </p:pic>
-      <p:sp>
-        <p:nvSpPr>
-          <p:cNvPr id="15" name="テキスト ボックス 14">
-            <a:extLst>
-              <a:ext uri="{FF2B5EF4-FFF2-40B4-BE49-F238E27FC236}">
-                <a16:creationId xmlns:a16="http://schemas.microsoft.com/office/drawing/2014/main" id="{085E65A8-640C-85A6-3446-88F8953D7E2F}"/>
-              </a:ext>
-            </a:extLst>
-          </p:cNvPr>
-          <p:cNvSpPr txBox="1"/>
-          <p:nvPr/>
-        </p:nvSpPr>
-        <p:spPr>
-          <a:xfrm>
-            <a:off x="5174214" y="4464989"/>
-            <a:ext cx="2562584" cy="646331"/>
-          </a:xfrm>
-          <a:prstGeom prst="rect">
-            <a:avLst/>
-          </a:prstGeom>
-          <a:noFill/>
-        </p:spPr>
-        <p:txBody>
-          <a:bodyPr wrap="square" rtlCol="0">
-            <a:spAutoFit/>
-          </a:bodyPr>
-          <a:lstStyle/>
-          <a:p>
-            <a:pPr algn="l"/>
-            <a:r>
-              <a:rPr kumimoji="1" lang="en-US" altLang="ja-JP" b="1" dirty="0">
-                <a:solidFill>
-                  <a:srgbClr val="FF0000"/>
-                </a:solidFill>
-                <a:latin typeface="メイリオ" panose="020B0604030504040204" pitchFamily="50" charset="-128"/>
-                <a:ea typeface="メイリオ" panose="020B0604030504040204" pitchFamily="50" charset="-128"/>
-              </a:rPr>
-              <a:t>DB</a:t>
-            </a:r>
-            <a:r>
-              <a:rPr kumimoji="1" lang="ja-JP" altLang="en-US" b="1" dirty="0">
-                <a:solidFill>
-                  <a:srgbClr val="FF0000"/>
-                </a:solidFill>
-                <a:latin typeface="メイリオ" panose="020B0604030504040204" pitchFamily="50" charset="-128"/>
-                <a:ea typeface="メイリオ" panose="020B0604030504040204" pitchFamily="50" charset="-128"/>
-              </a:rPr>
-              <a:t>からのデータを</a:t>
-            </a:r>
-            <a:r>
-              <a:rPr kumimoji="1" lang="en-US" altLang="ja-JP" b="1" dirty="0">
-                <a:solidFill>
-                  <a:srgbClr val="FF0000"/>
-                </a:solidFill>
-                <a:latin typeface="メイリオ" panose="020B0604030504040204" pitchFamily="50" charset="-128"/>
-                <a:ea typeface="メイリオ" panose="020B0604030504040204" pitchFamily="50" charset="-128"/>
-              </a:rPr>
-              <a:t>html</a:t>
-            </a:r>
-            <a:r>
-              <a:rPr kumimoji="1" lang="ja-JP" altLang="en-US" b="1" dirty="0">
-                <a:solidFill>
-                  <a:srgbClr val="FF0000"/>
-                </a:solidFill>
-                <a:latin typeface="メイリオ" panose="020B0604030504040204" pitchFamily="50" charset="-128"/>
-                <a:ea typeface="メイリオ" panose="020B0604030504040204" pitchFamily="50" charset="-128"/>
-              </a:rPr>
-              <a:t>に自動編集</a:t>
-            </a:r>
-          </a:p>
-        </p:txBody>
-      </p:sp>
-      <p:sp>
-        <p:nvSpPr>
-          <p:cNvPr id="16" name="テキスト ボックス 15">
-            <a:extLst>
-              <a:ext uri="{FF2B5EF4-FFF2-40B4-BE49-F238E27FC236}">
-                <a16:creationId xmlns:a16="http://schemas.microsoft.com/office/drawing/2014/main" id="{A9E75346-0003-0DA3-5B28-13E653C45EC3}"/>
-              </a:ext>
-            </a:extLst>
-          </p:cNvPr>
-          <p:cNvSpPr txBox="1"/>
-          <p:nvPr/>
-        </p:nvSpPr>
-        <p:spPr>
-          <a:xfrm>
-            <a:off x="296692" y="3312672"/>
-            <a:ext cx="2335896" cy="461665"/>
-          </a:xfrm>
-          <a:prstGeom prst="rect">
-            <a:avLst/>
-          </a:prstGeom>
-          <a:noFill/>
-        </p:spPr>
-        <p:txBody>
-          <a:bodyPr wrap="none" rtlCol="0">
-            <a:spAutoFit/>
-          </a:bodyPr>
-          <a:lstStyle/>
-          <a:p>
-            <a:pPr algn="l"/>
-            <a:r>
-              <a:rPr kumimoji="1" lang="en-US" altLang="ja-JP" sz="2400" dirty="0">
-                <a:latin typeface="メイリオ" panose="020B0604030504040204" pitchFamily="50" charset="-128"/>
-                <a:ea typeface="メイリオ" panose="020B0604030504040204" pitchFamily="50" charset="-128"/>
-              </a:rPr>
-              <a:t>http</a:t>
-            </a:r>
-            <a:r>
-              <a:rPr kumimoji="1" lang="ja-JP" altLang="en-US" sz="2400" dirty="0">
-                <a:latin typeface="メイリオ" panose="020B0604030504040204" pitchFamily="50" charset="-128"/>
-                <a:ea typeface="メイリオ" panose="020B0604030504040204" pitchFamily="50" charset="-128"/>
-              </a:rPr>
-              <a:t>リクエスト</a:t>
-            </a:r>
-          </a:p>
-        </p:txBody>
-      </p:sp>
-      <p:sp>
-        <p:nvSpPr>
-          <p:cNvPr id="17" name="テキスト ボックス 16">
-            <a:extLst>
-              <a:ext uri="{FF2B5EF4-FFF2-40B4-BE49-F238E27FC236}">
-                <a16:creationId xmlns:a16="http://schemas.microsoft.com/office/drawing/2014/main" id="{31C8534F-E168-8BE6-C6CA-11778C775CB4}"/>
-              </a:ext>
-            </a:extLst>
-          </p:cNvPr>
-          <p:cNvSpPr txBox="1"/>
-          <p:nvPr/>
-        </p:nvSpPr>
-        <p:spPr>
-          <a:xfrm>
-            <a:off x="4671052" y="2208239"/>
-            <a:ext cx="2643672" cy="830997"/>
-          </a:xfrm>
-          <a:prstGeom prst="rect">
-            <a:avLst/>
-          </a:prstGeom>
-          <a:noFill/>
-        </p:spPr>
-        <p:txBody>
-          <a:bodyPr wrap="none" rtlCol="0">
-            <a:spAutoFit/>
-          </a:bodyPr>
-          <a:lstStyle/>
-          <a:p>
-            <a:pPr algn="l"/>
-            <a:r>
-              <a:rPr kumimoji="1" lang="en-US" altLang="ja-JP" sz="2400" dirty="0">
-                <a:latin typeface="メイリオ" panose="020B0604030504040204" pitchFamily="50" charset="-128"/>
-                <a:ea typeface="メイリオ" panose="020B0604030504040204" pitchFamily="50" charset="-128"/>
-              </a:rPr>
-              <a:t>Web</a:t>
-            </a:r>
-            <a:r>
-              <a:rPr kumimoji="1" lang="ja-JP" altLang="en-US" sz="2400" dirty="0">
-                <a:latin typeface="メイリオ" panose="020B0604030504040204" pitchFamily="50" charset="-128"/>
-                <a:ea typeface="メイリオ" panose="020B0604030504040204" pitchFamily="50" charset="-128"/>
-              </a:rPr>
-              <a:t>サーバー</a:t>
-            </a:r>
-            <a:endParaRPr kumimoji="1" lang="en-US" altLang="ja-JP" sz="2400" dirty="0">
-              <a:latin typeface="メイリオ" panose="020B0604030504040204" pitchFamily="50" charset="-128"/>
-              <a:ea typeface="メイリオ" panose="020B0604030504040204" pitchFamily="50" charset="-128"/>
-            </a:endParaRPr>
-          </a:p>
-          <a:p>
-            <a:pPr algn="l"/>
-            <a:r>
-              <a:rPr kumimoji="1" lang="ja-JP" altLang="en-US" sz="2400" dirty="0">
-                <a:latin typeface="メイリオ" panose="020B0604030504040204" pitchFamily="50" charset="-128"/>
-                <a:ea typeface="メイリオ" panose="020B0604030504040204" pitchFamily="50" charset="-128"/>
-              </a:rPr>
-              <a:t>（</a:t>
-            </a:r>
-            <a:r>
-              <a:rPr kumimoji="1" lang="en-US" altLang="ja-JP" sz="2400" dirty="0">
-                <a:latin typeface="メイリオ" panose="020B0604030504040204" pitchFamily="50" charset="-128"/>
-                <a:ea typeface="メイリオ" panose="020B0604030504040204" pitchFamily="50" charset="-128"/>
-              </a:rPr>
-              <a:t>http</a:t>
-            </a:r>
-            <a:r>
-              <a:rPr kumimoji="1" lang="ja-JP" altLang="en-US" sz="2400" dirty="0">
-                <a:latin typeface="メイリオ" panose="020B0604030504040204" pitchFamily="50" charset="-128"/>
-                <a:ea typeface="メイリオ" panose="020B0604030504040204" pitchFamily="50" charset="-128"/>
-              </a:rPr>
-              <a:t>サーバー）</a:t>
-            </a:r>
-          </a:p>
-        </p:txBody>
-      </p:sp>
-      <p:sp>
-        <p:nvSpPr>
-          <p:cNvPr id="18" name="テキスト ボックス 17">
-            <a:extLst>
-              <a:ext uri="{FF2B5EF4-FFF2-40B4-BE49-F238E27FC236}">
-                <a16:creationId xmlns:a16="http://schemas.microsoft.com/office/drawing/2014/main" id="{75EE7046-5151-29B7-B3F6-664FDA8CF9E2}"/>
-              </a:ext>
-            </a:extLst>
-          </p:cNvPr>
-          <p:cNvSpPr txBox="1"/>
-          <p:nvPr/>
-        </p:nvSpPr>
-        <p:spPr>
-          <a:xfrm>
-            <a:off x="7862362" y="2234747"/>
-            <a:ext cx="3262432" cy="461665"/>
-          </a:xfrm>
-          <a:prstGeom prst="rect">
-            <a:avLst/>
-          </a:prstGeom>
-          <a:noFill/>
-        </p:spPr>
-        <p:txBody>
-          <a:bodyPr wrap="none" rtlCol="0">
-            <a:spAutoFit/>
-          </a:bodyPr>
-          <a:lstStyle/>
-          <a:p>
-            <a:pPr algn="l"/>
-            <a:r>
-              <a:rPr kumimoji="1" lang="ja-JP" altLang="en-US" sz="2400" dirty="0">
-                <a:latin typeface="メイリオ" panose="020B0604030504040204" pitchFamily="50" charset="-128"/>
-                <a:ea typeface="メイリオ" panose="020B0604030504040204" pitchFamily="50" charset="-128"/>
-              </a:rPr>
-              <a:t>データベースサーバー</a:t>
-            </a:r>
-          </a:p>
-        </p:txBody>
-      </p:sp>
-    </p:spTree>
-    <p:extLst>
-      <p:ext uri="{BB962C8B-B14F-4D97-AF65-F5344CB8AC3E}">
-        <p14:creationId xmlns:p14="http://schemas.microsoft.com/office/powerpoint/2010/main" val="125724163"/>
-      </p:ext>
-    </p:extLst>
-  </p:cSld>
-  <p:clrMapOvr>
-    <a:masterClrMapping/>
-  </p:clrMapOvr>
-</p:sld>
-</file>
-
-<file path=ppt/slides/slide20.xml><?xml version="1.0" encoding="utf-8"?>
+<file path=ppt/slides/slide21.xml><?xml version="1.0" encoding="utf-8"?>
 <p:sld xmlns:a="http://schemas.openxmlformats.org/drawingml/2006/main" xmlns:r="http://schemas.openxmlformats.org/officeDocument/2006/relationships" xmlns:p="http://schemas.openxmlformats.org/presentationml/2006/main">
   <p:cSld>
     <p:spTree>
@@ -20021,7 +20091,7 @@
 </p:sld>
 </file>
 
-<file path=ppt/slides/slide21.xml><?xml version="1.0" encoding="utf-8"?>
+<file path=ppt/slides/slide22.xml><?xml version="1.0" encoding="utf-8"?>
 <p:sld xmlns:a="http://schemas.openxmlformats.org/drawingml/2006/main" xmlns:r="http://schemas.openxmlformats.org/officeDocument/2006/relationships" xmlns:p="http://schemas.openxmlformats.org/presentationml/2006/main">
   <p:cSld>
     <p:spTree>
@@ -20943,7 +21013,7 @@
 </p:sld>
 </file>
 
-<file path=ppt/slides/slide22.xml><?xml version="1.0" encoding="utf-8"?>
+<file path=ppt/slides/slide23.xml><?xml version="1.0" encoding="utf-8"?>
 <p:sld xmlns:a="http://schemas.openxmlformats.org/drawingml/2006/main" xmlns:r="http://schemas.openxmlformats.org/officeDocument/2006/relationships" xmlns:p="http://schemas.openxmlformats.org/presentationml/2006/main">
   <p:cSld>
     <p:spTree>
@@ -21467,7 +21537,7 @@
 </p:sld>
 </file>
 
-<file path=ppt/slides/slide23.xml><?xml version="1.0" encoding="utf-8"?>
+<file path=ppt/slides/slide24.xml><?xml version="1.0" encoding="utf-8"?>
 <p:sld xmlns:a="http://schemas.openxmlformats.org/drawingml/2006/main" xmlns:r="http://schemas.openxmlformats.org/officeDocument/2006/relationships" xmlns:p="http://schemas.openxmlformats.org/presentationml/2006/main">
   <p:cSld>
     <p:spTree>
@@ -21909,7 +21979,7 @@
 </p:sld>
 </file>
 
-<file path=ppt/slides/slide24.xml><?xml version="1.0" encoding="utf-8"?>
+<file path=ppt/slides/slide25.xml><?xml version="1.0" encoding="utf-8"?>
 <p:sld xmlns:a="http://schemas.openxmlformats.org/drawingml/2006/main" xmlns:r="http://schemas.openxmlformats.org/officeDocument/2006/relationships" xmlns:p="http://schemas.openxmlformats.org/presentationml/2006/main">
   <p:cSld>
     <p:spTree>
@@ -22217,7 +22287,7 @@
 </p:sld>
 </file>
 
-<file path=ppt/slides/slide25.xml><?xml version="1.0" encoding="utf-8"?>
+<file path=ppt/slides/slide26.xml><?xml version="1.0" encoding="utf-8"?>
 <p:sld xmlns:a="http://schemas.openxmlformats.org/drawingml/2006/main" xmlns:r="http://schemas.openxmlformats.org/officeDocument/2006/relationships" xmlns:p="http://schemas.openxmlformats.org/presentationml/2006/main">
   <p:cSld>
     <p:spTree>
@@ -22465,7 +22535,7 @@
 </p:sld>
 </file>
 
-<file path=ppt/slides/slide26.xml><?xml version="1.0" encoding="utf-8"?>
+<file path=ppt/slides/slide27.xml><?xml version="1.0" encoding="utf-8"?>
 <p:sld xmlns:a="http://schemas.openxmlformats.org/drawingml/2006/main" xmlns:r="http://schemas.openxmlformats.org/officeDocument/2006/relationships" xmlns:p="http://schemas.openxmlformats.org/presentationml/2006/main">
   <p:cSld>
     <p:spTree>
@@ -22603,7 +22673,7 @@
 </p:sld>
 </file>
 
-<file path=ppt/slides/slide27.xml><?xml version="1.0" encoding="utf-8"?>
+<file path=ppt/slides/slide28.xml><?xml version="1.0" encoding="utf-8"?>
 <p:sld xmlns:a="http://schemas.openxmlformats.org/drawingml/2006/main" xmlns:r="http://schemas.openxmlformats.org/officeDocument/2006/relationships" xmlns:p="http://schemas.openxmlformats.org/presentationml/2006/main">
   <p:cSld>
     <p:spTree>
@@ -22922,7 +22992,7 @@
 </p:sld>
 </file>
 
-<file path=ppt/slides/slide28.xml><?xml version="1.0" encoding="utf-8"?>
+<file path=ppt/slides/slide29.xml><?xml version="1.0" encoding="utf-8"?>
 <p:sld xmlns:a="http://schemas.openxmlformats.org/drawingml/2006/main" xmlns:r="http://schemas.openxmlformats.org/officeDocument/2006/relationships" xmlns:p="http://schemas.openxmlformats.org/presentationml/2006/main">
   <p:cSld>
     <p:spTree>
@@ -23072,406 +23142,6 @@
     <p:extLst>
       <p:ext uri="{BB962C8B-B14F-4D97-AF65-F5344CB8AC3E}">
         <p14:creationId xmlns:p14="http://schemas.microsoft.com/office/powerpoint/2010/main" val="4200339043"/>
-      </p:ext>
-    </p:extLst>
-  </p:cSld>
-  <p:clrMapOvr>
-    <a:masterClrMapping/>
-  </p:clrMapOvr>
-</p:sld>
-</file>
-
-<file path=ppt/slides/slide29.xml><?xml version="1.0" encoding="utf-8"?>
-<p:sld xmlns:a="http://schemas.openxmlformats.org/drawingml/2006/main" xmlns:r="http://schemas.openxmlformats.org/officeDocument/2006/relationships" xmlns:p="http://schemas.openxmlformats.org/presentationml/2006/main">
-  <p:cSld>
-    <p:spTree>
-      <p:nvGrpSpPr>
-        <p:cNvPr id="1" name=""/>
-        <p:cNvGrpSpPr/>
-        <p:nvPr/>
-      </p:nvGrpSpPr>
-      <p:grpSpPr>
-        <a:xfrm>
-          <a:off x="0" y="0"/>
-          <a:ext cx="0" cy="0"/>
-          <a:chOff x="0" y="0"/>
-          <a:chExt cx="0" cy="0"/>
-        </a:xfrm>
-      </p:grpSpPr>
-      <p:sp>
-        <p:nvSpPr>
-          <p:cNvPr id="2" name="テキスト ボックス 1">
-            <a:extLst>
-              <a:ext uri="{FF2B5EF4-FFF2-40B4-BE49-F238E27FC236}">
-                <a16:creationId xmlns:a16="http://schemas.microsoft.com/office/drawing/2014/main" id="{8191CC35-1651-ED70-7092-DBB0BFF93514}"/>
-              </a:ext>
-            </a:extLst>
-          </p:cNvPr>
-          <p:cNvSpPr txBox="1"/>
-          <p:nvPr/>
-        </p:nvSpPr>
-        <p:spPr>
-          <a:xfrm>
-            <a:off x="381000" y="304801"/>
-            <a:ext cx="4288353" cy="584775"/>
-          </a:xfrm>
-          <a:prstGeom prst="rect">
-            <a:avLst/>
-          </a:prstGeom>
-          <a:noFill/>
-        </p:spPr>
-        <p:txBody>
-          <a:bodyPr wrap="none" rtlCol="0">
-            <a:spAutoFit/>
-          </a:bodyPr>
-          <a:lstStyle/>
-          <a:p>
-            <a:pPr algn="l"/>
-            <a:r>
-              <a:rPr kumimoji="1" lang="ja-JP" altLang="en-US" sz="3200" dirty="0">
-                <a:latin typeface="メイリオ" panose="020B0604030504040204" pitchFamily="50" charset="-128"/>
-                <a:ea typeface="メイリオ" panose="020B0604030504040204" pitchFamily="50" charset="-128"/>
-              </a:rPr>
-              <a:t>口コミの構造は不安定</a:t>
-            </a:r>
-          </a:p>
-        </p:txBody>
-      </p:sp>
-      <p:sp>
-        <p:nvSpPr>
-          <p:cNvPr id="3" name="テキスト ボックス 2">
-            <a:extLst>
-              <a:ext uri="{FF2B5EF4-FFF2-40B4-BE49-F238E27FC236}">
-                <a16:creationId xmlns:a16="http://schemas.microsoft.com/office/drawing/2014/main" id="{53CF1EF1-B40A-462C-9888-782DC5FC10C3}"/>
-              </a:ext>
-            </a:extLst>
-          </p:cNvPr>
-          <p:cNvSpPr txBox="1"/>
-          <p:nvPr/>
-        </p:nvSpPr>
-        <p:spPr>
-          <a:xfrm>
-            <a:off x="381000" y="889576"/>
-            <a:ext cx="12034064" cy="830997"/>
-          </a:xfrm>
-          <a:prstGeom prst="rect">
-            <a:avLst/>
-          </a:prstGeom>
-          <a:noFill/>
-        </p:spPr>
-        <p:txBody>
-          <a:bodyPr wrap="none" rtlCol="0">
-            <a:spAutoFit/>
-          </a:bodyPr>
-          <a:lstStyle/>
-          <a:p>
-            <a:pPr marL="457200" indent="-457200" algn="l">
-              <a:buFont typeface="+mj-lt"/>
-              <a:buAutoNum type="arabicPeriod"/>
-            </a:pPr>
-            <a:r>
-              <a:rPr kumimoji="1" lang="ja-JP" altLang="en-US" sz="2400" dirty="0">
-                <a:latin typeface="メイリオ" panose="020B0604030504040204" pitchFamily="50" charset="-128"/>
-                <a:ea typeface="メイリオ" panose="020B0604030504040204" pitchFamily="50" charset="-128"/>
-              </a:rPr>
-              <a:t>例外があるので注意深くスクレイピングする必要がある</a:t>
-            </a:r>
-            <a:endParaRPr kumimoji="1" lang="en-US" altLang="ja-JP" sz="2400" dirty="0">
-              <a:latin typeface="メイリオ" panose="020B0604030504040204" pitchFamily="50" charset="-128"/>
-              <a:ea typeface="メイリオ" panose="020B0604030504040204" pitchFamily="50" charset="-128"/>
-            </a:endParaRPr>
-          </a:p>
-          <a:p>
-            <a:pPr marL="457200" indent="-457200" algn="l">
-              <a:buFont typeface="+mj-lt"/>
-              <a:buAutoNum type="arabicPeriod"/>
-            </a:pPr>
-            <a:r>
-              <a:rPr kumimoji="1" lang="ja-JP" altLang="en-US" sz="2400" dirty="0">
-                <a:latin typeface="メイリオ" panose="020B0604030504040204" pitchFamily="50" charset="-128"/>
-                <a:ea typeface="メイリオ" panose="020B0604030504040204" pitchFamily="50" charset="-128"/>
-              </a:rPr>
-              <a:t>以下のようなケースで演習のコードを動かすと何が起きるか想像できるだろうか？</a:t>
-            </a:r>
-          </a:p>
-        </p:txBody>
-      </p:sp>
-      <p:pic>
-        <p:nvPicPr>
-          <p:cNvPr id="5" name="図 4">
-            <a:extLst>
-              <a:ext uri="{FF2B5EF4-FFF2-40B4-BE49-F238E27FC236}">
-                <a16:creationId xmlns:a16="http://schemas.microsoft.com/office/drawing/2014/main" id="{87379FAD-724A-04F3-DD4E-3C424E7727C5}"/>
-              </a:ext>
-            </a:extLst>
-          </p:cNvPr>
-          <p:cNvPicPr>
-            <a:picLocks noChangeAspect="1"/>
-          </p:cNvPicPr>
-          <p:nvPr/>
-        </p:nvPicPr>
-        <p:blipFill>
-          <a:blip r:embed="rId2"/>
-          <a:stretch>
-            <a:fillRect/>
-          </a:stretch>
-        </p:blipFill>
-        <p:spPr>
-          <a:xfrm>
-            <a:off x="5747918" y="1613446"/>
-            <a:ext cx="4985133" cy="5089793"/>
-          </a:xfrm>
-          <a:prstGeom prst="rect">
-            <a:avLst/>
-          </a:prstGeom>
-        </p:spPr>
-      </p:pic>
-      <p:sp>
-        <p:nvSpPr>
-          <p:cNvPr id="6" name="矢印: 右 5">
-            <a:extLst>
-              <a:ext uri="{FF2B5EF4-FFF2-40B4-BE49-F238E27FC236}">
-                <a16:creationId xmlns:a16="http://schemas.microsoft.com/office/drawing/2014/main" id="{88B1B16A-8824-A84C-F098-E6E3D7C744C4}"/>
-              </a:ext>
-            </a:extLst>
-          </p:cNvPr>
-          <p:cNvSpPr/>
-          <p:nvPr/>
-        </p:nvSpPr>
-        <p:spPr>
-          <a:xfrm>
-            <a:off x="5028891" y="5881339"/>
-            <a:ext cx="522824" cy="461665"/>
-          </a:xfrm>
-          <a:prstGeom prst="rightArrow">
-            <a:avLst/>
-          </a:prstGeom>
-        </p:spPr>
-        <p:style>
-          <a:lnRef idx="2">
-            <a:schemeClr val="accent1">
-              <a:shade val="15000"/>
-            </a:schemeClr>
-          </a:lnRef>
-          <a:fillRef idx="1">
-            <a:schemeClr val="accent1"/>
-          </a:fillRef>
-          <a:effectRef idx="0">
-            <a:schemeClr val="accent1"/>
-          </a:effectRef>
-          <a:fontRef idx="minor">
-            <a:schemeClr val="lt1"/>
-          </a:fontRef>
-        </p:style>
-        <p:txBody>
-          <a:bodyPr rtlCol="0" anchor="ctr"/>
-          <a:lstStyle/>
-          <a:p>
-            <a:pPr algn="ctr"/>
-            <a:endParaRPr kumimoji="1" lang="ja-JP" altLang="en-US"/>
-          </a:p>
-        </p:txBody>
-      </p:sp>
-      <p:sp>
-        <p:nvSpPr>
-          <p:cNvPr id="7" name="テキスト ボックス 6">
-            <a:extLst>
-              <a:ext uri="{FF2B5EF4-FFF2-40B4-BE49-F238E27FC236}">
-                <a16:creationId xmlns:a16="http://schemas.microsoft.com/office/drawing/2014/main" id="{F4D94F59-D3A6-FEDD-E241-AF395F33BC98}"/>
-              </a:ext>
-            </a:extLst>
-          </p:cNvPr>
-          <p:cNvSpPr txBox="1"/>
-          <p:nvPr/>
-        </p:nvSpPr>
-        <p:spPr>
-          <a:xfrm>
-            <a:off x="921997" y="5944420"/>
-            <a:ext cx="3877985" cy="461665"/>
-          </a:xfrm>
-          <a:prstGeom prst="rect">
-            <a:avLst/>
-          </a:prstGeom>
-          <a:noFill/>
-        </p:spPr>
-        <p:txBody>
-          <a:bodyPr wrap="none" rtlCol="0">
-            <a:spAutoFit/>
-          </a:bodyPr>
-          <a:lstStyle/>
-          <a:p>
-            <a:pPr algn="l"/>
-            <a:r>
-              <a:rPr kumimoji="1" lang="ja-JP" altLang="en-US" sz="2400" dirty="0">
-                <a:latin typeface="メイリオ" panose="020B0604030504040204" pitchFamily="50" charset="-128"/>
-                <a:ea typeface="メイリオ" panose="020B0604030504040204" pitchFamily="50" charset="-128"/>
-              </a:rPr>
-              <a:t>タイトルが省略されている</a:t>
-            </a:r>
-          </a:p>
-        </p:txBody>
-      </p:sp>
-      <p:sp>
-        <p:nvSpPr>
-          <p:cNvPr id="8" name="テキスト ボックス 7">
-            <a:extLst>
-              <a:ext uri="{FF2B5EF4-FFF2-40B4-BE49-F238E27FC236}">
-                <a16:creationId xmlns:a16="http://schemas.microsoft.com/office/drawing/2014/main" id="{87450F84-24AF-8303-B185-B49B136851BB}"/>
-              </a:ext>
-            </a:extLst>
-          </p:cNvPr>
-          <p:cNvSpPr txBox="1"/>
-          <p:nvPr/>
-        </p:nvSpPr>
-        <p:spPr>
-          <a:xfrm>
-            <a:off x="381000" y="2305348"/>
-            <a:ext cx="4811486" cy="1569660"/>
-          </a:xfrm>
-          <a:prstGeom prst="rect">
-            <a:avLst/>
-          </a:prstGeom>
-          <a:noFill/>
-        </p:spPr>
-        <p:txBody>
-          <a:bodyPr wrap="square" rtlCol="0">
-            <a:spAutoFit/>
-          </a:bodyPr>
-          <a:lstStyle/>
-          <a:p>
-            <a:pPr algn="l"/>
-            <a:r>
-              <a:rPr kumimoji="1" lang="ja-JP" altLang="en-US" sz="2400" dirty="0">
-                <a:latin typeface="メイリオ" panose="020B0604030504040204" pitchFamily="50" charset="-128"/>
-                <a:ea typeface="メイリオ" panose="020B0604030504040204" pitchFamily="50" charset="-128"/>
-              </a:rPr>
-              <a:t>想像してから以下の実行して確認してみてください。</a:t>
-            </a:r>
-            <a:r>
-              <a:rPr kumimoji="1" lang="en-US" altLang="ja-JP" sz="2400" dirty="0">
-                <a:latin typeface="メイリオ" panose="020B0604030504040204" pitchFamily="50" charset="-128"/>
-                <a:ea typeface="メイリオ" panose="020B0604030504040204" pitchFamily="50" charset="-128"/>
-              </a:rPr>
-              <a:t>(</a:t>
-            </a:r>
-            <a:r>
-              <a:rPr kumimoji="1" lang="ja-JP" altLang="en-US" sz="2400" dirty="0">
-                <a:latin typeface="メイリオ" panose="020B0604030504040204" pitchFamily="50" charset="-128"/>
-                <a:ea typeface="メイリオ" panose="020B0604030504040204" pitchFamily="50" charset="-128"/>
-              </a:rPr>
-              <a:t>右図のダウンロード済</a:t>
-            </a:r>
-            <a:r>
-              <a:rPr kumimoji="1" lang="en-US" altLang="ja-JP" sz="2400" dirty="0">
-                <a:latin typeface="メイリオ" panose="020B0604030504040204" pitchFamily="50" charset="-128"/>
-                <a:ea typeface="メイリオ" panose="020B0604030504040204" pitchFamily="50" charset="-128"/>
-              </a:rPr>
-              <a:t>html</a:t>
-            </a:r>
-            <a:r>
-              <a:rPr kumimoji="1" lang="ja-JP" altLang="en-US" sz="2400" dirty="0">
-                <a:latin typeface="メイリオ" panose="020B0604030504040204" pitchFamily="50" charset="-128"/>
-                <a:ea typeface="メイリオ" panose="020B0604030504040204" pitchFamily="50" charset="-128"/>
-              </a:rPr>
-              <a:t>を読むようにしています）</a:t>
-            </a:r>
-            <a:endParaRPr kumimoji="1" lang="en-US" altLang="ja-JP" sz="2400" dirty="0">
-              <a:latin typeface="メイリオ" panose="020B0604030504040204" pitchFamily="50" charset="-128"/>
-              <a:ea typeface="メイリオ" panose="020B0604030504040204" pitchFamily="50" charset="-128"/>
-            </a:endParaRPr>
-          </a:p>
-        </p:txBody>
-      </p:sp>
-      <p:sp>
-        <p:nvSpPr>
-          <p:cNvPr id="9" name="テキスト ボックス 8">
-            <a:extLst>
-              <a:ext uri="{FF2B5EF4-FFF2-40B4-BE49-F238E27FC236}">
-                <a16:creationId xmlns:a16="http://schemas.microsoft.com/office/drawing/2014/main" id="{2751250F-4A05-6616-B680-BBDFCA294966}"/>
-              </a:ext>
-            </a:extLst>
-          </p:cNvPr>
-          <p:cNvSpPr txBox="1"/>
-          <p:nvPr/>
-        </p:nvSpPr>
-        <p:spPr>
-          <a:xfrm>
-            <a:off x="7786482" y="1982778"/>
-            <a:ext cx="3787575" cy="461665"/>
-          </a:xfrm>
-          <a:prstGeom prst="rect">
-            <a:avLst/>
-          </a:prstGeom>
-          <a:noFill/>
-        </p:spPr>
-        <p:txBody>
-          <a:bodyPr wrap="none" rtlCol="0">
-            <a:spAutoFit/>
-          </a:bodyPr>
-          <a:lstStyle/>
-          <a:p>
-            <a:pPr algn="l"/>
-            <a:r>
-              <a:rPr kumimoji="1" lang="en-US" altLang="ja-JP" sz="2400" dirty="0">
-                <a:latin typeface="メイリオ" panose="020B0604030504040204" pitchFamily="50" charset="-128"/>
-                <a:ea typeface="メイリオ" panose="020B0604030504040204" pitchFamily="50" charset="-128"/>
-              </a:rPr>
-              <a:t>tabelog_kuchikomi.html</a:t>
-            </a:r>
-            <a:endParaRPr kumimoji="1" lang="ja-JP" altLang="en-US" sz="2400" dirty="0">
-              <a:latin typeface="メイリオ" panose="020B0604030504040204" pitchFamily="50" charset="-128"/>
-              <a:ea typeface="メイリオ" panose="020B0604030504040204" pitchFamily="50" charset="-128"/>
-            </a:endParaRPr>
-          </a:p>
-        </p:txBody>
-      </p:sp>
-      <p:sp>
-        <p:nvSpPr>
-          <p:cNvPr id="10" name="テキスト ボックス 9">
-            <a:extLst>
-              <a:ext uri="{FF2B5EF4-FFF2-40B4-BE49-F238E27FC236}">
-                <a16:creationId xmlns:a16="http://schemas.microsoft.com/office/drawing/2014/main" id="{DEC02B33-63D5-2968-9837-6FD926E9D88B}"/>
-              </a:ext>
-            </a:extLst>
-          </p:cNvPr>
-          <p:cNvSpPr txBox="1"/>
-          <p:nvPr/>
-        </p:nvSpPr>
-        <p:spPr>
-          <a:xfrm>
-            <a:off x="504772" y="4115058"/>
-            <a:ext cx="4563942" cy="461665"/>
-          </a:xfrm>
-          <a:prstGeom prst="rect">
-            <a:avLst/>
-          </a:prstGeom>
-          <a:noFill/>
-        </p:spPr>
-        <p:txBody>
-          <a:bodyPr wrap="none" rtlCol="0">
-            <a:spAutoFit/>
-          </a:bodyPr>
-          <a:lstStyle/>
-          <a:p>
-            <a:pPr algn="l"/>
-            <a:r>
-              <a:rPr kumimoji="1" lang="en-US" altLang="ja-JP" sz="2400" dirty="0">
-                <a:latin typeface="メイリオ" panose="020B0604030504040204" pitchFamily="50" charset="-128"/>
-                <a:ea typeface="メイリオ" panose="020B0604030504040204" pitchFamily="50" charset="-128"/>
-              </a:rPr>
-              <a:t>tabelog_scraper_unmatch.py</a:t>
-            </a:r>
-            <a:endParaRPr kumimoji="1" lang="ja-JP" altLang="en-US" sz="2400" dirty="0">
-              <a:latin typeface="メイリオ" panose="020B0604030504040204" pitchFamily="50" charset="-128"/>
-              <a:ea typeface="メイリオ" panose="020B0604030504040204" pitchFamily="50" charset="-128"/>
-            </a:endParaRPr>
-          </a:p>
-        </p:txBody>
-      </p:sp>
-    </p:spTree>
-    <p:extLst>
-      <p:ext uri="{BB962C8B-B14F-4D97-AF65-F5344CB8AC3E}">
-        <p14:creationId xmlns:p14="http://schemas.microsoft.com/office/powerpoint/2010/main" val="871694503"/>
       </p:ext>
     </p:extLst>
   </p:cSld>
@@ -23695,6 +23365,406 @@
       </p:grpSpPr>
       <p:sp>
         <p:nvSpPr>
+          <p:cNvPr id="2" name="テキスト ボックス 1">
+            <a:extLst>
+              <a:ext uri="{FF2B5EF4-FFF2-40B4-BE49-F238E27FC236}">
+                <a16:creationId xmlns:a16="http://schemas.microsoft.com/office/drawing/2014/main" id="{8191CC35-1651-ED70-7092-DBB0BFF93514}"/>
+              </a:ext>
+            </a:extLst>
+          </p:cNvPr>
+          <p:cNvSpPr txBox="1"/>
+          <p:nvPr/>
+        </p:nvSpPr>
+        <p:spPr>
+          <a:xfrm>
+            <a:off x="381000" y="304801"/>
+            <a:ext cx="4288353" cy="584775"/>
+          </a:xfrm>
+          <a:prstGeom prst="rect">
+            <a:avLst/>
+          </a:prstGeom>
+          <a:noFill/>
+        </p:spPr>
+        <p:txBody>
+          <a:bodyPr wrap="none" rtlCol="0">
+            <a:spAutoFit/>
+          </a:bodyPr>
+          <a:lstStyle/>
+          <a:p>
+            <a:pPr algn="l"/>
+            <a:r>
+              <a:rPr kumimoji="1" lang="ja-JP" altLang="en-US" sz="3200" dirty="0">
+                <a:latin typeface="メイリオ" panose="020B0604030504040204" pitchFamily="50" charset="-128"/>
+                <a:ea typeface="メイリオ" panose="020B0604030504040204" pitchFamily="50" charset="-128"/>
+              </a:rPr>
+              <a:t>口コミの構造は不安定</a:t>
+            </a:r>
+          </a:p>
+        </p:txBody>
+      </p:sp>
+      <p:sp>
+        <p:nvSpPr>
+          <p:cNvPr id="3" name="テキスト ボックス 2">
+            <a:extLst>
+              <a:ext uri="{FF2B5EF4-FFF2-40B4-BE49-F238E27FC236}">
+                <a16:creationId xmlns:a16="http://schemas.microsoft.com/office/drawing/2014/main" id="{53CF1EF1-B40A-462C-9888-782DC5FC10C3}"/>
+              </a:ext>
+            </a:extLst>
+          </p:cNvPr>
+          <p:cNvSpPr txBox="1"/>
+          <p:nvPr/>
+        </p:nvSpPr>
+        <p:spPr>
+          <a:xfrm>
+            <a:off x="381000" y="889576"/>
+            <a:ext cx="12034064" cy="830997"/>
+          </a:xfrm>
+          <a:prstGeom prst="rect">
+            <a:avLst/>
+          </a:prstGeom>
+          <a:noFill/>
+        </p:spPr>
+        <p:txBody>
+          <a:bodyPr wrap="none" rtlCol="0">
+            <a:spAutoFit/>
+          </a:bodyPr>
+          <a:lstStyle/>
+          <a:p>
+            <a:pPr marL="457200" indent="-457200" algn="l">
+              <a:buFont typeface="+mj-lt"/>
+              <a:buAutoNum type="arabicPeriod"/>
+            </a:pPr>
+            <a:r>
+              <a:rPr kumimoji="1" lang="ja-JP" altLang="en-US" sz="2400" dirty="0">
+                <a:latin typeface="メイリオ" panose="020B0604030504040204" pitchFamily="50" charset="-128"/>
+                <a:ea typeface="メイリオ" panose="020B0604030504040204" pitchFamily="50" charset="-128"/>
+              </a:rPr>
+              <a:t>例外があるので注意深くスクレイピングする必要がある</a:t>
+            </a:r>
+            <a:endParaRPr kumimoji="1" lang="en-US" altLang="ja-JP" sz="2400" dirty="0">
+              <a:latin typeface="メイリオ" panose="020B0604030504040204" pitchFamily="50" charset="-128"/>
+              <a:ea typeface="メイリオ" panose="020B0604030504040204" pitchFamily="50" charset="-128"/>
+            </a:endParaRPr>
+          </a:p>
+          <a:p>
+            <a:pPr marL="457200" indent="-457200" algn="l">
+              <a:buFont typeface="+mj-lt"/>
+              <a:buAutoNum type="arabicPeriod"/>
+            </a:pPr>
+            <a:r>
+              <a:rPr kumimoji="1" lang="ja-JP" altLang="en-US" sz="2400" dirty="0">
+                <a:latin typeface="メイリオ" panose="020B0604030504040204" pitchFamily="50" charset="-128"/>
+                <a:ea typeface="メイリオ" panose="020B0604030504040204" pitchFamily="50" charset="-128"/>
+              </a:rPr>
+              <a:t>以下のようなケースで演習のコードを動かすと何が起きるか想像できるだろうか？</a:t>
+            </a:r>
+          </a:p>
+        </p:txBody>
+      </p:sp>
+      <p:pic>
+        <p:nvPicPr>
+          <p:cNvPr id="5" name="図 4">
+            <a:extLst>
+              <a:ext uri="{FF2B5EF4-FFF2-40B4-BE49-F238E27FC236}">
+                <a16:creationId xmlns:a16="http://schemas.microsoft.com/office/drawing/2014/main" id="{87379FAD-724A-04F3-DD4E-3C424E7727C5}"/>
+              </a:ext>
+            </a:extLst>
+          </p:cNvPr>
+          <p:cNvPicPr>
+            <a:picLocks noChangeAspect="1"/>
+          </p:cNvPicPr>
+          <p:nvPr/>
+        </p:nvPicPr>
+        <p:blipFill>
+          <a:blip r:embed="rId2"/>
+          <a:stretch>
+            <a:fillRect/>
+          </a:stretch>
+        </p:blipFill>
+        <p:spPr>
+          <a:xfrm>
+            <a:off x="5747918" y="1613446"/>
+            <a:ext cx="4985133" cy="5089793"/>
+          </a:xfrm>
+          <a:prstGeom prst="rect">
+            <a:avLst/>
+          </a:prstGeom>
+        </p:spPr>
+      </p:pic>
+      <p:sp>
+        <p:nvSpPr>
+          <p:cNvPr id="6" name="矢印: 右 5">
+            <a:extLst>
+              <a:ext uri="{FF2B5EF4-FFF2-40B4-BE49-F238E27FC236}">
+                <a16:creationId xmlns:a16="http://schemas.microsoft.com/office/drawing/2014/main" id="{88B1B16A-8824-A84C-F098-E6E3D7C744C4}"/>
+              </a:ext>
+            </a:extLst>
+          </p:cNvPr>
+          <p:cNvSpPr/>
+          <p:nvPr/>
+        </p:nvSpPr>
+        <p:spPr>
+          <a:xfrm>
+            <a:off x="5028891" y="5881339"/>
+            <a:ext cx="522824" cy="461665"/>
+          </a:xfrm>
+          <a:prstGeom prst="rightArrow">
+            <a:avLst/>
+          </a:prstGeom>
+        </p:spPr>
+        <p:style>
+          <a:lnRef idx="2">
+            <a:schemeClr val="accent1">
+              <a:shade val="15000"/>
+            </a:schemeClr>
+          </a:lnRef>
+          <a:fillRef idx="1">
+            <a:schemeClr val="accent1"/>
+          </a:fillRef>
+          <a:effectRef idx="0">
+            <a:schemeClr val="accent1"/>
+          </a:effectRef>
+          <a:fontRef idx="minor">
+            <a:schemeClr val="lt1"/>
+          </a:fontRef>
+        </p:style>
+        <p:txBody>
+          <a:bodyPr rtlCol="0" anchor="ctr"/>
+          <a:lstStyle/>
+          <a:p>
+            <a:pPr algn="ctr"/>
+            <a:endParaRPr kumimoji="1" lang="ja-JP" altLang="en-US"/>
+          </a:p>
+        </p:txBody>
+      </p:sp>
+      <p:sp>
+        <p:nvSpPr>
+          <p:cNvPr id="7" name="テキスト ボックス 6">
+            <a:extLst>
+              <a:ext uri="{FF2B5EF4-FFF2-40B4-BE49-F238E27FC236}">
+                <a16:creationId xmlns:a16="http://schemas.microsoft.com/office/drawing/2014/main" id="{F4D94F59-D3A6-FEDD-E241-AF395F33BC98}"/>
+              </a:ext>
+            </a:extLst>
+          </p:cNvPr>
+          <p:cNvSpPr txBox="1"/>
+          <p:nvPr/>
+        </p:nvSpPr>
+        <p:spPr>
+          <a:xfrm>
+            <a:off x="921997" y="5944420"/>
+            <a:ext cx="3877985" cy="461665"/>
+          </a:xfrm>
+          <a:prstGeom prst="rect">
+            <a:avLst/>
+          </a:prstGeom>
+          <a:noFill/>
+        </p:spPr>
+        <p:txBody>
+          <a:bodyPr wrap="none" rtlCol="0">
+            <a:spAutoFit/>
+          </a:bodyPr>
+          <a:lstStyle/>
+          <a:p>
+            <a:pPr algn="l"/>
+            <a:r>
+              <a:rPr kumimoji="1" lang="ja-JP" altLang="en-US" sz="2400" dirty="0">
+                <a:latin typeface="メイリオ" panose="020B0604030504040204" pitchFamily="50" charset="-128"/>
+                <a:ea typeface="メイリオ" panose="020B0604030504040204" pitchFamily="50" charset="-128"/>
+              </a:rPr>
+              <a:t>タイトルが省略されている</a:t>
+            </a:r>
+          </a:p>
+        </p:txBody>
+      </p:sp>
+      <p:sp>
+        <p:nvSpPr>
+          <p:cNvPr id="8" name="テキスト ボックス 7">
+            <a:extLst>
+              <a:ext uri="{FF2B5EF4-FFF2-40B4-BE49-F238E27FC236}">
+                <a16:creationId xmlns:a16="http://schemas.microsoft.com/office/drawing/2014/main" id="{87450F84-24AF-8303-B185-B49B136851BB}"/>
+              </a:ext>
+            </a:extLst>
+          </p:cNvPr>
+          <p:cNvSpPr txBox="1"/>
+          <p:nvPr/>
+        </p:nvSpPr>
+        <p:spPr>
+          <a:xfrm>
+            <a:off x="381000" y="2305348"/>
+            <a:ext cx="4811486" cy="1569660"/>
+          </a:xfrm>
+          <a:prstGeom prst="rect">
+            <a:avLst/>
+          </a:prstGeom>
+          <a:noFill/>
+        </p:spPr>
+        <p:txBody>
+          <a:bodyPr wrap="square" rtlCol="0">
+            <a:spAutoFit/>
+          </a:bodyPr>
+          <a:lstStyle/>
+          <a:p>
+            <a:pPr algn="l"/>
+            <a:r>
+              <a:rPr kumimoji="1" lang="ja-JP" altLang="en-US" sz="2400" dirty="0">
+                <a:latin typeface="メイリオ" panose="020B0604030504040204" pitchFamily="50" charset="-128"/>
+                <a:ea typeface="メイリオ" panose="020B0604030504040204" pitchFamily="50" charset="-128"/>
+              </a:rPr>
+              <a:t>想像してから以下の実行して確認してみてください。</a:t>
+            </a:r>
+            <a:r>
+              <a:rPr kumimoji="1" lang="en-US" altLang="ja-JP" sz="2400" dirty="0">
+                <a:latin typeface="メイリオ" panose="020B0604030504040204" pitchFamily="50" charset="-128"/>
+                <a:ea typeface="メイリオ" panose="020B0604030504040204" pitchFamily="50" charset="-128"/>
+              </a:rPr>
+              <a:t>(</a:t>
+            </a:r>
+            <a:r>
+              <a:rPr kumimoji="1" lang="ja-JP" altLang="en-US" sz="2400" dirty="0">
+                <a:latin typeface="メイリオ" panose="020B0604030504040204" pitchFamily="50" charset="-128"/>
+                <a:ea typeface="メイリオ" panose="020B0604030504040204" pitchFamily="50" charset="-128"/>
+              </a:rPr>
+              <a:t>右図のダウンロード済</a:t>
+            </a:r>
+            <a:r>
+              <a:rPr kumimoji="1" lang="en-US" altLang="ja-JP" sz="2400" dirty="0">
+                <a:latin typeface="メイリオ" panose="020B0604030504040204" pitchFamily="50" charset="-128"/>
+                <a:ea typeface="メイリオ" panose="020B0604030504040204" pitchFamily="50" charset="-128"/>
+              </a:rPr>
+              <a:t>html</a:t>
+            </a:r>
+            <a:r>
+              <a:rPr kumimoji="1" lang="ja-JP" altLang="en-US" sz="2400" dirty="0">
+                <a:latin typeface="メイリオ" panose="020B0604030504040204" pitchFamily="50" charset="-128"/>
+                <a:ea typeface="メイリオ" panose="020B0604030504040204" pitchFamily="50" charset="-128"/>
+              </a:rPr>
+              <a:t>を読むようにしています）</a:t>
+            </a:r>
+            <a:endParaRPr kumimoji="1" lang="en-US" altLang="ja-JP" sz="2400" dirty="0">
+              <a:latin typeface="メイリオ" panose="020B0604030504040204" pitchFamily="50" charset="-128"/>
+              <a:ea typeface="メイリオ" panose="020B0604030504040204" pitchFamily="50" charset="-128"/>
+            </a:endParaRPr>
+          </a:p>
+        </p:txBody>
+      </p:sp>
+      <p:sp>
+        <p:nvSpPr>
+          <p:cNvPr id="9" name="テキスト ボックス 8">
+            <a:extLst>
+              <a:ext uri="{FF2B5EF4-FFF2-40B4-BE49-F238E27FC236}">
+                <a16:creationId xmlns:a16="http://schemas.microsoft.com/office/drawing/2014/main" id="{2751250F-4A05-6616-B680-BBDFCA294966}"/>
+              </a:ext>
+            </a:extLst>
+          </p:cNvPr>
+          <p:cNvSpPr txBox="1"/>
+          <p:nvPr/>
+        </p:nvSpPr>
+        <p:spPr>
+          <a:xfrm>
+            <a:off x="7786482" y="1982778"/>
+            <a:ext cx="3787575" cy="461665"/>
+          </a:xfrm>
+          <a:prstGeom prst="rect">
+            <a:avLst/>
+          </a:prstGeom>
+          <a:noFill/>
+        </p:spPr>
+        <p:txBody>
+          <a:bodyPr wrap="none" rtlCol="0">
+            <a:spAutoFit/>
+          </a:bodyPr>
+          <a:lstStyle/>
+          <a:p>
+            <a:pPr algn="l"/>
+            <a:r>
+              <a:rPr kumimoji="1" lang="en-US" altLang="ja-JP" sz="2400" dirty="0">
+                <a:latin typeface="メイリオ" panose="020B0604030504040204" pitchFamily="50" charset="-128"/>
+                <a:ea typeface="メイリオ" panose="020B0604030504040204" pitchFamily="50" charset="-128"/>
+              </a:rPr>
+              <a:t>tabelog_kuchikomi.html</a:t>
+            </a:r>
+            <a:endParaRPr kumimoji="1" lang="ja-JP" altLang="en-US" sz="2400" dirty="0">
+              <a:latin typeface="メイリオ" panose="020B0604030504040204" pitchFamily="50" charset="-128"/>
+              <a:ea typeface="メイリオ" panose="020B0604030504040204" pitchFamily="50" charset="-128"/>
+            </a:endParaRPr>
+          </a:p>
+        </p:txBody>
+      </p:sp>
+      <p:sp>
+        <p:nvSpPr>
+          <p:cNvPr id="10" name="テキスト ボックス 9">
+            <a:extLst>
+              <a:ext uri="{FF2B5EF4-FFF2-40B4-BE49-F238E27FC236}">
+                <a16:creationId xmlns:a16="http://schemas.microsoft.com/office/drawing/2014/main" id="{DEC02B33-63D5-2968-9837-6FD926E9D88B}"/>
+              </a:ext>
+            </a:extLst>
+          </p:cNvPr>
+          <p:cNvSpPr txBox="1"/>
+          <p:nvPr/>
+        </p:nvSpPr>
+        <p:spPr>
+          <a:xfrm>
+            <a:off x="504772" y="4115058"/>
+            <a:ext cx="4563942" cy="461665"/>
+          </a:xfrm>
+          <a:prstGeom prst="rect">
+            <a:avLst/>
+          </a:prstGeom>
+          <a:noFill/>
+        </p:spPr>
+        <p:txBody>
+          <a:bodyPr wrap="none" rtlCol="0">
+            <a:spAutoFit/>
+          </a:bodyPr>
+          <a:lstStyle/>
+          <a:p>
+            <a:pPr algn="l"/>
+            <a:r>
+              <a:rPr kumimoji="1" lang="en-US" altLang="ja-JP" sz="2400" dirty="0">
+                <a:latin typeface="メイリオ" panose="020B0604030504040204" pitchFamily="50" charset="-128"/>
+                <a:ea typeface="メイリオ" panose="020B0604030504040204" pitchFamily="50" charset="-128"/>
+              </a:rPr>
+              <a:t>tabelog_scraper_unmatch.py</a:t>
+            </a:r>
+            <a:endParaRPr kumimoji="1" lang="ja-JP" altLang="en-US" sz="2400" dirty="0">
+              <a:latin typeface="メイリオ" panose="020B0604030504040204" pitchFamily="50" charset="-128"/>
+              <a:ea typeface="メイリオ" panose="020B0604030504040204" pitchFamily="50" charset="-128"/>
+            </a:endParaRPr>
+          </a:p>
+        </p:txBody>
+      </p:sp>
+    </p:spTree>
+    <p:extLst>
+      <p:ext uri="{BB962C8B-B14F-4D97-AF65-F5344CB8AC3E}">
+        <p14:creationId xmlns:p14="http://schemas.microsoft.com/office/powerpoint/2010/main" val="871694503"/>
+      </p:ext>
+    </p:extLst>
+  </p:cSld>
+  <p:clrMapOvr>
+    <a:masterClrMapping/>
+  </p:clrMapOvr>
+</p:sld>
+</file>
+
+<file path=ppt/slides/slide31.xml><?xml version="1.0" encoding="utf-8"?>
+<p:sld xmlns:a="http://schemas.openxmlformats.org/drawingml/2006/main" xmlns:r="http://schemas.openxmlformats.org/officeDocument/2006/relationships" xmlns:p="http://schemas.openxmlformats.org/presentationml/2006/main">
+  <p:cSld>
+    <p:spTree>
+      <p:nvGrpSpPr>
+        <p:cNvPr id="1" name=""/>
+        <p:cNvGrpSpPr/>
+        <p:nvPr/>
+      </p:nvGrpSpPr>
+      <p:grpSpPr>
+        <a:xfrm>
+          <a:off x="0" y="0"/>
+          <a:ext cx="0" cy="0"/>
+          <a:chOff x="0" y="0"/>
+          <a:chExt cx="0" cy="0"/>
+        </a:xfrm>
+      </p:grpSpPr>
+      <p:sp>
+        <p:nvSpPr>
           <p:cNvPr id="3" name="テキスト ボックス 2">
             <a:extLst>
               <a:ext uri="{FF2B5EF4-FFF2-40B4-BE49-F238E27FC236}">
@@ -24084,7 +24154,7 @@
 </p:sld>
 </file>
 
-<file path=ppt/slides/slide31.xml><?xml version="1.0" encoding="utf-8"?>
+<file path=ppt/slides/slide32.xml><?xml version="1.0" encoding="utf-8"?>
 <p:sld xmlns:a="http://schemas.openxmlformats.org/drawingml/2006/main" xmlns:r="http://schemas.openxmlformats.org/officeDocument/2006/relationships" xmlns:p="http://schemas.openxmlformats.org/presentationml/2006/main">
   <p:cSld>
     <p:spTree>
@@ -25047,7 +25117,7 @@
 </p:sld>
 </file>
 
-<file path=ppt/slides/slide32.xml><?xml version="1.0" encoding="utf-8"?>
+<file path=ppt/slides/slide33.xml><?xml version="1.0" encoding="utf-8"?>
 <p:sld xmlns:a="http://schemas.openxmlformats.org/drawingml/2006/main" xmlns:r="http://schemas.openxmlformats.org/officeDocument/2006/relationships" xmlns:p="http://schemas.openxmlformats.org/presentationml/2006/main">
   <p:cSld>
     <p:spTree>
@@ -25213,7 +25283,7 @@
 </p:sld>
 </file>
 
-<file path=ppt/slides/slide33.xml><?xml version="1.0" encoding="utf-8"?>
+<file path=ppt/slides/slide34.xml><?xml version="1.0" encoding="utf-8"?>
 <p:sld xmlns:a="http://schemas.openxmlformats.org/drawingml/2006/main" xmlns:r="http://schemas.openxmlformats.org/officeDocument/2006/relationships" xmlns:p="http://schemas.openxmlformats.org/presentationml/2006/main">
   <p:cSld>
     <p:spTree>
@@ -25874,7 +25944,7 @@
 </p:sld>
 </file>
 
-<file path=ppt/slides/slide34.xml><?xml version="1.0" encoding="utf-8"?>
+<file path=ppt/slides/slide35.xml><?xml version="1.0" encoding="utf-8"?>
 <p:sld xmlns:a="http://schemas.openxmlformats.org/drawingml/2006/main" xmlns:r="http://schemas.openxmlformats.org/officeDocument/2006/relationships" xmlns:p="http://schemas.openxmlformats.org/presentationml/2006/main">
   <p:cSld>
     <p:spTree>
@@ -26221,7 +26291,7 @@
 </p:sld>
 </file>
 
-<file path=ppt/slides/slide35.xml><?xml version="1.0" encoding="utf-8"?>
+<file path=ppt/slides/slide36.xml><?xml version="1.0" encoding="utf-8"?>
 <p:sld xmlns:a="http://schemas.openxmlformats.org/drawingml/2006/main" xmlns:r="http://schemas.openxmlformats.org/officeDocument/2006/relationships" xmlns:p="http://schemas.openxmlformats.org/presentationml/2006/main">
   <p:cSld>
     <p:spTree>
@@ -26607,7 +26677,7 @@
 </p:sld>
 </file>
 
-<file path=ppt/slides/slide36.xml><?xml version="1.0" encoding="utf-8"?>
+<file path=ppt/slides/slide37.xml><?xml version="1.0" encoding="utf-8"?>
 <p:sld xmlns:a="http://schemas.openxmlformats.org/drawingml/2006/main" xmlns:r="http://schemas.openxmlformats.org/officeDocument/2006/relationships" xmlns:p="http://schemas.openxmlformats.org/presentationml/2006/main">
   <p:cSld>
     <p:spTree>
@@ -27017,7 +27087,7 @@
 </p:sld>
 </file>
 
-<file path=ppt/slides/slide37.xml><?xml version="1.0" encoding="utf-8"?>
+<file path=ppt/slides/slide38.xml><?xml version="1.0" encoding="utf-8"?>
 <p:sld xmlns:a="http://schemas.openxmlformats.org/drawingml/2006/main" xmlns:r="http://schemas.openxmlformats.org/officeDocument/2006/relationships" xmlns:p="http://schemas.openxmlformats.org/presentationml/2006/main">
   <p:cSld>
     <p:spTree>
@@ -27424,7 +27494,7 @@
 </p:sld>
 </file>
 
-<file path=ppt/slides/slide38.xml><?xml version="1.0" encoding="utf-8"?>
+<file path=ppt/slides/slide39.xml><?xml version="1.0" encoding="utf-8"?>
 <p:sld xmlns:a="http://schemas.openxmlformats.org/drawingml/2006/main" xmlns:r="http://schemas.openxmlformats.org/officeDocument/2006/relationships" xmlns:p="http://schemas.openxmlformats.org/presentationml/2006/main">
   <p:cSld>
     <p:spTree>
@@ -27590,7 +27660,298 @@
 </p:sld>
 </file>
 
-<file path=ppt/slides/slide39.xml><?xml version="1.0" encoding="utf-8"?>
+<file path=ppt/slides/slide4.xml><?xml version="1.0" encoding="utf-8"?>
+<p:sld xmlns:a="http://schemas.openxmlformats.org/drawingml/2006/main" xmlns:r="http://schemas.openxmlformats.org/officeDocument/2006/relationships" xmlns:p="http://schemas.openxmlformats.org/presentationml/2006/main">
+  <p:cSld>
+    <p:spTree>
+      <p:nvGrpSpPr>
+        <p:cNvPr id="1" name=""/>
+        <p:cNvGrpSpPr/>
+        <p:nvPr/>
+      </p:nvGrpSpPr>
+      <p:grpSpPr>
+        <a:xfrm>
+          <a:off x="0" y="0"/>
+          <a:ext cx="0" cy="0"/>
+          <a:chOff x="0" y="0"/>
+          <a:chExt cx="0" cy="0"/>
+        </a:xfrm>
+      </p:grpSpPr>
+      <p:sp>
+        <p:nvSpPr>
+          <p:cNvPr id="2" name="テキスト ボックス 1">
+            <a:extLst>
+              <a:ext uri="{FF2B5EF4-FFF2-40B4-BE49-F238E27FC236}">
+                <a16:creationId xmlns:a16="http://schemas.microsoft.com/office/drawing/2014/main" id="{BC636320-BCA5-2970-DE2E-1235B98155C7}"/>
+              </a:ext>
+            </a:extLst>
+          </p:cNvPr>
+          <p:cNvSpPr txBox="1"/>
+          <p:nvPr/>
+        </p:nvSpPr>
+        <p:spPr>
+          <a:xfrm>
+            <a:off x="577970" y="534838"/>
+            <a:ext cx="9779408" cy="584775"/>
+          </a:xfrm>
+          <a:prstGeom prst="rect">
+            <a:avLst/>
+          </a:prstGeom>
+          <a:noFill/>
+        </p:spPr>
+        <p:txBody>
+          <a:bodyPr wrap="none" rtlCol="0">
+            <a:spAutoFit/>
+          </a:bodyPr>
+          <a:lstStyle/>
+          <a:p>
+            <a:pPr algn="l"/>
+            <a:r>
+              <a:rPr kumimoji="1" lang="ja-JP" altLang="en-US" sz="3200" dirty="0">
+                <a:latin typeface="メイリオ" panose="020B0604030504040204" pitchFamily="50" charset="-128"/>
+                <a:ea typeface="メイリオ" panose="020B0604030504040204" pitchFamily="50" charset="-128"/>
+              </a:rPr>
+              <a:t>色々な言語を勉強するより</a:t>
+            </a:r>
+            <a:r>
+              <a:rPr kumimoji="1" lang="en-US" altLang="ja-JP" sz="3200" dirty="0">
+                <a:latin typeface="メイリオ" panose="020B0604030504040204" pitchFamily="50" charset="-128"/>
+                <a:ea typeface="メイリオ" panose="020B0604030504040204" pitchFamily="50" charset="-128"/>
+              </a:rPr>
+              <a:t>python</a:t>
+            </a:r>
+            <a:r>
+              <a:rPr kumimoji="1" lang="ja-JP" altLang="en-US" sz="3200" dirty="0">
+                <a:latin typeface="メイリオ" panose="020B0604030504040204" pitchFamily="50" charset="-128"/>
+                <a:ea typeface="メイリオ" panose="020B0604030504040204" pitchFamily="50" charset="-128"/>
+              </a:rPr>
+              <a:t>を極める方がよい</a:t>
+            </a:r>
+          </a:p>
+        </p:txBody>
+      </p:sp>
+      <p:sp>
+        <p:nvSpPr>
+          <p:cNvPr id="3" name="テキスト ボックス 2">
+            <a:extLst>
+              <a:ext uri="{FF2B5EF4-FFF2-40B4-BE49-F238E27FC236}">
+                <a16:creationId xmlns:a16="http://schemas.microsoft.com/office/drawing/2014/main" id="{DBCA3A33-D6AC-3993-7B62-58D7706B23C2}"/>
+              </a:ext>
+            </a:extLst>
+          </p:cNvPr>
+          <p:cNvSpPr txBox="1"/>
+          <p:nvPr/>
+        </p:nvSpPr>
+        <p:spPr>
+          <a:xfrm>
+            <a:off x="698740" y="1233578"/>
+            <a:ext cx="10103984" cy="1200329"/>
+          </a:xfrm>
+          <a:prstGeom prst="rect">
+            <a:avLst/>
+          </a:prstGeom>
+          <a:noFill/>
+        </p:spPr>
+        <p:txBody>
+          <a:bodyPr wrap="none" rtlCol="0">
+            <a:spAutoFit/>
+          </a:bodyPr>
+          <a:lstStyle/>
+          <a:p>
+            <a:pPr marL="457200" indent="-457200" algn="l">
+              <a:buFont typeface="+mj-lt"/>
+              <a:buAutoNum type="arabicPeriod"/>
+            </a:pPr>
+            <a:r>
+              <a:rPr kumimoji="1" lang="en-US" altLang="ja-JP" sz="2400" dirty="0" err="1">
+                <a:latin typeface="メイリオ" panose="020B0604030504040204" pitchFamily="50" charset="-128"/>
+                <a:ea typeface="メイリオ" panose="020B0604030504040204" pitchFamily="50" charset="-128"/>
+              </a:rPr>
+              <a:t>php</a:t>
+            </a:r>
+            <a:r>
+              <a:rPr kumimoji="1" lang="en-US" altLang="ja-JP" sz="2400" dirty="0">
+                <a:latin typeface="メイリオ" panose="020B0604030504040204" pitchFamily="50" charset="-128"/>
+                <a:ea typeface="メイリオ" panose="020B0604030504040204" pitchFamily="50" charset="-128"/>
+              </a:rPr>
+              <a:t>, Java, python</a:t>
+            </a:r>
+            <a:r>
+              <a:rPr kumimoji="1" lang="ja-JP" altLang="en-US" sz="2400" dirty="0">
+                <a:latin typeface="メイリオ" panose="020B0604030504040204" pitchFamily="50" charset="-128"/>
+                <a:ea typeface="メイリオ" panose="020B0604030504040204" pitchFamily="50" charset="-128"/>
+              </a:rPr>
+              <a:t>もオブジェクト指向言語という点でよく似ている</a:t>
+            </a:r>
+            <a:endParaRPr kumimoji="1" lang="en-US" altLang="ja-JP" sz="2400" dirty="0">
+              <a:latin typeface="メイリオ" panose="020B0604030504040204" pitchFamily="50" charset="-128"/>
+              <a:ea typeface="メイリオ" panose="020B0604030504040204" pitchFamily="50" charset="-128"/>
+            </a:endParaRPr>
+          </a:p>
+          <a:p>
+            <a:pPr marL="457200" indent="-457200" algn="l">
+              <a:buFont typeface="+mj-lt"/>
+              <a:buAutoNum type="arabicPeriod"/>
+            </a:pPr>
+            <a:r>
+              <a:rPr kumimoji="1" lang="en-US" altLang="ja-JP" sz="2400" dirty="0">
+                <a:latin typeface="メイリオ" panose="020B0604030504040204" pitchFamily="50" charset="-128"/>
+                <a:ea typeface="メイリオ" panose="020B0604030504040204" pitchFamily="50" charset="-128"/>
+              </a:rPr>
+              <a:t>Python</a:t>
+            </a:r>
+            <a:r>
+              <a:rPr kumimoji="1" lang="ja-JP" altLang="en-US" sz="2400" dirty="0">
+                <a:latin typeface="メイリオ" panose="020B0604030504040204" pitchFamily="50" charset="-128"/>
+                <a:ea typeface="メイリオ" panose="020B0604030504040204" pitchFamily="50" charset="-128"/>
+              </a:rPr>
+              <a:t>のオブジェクト指向の仕組みを理解しておくことは重要</a:t>
+            </a:r>
+            <a:endParaRPr kumimoji="1" lang="en-US" altLang="ja-JP" sz="2400" dirty="0">
+              <a:latin typeface="メイリオ" panose="020B0604030504040204" pitchFamily="50" charset="-128"/>
+              <a:ea typeface="メイリオ" panose="020B0604030504040204" pitchFamily="50" charset="-128"/>
+            </a:endParaRPr>
+          </a:p>
+          <a:p>
+            <a:pPr marL="457200" indent="-457200" algn="l">
+              <a:buFont typeface="+mj-lt"/>
+              <a:buAutoNum type="arabicPeriod"/>
+            </a:pPr>
+            <a:r>
+              <a:rPr kumimoji="1" lang="en-US" altLang="ja-JP" sz="2400" dirty="0">
+                <a:latin typeface="メイリオ" panose="020B0604030504040204" pitchFamily="50" charset="-128"/>
+                <a:ea typeface="メイリオ" panose="020B0604030504040204" pitchFamily="50" charset="-128"/>
+              </a:rPr>
+              <a:t>Python</a:t>
+            </a:r>
+            <a:r>
+              <a:rPr kumimoji="1" lang="ja-JP" altLang="en-US" sz="2400" dirty="0">
+                <a:latin typeface="メイリオ" panose="020B0604030504040204" pitchFamily="50" charset="-128"/>
+                <a:ea typeface="メイリオ" panose="020B0604030504040204" pitchFamily="50" charset="-128"/>
+              </a:rPr>
+              <a:t>でサーバーサイドプログラミングを試すなら</a:t>
+            </a:r>
+            <a:r>
+              <a:rPr kumimoji="1" lang="en-US" altLang="ja-JP" sz="2400" dirty="0">
+                <a:latin typeface="メイリオ" panose="020B0604030504040204" pitchFamily="50" charset="-128"/>
+                <a:ea typeface="メイリオ" panose="020B0604030504040204" pitchFamily="50" charset="-128"/>
+              </a:rPr>
+              <a:t>Flask</a:t>
+            </a:r>
+            <a:r>
+              <a:rPr kumimoji="1" lang="ja-JP" altLang="en-US" sz="2400" dirty="0">
+                <a:latin typeface="メイリオ" panose="020B0604030504040204" pitchFamily="50" charset="-128"/>
+                <a:ea typeface="メイリオ" panose="020B0604030504040204" pitchFamily="50" charset="-128"/>
+              </a:rPr>
+              <a:t>がお勧め</a:t>
+            </a:r>
+          </a:p>
+        </p:txBody>
+      </p:sp>
+      <p:pic>
+        <p:nvPicPr>
+          <p:cNvPr id="5" name="図 4">
+            <a:extLst>
+              <a:ext uri="{FF2B5EF4-FFF2-40B4-BE49-F238E27FC236}">
+                <a16:creationId xmlns:a16="http://schemas.microsoft.com/office/drawing/2014/main" id="{3F440CA3-EEFD-4A0A-CAEA-ED10AD2D3C76}"/>
+              </a:ext>
+            </a:extLst>
+          </p:cNvPr>
+          <p:cNvPicPr>
+            <a:picLocks noChangeAspect="1"/>
+          </p:cNvPicPr>
+          <p:nvPr/>
+        </p:nvPicPr>
+        <p:blipFill>
+          <a:blip r:embed="rId2"/>
+          <a:stretch>
+            <a:fillRect/>
+          </a:stretch>
+        </p:blipFill>
+        <p:spPr>
+          <a:xfrm>
+            <a:off x="698740" y="2907196"/>
+            <a:ext cx="2686012" cy="3632658"/>
+          </a:xfrm>
+          <a:prstGeom prst="rect">
+            <a:avLst/>
+          </a:prstGeom>
+        </p:spPr>
+      </p:pic>
+      <p:sp>
+        <p:nvSpPr>
+          <p:cNvPr id="6" name="テキスト ボックス 5">
+            <a:extLst>
+              <a:ext uri="{FF2B5EF4-FFF2-40B4-BE49-F238E27FC236}">
+                <a16:creationId xmlns:a16="http://schemas.microsoft.com/office/drawing/2014/main" id="{8BBA7AD4-A796-6E2F-9CDE-42CF7FA1314B}"/>
+              </a:ext>
+            </a:extLst>
+          </p:cNvPr>
+          <p:cNvSpPr txBox="1"/>
+          <p:nvPr/>
+        </p:nvSpPr>
+        <p:spPr>
+          <a:xfrm>
+            <a:off x="3856008" y="3075317"/>
+            <a:ext cx="7447552" cy="461665"/>
+          </a:xfrm>
+          <a:prstGeom prst="rect">
+            <a:avLst/>
+          </a:prstGeom>
+          <a:noFill/>
+        </p:spPr>
+        <p:txBody>
+          <a:bodyPr wrap="none" rtlCol="0">
+            <a:spAutoFit/>
+          </a:bodyPr>
+          <a:lstStyle/>
+          <a:p>
+            <a:pPr algn="l"/>
+            <a:r>
+              <a:rPr kumimoji="1" lang="en-US" altLang="ja-JP" sz="2400" dirty="0">
+                <a:latin typeface="メイリオ" panose="020B0604030504040204" pitchFamily="50" charset="-128"/>
+                <a:ea typeface="メイリオ" panose="020B0604030504040204" pitchFamily="50" charset="-128"/>
+              </a:rPr>
+              <a:t>Flask</a:t>
+            </a:r>
+            <a:r>
+              <a:rPr kumimoji="1" lang="ja-JP" altLang="en-US" sz="2400" dirty="0">
+                <a:latin typeface="メイリオ" panose="020B0604030504040204" pitchFamily="50" charset="-128"/>
+                <a:ea typeface="メイリオ" panose="020B0604030504040204" pitchFamily="50" charset="-128"/>
+              </a:rPr>
+              <a:t>本格入門　～やさしくわかる</a:t>
+            </a:r>
+            <a:r>
+              <a:rPr kumimoji="1" lang="en-US" altLang="ja-JP" sz="2400" dirty="0">
+                <a:latin typeface="メイリオ" panose="020B0604030504040204" pitchFamily="50" charset="-128"/>
+                <a:ea typeface="メイリオ" panose="020B0604030504040204" pitchFamily="50" charset="-128"/>
+              </a:rPr>
+              <a:t>Web</a:t>
+            </a:r>
+            <a:r>
+              <a:rPr kumimoji="1" lang="ja-JP" altLang="en-US" sz="2400" dirty="0">
+                <a:latin typeface="メイリオ" panose="020B0604030504040204" pitchFamily="50" charset="-128"/>
+                <a:ea typeface="メイリオ" panose="020B0604030504040204" pitchFamily="50" charset="-128"/>
+              </a:rPr>
+              <a:t>アプリ開発～</a:t>
+            </a:r>
+          </a:p>
+        </p:txBody>
+      </p:sp>
+    </p:spTree>
+    <p:extLst>
+      <p:ext uri="{BB962C8B-B14F-4D97-AF65-F5344CB8AC3E}">
+        <p14:creationId xmlns:p14="http://schemas.microsoft.com/office/powerpoint/2010/main" val="1098559092"/>
+      </p:ext>
+    </p:extLst>
+  </p:cSld>
+  <p:clrMapOvr>
+    <a:masterClrMapping/>
+  </p:clrMapOvr>
+</p:sld>
+</file>
+
+<file path=ppt/slides/slide40.xml><?xml version="1.0" encoding="utf-8"?>
 <p:sld xmlns:a="http://schemas.openxmlformats.org/drawingml/2006/main" xmlns:r="http://schemas.openxmlformats.org/officeDocument/2006/relationships" xmlns:p="http://schemas.openxmlformats.org/presentationml/2006/main">
   <p:cSld>
     <p:spTree>
@@ -28134,298 +28495,7 @@
 </p:sld>
 </file>
 
-<file path=ppt/slides/slide4.xml><?xml version="1.0" encoding="utf-8"?>
-<p:sld xmlns:a="http://schemas.openxmlformats.org/drawingml/2006/main" xmlns:r="http://schemas.openxmlformats.org/officeDocument/2006/relationships" xmlns:p="http://schemas.openxmlformats.org/presentationml/2006/main">
-  <p:cSld>
-    <p:spTree>
-      <p:nvGrpSpPr>
-        <p:cNvPr id="1" name=""/>
-        <p:cNvGrpSpPr/>
-        <p:nvPr/>
-      </p:nvGrpSpPr>
-      <p:grpSpPr>
-        <a:xfrm>
-          <a:off x="0" y="0"/>
-          <a:ext cx="0" cy="0"/>
-          <a:chOff x="0" y="0"/>
-          <a:chExt cx="0" cy="0"/>
-        </a:xfrm>
-      </p:grpSpPr>
-      <p:sp>
-        <p:nvSpPr>
-          <p:cNvPr id="2" name="テキスト ボックス 1">
-            <a:extLst>
-              <a:ext uri="{FF2B5EF4-FFF2-40B4-BE49-F238E27FC236}">
-                <a16:creationId xmlns:a16="http://schemas.microsoft.com/office/drawing/2014/main" id="{BC636320-BCA5-2970-DE2E-1235B98155C7}"/>
-              </a:ext>
-            </a:extLst>
-          </p:cNvPr>
-          <p:cNvSpPr txBox="1"/>
-          <p:nvPr/>
-        </p:nvSpPr>
-        <p:spPr>
-          <a:xfrm>
-            <a:off x="577970" y="534838"/>
-            <a:ext cx="9779408" cy="584775"/>
-          </a:xfrm>
-          <a:prstGeom prst="rect">
-            <a:avLst/>
-          </a:prstGeom>
-          <a:noFill/>
-        </p:spPr>
-        <p:txBody>
-          <a:bodyPr wrap="none" rtlCol="0">
-            <a:spAutoFit/>
-          </a:bodyPr>
-          <a:lstStyle/>
-          <a:p>
-            <a:pPr algn="l"/>
-            <a:r>
-              <a:rPr kumimoji="1" lang="ja-JP" altLang="en-US" sz="3200" dirty="0">
-                <a:latin typeface="メイリオ" panose="020B0604030504040204" pitchFamily="50" charset="-128"/>
-                <a:ea typeface="メイリオ" panose="020B0604030504040204" pitchFamily="50" charset="-128"/>
-              </a:rPr>
-              <a:t>色々な言語を勉強するより</a:t>
-            </a:r>
-            <a:r>
-              <a:rPr kumimoji="1" lang="en-US" altLang="ja-JP" sz="3200" dirty="0">
-                <a:latin typeface="メイリオ" panose="020B0604030504040204" pitchFamily="50" charset="-128"/>
-                <a:ea typeface="メイリオ" panose="020B0604030504040204" pitchFamily="50" charset="-128"/>
-              </a:rPr>
-              <a:t>python</a:t>
-            </a:r>
-            <a:r>
-              <a:rPr kumimoji="1" lang="ja-JP" altLang="en-US" sz="3200" dirty="0">
-                <a:latin typeface="メイリオ" panose="020B0604030504040204" pitchFamily="50" charset="-128"/>
-                <a:ea typeface="メイリオ" panose="020B0604030504040204" pitchFamily="50" charset="-128"/>
-              </a:rPr>
-              <a:t>を極める方がよい</a:t>
-            </a:r>
-          </a:p>
-        </p:txBody>
-      </p:sp>
-      <p:sp>
-        <p:nvSpPr>
-          <p:cNvPr id="3" name="テキスト ボックス 2">
-            <a:extLst>
-              <a:ext uri="{FF2B5EF4-FFF2-40B4-BE49-F238E27FC236}">
-                <a16:creationId xmlns:a16="http://schemas.microsoft.com/office/drawing/2014/main" id="{DBCA3A33-D6AC-3993-7B62-58D7706B23C2}"/>
-              </a:ext>
-            </a:extLst>
-          </p:cNvPr>
-          <p:cNvSpPr txBox="1"/>
-          <p:nvPr/>
-        </p:nvSpPr>
-        <p:spPr>
-          <a:xfrm>
-            <a:off x="698740" y="1233578"/>
-            <a:ext cx="10103984" cy="1200329"/>
-          </a:xfrm>
-          <a:prstGeom prst="rect">
-            <a:avLst/>
-          </a:prstGeom>
-          <a:noFill/>
-        </p:spPr>
-        <p:txBody>
-          <a:bodyPr wrap="none" rtlCol="0">
-            <a:spAutoFit/>
-          </a:bodyPr>
-          <a:lstStyle/>
-          <a:p>
-            <a:pPr marL="457200" indent="-457200" algn="l">
-              <a:buFont typeface="+mj-lt"/>
-              <a:buAutoNum type="arabicPeriod"/>
-            </a:pPr>
-            <a:r>
-              <a:rPr kumimoji="1" lang="en-US" altLang="ja-JP" sz="2400" dirty="0" err="1">
-                <a:latin typeface="メイリオ" panose="020B0604030504040204" pitchFamily="50" charset="-128"/>
-                <a:ea typeface="メイリオ" panose="020B0604030504040204" pitchFamily="50" charset="-128"/>
-              </a:rPr>
-              <a:t>php</a:t>
-            </a:r>
-            <a:r>
-              <a:rPr kumimoji="1" lang="en-US" altLang="ja-JP" sz="2400" dirty="0">
-                <a:latin typeface="メイリオ" panose="020B0604030504040204" pitchFamily="50" charset="-128"/>
-                <a:ea typeface="メイリオ" panose="020B0604030504040204" pitchFamily="50" charset="-128"/>
-              </a:rPr>
-              <a:t>, Java, python</a:t>
-            </a:r>
-            <a:r>
-              <a:rPr kumimoji="1" lang="ja-JP" altLang="en-US" sz="2400" dirty="0">
-                <a:latin typeface="メイリオ" panose="020B0604030504040204" pitchFamily="50" charset="-128"/>
-                <a:ea typeface="メイリオ" panose="020B0604030504040204" pitchFamily="50" charset="-128"/>
-              </a:rPr>
-              <a:t>もオブジェクト指向言語という点でよく似ている</a:t>
-            </a:r>
-            <a:endParaRPr kumimoji="1" lang="en-US" altLang="ja-JP" sz="2400" dirty="0">
-              <a:latin typeface="メイリオ" panose="020B0604030504040204" pitchFamily="50" charset="-128"/>
-              <a:ea typeface="メイリオ" panose="020B0604030504040204" pitchFamily="50" charset="-128"/>
-            </a:endParaRPr>
-          </a:p>
-          <a:p>
-            <a:pPr marL="457200" indent="-457200" algn="l">
-              <a:buFont typeface="+mj-lt"/>
-              <a:buAutoNum type="arabicPeriod"/>
-            </a:pPr>
-            <a:r>
-              <a:rPr kumimoji="1" lang="en-US" altLang="ja-JP" sz="2400" dirty="0">
-                <a:latin typeface="メイリオ" panose="020B0604030504040204" pitchFamily="50" charset="-128"/>
-                <a:ea typeface="メイリオ" panose="020B0604030504040204" pitchFamily="50" charset="-128"/>
-              </a:rPr>
-              <a:t>Python</a:t>
-            </a:r>
-            <a:r>
-              <a:rPr kumimoji="1" lang="ja-JP" altLang="en-US" sz="2400" dirty="0">
-                <a:latin typeface="メイリオ" panose="020B0604030504040204" pitchFamily="50" charset="-128"/>
-                <a:ea typeface="メイリオ" panose="020B0604030504040204" pitchFamily="50" charset="-128"/>
-              </a:rPr>
-              <a:t>のオブジェクト指向の仕組みを理解しておくことは重要</a:t>
-            </a:r>
-            <a:endParaRPr kumimoji="1" lang="en-US" altLang="ja-JP" sz="2400" dirty="0">
-              <a:latin typeface="メイリオ" panose="020B0604030504040204" pitchFamily="50" charset="-128"/>
-              <a:ea typeface="メイリオ" panose="020B0604030504040204" pitchFamily="50" charset="-128"/>
-            </a:endParaRPr>
-          </a:p>
-          <a:p>
-            <a:pPr marL="457200" indent="-457200" algn="l">
-              <a:buFont typeface="+mj-lt"/>
-              <a:buAutoNum type="arabicPeriod"/>
-            </a:pPr>
-            <a:r>
-              <a:rPr kumimoji="1" lang="en-US" altLang="ja-JP" sz="2400" dirty="0">
-                <a:latin typeface="メイリオ" panose="020B0604030504040204" pitchFamily="50" charset="-128"/>
-                <a:ea typeface="メイリオ" panose="020B0604030504040204" pitchFamily="50" charset="-128"/>
-              </a:rPr>
-              <a:t>Python</a:t>
-            </a:r>
-            <a:r>
-              <a:rPr kumimoji="1" lang="ja-JP" altLang="en-US" sz="2400" dirty="0">
-                <a:latin typeface="メイリオ" panose="020B0604030504040204" pitchFamily="50" charset="-128"/>
-                <a:ea typeface="メイリオ" panose="020B0604030504040204" pitchFamily="50" charset="-128"/>
-              </a:rPr>
-              <a:t>でサーバーサイドプログラミングを試すなら</a:t>
-            </a:r>
-            <a:r>
-              <a:rPr kumimoji="1" lang="en-US" altLang="ja-JP" sz="2400" dirty="0">
-                <a:latin typeface="メイリオ" panose="020B0604030504040204" pitchFamily="50" charset="-128"/>
-                <a:ea typeface="メイリオ" panose="020B0604030504040204" pitchFamily="50" charset="-128"/>
-              </a:rPr>
-              <a:t>Flask</a:t>
-            </a:r>
-            <a:r>
-              <a:rPr kumimoji="1" lang="ja-JP" altLang="en-US" sz="2400" dirty="0">
-                <a:latin typeface="メイリオ" panose="020B0604030504040204" pitchFamily="50" charset="-128"/>
-                <a:ea typeface="メイリオ" panose="020B0604030504040204" pitchFamily="50" charset="-128"/>
-              </a:rPr>
-              <a:t>がお勧め</a:t>
-            </a:r>
-          </a:p>
-        </p:txBody>
-      </p:sp>
-      <p:pic>
-        <p:nvPicPr>
-          <p:cNvPr id="5" name="図 4">
-            <a:extLst>
-              <a:ext uri="{FF2B5EF4-FFF2-40B4-BE49-F238E27FC236}">
-                <a16:creationId xmlns:a16="http://schemas.microsoft.com/office/drawing/2014/main" id="{3F440CA3-EEFD-4A0A-CAEA-ED10AD2D3C76}"/>
-              </a:ext>
-            </a:extLst>
-          </p:cNvPr>
-          <p:cNvPicPr>
-            <a:picLocks noChangeAspect="1"/>
-          </p:cNvPicPr>
-          <p:nvPr/>
-        </p:nvPicPr>
-        <p:blipFill>
-          <a:blip r:embed="rId2"/>
-          <a:stretch>
-            <a:fillRect/>
-          </a:stretch>
-        </p:blipFill>
-        <p:spPr>
-          <a:xfrm>
-            <a:off x="698740" y="2907196"/>
-            <a:ext cx="2686012" cy="3632658"/>
-          </a:xfrm>
-          <a:prstGeom prst="rect">
-            <a:avLst/>
-          </a:prstGeom>
-        </p:spPr>
-      </p:pic>
-      <p:sp>
-        <p:nvSpPr>
-          <p:cNvPr id="6" name="テキスト ボックス 5">
-            <a:extLst>
-              <a:ext uri="{FF2B5EF4-FFF2-40B4-BE49-F238E27FC236}">
-                <a16:creationId xmlns:a16="http://schemas.microsoft.com/office/drawing/2014/main" id="{8BBA7AD4-A796-6E2F-9CDE-42CF7FA1314B}"/>
-              </a:ext>
-            </a:extLst>
-          </p:cNvPr>
-          <p:cNvSpPr txBox="1"/>
-          <p:nvPr/>
-        </p:nvSpPr>
-        <p:spPr>
-          <a:xfrm>
-            <a:off x="3856008" y="3075317"/>
-            <a:ext cx="7447552" cy="461665"/>
-          </a:xfrm>
-          <a:prstGeom prst="rect">
-            <a:avLst/>
-          </a:prstGeom>
-          <a:noFill/>
-        </p:spPr>
-        <p:txBody>
-          <a:bodyPr wrap="none" rtlCol="0">
-            <a:spAutoFit/>
-          </a:bodyPr>
-          <a:lstStyle/>
-          <a:p>
-            <a:pPr algn="l"/>
-            <a:r>
-              <a:rPr kumimoji="1" lang="en-US" altLang="ja-JP" sz="2400" dirty="0">
-                <a:latin typeface="メイリオ" panose="020B0604030504040204" pitchFamily="50" charset="-128"/>
-                <a:ea typeface="メイリオ" panose="020B0604030504040204" pitchFamily="50" charset="-128"/>
-              </a:rPr>
-              <a:t>Flask</a:t>
-            </a:r>
-            <a:r>
-              <a:rPr kumimoji="1" lang="ja-JP" altLang="en-US" sz="2400" dirty="0">
-                <a:latin typeface="メイリオ" panose="020B0604030504040204" pitchFamily="50" charset="-128"/>
-                <a:ea typeface="メイリオ" panose="020B0604030504040204" pitchFamily="50" charset="-128"/>
-              </a:rPr>
-              <a:t>本格入門　～やさしくわかる</a:t>
-            </a:r>
-            <a:r>
-              <a:rPr kumimoji="1" lang="en-US" altLang="ja-JP" sz="2400" dirty="0">
-                <a:latin typeface="メイリオ" panose="020B0604030504040204" pitchFamily="50" charset="-128"/>
-                <a:ea typeface="メイリオ" panose="020B0604030504040204" pitchFamily="50" charset="-128"/>
-              </a:rPr>
-              <a:t>Web</a:t>
-            </a:r>
-            <a:r>
-              <a:rPr kumimoji="1" lang="ja-JP" altLang="en-US" sz="2400" dirty="0">
-                <a:latin typeface="メイリオ" panose="020B0604030504040204" pitchFamily="50" charset="-128"/>
-                <a:ea typeface="メイリオ" panose="020B0604030504040204" pitchFamily="50" charset="-128"/>
-              </a:rPr>
-              <a:t>アプリ開発～</a:t>
-            </a:r>
-          </a:p>
-        </p:txBody>
-      </p:sp>
-    </p:spTree>
-    <p:extLst>
-      <p:ext uri="{BB962C8B-B14F-4D97-AF65-F5344CB8AC3E}">
-        <p14:creationId xmlns:p14="http://schemas.microsoft.com/office/powerpoint/2010/main" val="1098559092"/>
-      </p:ext>
-    </p:extLst>
-  </p:cSld>
-  <p:clrMapOvr>
-    <a:masterClrMapping/>
-  </p:clrMapOvr>
-</p:sld>
-</file>
-
-<file path=ppt/slides/slide40.xml><?xml version="1.0" encoding="utf-8"?>
+<file path=ppt/slides/slide41.xml><?xml version="1.0" encoding="utf-8"?>
 <p:sld xmlns:a="http://schemas.openxmlformats.org/drawingml/2006/main" xmlns:r="http://schemas.openxmlformats.org/officeDocument/2006/relationships" xmlns:p="http://schemas.openxmlformats.org/presentationml/2006/main">
   <p:cSld>
     <p:spTree>
@@ -28642,6 +28712,334 @@
 </file>
 
 <file path=ppt/slides/slide5.xml><?xml version="1.0" encoding="utf-8"?>
+<p:sld xmlns:a="http://schemas.openxmlformats.org/drawingml/2006/main" xmlns:r="http://schemas.openxmlformats.org/officeDocument/2006/relationships" xmlns:p="http://schemas.openxmlformats.org/presentationml/2006/main">
+  <p:cSld>
+    <p:spTree>
+      <p:nvGrpSpPr>
+        <p:cNvPr id="1" name=""/>
+        <p:cNvGrpSpPr/>
+        <p:nvPr/>
+      </p:nvGrpSpPr>
+      <p:grpSpPr>
+        <a:xfrm>
+          <a:off x="0" y="0"/>
+          <a:ext cx="0" cy="0"/>
+          <a:chOff x="0" y="0"/>
+          <a:chExt cx="0" cy="0"/>
+        </a:xfrm>
+      </p:grpSpPr>
+      <p:sp>
+        <p:nvSpPr>
+          <p:cNvPr id="2" name="テキスト ボックス 1">
+            <a:extLst>
+              <a:ext uri="{FF2B5EF4-FFF2-40B4-BE49-F238E27FC236}">
+                <a16:creationId xmlns:a16="http://schemas.microsoft.com/office/drawing/2014/main" id="{9194B737-FAE5-996F-B1C6-E5556957FCEF}"/>
+              </a:ext>
+            </a:extLst>
+          </p:cNvPr>
+          <p:cNvSpPr txBox="1"/>
+          <p:nvPr/>
+        </p:nvSpPr>
+        <p:spPr>
+          <a:xfrm>
+            <a:off x="767751" y="508959"/>
+            <a:ext cx="9779408" cy="584775"/>
+          </a:xfrm>
+          <a:prstGeom prst="rect">
+            <a:avLst/>
+          </a:prstGeom>
+          <a:noFill/>
+        </p:spPr>
+        <p:txBody>
+          <a:bodyPr wrap="none" rtlCol="0">
+            <a:spAutoFit/>
+          </a:bodyPr>
+          <a:lstStyle/>
+          <a:p>
+            <a:pPr algn="l"/>
+            <a:r>
+              <a:rPr kumimoji="1" lang="en-US" altLang="ja-JP" sz="3200" dirty="0">
+                <a:latin typeface="メイリオ" panose="020B0604030504040204" pitchFamily="50" charset="-128"/>
+                <a:ea typeface="メイリオ" panose="020B0604030504040204" pitchFamily="50" charset="-128"/>
+              </a:rPr>
+              <a:t>python</a:t>
+            </a:r>
+            <a:r>
+              <a:rPr kumimoji="1" lang="ja-JP" altLang="en-US" sz="3200" dirty="0">
+                <a:latin typeface="メイリオ" panose="020B0604030504040204" pitchFamily="50" charset="-128"/>
+                <a:ea typeface="メイリオ" panose="020B0604030504040204" pitchFamily="50" charset="-128"/>
+              </a:rPr>
+              <a:t>以外で今の段階でやっておくとよい言語とは</a:t>
+            </a:r>
+          </a:p>
+        </p:txBody>
+      </p:sp>
+      <p:sp>
+        <p:nvSpPr>
+          <p:cNvPr id="3" name="テキスト ボックス 2">
+            <a:extLst>
+              <a:ext uri="{FF2B5EF4-FFF2-40B4-BE49-F238E27FC236}">
+                <a16:creationId xmlns:a16="http://schemas.microsoft.com/office/drawing/2014/main" id="{7F29EA0A-09A1-DEF9-5789-76961CC5AB94}"/>
+              </a:ext>
+            </a:extLst>
+          </p:cNvPr>
+          <p:cNvSpPr txBox="1"/>
+          <p:nvPr/>
+        </p:nvSpPr>
+        <p:spPr>
+          <a:xfrm>
+            <a:off x="767751" y="1587260"/>
+            <a:ext cx="10552312" cy="3416320"/>
+          </a:xfrm>
+          <a:prstGeom prst="rect">
+            <a:avLst/>
+          </a:prstGeom>
+          <a:noFill/>
+        </p:spPr>
+        <p:txBody>
+          <a:bodyPr wrap="none" rtlCol="0">
+            <a:spAutoFit/>
+          </a:bodyPr>
+          <a:lstStyle/>
+          <a:p>
+            <a:pPr algn="l"/>
+            <a:r>
+              <a:rPr kumimoji="1" lang="en-US" altLang="ja-JP" sz="2400" dirty="0">
+                <a:latin typeface="メイリオ" panose="020B0604030504040204" pitchFamily="50" charset="-128"/>
+                <a:ea typeface="メイリオ" panose="020B0604030504040204" pitchFamily="50" charset="-128"/>
+              </a:rPr>
+              <a:t>C </a:t>
+            </a:r>
+            <a:r>
+              <a:rPr kumimoji="1" lang="ja-JP" altLang="en-US" sz="2400" dirty="0">
+                <a:latin typeface="メイリオ" panose="020B0604030504040204" pitchFamily="50" charset="-128"/>
+                <a:ea typeface="メイリオ" panose="020B0604030504040204" pitchFamily="50" charset="-128"/>
+              </a:rPr>
+              <a:t>言語</a:t>
+            </a:r>
+            <a:endParaRPr kumimoji="1" lang="en-US" altLang="ja-JP" sz="2400" dirty="0">
+              <a:latin typeface="メイリオ" panose="020B0604030504040204" pitchFamily="50" charset="-128"/>
+              <a:ea typeface="メイリオ" panose="020B0604030504040204" pitchFamily="50" charset="-128"/>
+            </a:endParaRPr>
+          </a:p>
+          <a:p>
+            <a:pPr algn="l"/>
+            <a:r>
+              <a:rPr kumimoji="1" lang="ja-JP" altLang="en-US" sz="2400" dirty="0">
+                <a:latin typeface="メイリオ" panose="020B0604030504040204" pitchFamily="50" charset="-128"/>
+                <a:ea typeface="メイリオ" panose="020B0604030504040204" pitchFamily="50" charset="-128"/>
+              </a:rPr>
+              <a:t>　</a:t>
+            </a:r>
+            <a:r>
+              <a:rPr kumimoji="1" lang="en-US" altLang="ja-JP" sz="2400" dirty="0">
+                <a:latin typeface="メイリオ" panose="020B0604030504040204" pitchFamily="50" charset="-128"/>
+                <a:ea typeface="メイリオ" panose="020B0604030504040204" pitchFamily="50" charset="-128"/>
+              </a:rPr>
+              <a:t> </a:t>
+            </a:r>
+            <a:r>
+              <a:rPr kumimoji="1" lang="ja-JP" altLang="en-US" sz="2400" dirty="0">
+                <a:latin typeface="メイリオ" panose="020B0604030504040204" pitchFamily="50" charset="-128"/>
+                <a:ea typeface="メイリオ" panose="020B0604030504040204" pitchFamily="50" charset="-128"/>
+              </a:rPr>
+              <a:t>リアルタイム処理に向いた高速処理言語</a:t>
+            </a:r>
+            <a:endParaRPr kumimoji="1" lang="en-US" altLang="ja-JP" sz="2400" dirty="0">
+              <a:latin typeface="メイリオ" panose="020B0604030504040204" pitchFamily="50" charset="-128"/>
+              <a:ea typeface="メイリオ" panose="020B0604030504040204" pitchFamily="50" charset="-128"/>
+            </a:endParaRPr>
+          </a:p>
+          <a:p>
+            <a:pPr algn="l"/>
+            <a:r>
+              <a:rPr kumimoji="1" lang="ja-JP" altLang="en-US" sz="2400" dirty="0">
+                <a:latin typeface="メイリオ" panose="020B0604030504040204" pitchFamily="50" charset="-128"/>
+                <a:ea typeface="メイリオ" panose="020B0604030504040204" pitchFamily="50" charset="-128"/>
+              </a:rPr>
+              <a:t>　 非常にコンパクトに作れるので組み込み系に使われる</a:t>
+            </a:r>
+            <a:endParaRPr kumimoji="1" lang="en-US" altLang="ja-JP" sz="2400" dirty="0">
+              <a:latin typeface="メイリオ" panose="020B0604030504040204" pitchFamily="50" charset="-128"/>
+              <a:ea typeface="メイリオ" panose="020B0604030504040204" pitchFamily="50" charset="-128"/>
+            </a:endParaRPr>
+          </a:p>
+          <a:p>
+            <a:pPr algn="l"/>
+            <a:r>
+              <a:rPr kumimoji="1" lang="ja-JP" altLang="en-US" sz="2400" dirty="0">
+                <a:latin typeface="メイリオ" panose="020B0604030504040204" pitchFamily="50" charset="-128"/>
+                <a:ea typeface="メイリオ" panose="020B0604030504040204" pitchFamily="50" charset="-128"/>
+              </a:rPr>
+              <a:t>　 </a:t>
+            </a:r>
+            <a:r>
+              <a:rPr kumimoji="1" lang="en-US" altLang="ja-JP" sz="2400" dirty="0">
+                <a:latin typeface="メイリオ" panose="020B0604030504040204" pitchFamily="50" charset="-128"/>
+                <a:ea typeface="メイリオ" panose="020B0604030504040204" pitchFamily="50" charset="-128"/>
+              </a:rPr>
+              <a:t>python</a:t>
+            </a:r>
+            <a:r>
+              <a:rPr kumimoji="1" lang="ja-JP" altLang="en-US" sz="2400" dirty="0">
+                <a:latin typeface="メイリオ" panose="020B0604030504040204" pitchFamily="50" charset="-128"/>
+                <a:ea typeface="メイリオ" panose="020B0604030504040204" pitchFamily="50" charset="-128"/>
+              </a:rPr>
+              <a:t>の高速ライブラリの多くの中身は</a:t>
+            </a:r>
+            <a:r>
+              <a:rPr kumimoji="1" lang="en-US" altLang="ja-JP" sz="2400" dirty="0">
+                <a:latin typeface="メイリオ" panose="020B0604030504040204" pitchFamily="50" charset="-128"/>
+                <a:ea typeface="メイリオ" panose="020B0604030504040204" pitchFamily="50" charset="-128"/>
+              </a:rPr>
+              <a:t>C</a:t>
+            </a:r>
+            <a:r>
+              <a:rPr kumimoji="1" lang="ja-JP" altLang="en-US" sz="2400" dirty="0">
+                <a:latin typeface="メイリオ" panose="020B0604030504040204" pitchFamily="50" charset="-128"/>
+                <a:ea typeface="メイリオ" panose="020B0604030504040204" pitchFamily="50" charset="-128"/>
+              </a:rPr>
+              <a:t>で書かれている</a:t>
+            </a:r>
+            <a:endParaRPr kumimoji="1" lang="en-US" altLang="ja-JP" sz="2400" dirty="0">
+              <a:latin typeface="メイリオ" panose="020B0604030504040204" pitchFamily="50" charset="-128"/>
+              <a:ea typeface="メイリオ" panose="020B0604030504040204" pitchFamily="50" charset="-128"/>
+            </a:endParaRPr>
+          </a:p>
+          <a:p>
+            <a:pPr algn="l"/>
+            <a:endParaRPr kumimoji="1" lang="en-US" altLang="ja-JP" sz="2400" dirty="0">
+              <a:latin typeface="メイリオ" panose="020B0604030504040204" pitchFamily="50" charset="-128"/>
+              <a:ea typeface="メイリオ" panose="020B0604030504040204" pitchFamily="50" charset="-128"/>
+            </a:endParaRPr>
+          </a:p>
+          <a:p>
+            <a:pPr algn="l"/>
+            <a:r>
+              <a:rPr kumimoji="1" lang="en-US" altLang="ja-JP" sz="2400" dirty="0">
+                <a:latin typeface="メイリオ" panose="020B0604030504040204" pitchFamily="50" charset="-128"/>
+                <a:ea typeface="メイリオ" panose="020B0604030504040204" pitchFamily="50" charset="-128"/>
+              </a:rPr>
+              <a:t>Julia</a:t>
+            </a:r>
+          </a:p>
+          <a:p>
+            <a:pPr algn="l"/>
+            <a:r>
+              <a:rPr kumimoji="1" lang="en-US" altLang="ja-JP" sz="2400" dirty="0">
+                <a:latin typeface="メイリオ" panose="020B0604030504040204" pitchFamily="50" charset="-128"/>
+                <a:ea typeface="メイリオ" panose="020B0604030504040204" pitchFamily="50" charset="-128"/>
+              </a:rPr>
+              <a:t>    </a:t>
+            </a:r>
+            <a:r>
+              <a:rPr kumimoji="1" lang="ja-JP" altLang="en-US" sz="2400" dirty="0">
+                <a:latin typeface="メイリオ" panose="020B0604030504040204" pitchFamily="50" charset="-128"/>
+                <a:ea typeface="メイリオ" panose="020B0604030504040204" pitchFamily="50" charset="-128"/>
+              </a:rPr>
+              <a:t>高速という意味では</a:t>
+            </a:r>
+            <a:r>
+              <a:rPr kumimoji="1" lang="en-US" altLang="ja-JP" sz="2400" dirty="0">
+                <a:latin typeface="メイリオ" panose="020B0604030504040204" pitchFamily="50" charset="-128"/>
+                <a:ea typeface="メイリオ" panose="020B0604030504040204" pitchFamily="50" charset="-128"/>
+              </a:rPr>
+              <a:t>C</a:t>
+            </a:r>
+            <a:r>
+              <a:rPr kumimoji="1" lang="ja-JP" altLang="en-US" sz="2400" dirty="0">
+                <a:latin typeface="メイリオ" panose="020B0604030504040204" pitchFamily="50" charset="-128"/>
+                <a:ea typeface="メイリオ" panose="020B0604030504040204" pitchFamily="50" charset="-128"/>
+              </a:rPr>
+              <a:t>と同じレベル</a:t>
+            </a:r>
+            <a:endParaRPr kumimoji="1" lang="en-US" altLang="ja-JP" sz="2400" dirty="0">
+              <a:latin typeface="メイリオ" panose="020B0604030504040204" pitchFamily="50" charset="-128"/>
+              <a:ea typeface="メイリオ" panose="020B0604030504040204" pitchFamily="50" charset="-128"/>
+            </a:endParaRPr>
+          </a:p>
+          <a:p>
+            <a:pPr algn="l"/>
+            <a:r>
+              <a:rPr kumimoji="1" lang="ja-JP" altLang="en-US" sz="2400" dirty="0">
+                <a:latin typeface="メイリオ" panose="020B0604030504040204" pitchFamily="50" charset="-128"/>
+                <a:ea typeface="メイリオ" panose="020B0604030504040204" pitchFamily="50" charset="-128"/>
+              </a:rPr>
+              <a:t>　 次世代のデータサイエンス言語標準になりうる</a:t>
+            </a:r>
+            <a:r>
+              <a:rPr kumimoji="1" lang="en-US" altLang="ja-JP" sz="2400" dirty="0">
+                <a:latin typeface="メイリオ" panose="020B0604030504040204" pitchFamily="50" charset="-128"/>
+                <a:ea typeface="メイリオ" panose="020B0604030504040204" pitchFamily="50" charset="-128"/>
+              </a:rPr>
+              <a:t> </a:t>
+            </a:r>
+            <a:r>
+              <a:rPr kumimoji="1" lang="ja-JP" altLang="en-US" sz="2400" dirty="0">
+                <a:latin typeface="メイリオ" panose="020B0604030504040204" pitchFamily="50" charset="-128"/>
+                <a:ea typeface="メイリオ" panose="020B0604030504040204" pitchFamily="50" charset="-128"/>
+              </a:rPr>
+              <a:t>（</a:t>
+            </a:r>
+            <a:r>
+              <a:rPr kumimoji="1" lang="en-US" altLang="ja-JP" sz="2400" dirty="0">
+                <a:latin typeface="メイリオ" panose="020B0604030504040204" pitchFamily="50" charset="-128"/>
+                <a:ea typeface="メイリオ" panose="020B0604030504040204" pitchFamily="50" charset="-128"/>
+              </a:rPr>
+              <a:t>5</a:t>
+            </a:r>
+            <a:r>
+              <a:rPr kumimoji="1" lang="ja-JP" altLang="en-US" sz="2400" dirty="0">
+                <a:latin typeface="メイリオ" panose="020B0604030504040204" pitchFamily="50" charset="-128"/>
+                <a:ea typeface="メイリオ" panose="020B0604030504040204" pitchFamily="50" charset="-128"/>
+              </a:rPr>
+              <a:t>年くらいは</a:t>
+            </a:r>
+            <a:r>
+              <a:rPr kumimoji="1" lang="en-US" altLang="ja-JP" sz="2400" dirty="0">
+                <a:latin typeface="メイリオ" panose="020B0604030504040204" pitchFamily="50" charset="-128"/>
+                <a:ea typeface="メイリオ" panose="020B0604030504040204" pitchFamily="50" charset="-128"/>
+              </a:rPr>
+              <a:t>python</a:t>
+            </a:r>
+            <a:r>
+              <a:rPr kumimoji="1" lang="ja-JP" altLang="en-US" sz="2400" dirty="0">
+                <a:latin typeface="メイリオ" panose="020B0604030504040204" pitchFamily="50" charset="-128"/>
+                <a:ea typeface="メイリオ" panose="020B0604030504040204" pitchFamily="50" charset="-128"/>
+              </a:rPr>
+              <a:t>）</a:t>
+            </a:r>
+            <a:endParaRPr kumimoji="1" lang="en-US" altLang="ja-JP" sz="2400" dirty="0">
+              <a:latin typeface="メイリオ" panose="020B0604030504040204" pitchFamily="50" charset="-128"/>
+              <a:ea typeface="メイリオ" panose="020B0604030504040204" pitchFamily="50" charset="-128"/>
+            </a:endParaRPr>
+          </a:p>
+          <a:p>
+            <a:pPr algn="l"/>
+            <a:r>
+              <a:rPr kumimoji="1" lang="ja-JP" altLang="en-US" sz="2400" dirty="0">
+                <a:latin typeface="メイリオ" panose="020B0604030504040204" pitchFamily="50" charset="-128"/>
+                <a:ea typeface="メイリオ" panose="020B0604030504040204" pitchFamily="50" charset="-128"/>
+              </a:rPr>
+              <a:t>　 数理モデルを実装することを強く念頭に置いた言語</a:t>
+            </a:r>
+          </a:p>
+        </p:txBody>
+      </p:sp>
+    </p:spTree>
+    <p:extLst>
+      <p:ext uri="{BB962C8B-B14F-4D97-AF65-F5344CB8AC3E}">
+        <p14:creationId xmlns:p14="http://schemas.microsoft.com/office/powerpoint/2010/main" val="402027972"/>
+      </p:ext>
+    </p:extLst>
+  </p:cSld>
+  <p:clrMapOvr>
+    <a:masterClrMapping/>
+  </p:clrMapOvr>
+</p:sld>
+</file>
+
+<file path=ppt/slides/slide6.xml><?xml version="1.0" encoding="utf-8"?>
 <p:sld xmlns:a="http://schemas.openxmlformats.org/drawingml/2006/main" xmlns:r="http://schemas.openxmlformats.org/officeDocument/2006/relationships" xmlns:p="http://schemas.openxmlformats.org/presentationml/2006/main">
   <p:cSld>
     <p:spTree>
@@ -28945,7 +29343,7 @@
 </p:sld>
 </file>
 
-<file path=ppt/slides/slide6.xml><?xml version="1.0" encoding="utf-8"?>
+<file path=ppt/slides/slide7.xml><?xml version="1.0" encoding="utf-8"?>
 <p:sld xmlns:a="http://schemas.openxmlformats.org/drawingml/2006/main" xmlns:r="http://schemas.openxmlformats.org/officeDocument/2006/relationships" xmlns:p="http://schemas.openxmlformats.org/presentationml/2006/main">
   <p:cSld>
     <p:spTree>
@@ -29261,7 +29659,7 @@
 </p:sld>
 </file>
 
-<file path=ppt/slides/slide7.xml><?xml version="1.0" encoding="utf-8"?>
+<file path=ppt/slides/slide8.xml><?xml version="1.0" encoding="utf-8"?>
 <p:sld xmlns:a="http://schemas.openxmlformats.org/drawingml/2006/main" xmlns:r="http://schemas.openxmlformats.org/officeDocument/2006/relationships" xmlns:p="http://schemas.openxmlformats.org/presentationml/2006/main">
   <p:cSld>
     <p:spTree>
@@ -29438,7 +29836,7 @@
 </p:sld>
 </file>
 
-<file path=ppt/slides/slide8.xml><?xml version="1.0" encoding="utf-8"?>
+<file path=ppt/slides/slide9.xml><?xml version="1.0" encoding="utf-8"?>
 <p:sld xmlns:a="http://schemas.openxmlformats.org/drawingml/2006/main" xmlns:r="http://schemas.openxmlformats.org/officeDocument/2006/relationships" xmlns:p="http://schemas.openxmlformats.org/presentationml/2006/main">
   <p:cSld>
     <p:spTree>
@@ -29544,75 +29942,6 @@
     <p:extLst>
       <p:ext uri="{BB962C8B-B14F-4D97-AF65-F5344CB8AC3E}">
         <p14:creationId xmlns:p14="http://schemas.microsoft.com/office/powerpoint/2010/main" val="1765203302"/>
-      </p:ext>
-    </p:extLst>
-  </p:cSld>
-  <p:clrMapOvr>
-    <a:masterClrMapping/>
-  </p:clrMapOvr>
-</p:sld>
-</file>
-
-<file path=ppt/slides/slide9.xml><?xml version="1.0" encoding="utf-8"?>
-<p:sld xmlns:a="http://schemas.openxmlformats.org/drawingml/2006/main" xmlns:r="http://schemas.openxmlformats.org/officeDocument/2006/relationships" xmlns:p="http://schemas.openxmlformats.org/presentationml/2006/main">
-  <p:cSld>
-    <p:spTree>
-      <p:nvGrpSpPr>
-        <p:cNvPr id="1" name=""/>
-        <p:cNvGrpSpPr/>
-        <p:nvPr/>
-      </p:nvGrpSpPr>
-      <p:grpSpPr>
-        <a:xfrm>
-          <a:off x="0" y="0"/>
-          <a:ext cx="0" cy="0"/>
-          <a:chOff x="0" y="0"/>
-          <a:chExt cx="0" cy="0"/>
-        </a:xfrm>
-      </p:grpSpPr>
-      <p:sp>
-        <p:nvSpPr>
-          <p:cNvPr id="2" name="テキスト ボックス 1">
-            <a:extLst>
-              <a:ext uri="{FF2B5EF4-FFF2-40B4-BE49-F238E27FC236}">
-                <a16:creationId xmlns:a16="http://schemas.microsoft.com/office/drawing/2014/main" id="{D8DA7F4B-30B7-4A00-6D4C-47A6F7EEF806}"/>
-              </a:ext>
-            </a:extLst>
-          </p:cNvPr>
-          <p:cNvSpPr txBox="1"/>
-          <p:nvPr/>
-        </p:nvSpPr>
-        <p:spPr>
-          <a:xfrm>
-            <a:off x="457200" y="2509285"/>
-            <a:ext cx="3416320" cy="646331"/>
-          </a:xfrm>
-          <a:prstGeom prst="rect">
-            <a:avLst/>
-          </a:prstGeom>
-          <a:noFill/>
-        </p:spPr>
-        <p:txBody>
-          <a:bodyPr wrap="none" rtlCol="0">
-            <a:spAutoFit/>
-          </a:bodyPr>
-          <a:lstStyle/>
-          <a:p>
-            <a:pPr algn="l"/>
-            <a:r>
-              <a:rPr kumimoji="1" lang="ja-JP" altLang="en-US" sz="3600" dirty="0">
-                <a:latin typeface="メイリオ" panose="020B0604030504040204" pitchFamily="50" charset="-128"/>
-                <a:ea typeface="メイリオ" panose="020B0604030504040204" pitchFamily="50" charset="-128"/>
-              </a:rPr>
-              <a:t>スクレイピング</a:t>
-            </a:r>
-          </a:p>
-        </p:txBody>
-      </p:sp>
-    </p:spTree>
-    <p:extLst>
-      <p:ext uri="{BB962C8B-B14F-4D97-AF65-F5344CB8AC3E}">
-        <p14:creationId xmlns:p14="http://schemas.microsoft.com/office/powerpoint/2010/main" val="3685344697"/>
       </p:ext>
     </p:extLst>
   </p:cSld>
